--- a/Courses/Software-Sciences/Module-1-OOP-New/05.1-Methods-Basics/05.1-Methods-Basics.pptx
+++ b/Courses/Software-Sciences/Module-1-OOP-New/05.1-Methods-Basics/05.1-Methods-Basics.pptx
@@ -5,10 +5,10 @@
     <p:sldMasterId id="2147483675" r:id="rId1"/>
   </p:sldMasterIdLst>
   <p:notesMasterIdLst>
-    <p:notesMasterId r:id="rId36"/>
+    <p:notesMasterId r:id="rId33"/>
   </p:notesMasterIdLst>
   <p:handoutMasterIdLst>
-    <p:handoutMasterId r:id="rId37"/>
+    <p:handoutMasterId r:id="rId34"/>
   </p:handoutMasterIdLst>
   <p:sldIdLst>
     <p:sldId id="528" r:id="rId2"/>
@@ -32,19 +32,16 @@
     <p:sldId id="488" r:id="rId20"/>
     <p:sldId id="492" r:id="rId21"/>
     <p:sldId id="548" r:id="rId22"/>
-    <p:sldId id="551" r:id="rId23"/>
-    <p:sldId id="553" r:id="rId24"/>
-    <p:sldId id="552" r:id="rId25"/>
-    <p:sldId id="500" r:id="rId26"/>
-    <p:sldId id="501" r:id="rId27"/>
-    <p:sldId id="509" r:id="rId28"/>
-    <p:sldId id="510" r:id="rId29"/>
-    <p:sldId id="511" r:id="rId30"/>
-    <p:sldId id="512" r:id="rId31"/>
-    <p:sldId id="589" r:id="rId32"/>
-    <p:sldId id="534" r:id="rId33"/>
-    <p:sldId id="401" r:id="rId34"/>
-    <p:sldId id="587" r:id="rId35"/>
+    <p:sldId id="500" r:id="rId23"/>
+    <p:sldId id="501" r:id="rId24"/>
+    <p:sldId id="509" r:id="rId25"/>
+    <p:sldId id="510" r:id="rId26"/>
+    <p:sldId id="511" r:id="rId27"/>
+    <p:sldId id="512" r:id="rId28"/>
+    <p:sldId id="589" r:id="rId29"/>
+    <p:sldId id="534" r:id="rId30"/>
+    <p:sldId id="401" r:id="rId31"/>
+    <p:sldId id="587" r:id="rId32"/>
   </p:sldIdLst>
   <p:sldSz cx="12192000" cy="6858000"/>
   <p:notesSz cx="6858000" cy="9144000"/>
@@ -185,9 +182,6 @@
             <p14:sldId id="488"/>
             <p14:sldId id="492"/>
             <p14:sldId id="548"/>
-            <p14:sldId id="551"/>
-            <p14:sldId id="553"/>
-            <p14:sldId id="552"/>
           </p14:sldIdLst>
         </p14:section>
         <p14:section name="Ред на изпълнение в програмата" id="{172491D3-CC80-44C5-BDE8-DAFCA2406F2E}">
@@ -1143,7 +1137,7 @@
             <a:fld id="{3EBA5BD7-F043-4D1B-AA17-CD412FC534DE}" type="slidenum">
               <a:rPr lang="en-US" smtClean="0"/>
               <a:pPr/>
-              <a:t>25</a:t>
+              <a:t>22</a:t>
             </a:fld>
             <a:endParaRPr lang="en-US" dirty="0"/>
           </a:p>
@@ -1277,7 +1271,7 @@
           <a:p>
             <a:fld id="{2BF067CD-8E6B-4360-9AA8-C5DF2A48A6D1}" type="slidenum">
               <a:rPr lang="en-US" smtClean="0"/>
-              <a:t>26</a:t>
+              <a:t>23</a:t>
             </a:fld>
             <a:endParaRPr lang="en-US" dirty="0"/>
           </a:p>
@@ -1395,7 +1389,7 @@
             <a:fld id="{3EBA5BD7-F043-4D1B-AA17-CD412FC534DE}" type="slidenum">
               <a:rPr lang="en-US" smtClean="0"/>
               <a:pPr/>
-              <a:t>32</a:t>
+              <a:t>29</a:t>
             </a:fld>
             <a:endParaRPr lang="en-US" dirty="0"/>
           </a:p>
@@ -1636,7 +1630,7 @@
             <a:fld id="{3EBA5BD7-F043-4D1B-AA17-CD412FC534DE}" type="slidenum">
               <a:rPr lang="en-US" smtClean="0"/>
               <a:pPr/>
-              <a:t>33</a:t>
+              <a:t>30</a:t>
             </a:fld>
             <a:endParaRPr lang="en-US" dirty="0"/>
           </a:p>
@@ -1877,7 +1871,7 @@
             <a:fld id="{3EBA5BD7-F043-4D1B-AA17-CD412FC534DE}" type="slidenum">
               <a:rPr lang="en-US" smtClean="0"/>
               <a:pPr/>
-              <a:t>34</a:t>
+              <a:t>31</a:t>
             </a:fld>
             <a:endParaRPr lang="en-US" dirty="0"/>
           </a:p>
@@ -22812,2375 +22806,6 @@
           <a:chExt cx="0" cy="0"/>
         </a:xfrm>
       </p:grpSpPr>
-      <p:sp>
-        <p:nvSpPr>
-          <p:cNvPr id="2" name="Text Placeholder 1"/>
-          <p:cNvSpPr>
-            <a:spLocks noGrp="1"/>
-          </p:cNvSpPr>
-          <p:nvPr>
-            <p:ph type="body" sz="quarter" idx="10"/>
-          </p:nvPr>
-        </p:nvSpPr>
-        <p:spPr/>
-        <p:txBody>
-          <a:bodyPr/>
-          <a:lstStyle/>
-          <a:p>
-            <a:r>
-              <a:rPr lang="bg-BG" dirty="0"/>
-              <a:t>Напишете метод, който получава </a:t>
-            </a:r>
-            <a:r>
-              <a:rPr lang="bg-BG" b="1" dirty="0">
-                <a:solidFill>
-                  <a:schemeClr val="bg1"/>
-                </a:solidFill>
-              </a:rPr>
-              <a:t>стринг</a:t>
-            </a:r>
-            <a:r>
-              <a:rPr lang="en-US" dirty="0"/>
-              <a:t> </a:t>
-            </a:r>
-            <a:r>
-              <a:rPr lang="bg-BG" dirty="0"/>
-              <a:t>и</a:t>
-            </a:r>
-            <a:r>
-              <a:rPr lang="en-US" dirty="0"/>
-              <a:t> </a:t>
-            </a:r>
-            <a:r>
-              <a:rPr lang="bg-BG" dirty="0"/>
-              <a:t>цяло число </a:t>
-            </a:r>
-            <a:r>
-              <a:rPr lang="en-US" b="1" dirty="0">
-                <a:solidFill>
-                  <a:schemeClr val="bg1"/>
-                </a:solidFill>
-              </a:rPr>
-              <a:t>n</a:t>
-            </a:r>
-            <a:r>
-              <a:rPr lang="bg-BG" dirty="0"/>
-              <a:t>, което означава </a:t>
-            </a:r>
-            <a:r>
-              <a:rPr lang="bg-BG" b="1" dirty="0">
-                <a:solidFill>
-                  <a:schemeClr val="bg1"/>
-                </a:solidFill>
-              </a:rPr>
-              <a:t>броя</a:t>
-            </a:r>
-            <a:r>
-              <a:rPr lang="bg-BG" dirty="0"/>
-              <a:t> </a:t>
-            </a:r>
-            <a:r>
-              <a:rPr lang="bg-BG" b="1" dirty="0">
-                <a:solidFill>
-                  <a:schemeClr val="bg1"/>
-                </a:solidFill>
-              </a:rPr>
-              <a:t>повторения</a:t>
-            </a:r>
-            <a:endParaRPr lang="en-US" b="1" dirty="0">
-              <a:solidFill>
-                <a:schemeClr val="bg1"/>
-              </a:solidFill>
-            </a:endParaRPr>
-          </a:p>
-          <a:p>
-            <a:pPr lvl="1"/>
-            <a:r>
-              <a:rPr lang="bg-BG" dirty="0"/>
-              <a:t>Методът трябва да връща </a:t>
-            </a:r>
-            <a:r>
-              <a:rPr lang="bg-BG" b="1" dirty="0">
-                <a:solidFill>
-                  <a:schemeClr val="bg1"/>
-                </a:solidFill>
-              </a:rPr>
-              <a:t>нов стринг</a:t>
-            </a:r>
-            <a:r>
-              <a:rPr lang="en-US" dirty="0"/>
-              <a:t>, </a:t>
-            </a:r>
-            <a:r>
-              <a:rPr lang="bg-BG" dirty="0"/>
-              <a:t>който представлява </a:t>
-            </a:r>
-            <a:r>
-              <a:rPr lang="bg-BG" b="1" dirty="0">
-                <a:solidFill>
-                  <a:schemeClr val="bg1"/>
-                </a:solidFill>
-              </a:rPr>
-              <a:t>въведения стринг</a:t>
-            </a:r>
-            <a:r>
-              <a:rPr lang="en-US" dirty="0"/>
-              <a:t>, </a:t>
-            </a:r>
-            <a:r>
-              <a:rPr lang="bg-BG" dirty="0"/>
-              <a:t>повторен</a:t>
-            </a:r>
-            <a:r>
-              <a:rPr lang="en-US" dirty="0"/>
-              <a:t> </a:t>
-            </a:r>
-            <a:r>
-              <a:rPr lang="en-US" b="1" dirty="0">
-                <a:solidFill>
-                  <a:schemeClr val="bg1"/>
-                </a:solidFill>
-              </a:rPr>
-              <a:t>n </a:t>
-            </a:r>
-            <a:r>
-              <a:rPr lang="bg-BG" b="1" dirty="0">
-                <a:solidFill>
-                  <a:schemeClr val="bg1"/>
-                </a:solidFill>
-              </a:rPr>
-              <a:t>пъти</a:t>
-            </a:r>
-          </a:p>
-        </p:txBody>
-      </p:sp>
-      <p:sp>
-        <p:nvSpPr>
-          <p:cNvPr id="3" name="Title 2"/>
-          <p:cNvSpPr>
-            <a:spLocks noGrp="1"/>
-          </p:cNvSpPr>
-          <p:nvPr>
-            <p:ph type="title"/>
-          </p:nvPr>
-        </p:nvSpPr>
-        <p:spPr/>
-        <p:txBody>
-          <a:bodyPr/>
-          <a:lstStyle/>
-          <a:p>
-            <a:r>
-              <a:rPr lang="bg-BG" dirty="0"/>
-              <a:t>Задача:</a:t>
-            </a:r>
-            <a:r>
-              <a:rPr lang="en-US" dirty="0"/>
-              <a:t> </a:t>
-            </a:r>
-            <a:r>
-              <a:rPr lang="bg-BG" dirty="0"/>
-              <a:t>Повторение на стринг</a:t>
-            </a:r>
-          </a:p>
-        </p:txBody>
-      </p:sp>
-      <p:sp>
-        <p:nvSpPr>
-          <p:cNvPr id="5" name="Rectangle 4">
-            <a:extLst>
-              <a:ext uri="{FF2B5EF4-FFF2-40B4-BE49-F238E27FC236}">
-                <a16:creationId xmlns:a16="http://schemas.microsoft.com/office/drawing/2014/main" id="{8BE948D6-42C3-4447-8FC2-55BCA526CCC8}"/>
-              </a:ext>
-            </a:extLst>
-          </p:cNvPr>
-          <p:cNvSpPr>
-            <a:spLocks noChangeArrowheads="1"/>
-          </p:cNvSpPr>
-          <p:nvPr/>
-        </p:nvSpPr>
-        <p:spPr bwMode="auto">
-          <a:xfrm>
-            <a:off x="2901000" y="3884837"/>
-            <a:ext cx="1559764" cy="1076937"/>
-          </a:xfrm>
-          <a:prstGeom prst="rect">
-            <a:avLst/>
-          </a:prstGeom>
-          <a:solidFill>
-            <a:schemeClr val="accent5">
-              <a:lumMod val="40000"/>
-              <a:lumOff val="60000"/>
-              <a:alpha val="20000"/>
-            </a:schemeClr>
-          </a:solidFill>
-          <a:ln w="12700">
-            <a:solidFill>
-              <a:schemeClr val="accent5">
-                <a:lumMod val="60000"/>
-                <a:lumOff val="40000"/>
-              </a:schemeClr>
-            </a:solidFill>
-          </a:ln>
-        </p:spPr>
-        <p:txBody>
-          <a:bodyPr wrap="square">
-            <a:spAutoFit/>
-          </a:bodyPr>
-          <a:lstStyle/>
-          <a:p>
-            <a:pPr algn="ctr" eaLnBrk="0" hangingPunct="0">
-              <a:buClr>
-                <a:schemeClr val="accent5">
-                  <a:lumMod val="40000"/>
-                  <a:lumOff val="60000"/>
-                </a:schemeClr>
-              </a:buClr>
-              <a:buSzPct val="70000"/>
-            </a:pPr>
-            <a:r>
-              <a:rPr lang="it-IT" sz="3199" b="1" noProof="1">
-                <a:latin typeface="Consolas" panose="020B0609020204030204" pitchFamily="49" charset="0"/>
-              </a:rPr>
-              <a:t>abc</a:t>
-            </a:r>
-          </a:p>
-          <a:p>
-            <a:pPr algn="ctr" eaLnBrk="0" hangingPunct="0">
-              <a:buClr>
-                <a:schemeClr val="accent5">
-                  <a:lumMod val="40000"/>
-                  <a:lumOff val="60000"/>
-                </a:schemeClr>
-              </a:buClr>
-              <a:buSzPct val="70000"/>
-            </a:pPr>
-            <a:r>
-              <a:rPr lang="it-IT" sz="3199" b="1" noProof="1">
-                <a:latin typeface="Consolas" panose="020B0609020204030204" pitchFamily="49" charset="0"/>
-              </a:rPr>
-              <a:t>3</a:t>
-            </a:r>
-          </a:p>
-        </p:txBody>
-      </p:sp>
-      <p:sp>
-        <p:nvSpPr>
-          <p:cNvPr id="6" name="Rectangle 5">
-            <a:extLst>
-              <a:ext uri="{FF2B5EF4-FFF2-40B4-BE49-F238E27FC236}">
-                <a16:creationId xmlns:a16="http://schemas.microsoft.com/office/drawing/2014/main" id="{92362A31-5F40-431D-B4B7-51175EEE543B}"/>
-              </a:ext>
-            </a:extLst>
-          </p:cNvPr>
-          <p:cNvSpPr>
-            <a:spLocks noChangeArrowheads="1"/>
-          </p:cNvSpPr>
-          <p:nvPr/>
-        </p:nvSpPr>
-        <p:spPr bwMode="auto">
-          <a:xfrm>
-            <a:off x="5618088" y="4161482"/>
-            <a:ext cx="2920244" cy="584623"/>
-          </a:xfrm>
-          <a:prstGeom prst="rect">
-            <a:avLst/>
-          </a:prstGeom>
-          <a:solidFill>
-            <a:schemeClr val="accent5">
-              <a:lumMod val="40000"/>
-              <a:lumOff val="60000"/>
-              <a:alpha val="20000"/>
-            </a:schemeClr>
-          </a:solidFill>
-          <a:ln w="12700">
-            <a:solidFill>
-              <a:schemeClr val="accent5">
-                <a:lumMod val="60000"/>
-                <a:lumOff val="40000"/>
-              </a:schemeClr>
-            </a:solidFill>
-          </a:ln>
-        </p:spPr>
-        <p:txBody>
-          <a:bodyPr wrap="square">
-            <a:spAutoFit/>
-          </a:bodyPr>
-          <a:lstStyle/>
-          <a:p>
-            <a:pPr algn="ctr" eaLnBrk="0" hangingPunct="0">
-              <a:buClr>
-                <a:schemeClr val="accent5">
-                  <a:lumMod val="40000"/>
-                  <a:lumOff val="60000"/>
-                </a:schemeClr>
-              </a:buClr>
-              <a:buSzPct val="70000"/>
-            </a:pPr>
-            <a:r>
-              <a:rPr lang="en-GB" sz="3199" b="1" noProof="1">
-                <a:latin typeface="Consolas" panose="020B0609020204030204" pitchFamily="49" charset="0"/>
-              </a:rPr>
-              <a:t>abcabcabc</a:t>
-            </a:r>
-            <a:endParaRPr lang="it-IT" sz="3199" b="1" noProof="1">
-              <a:latin typeface="Consolas" panose="020B0609020204030204" pitchFamily="49" charset="0"/>
-            </a:endParaRPr>
-          </a:p>
-        </p:txBody>
-      </p:sp>
-      <p:sp>
-        <p:nvSpPr>
-          <p:cNvPr id="7" name="Rectangle 6">
-            <a:extLst>
-              <a:ext uri="{FF2B5EF4-FFF2-40B4-BE49-F238E27FC236}">
-                <a16:creationId xmlns:a16="http://schemas.microsoft.com/office/drawing/2014/main" id="{41F4524D-D92D-4B11-9E95-3DF692E099EE}"/>
-              </a:ext>
-            </a:extLst>
-          </p:cNvPr>
-          <p:cNvSpPr>
-            <a:spLocks noChangeArrowheads="1"/>
-          </p:cNvSpPr>
-          <p:nvPr/>
-        </p:nvSpPr>
-        <p:spPr bwMode="auto">
-          <a:xfrm>
-            <a:off x="2900999" y="5433872"/>
-            <a:ext cx="1559764" cy="1076937"/>
-          </a:xfrm>
-          <a:prstGeom prst="rect">
-            <a:avLst/>
-          </a:prstGeom>
-          <a:solidFill>
-            <a:schemeClr val="accent5">
-              <a:lumMod val="40000"/>
-              <a:lumOff val="60000"/>
-              <a:alpha val="20000"/>
-            </a:schemeClr>
-          </a:solidFill>
-          <a:ln w="12700">
-            <a:solidFill>
-              <a:schemeClr val="accent5">
-                <a:lumMod val="60000"/>
-                <a:lumOff val="40000"/>
-              </a:schemeClr>
-            </a:solidFill>
-          </a:ln>
-        </p:spPr>
-        <p:txBody>
-          <a:bodyPr wrap="square">
-            <a:spAutoFit/>
-          </a:bodyPr>
-          <a:lstStyle/>
-          <a:p>
-            <a:pPr algn="ctr" eaLnBrk="0" hangingPunct="0">
-              <a:buClr>
-                <a:schemeClr val="accent5">
-                  <a:lumMod val="40000"/>
-                  <a:lumOff val="60000"/>
-                </a:schemeClr>
-              </a:buClr>
-              <a:buSzPct val="70000"/>
-            </a:pPr>
-            <a:r>
-              <a:rPr lang="it-IT" sz="3199" b="1" noProof="1">
-                <a:latin typeface="Consolas" panose="020B0609020204030204" pitchFamily="49" charset="0"/>
-              </a:rPr>
-              <a:t>String</a:t>
-            </a:r>
-          </a:p>
-          <a:p>
-            <a:pPr algn="ctr" eaLnBrk="0" hangingPunct="0">
-              <a:buClr>
-                <a:schemeClr val="accent5">
-                  <a:lumMod val="40000"/>
-                  <a:lumOff val="60000"/>
-                </a:schemeClr>
-              </a:buClr>
-              <a:buSzPct val="70000"/>
-            </a:pPr>
-            <a:r>
-              <a:rPr lang="it-IT" sz="3199" b="1" noProof="1">
-                <a:latin typeface="Consolas" panose="020B0609020204030204" pitchFamily="49" charset="0"/>
-              </a:rPr>
-              <a:t>2</a:t>
-            </a:r>
-          </a:p>
-        </p:txBody>
-      </p:sp>
-      <p:sp>
-        <p:nvSpPr>
-          <p:cNvPr id="8" name="Right Arrow 14">
-            <a:extLst>
-              <a:ext uri="{FF2B5EF4-FFF2-40B4-BE49-F238E27FC236}">
-                <a16:creationId xmlns:a16="http://schemas.microsoft.com/office/drawing/2014/main" id="{78273AC2-D375-47B5-88FD-7988BC3E468D}"/>
-              </a:ext>
-            </a:extLst>
-          </p:cNvPr>
-          <p:cNvSpPr/>
-          <p:nvPr/>
-        </p:nvSpPr>
-        <p:spPr>
-          <a:xfrm flipV="1">
-            <a:off x="4791318" y="5734906"/>
-            <a:ext cx="496215" cy="385646"/>
-          </a:xfrm>
-          <a:prstGeom prst="rightArrow">
-            <a:avLst/>
-          </a:prstGeom>
-          <a:solidFill>
-            <a:schemeClr val="dk2">
-              <a:alpha val="80000"/>
-            </a:schemeClr>
-          </a:solidFill>
-          <a:ln w="19050">
-            <a:solidFill>
-              <a:schemeClr val="tx1">
-                <a:lumMod val="75000"/>
-                <a:alpha val="80000"/>
-              </a:schemeClr>
-            </a:solidFill>
-          </a:ln>
-          <a:effectLst/>
-        </p:spPr>
-        <p:style>
-          <a:lnRef idx="2">
-            <a:schemeClr val="accent1">
-              <a:shade val="50000"/>
-            </a:schemeClr>
-          </a:lnRef>
-          <a:fillRef idx="1001">
-            <a:schemeClr val="dk2"/>
-          </a:fillRef>
-          <a:effectRef idx="0">
-            <a:schemeClr val="accent1"/>
-          </a:effectRef>
-          <a:fontRef idx="minor">
-            <a:schemeClr val="lt1"/>
-          </a:fontRef>
-        </p:style>
-        <p:txBody>
-          <a:bodyPr rot="0" spcFirstLastPara="0" vertOverflow="overflow" horzOverflow="overflow" vert="horz" wrap="square" lIns="91416" tIns="45708" rIns="91416" bIns="45708" numCol="1" spcCol="0" rtlCol="0" fromWordArt="0" anchor="ctr" anchorCtr="0" forceAA="0" compatLnSpc="1">
-            <a:prstTxWarp prst="textNoShape">
-              <a:avLst/>
-            </a:prstTxWarp>
-            <a:noAutofit/>
-          </a:bodyPr>
-          <a:lstStyle/>
-          <a:p>
-            <a:pPr algn="ctr"/>
-            <a:endParaRPr lang="en-US" sz="2799" b="1">
-              <a:solidFill>
-                <a:srgbClr val="FFFFFF"/>
-              </a:solidFill>
-              <a:effectLst>
-                <a:outerShdw blurRad="38100" dist="38100" dir="2700000" algn="tl">
-                  <a:srgbClr val="000000">
-                    <a:alpha val="43137"/>
-                  </a:srgbClr>
-                </a:outerShdw>
-              </a:effectLst>
-            </a:endParaRPr>
-          </a:p>
-        </p:txBody>
-      </p:sp>
-      <p:sp>
-        <p:nvSpPr>
-          <p:cNvPr id="9" name="Rectangle 8">
-            <a:extLst>
-              <a:ext uri="{FF2B5EF4-FFF2-40B4-BE49-F238E27FC236}">
-                <a16:creationId xmlns:a16="http://schemas.microsoft.com/office/drawing/2014/main" id="{A166E673-B46E-4055-8829-58904C81C524}"/>
-              </a:ext>
-            </a:extLst>
-          </p:cNvPr>
-          <p:cNvSpPr>
-            <a:spLocks noChangeArrowheads="1"/>
-          </p:cNvSpPr>
-          <p:nvPr/>
-        </p:nvSpPr>
-        <p:spPr bwMode="auto">
-          <a:xfrm>
-            <a:off x="5618088" y="5635420"/>
-            <a:ext cx="2920244" cy="584623"/>
-          </a:xfrm>
-          <a:prstGeom prst="rect">
-            <a:avLst/>
-          </a:prstGeom>
-          <a:solidFill>
-            <a:schemeClr val="accent5">
-              <a:lumMod val="40000"/>
-              <a:lumOff val="60000"/>
-              <a:alpha val="20000"/>
-            </a:schemeClr>
-          </a:solidFill>
-          <a:ln w="12700">
-            <a:solidFill>
-              <a:schemeClr val="accent5">
-                <a:lumMod val="60000"/>
-                <a:lumOff val="40000"/>
-              </a:schemeClr>
-            </a:solidFill>
-          </a:ln>
-        </p:spPr>
-        <p:txBody>
-          <a:bodyPr wrap="square">
-            <a:spAutoFit/>
-          </a:bodyPr>
-          <a:lstStyle/>
-          <a:p>
-            <a:pPr algn="ctr" eaLnBrk="0" hangingPunct="0">
-              <a:buClr>
-                <a:schemeClr val="accent5">
-                  <a:lumMod val="40000"/>
-                  <a:lumOff val="60000"/>
-                </a:schemeClr>
-              </a:buClr>
-              <a:buSzPct val="70000"/>
-            </a:pPr>
-            <a:r>
-              <a:rPr lang="it-IT" sz="3199" b="1" noProof="1">
-                <a:latin typeface="Consolas" panose="020B0609020204030204" pitchFamily="49" charset="0"/>
-              </a:rPr>
-              <a:t>StringString</a:t>
-            </a:r>
-          </a:p>
-        </p:txBody>
-      </p:sp>
-      <p:sp>
-        <p:nvSpPr>
-          <p:cNvPr id="10" name="Right Arrow 9">
-            <a:extLst>
-              <a:ext uri="{FF2B5EF4-FFF2-40B4-BE49-F238E27FC236}">
-                <a16:creationId xmlns:a16="http://schemas.microsoft.com/office/drawing/2014/main" id="{D634171F-5415-4C3C-B065-E7868E428F3A}"/>
-              </a:ext>
-            </a:extLst>
-          </p:cNvPr>
-          <p:cNvSpPr/>
-          <p:nvPr/>
-        </p:nvSpPr>
-        <p:spPr>
-          <a:xfrm flipV="1">
-            <a:off x="4791318" y="4294740"/>
-            <a:ext cx="496215" cy="385646"/>
-          </a:xfrm>
-          <a:prstGeom prst="rightArrow">
-            <a:avLst/>
-          </a:prstGeom>
-          <a:solidFill>
-            <a:schemeClr val="dk2">
-              <a:alpha val="80000"/>
-            </a:schemeClr>
-          </a:solidFill>
-          <a:ln w="19050">
-            <a:solidFill>
-              <a:schemeClr val="tx1">
-                <a:lumMod val="75000"/>
-                <a:alpha val="80000"/>
-              </a:schemeClr>
-            </a:solidFill>
-          </a:ln>
-          <a:effectLst/>
-        </p:spPr>
-        <p:style>
-          <a:lnRef idx="2">
-            <a:schemeClr val="accent1">
-              <a:shade val="50000"/>
-            </a:schemeClr>
-          </a:lnRef>
-          <a:fillRef idx="1001">
-            <a:schemeClr val="dk2"/>
-          </a:fillRef>
-          <a:effectRef idx="0">
-            <a:schemeClr val="accent1"/>
-          </a:effectRef>
-          <a:fontRef idx="minor">
-            <a:schemeClr val="lt1"/>
-          </a:fontRef>
-        </p:style>
-        <p:txBody>
-          <a:bodyPr rot="0" spcFirstLastPara="0" vertOverflow="overflow" horzOverflow="overflow" vert="horz" wrap="square" lIns="91416" tIns="45708" rIns="91416" bIns="45708" numCol="1" spcCol="0" rtlCol="0" fromWordArt="0" anchor="ctr" anchorCtr="0" forceAA="0" compatLnSpc="1">
-            <a:prstTxWarp prst="textNoShape">
-              <a:avLst/>
-            </a:prstTxWarp>
-            <a:noAutofit/>
-          </a:bodyPr>
-          <a:lstStyle/>
-          <a:p>
-            <a:pPr algn="ctr"/>
-            <a:endParaRPr lang="en-US" sz="2799" b="1">
-              <a:solidFill>
-                <a:srgbClr val="FFFFFF"/>
-              </a:solidFill>
-              <a:effectLst>
-                <a:outerShdw blurRad="38100" dist="38100" dir="2700000" algn="tl">
-                  <a:srgbClr val="000000">
-                    <a:alpha val="43137"/>
-                  </a:srgbClr>
-                </a:outerShdw>
-              </a:effectLst>
-            </a:endParaRPr>
-          </a:p>
-        </p:txBody>
-      </p:sp>
-      <p:sp>
-        <p:nvSpPr>
-          <p:cNvPr id="13" name="Slide Number">
-            <a:extLst>
-              <a:ext uri="{FF2B5EF4-FFF2-40B4-BE49-F238E27FC236}">
-                <a16:creationId xmlns:a16="http://schemas.microsoft.com/office/drawing/2014/main" id="{B76EF317-04D5-432B-85BB-938DA25D11F2}"/>
-              </a:ext>
-            </a:extLst>
-          </p:cNvPr>
-          <p:cNvSpPr>
-            <a:spLocks noGrp="1"/>
-          </p:cNvSpPr>
-          <p:nvPr>
-            <p:ph type="sldNum" sz="quarter" idx="5"/>
-          </p:nvPr>
-        </p:nvSpPr>
-        <p:spPr>
-          <a:xfrm>
-            <a:off x="11753030" y="6507000"/>
-            <a:ext cx="367414" cy="297000"/>
-          </a:xfrm>
-          <a:prstGeom prst="rect">
-            <a:avLst/>
-          </a:prstGeom>
-        </p:spPr>
-        <p:txBody>
-          <a:bodyPr vert="horz" lIns="91440" tIns="45720" rIns="91440" bIns="45720" rtlCol="0" anchor="b"/>
-          <a:lstStyle>
-            <a:lvl1pPr algn="r">
-              <a:defRPr sz="1000"/>
-            </a:lvl1pPr>
-          </a:lstStyle>
-          <a:p>
-            <a:fld id="{2BF067CD-8E6B-4360-9AA8-C5DF2A48A6D1}" type="slidenum">
-              <a:rPr lang="en-US" noProof="0" smtClean="0"/>
-              <a:pPr/>
-              <a:t>22</a:t>
-            </a:fld>
-            <a:endParaRPr lang="en-US" noProof="0" dirty="0"/>
-          </a:p>
-        </p:txBody>
-      </p:sp>
-    </p:spTree>
-    <p:extLst>
-      <p:ext uri="{BB962C8B-B14F-4D97-AF65-F5344CB8AC3E}">
-        <p14:creationId xmlns:p14="http://schemas.microsoft.com/office/powerpoint/2010/main" val="1571126401"/>
-      </p:ext>
-    </p:extLst>
-  </p:cSld>
-  <p:clrMapOvr>
-    <a:masterClrMapping/>
-  </p:clrMapOvr>
-  <mc:AlternateContent xmlns:mc="http://schemas.openxmlformats.org/markup-compatibility/2006" xmlns:p14="http://schemas.microsoft.com/office/powerpoint/2010/main">
-    <mc:Choice Requires="p14">
-      <p:transition spd="slow" p14:dur="2000" advClick="0" advTm="5000"/>
-    </mc:Choice>
-    <mc:Fallback xmlns="">
-      <p:transition spd="slow" advClick="0" advTm="5000"/>
-    </mc:Fallback>
-  </mc:AlternateContent>
-  <p:timing>
-    <p:tnLst>
-      <p:par>
-        <p:cTn id="1" dur="indefinite" restart="never" nodeType="tmRoot">
-          <p:childTnLst>
-            <p:seq concurrent="1" nextAc="seek">
-              <p:cTn id="2" dur="indefinite" nodeType="mainSeq">
-                <p:childTnLst>
-                  <p:par>
-                    <p:cTn id="3" fill="hold">
-                      <p:stCondLst>
-                        <p:cond delay="indefinite"/>
-                      </p:stCondLst>
-                      <p:childTnLst>
-                        <p:par>
-                          <p:cTn id="4" fill="hold">
-                            <p:stCondLst>
-                              <p:cond delay="0"/>
-                            </p:stCondLst>
-                            <p:childTnLst>
-                              <p:par>
-                                <p:cTn id="5" presetID="1" presetClass="entr" presetSubtype="0" fill="hold" grpId="0" nodeType="clickEffect">
-                                  <p:stCondLst>
-                                    <p:cond delay="0"/>
-                                  </p:stCondLst>
-                                  <p:childTnLst>
-                                    <p:set>
-                                      <p:cBhvr>
-                                        <p:cTn id="6" dur="1" fill="hold">
-                                          <p:stCondLst>
-                                            <p:cond delay="0"/>
-                                          </p:stCondLst>
-                                        </p:cTn>
-                                        <p:tgtEl>
-                                          <p:spTgt spid="5"/>
-                                        </p:tgtEl>
-                                        <p:attrNameLst>
-                                          <p:attrName>style.visibility</p:attrName>
-                                        </p:attrNameLst>
-                                      </p:cBhvr>
-                                      <p:to>
-                                        <p:strVal val="visible"/>
-                                      </p:to>
-                                    </p:set>
-                                  </p:childTnLst>
-                                </p:cTn>
-                              </p:par>
-                              <p:par>
-                                <p:cTn id="7" presetID="1" presetClass="entr" presetSubtype="0" fill="hold" grpId="0" nodeType="withEffect">
-                                  <p:stCondLst>
-                                    <p:cond delay="0"/>
-                                  </p:stCondLst>
-                                  <p:childTnLst>
-                                    <p:set>
-                                      <p:cBhvr>
-                                        <p:cTn id="8" dur="1" fill="hold">
-                                          <p:stCondLst>
-                                            <p:cond delay="0"/>
-                                          </p:stCondLst>
-                                        </p:cTn>
-                                        <p:tgtEl>
-                                          <p:spTgt spid="6"/>
-                                        </p:tgtEl>
-                                        <p:attrNameLst>
-                                          <p:attrName>style.visibility</p:attrName>
-                                        </p:attrNameLst>
-                                      </p:cBhvr>
-                                      <p:to>
-                                        <p:strVal val="visible"/>
-                                      </p:to>
-                                    </p:set>
-                                  </p:childTnLst>
-                                </p:cTn>
-                              </p:par>
-                              <p:par>
-                                <p:cTn id="9" presetID="1" presetClass="entr" presetSubtype="0" fill="hold" grpId="0" nodeType="withEffect">
-                                  <p:stCondLst>
-                                    <p:cond delay="0"/>
-                                  </p:stCondLst>
-                                  <p:childTnLst>
-                                    <p:set>
-                                      <p:cBhvr>
-                                        <p:cTn id="10" dur="1" fill="hold">
-                                          <p:stCondLst>
-                                            <p:cond delay="0"/>
-                                          </p:stCondLst>
-                                        </p:cTn>
-                                        <p:tgtEl>
-                                          <p:spTgt spid="7"/>
-                                        </p:tgtEl>
-                                        <p:attrNameLst>
-                                          <p:attrName>style.visibility</p:attrName>
-                                        </p:attrNameLst>
-                                      </p:cBhvr>
-                                      <p:to>
-                                        <p:strVal val="visible"/>
-                                      </p:to>
-                                    </p:set>
-                                  </p:childTnLst>
-                                </p:cTn>
-                              </p:par>
-                              <p:par>
-                                <p:cTn id="11" presetID="1" presetClass="entr" presetSubtype="0" fill="hold" grpId="0" nodeType="withEffect">
-                                  <p:stCondLst>
-                                    <p:cond delay="0"/>
-                                  </p:stCondLst>
-                                  <p:childTnLst>
-                                    <p:set>
-                                      <p:cBhvr>
-                                        <p:cTn id="12" dur="1" fill="hold">
-                                          <p:stCondLst>
-                                            <p:cond delay="0"/>
-                                          </p:stCondLst>
-                                        </p:cTn>
-                                        <p:tgtEl>
-                                          <p:spTgt spid="8"/>
-                                        </p:tgtEl>
-                                        <p:attrNameLst>
-                                          <p:attrName>style.visibility</p:attrName>
-                                        </p:attrNameLst>
-                                      </p:cBhvr>
-                                      <p:to>
-                                        <p:strVal val="visible"/>
-                                      </p:to>
-                                    </p:set>
-                                  </p:childTnLst>
-                                </p:cTn>
-                              </p:par>
-                              <p:par>
-                                <p:cTn id="13" presetID="1" presetClass="entr" presetSubtype="0" fill="hold" grpId="0" nodeType="withEffect">
-                                  <p:stCondLst>
-                                    <p:cond delay="0"/>
-                                  </p:stCondLst>
-                                  <p:childTnLst>
-                                    <p:set>
-                                      <p:cBhvr>
-                                        <p:cTn id="14" dur="1" fill="hold">
-                                          <p:stCondLst>
-                                            <p:cond delay="0"/>
-                                          </p:stCondLst>
-                                        </p:cTn>
-                                        <p:tgtEl>
-                                          <p:spTgt spid="9"/>
-                                        </p:tgtEl>
-                                        <p:attrNameLst>
-                                          <p:attrName>style.visibility</p:attrName>
-                                        </p:attrNameLst>
-                                      </p:cBhvr>
-                                      <p:to>
-                                        <p:strVal val="visible"/>
-                                      </p:to>
-                                    </p:set>
-                                  </p:childTnLst>
-                                </p:cTn>
-                              </p:par>
-                              <p:par>
-                                <p:cTn id="15" presetID="1" presetClass="entr" presetSubtype="0" fill="hold" grpId="0" nodeType="withEffect">
-                                  <p:stCondLst>
-                                    <p:cond delay="0"/>
-                                  </p:stCondLst>
-                                  <p:childTnLst>
-                                    <p:set>
-                                      <p:cBhvr>
-                                        <p:cTn id="16" dur="1" fill="hold">
-                                          <p:stCondLst>
-                                            <p:cond delay="0"/>
-                                          </p:stCondLst>
-                                        </p:cTn>
-                                        <p:tgtEl>
-                                          <p:spTgt spid="10"/>
-                                        </p:tgtEl>
-                                        <p:attrNameLst>
-                                          <p:attrName>style.visibility</p:attrName>
-                                        </p:attrNameLst>
-                                      </p:cBhvr>
-                                      <p:to>
-                                        <p:strVal val="visible"/>
-                                      </p:to>
-                                    </p:set>
-                                  </p:childTnLst>
-                                </p:cTn>
-                              </p:par>
-                            </p:childTnLst>
-                          </p:cTn>
-                        </p:par>
-                      </p:childTnLst>
-                    </p:cTn>
-                  </p:par>
-                </p:childTnLst>
-              </p:cTn>
-              <p:prevCondLst>
-                <p:cond evt="onPrev" delay="0">
-                  <p:tgtEl>
-                    <p:sldTgt/>
-                  </p:tgtEl>
-                </p:cond>
-              </p:prevCondLst>
-              <p:nextCondLst>
-                <p:cond evt="onNext" delay="0">
-                  <p:tgtEl>
-                    <p:sldTgt/>
-                  </p:tgtEl>
-                </p:cond>
-              </p:nextCondLst>
-            </p:seq>
-          </p:childTnLst>
-        </p:cTn>
-      </p:par>
-    </p:tnLst>
-    <p:bldLst>
-      <p:bldP spid="5" grpId="0" animBg="1"/>
-      <p:bldP spid="6" grpId="0" animBg="1"/>
-      <p:bldP spid="7" grpId="0" animBg="1"/>
-      <p:bldP spid="8" grpId="0" animBg="1"/>
-      <p:bldP spid="9" grpId="0" animBg="1"/>
-      <p:bldP spid="10" grpId="0" animBg="1"/>
-    </p:bldLst>
-  </p:timing>
-</p:sld>
-</file>
-
-<file path=ppt/slides/slide23.xml><?xml version="1.0" encoding="utf-8"?>
-<p:sld xmlns:a="http://schemas.openxmlformats.org/drawingml/2006/main" xmlns:r="http://schemas.openxmlformats.org/officeDocument/2006/relationships" xmlns:p="http://schemas.openxmlformats.org/presentationml/2006/main">
-  <p:cSld>
-    <p:spTree>
-      <p:nvGrpSpPr>
-        <p:cNvPr id="1" name=""/>
-        <p:cNvGrpSpPr/>
-        <p:nvPr/>
-      </p:nvGrpSpPr>
-      <p:grpSpPr>
-        <a:xfrm>
-          <a:off x="0" y="0"/>
-          <a:ext cx="0" cy="0"/>
-          <a:chOff x="0" y="0"/>
-          <a:chExt cx="0" cy="0"/>
-        </a:xfrm>
-      </p:grpSpPr>
-      <p:sp>
-        <p:nvSpPr>
-          <p:cNvPr id="4" name="Title 3"/>
-          <p:cNvSpPr>
-            <a:spLocks noGrp="1"/>
-          </p:cNvSpPr>
-          <p:nvPr>
-            <p:ph type="title"/>
-          </p:nvPr>
-        </p:nvSpPr>
-        <p:spPr/>
-        <p:txBody>
-          <a:bodyPr/>
-          <a:lstStyle/>
-          <a:p>
-            <a:r>
-              <a:rPr lang="bg-BG" dirty="0"/>
-              <a:t>Решение</a:t>
-            </a:r>
-            <a:r>
-              <a:rPr lang="en-GB" dirty="0"/>
-              <a:t>: </a:t>
-            </a:r>
-            <a:r>
-              <a:rPr lang="bg-BG" dirty="0"/>
-              <a:t>Повторение на стринг </a:t>
-            </a:r>
-            <a:r>
-              <a:rPr lang="en-GB" dirty="0"/>
-              <a:t>(1)</a:t>
-            </a:r>
-            <a:endParaRPr lang="bg-BG" dirty="0"/>
-          </a:p>
-        </p:txBody>
-      </p:sp>
-      <p:sp>
-        <p:nvSpPr>
-          <p:cNvPr id="7" name="TextBox 6">
-            <a:extLst>
-              <a:ext uri="{FF2B5EF4-FFF2-40B4-BE49-F238E27FC236}">
-                <a16:creationId xmlns:a16="http://schemas.microsoft.com/office/drawing/2014/main" id="{54FFBC3C-9A6F-457B-A21C-0A77B5AC06D9}"/>
-              </a:ext>
-            </a:extLst>
-          </p:cNvPr>
-          <p:cNvSpPr txBox="1"/>
-          <p:nvPr/>
-        </p:nvSpPr>
-        <p:spPr>
-          <a:xfrm>
-            <a:off x="801479" y="6320033"/>
-            <a:ext cx="10589042" cy="400006"/>
-          </a:xfrm>
-          <a:prstGeom prst="rect">
-            <a:avLst/>
-          </a:prstGeom>
-          <a:noFill/>
-        </p:spPr>
-        <p:txBody>
-          <a:bodyPr wrap="square" rtlCol="0">
-            <a:spAutoFit/>
-          </a:bodyPr>
-          <a:lstStyle/>
-          <a:p>
-            <a:pPr algn="ctr"/>
-            <a:r>
-              <a:rPr lang="bg-BG" sz="1999" dirty="0"/>
-              <a:t>Проверете решението си тук</a:t>
-            </a:r>
-            <a:r>
-              <a:rPr lang="en-US" sz="1999" dirty="0"/>
-              <a:t>: </a:t>
-            </a:r>
-            <a:r>
-              <a:rPr lang="en-US" sz="1999" dirty="0">
-                <a:hlinkClick r:id="rId2"/>
-              </a:rPr>
-              <a:t>https://judge.softuni.bg/Contests/Practice/Index/3160#5</a:t>
-            </a:r>
-            <a:endParaRPr lang="en-US" sz="1999" dirty="0"/>
-          </a:p>
-        </p:txBody>
-      </p:sp>
-      <p:sp>
-        <p:nvSpPr>
-          <p:cNvPr id="10" name="Text Placeholder 2">
-            <a:extLst>
-              <a:ext uri="{FF2B5EF4-FFF2-40B4-BE49-F238E27FC236}">
-                <a16:creationId xmlns:a16="http://schemas.microsoft.com/office/drawing/2014/main" id="{585B5E1B-06A5-47E0-B361-4A7AF3FB1079}"/>
-              </a:ext>
-            </a:extLst>
-          </p:cNvPr>
-          <p:cNvSpPr txBox="1">
-            <a:spLocks/>
-          </p:cNvSpPr>
-          <p:nvPr/>
-        </p:nvSpPr>
-        <p:spPr>
-          <a:xfrm>
-            <a:off x="677863" y="1700808"/>
-            <a:ext cx="10836275" cy="4095000"/>
-          </a:xfrm>
-          <a:prstGeom prst="rect">
-            <a:avLst/>
-          </a:prstGeom>
-          <a:solidFill>
-            <a:srgbClr val="F4F5F7">
-              <a:lumMod val="75000"/>
-              <a:alpha val="15000"/>
-            </a:srgbClr>
-          </a:solidFill>
-          <a:ln w="12700">
-            <a:solidFill>
-              <a:srgbClr val="234465">
-                <a:lumMod val="50000"/>
-              </a:srgbClr>
-            </a:solidFill>
-          </a:ln>
-        </p:spPr>
-        <p:txBody>
-          <a:bodyPr vert="horz" wrap="square" lIns="144000" tIns="108000" rIns="144000" bIns="108000" rtlCol="0">
-            <a:spAutoFit/>
-          </a:bodyPr>
-          <a:lstStyle>
-            <a:lvl1pPr marL="360363" indent="-360363" algn="l" defTabSz="1218438" rtl="0" eaLnBrk="1" latinLnBrk="0" hangingPunct="1">
-              <a:lnSpc>
-                <a:spcPct val="110000"/>
-              </a:lnSpc>
-              <a:spcBef>
-                <a:spcPts val="0"/>
-              </a:spcBef>
-              <a:spcAft>
-                <a:spcPts val="0"/>
-              </a:spcAft>
-              <a:buFont typeface="Wingdings" panose="05000000000000000000" pitchFamily="2" charset="2"/>
-              <a:buNone/>
-              <a:defRPr lang="en-US" sz="2800" b="1" kern="1200" smtClean="0">
-                <a:solidFill>
-                  <a:schemeClr val="tx1"/>
-                </a:solidFill>
-                <a:latin typeface="Consolas" pitchFamily="49" charset="0"/>
-                <a:ea typeface="+mn-ea"/>
-                <a:cs typeface="+mn-cs"/>
-              </a:defRPr>
-            </a:lvl1pPr>
-            <a:lvl2pPr marL="803275" indent="-360363" algn="l" defTabSz="1218438" rtl="0" eaLnBrk="1" latinLnBrk="0" hangingPunct="1">
-              <a:lnSpc>
-                <a:spcPct val="105000"/>
-              </a:lnSpc>
-              <a:spcBef>
-                <a:spcPts val="600"/>
-              </a:spcBef>
-              <a:spcAft>
-                <a:spcPts val="600"/>
-              </a:spcAft>
-              <a:buFont typeface="Wingdings" panose="05000000000000000000" pitchFamily="2" charset="2"/>
-              <a:buChar char="§"/>
-              <a:defRPr lang="en-US" sz="3198" kern="1200" smtClean="0">
-                <a:solidFill>
-                  <a:schemeClr val="tx1"/>
-                </a:solidFill>
-                <a:latin typeface="+mn-lt"/>
-                <a:ea typeface="+mn-ea"/>
-                <a:cs typeface="+mn-cs"/>
-              </a:defRPr>
-            </a:lvl2pPr>
-            <a:lvl3pPr marL="1255713" indent="-360363" algn="l" defTabSz="1218438" rtl="0" eaLnBrk="1" latinLnBrk="0" hangingPunct="1">
-              <a:lnSpc>
-                <a:spcPct val="105000"/>
-              </a:lnSpc>
-              <a:spcBef>
-                <a:spcPts val="600"/>
-              </a:spcBef>
-              <a:spcAft>
-                <a:spcPts val="600"/>
-              </a:spcAft>
-              <a:buFont typeface="Wingdings" panose="05000000000000000000" pitchFamily="2" charset="2"/>
-              <a:buChar char="§"/>
-              <a:defRPr lang="en-US" sz="2998" kern="1200" smtClean="0">
-                <a:solidFill>
-                  <a:schemeClr val="tx1"/>
-                </a:solidFill>
-                <a:latin typeface="+mn-lt"/>
-                <a:ea typeface="+mn-ea"/>
-                <a:cs typeface="+mn-cs"/>
-              </a:defRPr>
-            </a:lvl3pPr>
-            <a:lvl4pPr marL="1700213" indent="-352425" algn="l" defTabSz="1218438" rtl="0" eaLnBrk="1" latinLnBrk="0" hangingPunct="1">
-              <a:lnSpc>
-                <a:spcPct val="105000"/>
-              </a:lnSpc>
-              <a:spcBef>
-                <a:spcPts val="600"/>
-              </a:spcBef>
-              <a:spcAft>
-                <a:spcPts val="600"/>
-              </a:spcAft>
-              <a:buFont typeface="Wingdings" panose="05000000000000000000" pitchFamily="2" charset="2"/>
-              <a:buChar char="§"/>
-              <a:defRPr lang="en-US" sz="2798" kern="1200" smtClean="0">
-                <a:solidFill>
-                  <a:schemeClr val="tx1"/>
-                </a:solidFill>
-                <a:latin typeface="+mn-lt"/>
-                <a:ea typeface="+mn-ea"/>
-                <a:cs typeface="+mn-cs"/>
-              </a:defRPr>
-            </a:lvl4pPr>
-            <a:lvl5pPr marL="2058988" indent="-266700" algn="l" defTabSz="1218438" rtl="0" eaLnBrk="1" latinLnBrk="0" hangingPunct="1">
-              <a:lnSpc>
-                <a:spcPct val="105000"/>
-              </a:lnSpc>
-              <a:spcBef>
-                <a:spcPts val="600"/>
-              </a:spcBef>
-              <a:spcAft>
-                <a:spcPts val="600"/>
-              </a:spcAft>
-              <a:buFont typeface="Wingdings" panose="05000000000000000000" pitchFamily="2" charset="2"/>
-              <a:buChar char="§"/>
-              <a:defRPr lang="en-US" sz="2598" kern="1200">
-                <a:solidFill>
-                  <a:schemeClr val="tx1"/>
-                </a:solidFill>
-                <a:latin typeface="+mn-lt"/>
-                <a:ea typeface="+mn-ea"/>
-                <a:cs typeface="+mn-cs"/>
-              </a:defRPr>
-            </a:lvl5pPr>
-            <a:lvl6pPr marL="3350704" indent="-304610" algn="l" defTabSz="1218438" rtl="0" eaLnBrk="1" latinLnBrk="1" hangingPunct="1">
-              <a:spcBef>
-                <a:spcPct val="20000"/>
-              </a:spcBef>
-              <a:buFont typeface="Arial" pitchFamily="34" charset="0"/>
-              <a:buChar char="•"/>
-              <a:defRPr sz="2665" kern="1200">
-                <a:solidFill>
-                  <a:schemeClr val="tx1"/>
-                </a:solidFill>
-                <a:latin typeface="+mn-lt"/>
-                <a:ea typeface="+mn-ea"/>
-                <a:cs typeface="+mn-cs"/>
-              </a:defRPr>
-            </a:lvl6pPr>
-            <a:lvl7pPr marL="3959924" indent="-304610" algn="l" defTabSz="1218438" rtl="0" eaLnBrk="1" latinLnBrk="1" hangingPunct="1">
-              <a:spcBef>
-                <a:spcPct val="20000"/>
-              </a:spcBef>
-              <a:buFont typeface="Arial" pitchFamily="34" charset="0"/>
-              <a:buChar char="•"/>
-              <a:defRPr sz="2665" kern="1200">
-                <a:solidFill>
-                  <a:schemeClr val="tx1"/>
-                </a:solidFill>
-                <a:latin typeface="+mn-lt"/>
-                <a:ea typeface="+mn-ea"/>
-                <a:cs typeface="+mn-cs"/>
-              </a:defRPr>
-            </a:lvl7pPr>
-            <a:lvl8pPr marL="4569143" indent="-304610" algn="l" defTabSz="1218438" rtl="0" eaLnBrk="1" latinLnBrk="1" hangingPunct="1">
-              <a:spcBef>
-                <a:spcPct val="20000"/>
-              </a:spcBef>
-              <a:buFont typeface="Arial" pitchFamily="34" charset="0"/>
-              <a:buChar char="•"/>
-              <a:defRPr sz="2665" kern="1200">
-                <a:solidFill>
-                  <a:schemeClr val="tx1"/>
-                </a:solidFill>
-                <a:latin typeface="+mn-lt"/>
-                <a:ea typeface="+mn-ea"/>
-                <a:cs typeface="+mn-cs"/>
-              </a:defRPr>
-            </a:lvl8pPr>
-            <a:lvl9pPr marL="5178362" indent="-304610" algn="l" defTabSz="1218438" rtl="0" eaLnBrk="1" latinLnBrk="1" hangingPunct="1">
-              <a:spcBef>
-                <a:spcPct val="20000"/>
-              </a:spcBef>
-              <a:buFont typeface="Arial" pitchFamily="34" charset="0"/>
-              <a:buChar char="•"/>
-              <a:defRPr sz="2665" kern="1200">
-                <a:solidFill>
-                  <a:schemeClr val="tx1"/>
-                </a:solidFill>
-                <a:latin typeface="+mn-lt"/>
-                <a:ea typeface="+mn-ea"/>
-                <a:cs typeface="+mn-cs"/>
-              </a:defRPr>
-            </a:lvl9pPr>
-          </a:lstStyle>
-          <a:p>
-            <a:pPr>
-              <a:defRPr/>
-            </a:pPr>
-            <a:r>
-              <a:rPr lang="en-GB" noProof="1"/>
-              <a:t>static void Main()</a:t>
-            </a:r>
-          </a:p>
-          <a:p>
-            <a:pPr>
-              <a:defRPr/>
-            </a:pPr>
-            <a:r>
-              <a:rPr lang="en-GB" noProof="1"/>
-              <a:t>{</a:t>
-            </a:r>
-          </a:p>
-          <a:p>
-            <a:pPr>
-              <a:defRPr/>
-            </a:pPr>
-            <a:r>
-              <a:rPr lang="en-GB" noProof="1"/>
-              <a:t>  string inputStr = Console.ReadLine();</a:t>
-            </a:r>
-          </a:p>
-          <a:p>
-            <a:pPr>
-              <a:defRPr/>
-            </a:pPr>
-            <a:r>
-              <a:rPr lang="en-GB" noProof="1"/>
-              <a:t>  int count = int.Parse(Console.ReadLine());</a:t>
-            </a:r>
-          </a:p>
-          <a:p>
-            <a:pPr>
-              <a:defRPr/>
-            </a:pPr>
-            <a:endParaRPr lang="en-GB" noProof="1"/>
-          </a:p>
-          <a:p>
-            <a:pPr>
-              <a:defRPr/>
-            </a:pPr>
-            <a:r>
-              <a:rPr lang="en-GB" noProof="1"/>
-              <a:t>  string result = </a:t>
-            </a:r>
-            <a:r>
-              <a:rPr lang="en-GB" noProof="1">
-                <a:solidFill>
-                  <a:srgbClr val="FFA000"/>
-                </a:solidFill>
-              </a:rPr>
-              <a:t>RepeatString</a:t>
-            </a:r>
-            <a:r>
-              <a:rPr lang="en-GB" noProof="1"/>
-              <a:t>(inputStr, count);</a:t>
-            </a:r>
-          </a:p>
-          <a:p>
-            <a:pPr>
-              <a:defRPr/>
-            </a:pPr>
-            <a:r>
-              <a:rPr lang="en-GB" noProof="1"/>
-              <a:t>  Console.WriteLine(result);</a:t>
-            </a:r>
-          </a:p>
-          <a:p>
-            <a:pPr>
-              <a:defRPr/>
-            </a:pPr>
-            <a:r>
-              <a:rPr lang="en-GB" noProof="1"/>
-              <a:t>}</a:t>
-            </a:r>
-          </a:p>
-        </p:txBody>
-      </p:sp>
-      <p:sp>
-        <p:nvSpPr>
-          <p:cNvPr id="6" name="Slide Number">
-            <a:extLst>
-              <a:ext uri="{FF2B5EF4-FFF2-40B4-BE49-F238E27FC236}">
-                <a16:creationId xmlns:a16="http://schemas.microsoft.com/office/drawing/2014/main" id="{AB1C2359-1366-4CA2-AFD6-B7BF3709DD40}"/>
-              </a:ext>
-            </a:extLst>
-          </p:cNvPr>
-          <p:cNvSpPr>
-            <a:spLocks noGrp="1"/>
-          </p:cNvSpPr>
-          <p:nvPr>
-            <p:ph type="sldNum" sz="quarter" idx="5"/>
-          </p:nvPr>
-        </p:nvSpPr>
-        <p:spPr>
-          <a:xfrm>
-            <a:off x="11753030" y="6507000"/>
-            <a:ext cx="367414" cy="297000"/>
-          </a:xfrm>
-          <a:prstGeom prst="rect">
-            <a:avLst/>
-          </a:prstGeom>
-        </p:spPr>
-        <p:txBody>
-          <a:bodyPr vert="horz" lIns="91440" tIns="45720" rIns="91440" bIns="45720" rtlCol="0" anchor="b"/>
-          <a:lstStyle>
-            <a:lvl1pPr algn="r">
-              <a:defRPr sz="1000"/>
-            </a:lvl1pPr>
-          </a:lstStyle>
-          <a:p>
-            <a:fld id="{2BF067CD-8E6B-4360-9AA8-C5DF2A48A6D1}" type="slidenum">
-              <a:rPr lang="en-US" noProof="0" smtClean="0"/>
-              <a:pPr/>
-              <a:t>23</a:t>
-            </a:fld>
-            <a:endParaRPr lang="en-US" noProof="0" dirty="0"/>
-          </a:p>
-        </p:txBody>
-      </p:sp>
-    </p:spTree>
-    <p:extLst>
-      <p:ext uri="{BB962C8B-B14F-4D97-AF65-F5344CB8AC3E}">
-        <p14:creationId xmlns:p14="http://schemas.microsoft.com/office/powerpoint/2010/main" val="1100028734"/>
-      </p:ext>
-    </p:extLst>
-  </p:cSld>
-  <p:clrMapOvr>
-    <a:masterClrMapping/>
-  </p:clrMapOvr>
-  <mc:AlternateContent xmlns:mc="http://schemas.openxmlformats.org/markup-compatibility/2006" xmlns:p14="http://schemas.microsoft.com/office/powerpoint/2010/main">
-    <mc:Choice Requires="p14">
-      <p:transition spd="slow" p14:dur="2000" advClick="0" advTm="5000"/>
-    </mc:Choice>
-    <mc:Fallback xmlns="">
-      <p:transition spd="slow" advClick="0" advTm="5000"/>
-    </mc:Fallback>
-  </mc:AlternateContent>
-  <p:timing>
-    <p:tnLst>
-      <p:par>
-        <p:cTn id="1" dur="indefinite" restart="never" nodeType="tmRoot">
-          <p:childTnLst>
-            <p:seq concurrent="1" nextAc="seek">
-              <p:cTn id="2" dur="indefinite" nodeType="mainSeq">
-                <p:childTnLst>
-                  <p:par>
-                    <p:cTn id="3" fill="hold">
-                      <p:stCondLst>
-                        <p:cond delay="indefinite"/>
-                      </p:stCondLst>
-                      <p:childTnLst>
-                        <p:par>
-                          <p:cTn id="4" fill="hold">
-                            <p:stCondLst>
-                              <p:cond delay="0"/>
-                            </p:stCondLst>
-                            <p:childTnLst>
-                              <p:par>
-                                <p:cTn id="5" presetID="1" presetClass="entr" presetSubtype="0" fill="hold" nodeType="clickEffect">
-                                  <p:stCondLst>
-                                    <p:cond delay="0"/>
-                                  </p:stCondLst>
-                                  <p:childTnLst>
-                                    <p:set>
-                                      <p:cBhvr>
-                                        <p:cTn id="6" dur="1" fill="hold">
-                                          <p:stCondLst>
-                                            <p:cond delay="0"/>
-                                          </p:stCondLst>
-                                        </p:cTn>
-                                        <p:tgtEl>
-                                          <p:spTgt spid="10">
-                                            <p:txEl>
-                                              <p:pRg st="2" end="2"/>
-                                            </p:txEl>
-                                          </p:spTgt>
-                                        </p:tgtEl>
-                                        <p:attrNameLst>
-                                          <p:attrName>style.visibility</p:attrName>
-                                        </p:attrNameLst>
-                                      </p:cBhvr>
-                                      <p:to>
-                                        <p:strVal val="visible"/>
-                                      </p:to>
-                                    </p:set>
-                                  </p:childTnLst>
-                                </p:cTn>
-                              </p:par>
-                              <p:par>
-                                <p:cTn id="7" presetID="1" presetClass="entr" presetSubtype="0" fill="hold" nodeType="withEffect">
-                                  <p:stCondLst>
-                                    <p:cond delay="0"/>
-                                  </p:stCondLst>
-                                  <p:childTnLst>
-                                    <p:set>
-                                      <p:cBhvr>
-                                        <p:cTn id="8" dur="1" fill="hold">
-                                          <p:stCondLst>
-                                            <p:cond delay="0"/>
-                                          </p:stCondLst>
-                                        </p:cTn>
-                                        <p:tgtEl>
-                                          <p:spTgt spid="10">
-                                            <p:txEl>
-                                              <p:pRg st="3" end="3"/>
-                                            </p:txEl>
-                                          </p:spTgt>
-                                        </p:tgtEl>
-                                        <p:attrNameLst>
-                                          <p:attrName>style.visibility</p:attrName>
-                                        </p:attrNameLst>
-                                      </p:cBhvr>
-                                      <p:to>
-                                        <p:strVal val="visible"/>
-                                      </p:to>
-                                    </p:set>
-                                  </p:childTnLst>
-                                </p:cTn>
-                              </p:par>
-                            </p:childTnLst>
-                          </p:cTn>
-                        </p:par>
-                      </p:childTnLst>
-                    </p:cTn>
-                  </p:par>
-                  <p:par>
-                    <p:cTn id="9" fill="hold">
-                      <p:stCondLst>
-                        <p:cond delay="indefinite"/>
-                      </p:stCondLst>
-                      <p:childTnLst>
-                        <p:par>
-                          <p:cTn id="10" fill="hold">
-                            <p:stCondLst>
-                              <p:cond delay="0"/>
-                            </p:stCondLst>
-                            <p:childTnLst>
-                              <p:par>
-                                <p:cTn id="11" presetID="1" presetClass="entr" presetSubtype="0" fill="hold" nodeType="clickEffect">
-                                  <p:stCondLst>
-                                    <p:cond delay="0"/>
-                                  </p:stCondLst>
-                                  <p:childTnLst>
-                                    <p:set>
-                                      <p:cBhvr>
-                                        <p:cTn id="12" dur="1" fill="hold">
-                                          <p:stCondLst>
-                                            <p:cond delay="0"/>
-                                          </p:stCondLst>
-                                        </p:cTn>
-                                        <p:tgtEl>
-                                          <p:spTgt spid="10">
-                                            <p:txEl>
-                                              <p:pRg st="5" end="5"/>
-                                            </p:txEl>
-                                          </p:spTgt>
-                                        </p:tgtEl>
-                                        <p:attrNameLst>
-                                          <p:attrName>style.visibility</p:attrName>
-                                        </p:attrNameLst>
-                                      </p:cBhvr>
-                                      <p:to>
-                                        <p:strVal val="visible"/>
-                                      </p:to>
-                                    </p:set>
-                                  </p:childTnLst>
-                                </p:cTn>
-                              </p:par>
-                            </p:childTnLst>
-                          </p:cTn>
-                        </p:par>
-                      </p:childTnLst>
-                    </p:cTn>
-                  </p:par>
-                  <p:par>
-                    <p:cTn id="13" fill="hold">
-                      <p:stCondLst>
-                        <p:cond delay="indefinite"/>
-                      </p:stCondLst>
-                      <p:childTnLst>
-                        <p:par>
-                          <p:cTn id="14" fill="hold">
-                            <p:stCondLst>
-                              <p:cond delay="0"/>
-                            </p:stCondLst>
-                            <p:childTnLst>
-                              <p:par>
-                                <p:cTn id="15" presetID="1" presetClass="entr" presetSubtype="0" fill="hold" nodeType="clickEffect">
-                                  <p:stCondLst>
-                                    <p:cond delay="0"/>
-                                  </p:stCondLst>
-                                  <p:childTnLst>
-                                    <p:set>
-                                      <p:cBhvr>
-                                        <p:cTn id="16" dur="1" fill="hold">
-                                          <p:stCondLst>
-                                            <p:cond delay="0"/>
-                                          </p:stCondLst>
-                                        </p:cTn>
-                                        <p:tgtEl>
-                                          <p:spTgt spid="10">
-                                            <p:txEl>
-                                              <p:pRg st="6" end="6"/>
-                                            </p:txEl>
-                                          </p:spTgt>
-                                        </p:tgtEl>
-                                        <p:attrNameLst>
-                                          <p:attrName>style.visibility</p:attrName>
-                                        </p:attrNameLst>
-                                      </p:cBhvr>
-                                      <p:to>
-                                        <p:strVal val="visible"/>
-                                      </p:to>
-                                    </p:set>
-                                  </p:childTnLst>
-                                </p:cTn>
-                              </p:par>
-                            </p:childTnLst>
-                          </p:cTn>
-                        </p:par>
-                      </p:childTnLst>
-                    </p:cTn>
-                  </p:par>
-                </p:childTnLst>
-              </p:cTn>
-              <p:prevCondLst>
-                <p:cond evt="onPrev" delay="0">
-                  <p:tgtEl>
-                    <p:sldTgt/>
-                  </p:tgtEl>
-                </p:cond>
-              </p:prevCondLst>
-              <p:nextCondLst>
-                <p:cond evt="onNext" delay="0">
-                  <p:tgtEl>
-                    <p:sldTgt/>
-                  </p:tgtEl>
-                </p:cond>
-              </p:nextCondLst>
-            </p:seq>
-          </p:childTnLst>
-        </p:cTn>
-      </p:par>
-    </p:tnLst>
-  </p:timing>
-</p:sld>
-</file>
-
-<file path=ppt/slides/slide24.xml><?xml version="1.0" encoding="utf-8"?>
-<p:sld xmlns:a="http://schemas.openxmlformats.org/drawingml/2006/main" xmlns:r="http://schemas.openxmlformats.org/officeDocument/2006/relationships" xmlns:p="http://schemas.openxmlformats.org/presentationml/2006/main">
-  <p:cSld>
-    <p:spTree>
-      <p:nvGrpSpPr>
-        <p:cNvPr id="1" name=""/>
-        <p:cNvGrpSpPr/>
-        <p:nvPr/>
-      </p:nvGrpSpPr>
-      <p:grpSpPr>
-        <a:xfrm>
-          <a:off x="0" y="0"/>
-          <a:ext cx="0" cy="0"/>
-          <a:chOff x="0" y="0"/>
-          <a:chExt cx="0" cy="0"/>
-        </a:xfrm>
-      </p:grpSpPr>
-      <p:sp>
-        <p:nvSpPr>
-          <p:cNvPr id="5" name="Title 4"/>
-          <p:cNvSpPr>
-            <a:spLocks noGrp="1"/>
-          </p:cNvSpPr>
-          <p:nvPr>
-            <p:ph type="title"/>
-          </p:nvPr>
-        </p:nvSpPr>
-        <p:spPr/>
-        <p:txBody>
-          <a:bodyPr/>
-          <a:lstStyle/>
-          <a:p>
-            <a:r>
-              <a:rPr lang="bg-BG" dirty="0"/>
-              <a:t>Решение</a:t>
-            </a:r>
-            <a:r>
-              <a:rPr lang="en-GB" dirty="0"/>
-              <a:t>: </a:t>
-            </a:r>
-            <a:r>
-              <a:rPr lang="bg-BG" dirty="0"/>
-              <a:t>Повторение на стринг </a:t>
-            </a:r>
-            <a:r>
-              <a:rPr lang="en-GB" dirty="0"/>
-              <a:t>(2)</a:t>
-            </a:r>
-            <a:endParaRPr lang="bg-BG" dirty="0"/>
-          </a:p>
-        </p:txBody>
-      </p:sp>
-      <p:sp>
-        <p:nvSpPr>
-          <p:cNvPr id="9" name="TextBox 8">
-            <a:extLst>
-              <a:ext uri="{FF2B5EF4-FFF2-40B4-BE49-F238E27FC236}">
-                <a16:creationId xmlns:a16="http://schemas.microsoft.com/office/drawing/2014/main" id="{B9A719A5-3E09-4063-AEF5-D2A315964F31}"/>
-              </a:ext>
-            </a:extLst>
-          </p:cNvPr>
-          <p:cNvSpPr txBox="1"/>
-          <p:nvPr/>
-        </p:nvSpPr>
-        <p:spPr>
-          <a:xfrm>
-            <a:off x="801479" y="6320033"/>
-            <a:ext cx="10589042" cy="400006"/>
-          </a:xfrm>
-          <a:prstGeom prst="rect">
-            <a:avLst/>
-          </a:prstGeom>
-          <a:noFill/>
-        </p:spPr>
-        <p:txBody>
-          <a:bodyPr wrap="square" rtlCol="0">
-            <a:spAutoFit/>
-          </a:bodyPr>
-          <a:lstStyle/>
-          <a:p>
-            <a:pPr algn="ctr"/>
-            <a:r>
-              <a:rPr lang="bg-BG" sz="1999" dirty="0"/>
-              <a:t>Проверете решението си тук</a:t>
-            </a:r>
-            <a:r>
-              <a:rPr lang="en-US" sz="1999" dirty="0"/>
-              <a:t>: </a:t>
-            </a:r>
-            <a:r>
-              <a:rPr lang="en-US" sz="1999" dirty="0">
-                <a:hlinkClick r:id="rId2"/>
-              </a:rPr>
-              <a:t>https://judge.softuni.bg/Contests/Practice/Index/3160#5</a:t>
-            </a:r>
-            <a:endParaRPr lang="en-US" sz="1999" dirty="0"/>
-          </a:p>
-        </p:txBody>
-      </p:sp>
-      <p:sp>
-        <p:nvSpPr>
-          <p:cNvPr id="11" name="Text Placeholder 6">
-            <a:extLst>
-              <a:ext uri="{FF2B5EF4-FFF2-40B4-BE49-F238E27FC236}">
-                <a16:creationId xmlns:a16="http://schemas.microsoft.com/office/drawing/2014/main" id="{E3F306FB-1E41-48BD-88B6-0426865A8EDA}"/>
-              </a:ext>
-            </a:extLst>
-          </p:cNvPr>
-          <p:cNvSpPr txBox="1">
-            <a:spLocks/>
-          </p:cNvSpPr>
-          <p:nvPr/>
-        </p:nvSpPr>
-        <p:spPr>
-          <a:xfrm>
-            <a:off x="384306" y="1491548"/>
-            <a:ext cx="11423388" cy="4457732"/>
-          </a:xfrm>
-          <a:prstGeom prst="rect">
-            <a:avLst/>
-          </a:prstGeom>
-          <a:solidFill>
-            <a:srgbClr val="F4F5F7">
-              <a:lumMod val="75000"/>
-              <a:alpha val="15000"/>
-            </a:srgbClr>
-          </a:solidFill>
-          <a:ln w="12700">
-            <a:solidFill>
-              <a:srgbClr val="234465">
-                <a:lumMod val="50000"/>
-              </a:srgbClr>
-            </a:solidFill>
-          </a:ln>
-        </p:spPr>
-        <p:txBody>
-          <a:bodyPr vert="horz" wrap="square" lIns="144000" tIns="108000" rIns="144000" bIns="108000" rtlCol="0">
-            <a:spAutoFit/>
-          </a:bodyPr>
-          <a:lstStyle>
-            <a:lvl1pPr marL="360363" indent="-360363" algn="l" defTabSz="1218438" rtl="0" eaLnBrk="1" latinLnBrk="0" hangingPunct="1">
-              <a:lnSpc>
-                <a:spcPct val="110000"/>
-              </a:lnSpc>
-              <a:spcBef>
-                <a:spcPts val="0"/>
-              </a:spcBef>
-              <a:spcAft>
-                <a:spcPts val="0"/>
-              </a:spcAft>
-              <a:buFont typeface="Wingdings" panose="05000000000000000000" pitchFamily="2" charset="2"/>
-              <a:buNone/>
-              <a:defRPr lang="en-US" sz="2800" b="1" kern="1200" smtClean="0">
-                <a:solidFill>
-                  <a:schemeClr val="tx1"/>
-                </a:solidFill>
-                <a:latin typeface="Consolas" pitchFamily="49" charset="0"/>
-                <a:ea typeface="+mn-ea"/>
-                <a:cs typeface="+mn-cs"/>
-              </a:defRPr>
-            </a:lvl1pPr>
-            <a:lvl2pPr marL="803275" indent="-360363" algn="l" defTabSz="1218438" rtl="0" eaLnBrk="1" latinLnBrk="0" hangingPunct="1">
-              <a:lnSpc>
-                <a:spcPct val="105000"/>
-              </a:lnSpc>
-              <a:spcBef>
-                <a:spcPts val="600"/>
-              </a:spcBef>
-              <a:spcAft>
-                <a:spcPts val="600"/>
-              </a:spcAft>
-              <a:buFont typeface="Wingdings" panose="05000000000000000000" pitchFamily="2" charset="2"/>
-              <a:buChar char="§"/>
-              <a:defRPr lang="en-US" sz="3198" kern="1200" smtClean="0">
-                <a:solidFill>
-                  <a:schemeClr val="tx1"/>
-                </a:solidFill>
-                <a:latin typeface="+mn-lt"/>
-                <a:ea typeface="+mn-ea"/>
-                <a:cs typeface="+mn-cs"/>
-              </a:defRPr>
-            </a:lvl2pPr>
-            <a:lvl3pPr marL="1255713" indent="-360363" algn="l" defTabSz="1218438" rtl="0" eaLnBrk="1" latinLnBrk="0" hangingPunct="1">
-              <a:lnSpc>
-                <a:spcPct val="105000"/>
-              </a:lnSpc>
-              <a:spcBef>
-                <a:spcPts val="600"/>
-              </a:spcBef>
-              <a:spcAft>
-                <a:spcPts val="600"/>
-              </a:spcAft>
-              <a:buFont typeface="Wingdings" panose="05000000000000000000" pitchFamily="2" charset="2"/>
-              <a:buChar char="§"/>
-              <a:defRPr lang="en-US" sz="2998" kern="1200" smtClean="0">
-                <a:solidFill>
-                  <a:schemeClr val="tx1"/>
-                </a:solidFill>
-                <a:latin typeface="+mn-lt"/>
-                <a:ea typeface="+mn-ea"/>
-                <a:cs typeface="+mn-cs"/>
-              </a:defRPr>
-            </a:lvl3pPr>
-            <a:lvl4pPr marL="1700213" indent="-352425" algn="l" defTabSz="1218438" rtl="0" eaLnBrk="1" latinLnBrk="0" hangingPunct="1">
-              <a:lnSpc>
-                <a:spcPct val="105000"/>
-              </a:lnSpc>
-              <a:spcBef>
-                <a:spcPts val="600"/>
-              </a:spcBef>
-              <a:spcAft>
-                <a:spcPts val="600"/>
-              </a:spcAft>
-              <a:buFont typeface="Wingdings" panose="05000000000000000000" pitchFamily="2" charset="2"/>
-              <a:buChar char="§"/>
-              <a:defRPr lang="en-US" sz="2798" kern="1200" smtClean="0">
-                <a:solidFill>
-                  <a:schemeClr val="tx1"/>
-                </a:solidFill>
-                <a:latin typeface="+mn-lt"/>
-                <a:ea typeface="+mn-ea"/>
-                <a:cs typeface="+mn-cs"/>
-              </a:defRPr>
-            </a:lvl4pPr>
-            <a:lvl5pPr marL="2058988" indent="-266700" algn="l" defTabSz="1218438" rtl="0" eaLnBrk="1" latinLnBrk="0" hangingPunct="1">
-              <a:lnSpc>
-                <a:spcPct val="105000"/>
-              </a:lnSpc>
-              <a:spcBef>
-                <a:spcPts val="600"/>
-              </a:spcBef>
-              <a:spcAft>
-                <a:spcPts val="600"/>
-              </a:spcAft>
-              <a:buFont typeface="Wingdings" panose="05000000000000000000" pitchFamily="2" charset="2"/>
-              <a:buChar char="§"/>
-              <a:defRPr lang="en-US" sz="2598" kern="1200">
-                <a:solidFill>
-                  <a:schemeClr val="tx1"/>
-                </a:solidFill>
-                <a:latin typeface="+mn-lt"/>
-                <a:ea typeface="+mn-ea"/>
-                <a:cs typeface="+mn-cs"/>
-              </a:defRPr>
-            </a:lvl5pPr>
-            <a:lvl6pPr marL="3350704" indent="-304610" algn="l" defTabSz="1218438" rtl="0" eaLnBrk="1" latinLnBrk="1" hangingPunct="1">
-              <a:spcBef>
-                <a:spcPct val="20000"/>
-              </a:spcBef>
-              <a:buFont typeface="Arial" pitchFamily="34" charset="0"/>
-              <a:buChar char="•"/>
-              <a:defRPr sz="2665" kern="1200">
-                <a:solidFill>
-                  <a:schemeClr val="tx1"/>
-                </a:solidFill>
-                <a:latin typeface="+mn-lt"/>
-                <a:ea typeface="+mn-ea"/>
-                <a:cs typeface="+mn-cs"/>
-              </a:defRPr>
-            </a:lvl6pPr>
-            <a:lvl7pPr marL="3959924" indent="-304610" algn="l" defTabSz="1218438" rtl="0" eaLnBrk="1" latinLnBrk="1" hangingPunct="1">
-              <a:spcBef>
-                <a:spcPct val="20000"/>
-              </a:spcBef>
-              <a:buFont typeface="Arial" pitchFamily="34" charset="0"/>
-              <a:buChar char="•"/>
-              <a:defRPr sz="2665" kern="1200">
-                <a:solidFill>
-                  <a:schemeClr val="tx1"/>
-                </a:solidFill>
-                <a:latin typeface="+mn-lt"/>
-                <a:ea typeface="+mn-ea"/>
-                <a:cs typeface="+mn-cs"/>
-              </a:defRPr>
-            </a:lvl7pPr>
-            <a:lvl8pPr marL="4569143" indent="-304610" algn="l" defTabSz="1218438" rtl="0" eaLnBrk="1" latinLnBrk="1" hangingPunct="1">
-              <a:spcBef>
-                <a:spcPct val="20000"/>
-              </a:spcBef>
-              <a:buFont typeface="Arial" pitchFamily="34" charset="0"/>
-              <a:buChar char="•"/>
-              <a:defRPr sz="2665" kern="1200">
-                <a:solidFill>
-                  <a:schemeClr val="tx1"/>
-                </a:solidFill>
-                <a:latin typeface="+mn-lt"/>
-                <a:ea typeface="+mn-ea"/>
-                <a:cs typeface="+mn-cs"/>
-              </a:defRPr>
-            </a:lvl8pPr>
-            <a:lvl9pPr marL="5178362" indent="-304610" algn="l" defTabSz="1218438" rtl="0" eaLnBrk="1" latinLnBrk="1" hangingPunct="1">
-              <a:spcBef>
-                <a:spcPct val="20000"/>
-              </a:spcBef>
-              <a:buFont typeface="Arial" pitchFamily="34" charset="0"/>
-              <a:buChar char="•"/>
-              <a:defRPr sz="2665" kern="1200">
-                <a:solidFill>
-                  <a:schemeClr val="tx1"/>
-                </a:solidFill>
-                <a:latin typeface="+mn-lt"/>
-                <a:ea typeface="+mn-ea"/>
-                <a:cs typeface="+mn-cs"/>
-              </a:defRPr>
-            </a:lvl9pPr>
-          </a:lstStyle>
-          <a:p>
-            <a:pPr>
-              <a:defRPr/>
-            </a:pPr>
-            <a:r>
-              <a:rPr lang="en-GB" noProof="1"/>
-              <a:t>private static </a:t>
-            </a:r>
-            <a:r>
-              <a:rPr lang="en-GB" noProof="1">
-                <a:solidFill>
-                  <a:srgbClr val="FFA000"/>
-                </a:solidFill>
-              </a:rPr>
-              <a:t>string</a:t>
-            </a:r>
-            <a:r>
-              <a:rPr lang="en-GB" noProof="1">
-                <a:solidFill>
-                  <a:srgbClr val="234465"/>
-                </a:solidFill>
-              </a:rPr>
-              <a:t> </a:t>
-            </a:r>
-            <a:r>
-              <a:rPr lang="en-GB" noProof="1">
-                <a:solidFill>
-                  <a:srgbClr val="FFA000"/>
-                </a:solidFill>
-              </a:rPr>
-              <a:t>RepeatString</a:t>
-            </a:r>
-            <a:r>
-              <a:rPr lang="en-GB" noProof="1"/>
-              <a:t>(string str,</a:t>
-            </a:r>
-            <a:r>
-              <a:rPr lang="en-GB" noProof="1">
-                <a:latin typeface="Calibri"/>
-              </a:rPr>
-              <a:t> </a:t>
-            </a:r>
-            <a:r>
-              <a:rPr lang="en-GB" noProof="1"/>
-              <a:t>int count)</a:t>
-            </a:r>
-          </a:p>
-          <a:p>
-            <a:pPr>
-              <a:defRPr/>
-            </a:pPr>
-            <a:r>
-              <a:rPr lang="en-GB" noProof="1"/>
-              <a:t>{</a:t>
-            </a:r>
-          </a:p>
-          <a:p>
-            <a:pPr>
-              <a:defRPr/>
-            </a:pPr>
-            <a:r>
-              <a:rPr lang="en-GB" noProof="1"/>
-              <a:t>  StringBuilder result = new StringBuilder();</a:t>
-            </a:r>
-          </a:p>
-          <a:p>
-            <a:pPr>
-              <a:defRPr/>
-            </a:pPr>
-            <a:r>
-              <a:rPr lang="en-GB" noProof="1"/>
-              <a:t>  for (int i = 0; i &lt; count; i++)</a:t>
-            </a:r>
-          </a:p>
-          <a:p>
-            <a:pPr>
-              <a:defRPr/>
-            </a:pPr>
-            <a:r>
-              <a:rPr lang="en-GB" noProof="1"/>
-              <a:t>  {</a:t>
-            </a:r>
-          </a:p>
-          <a:p>
-            <a:pPr>
-              <a:defRPr/>
-            </a:pPr>
-            <a:r>
-              <a:rPr lang="en-GB" noProof="1"/>
-              <a:t>    result.Append(str);</a:t>
-            </a:r>
-          </a:p>
-          <a:p>
-            <a:pPr>
-              <a:defRPr/>
-            </a:pPr>
-            <a:r>
-              <a:rPr lang="en-GB" noProof="1"/>
-              <a:t>  }</a:t>
-            </a:r>
-          </a:p>
-          <a:p>
-            <a:pPr>
-              <a:defRPr/>
-            </a:pPr>
-            <a:r>
-              <a:rPr lang="en-GB" noProof="1">
-                <a:solidFill>
-                  <a:srgbClr val="234465"/>
-                </a:solidFill>
-              </a:rPr>
-              <a:t>  </a:t>
-            </a:r>
-            <a:r>
-              <a:rPr lang="en-GB" noProof="1">
-                <a:solidFill>
-                  <a:srgbClr val="FFA000"/>
-                </a:solidFill>
-              </a:rPr>
-              <a:t>return</a:t>
-            </a:r>
-            <a:r>
-              <a:rPr lang="en-GB" noProof="1">
-                <a:solidFill>
-                  <a:srgbClr val="234465"/>
-                </a:solidFill>
-              </a:rPr>
-              <a:t> </a:t>
-            </a:r>
-            <a:r>
-              <a:rPr lang="en-GB" noProof="1"/>
-              <a:t>result.ToString();</a:t>
-            </a:r>
-          </a:p>
-          <a:p>
-            <a:pPr>
-              <a:defRPr/>
-            </a:pPr>
-            <a:r>
-              <a:rPr lang="en-GB" noProof="1"/>
-              <a:t>}</a:t>
-            </a:r>
-          </a:p>
-        </p:txBody>
-      </p:sp>
-      <p:sp>
-        <p:nvSpPr>
-          <p:cNvPr id="6" name="Slide Number">
-            <a:extLst>
-              <a:ext uri="{FF2B5EF4-FFF2-40B4-BE49-F238E27FC236}">
-                <a16:creationId xmlns:a16="http://schemas.microsoft.com/office/drawing/2014/main" id="{3F48F810-77CE-448B-B116-B1BB7823967D}"/>
-              </a:ext>
-            </a:extLst>
-          </p:cNvPr>
-          <p:cNvSpPr>
-            <a:spLocks noGrp="1"/>
-          </p:cNvSpPr>
-          <p:nvPr>
-            <p:ph type="sldNum" sz="quarter" idx="5"/>
-          </p:nvPr>
-        </p:nvSpPr>
-        <p:spPr>
-          <a:xfrm>
-            <a:off x="11753030" y="6507000"/>
-            <a:ext cx="367414" cy="297000"/>
-          </a:xfrm>
-          <a:prstGeom prst="rect">
-            <a:avLst/>
-          </a:prstGeom>
-        </p:spPr>
-        <p:txBody>
-          <a:bodyPr vert="horz" lIns="91440" tIns="45720" rIns="91440" bIns="45720" rtlCol="0" anchor="b"/>
-          <a:lstStyle>
-            <a:lvl1pPr algn="r">
-              <a:defRPr sz="1000"/>
-            </a:lvl1pPr>
-          </a:lstStyle>
-          <a:p>
-            <a:fld id="{2BF067CD-8E6B-4360-9AA8-C5DF2A48A6D1}" type="slidenum">
-              <a:rPr lang="en-US" noProof="0" smtClean="0"/>
-              <a:pPr/>
-              <a:t>24</a:t>
-            </a:fld>
-            <a:endParaRPr lang="en-US" noProof="0" dirty="0"/>
-          </a:p>
-        </p:txBody>
-      </p:sp>
-    </p:spTree>
-    <p:extLst>
-      <p:ext uri="{BB962C8B-B14F-4D97-AF65-F5344CB8AC3E}">
-        <p14:creationId xmlns:p14="http://schemas.microsoft.com/office/powerpoint/2010/main" val="3127219394"/>
-      </p:ext>
-    </p:extLst>
-  </p:cSld>
-  <p:clrMapOvr>
-    <a:masterClrMapping/>
-  </p:clrMapOvr>
-  <mc:AlternateContent xmlns:mc="http://schemas.openxmlformats.org/markup-compatibility/2006" xmlns:p14="http://schemas.microsoft.com/office/powerpoint/2010/main">
-    <mc:Choice Requires="p14">
-      <p:transition spd="slow" p14:dur="2000" advClick="0" advTm="5000"/>
-    </mc:Choice>
-    <mc:Fallback xmlns="">
-      <p:transition spd="slow" advClick="0" advTm="5000"/>
-    </mc:Fallback>
-  </mc:AlternateContent>
-  <p:timing>
-    <p:tnLst>
-      <p:par>
-        <p:cTn id="1" dur="indefinite" restart="never" nodeType="tmRoot">
-          <p:childTnLst>
-            <p:seq concurrent="1" nextAc="seek">
-              <p:cTn id="2" dur="indefinite" nodeType="mainSeq">
-                <p:childTnLst>
-                  <p:par>
-                    <p:cTn id="3" fill="hold">
-                      <p:stCondLst>
-                        <p:cond delay="indefinite"/>
-                      </p:stCondLst>
-                      <p:childTnLst>
-                        <p:par>
-                          <p:cTn id="4" fill="hold">
-                            <p:stCondLst>
-                              <p:cond delay="0"/>
-                            </p:stCondLst>
-                            <p:childTnLst>
-                              <p:par>
-                                <p:cTn id="5" presetID="1" presetClass="entr" presetSubtype="0" fill="hold" nodeType="clickEffect">
-                                  <p:stCondLst>
-                                    <p:cond delay="0"/>
-                                  </p:stCondLst>
-                                  <p:childTnLst>
-                                    <p:set>
-                                      <p:cBhvr>
-                                        <p:cTn id="6" dur="1" fill="hold">
-                                          <p:stCondLst>
-                                            <p:cond delay="0"/>
-                                          </p:stCondLst>
-                                        </p:cTn>
-                                        <p:tgtEl>
-                                          <p:spTgt spid="11">
-                                            <p:txEl>
-                                              <p:pRg st="2" end="2"/>
-                                            </p:txEl>
-                                          </p:spTgt>
-                                        </p:tgtEl>
-                                        <p:attrNameLst>
-                                          <p:attrName>style.visibility</p:attrName>
-                                        </p:attrNameLst>
-                                      </p:cBhvr>
-                                      <p:to>
-                                        <p:strVal val="visible"/>
-                                      </p:to>
-                                    </p:set>
-                                  </p:childTnLst>
-                                </p:cTn>
-                              </p:par>
-                            </p:childTnLst>
-                          </p:cTn>
-                        </p:par>
-                      </p:childTnLst>
-                    </p:cTn>
-                  </p:par>
-                  <p:par>
-                    <p:cTn id="7" fill="hold">
-                      <p:stCondLst>
-                        <p:cond delay="indefinite"/>
-                      </p:stCondLst>
-                      <p:childTnLst>
-                        <p:par>
-                          <p:cTn id="8" fill="hold">
-                            <p:stCondLst>
-                              <p:cond delay="0"/>
-                            </p:stCondLst>
-                            <p:childTnLst>
-                              <p:par>
-                                <p:cTn id="9" presetID="1" presetClass="entr" presetSubtype="0" fill="hold" nodeType="clickEffect">
-                                  <p:stCondLst>
-                                    <p:cond delay="0"/>
-                                  </p:stCondLst>
-                                  <p:childTnLst>
-                                    <p:set>
-                                      <p:cBhvr>
-                                        <p:cTn id="10" dur="1" fill="hold">
-                                          <p:stCondLst>
-                                            <p:cond delay="0"/>
-                                          </p:stCondLst>
-                                        </p:cTn>
-                                        <p:tgtEl>
-                                          <p:spTgt spid="11">
-                                            <p:txEl>
-                                              <p:pRg st="3" end="3"/>
-                                            </p:txEl>
-                                          </p:spTgt>
-                                        </p:tgtEl>
-                                        <p:attrNameLst>
-                                          <p:attrName>style.visibility</p:attrName>
-                                        </p:attrNameLst>
-                                      </p:cBhvr>
-                                      <p:to>
-                                        <p:strVal val="visible"/>
-                                      </p:to>
-                                    </p:set>
-                                  </p:childTnLst>
-                                </p:cTn>
-                              </p:par>
-                            </p:childTnLst>
-                          </p:cTn>
-                        </p:par>
-                      </p:childTnLst>
-                    </p:cTn>
-                  </p:par>
-                  <p:par>
-                    <p:cTn id="11" fill="hold">
-                      <p:stCondLst>
-                        <p:cond delay="indefinite"/>
-                      </p:stCondLst>
-                      <p:childTnLst>
-                        <p:par>
-                          <p:cTn id="12" fill="hold">
-                            <p:stCondLst>
-                              <p:cond delay="0"/>
-                            </p:stCondLst>
-                            <p:childTnLst>
-                              <p:par>
-                                <p:cTn id="13" presetID="1" presetClass="entr" presetSubtype="0" fill="hold" nodeType="clickEffect">
-                                  <p:stCondLst>
-                                    <p:cond delay="0"/>
-                                  </p:stCondLst>
-                                  <p:childTnLst>
-                                    <p:set>
-                                      <p:cBhvr>
-                                        <p:cTn id="14" dur="1" fill="hold">
-                                          <p:stCondLst>
-                                            <p:cond delay="0"/>
-                                          </p:stCondLst>
-                                        </p:cTn>
-                                        <p:tgtEl>
-                                          <p:spTgt spid="11">
-                                            <p:txEl>
-                                              <p:pRg st="4" end="4"/>
-                                            </p:txEl>
-                                          </p:spTgt>
-                                        </p:tgtEl>
-                                        <p:attrNameLst>
-                                          <p:attrName>style.visibility</p:attrName>
-                                        </p:attrNameLst>
-                                      </p:cBhvr>
-                                      <p:to>
-                                        <p:strVal val="visible"/>
-                                      </p:to>
-                                    </p:set>
-                                  </p:childTnLst>
-                                </p:cTn>
-                              </p:par>
-                              <p:par>
-                                <p:cTn id="15" presetID="1" presetClass="entr" presetSubtype="0" fill="hold" nodeType="withEffect">
-                                  <p:stCondLst>
-                                    <p:cond delay="0"/>
-                                  </p:stCondLst>
-                                  <p:childTnLst>
-                                    <p:set>
-                                      <p:cBhvr>
-                                        <p:cTn id="16" dur="1" fill="hold">
-                                          <p:stCondLst>
-                                            <p:cond delay="0"/>
-                                          </p:stCondLst>
-                                        </p:cTn>
-                                        <p:tgtEl>
-                                          <p:spTgt spid="11">
-                                            <p:txEl>
-                                              <p:pRg st="5" end="5"/>
-                                            </p:txEl>
-                                          </p:spTgt>
-                                        </p:tgtEl>
-                                        <p:attrNameLst>
-                                          <p:attrName>style.visibility</p:attrName>
-                                        </p:attrNameLst>
-                                      </p:cBhvr>
-                                      <p:to>
-                                        <p:strVal val="visible"/>
-                                      </p:to>
-                                    </p:set>
-                                  </p:childTnLst>
-                                </p:cTn>
-                              </p:par>
-                              <p:par>
-                                <p:cTn id="17" presetID="1" presetClass="entr" presetSubtype="0" fill="hold" nodeType="withEffect">
-                                  <p:stCondLst>
-                                    <p:cond delay="0"/>
-                                  </p:stCondLst>
-                                  <p:childTnLst>
-                                    <p:set>
-                                      <p:cBhvr>
-                                        <p:cTn id="18" dur="1" fill="hold">
-                                          <p:stCondLst>
-                                            <p:cond delay="0"/>
-                                          </p:stCondLst>
-                                        </p:cTn>
-                                        <p:tgtEl>
-                                          <p:spTgt spid="11">
-                                            <p:txEl>
-                                              <p:pRg st="6" end="6"/>
-                                            </p:txEl>
-                                          </p:spTgt>
-                                        </p:tgtEl>
-                                        <p:attrNameLst>
-                                          <p:attrName>style.visibility</p:attrName>
-                                        </p:attrNameLst>
-                                      </p:cBhvr>
-                                      <p:to>
-                                        <p:strVal val="visible"/>
-                                      </p:to>
-                                    </p:set>
-                                  </p:childTnLst>
-                                </p:cTn>
-                              </p:par>
-                            </p:childTnLst>
-                          </p:cTn>
-                        </p:par>
-                      </p:childTnLst>
-                    </p:cTn>
-                  </p:par>
-                  <p:par>
-                    <p:cTn id="19" fill="hold">
-                      <p:stCondLst>
-                        <p:cond delay="indefinite"/>
-                      </p:stCondLst>
-                      <p:childTnLst>
-                        <p:par>
-                          <p:cTn id="20" fill="hold">
-                            <p:stCondLst>
-                              <p:cond delay="0"/>
-                            </p:stCondLst>
-                            <p:childTnLst>
-                              <p:par>
-                                <p:cTn id="21" presetID="1" presetClass="entr" presetSubtype="0" fill="hold" nodeType="clickEffect">
-                                  <p:stCondLst>
-                                    <p:cond delay="0"/>
-                                  </p:stCondLst>
-                                  <p:childTnLst>
-                                    <p:set>
-                                      <p:cBhvr>
-                                        <p:cTn id="22" dur="1" fill="hold">
-                                          <p:stCondLst>
-                                            <p:cond delay="0"/>
-                                          </p:stCondLst>
-                                        </p:cTn>
-                                        <p:tgtEl>
-                                          <p:spTgt spid="11">
-                                            <p:txEl>
-                                              <p:pRg st="7" end="7"/>
-                                            </p:txEl>
-                                          </p:spTgt>
-                                        </p:tgtEl>
-                                        <p:attrNameLst>
-                                          <p:attrName>style.visibility</p:attrName>
-                                        </p:attrNameLst>
-                                      </p:cBhvr>
-                                      <p:to>
-                                        <p:strVal val="visible"/>
-                                      </p:to>
-                                    </p:set>
-                                  </p:childTnLst>
-                                </p:cTn>
-                              </p:par>
-                            </p:childTnLst>
-                          </p:cTn>
-                        </p:par>
-                      </p:childTnLst>
-                    </p:cTn>
-                  </p:par>
-                </p:childTnLst>
-              </p:cTn>
-              <p:prevCondLst>
-                <p:cond evt="onPrev" delay="0">
-                  <p:tgtEl>
-                    <p:sldTgt/>
-                  </p:tgtEl>
-                </p:cond>
-              </p:prevCondLst>
-              <p:nextCondLst>
-                <p:cond evt="onNext" delay="0">
-                  <p:tgtEl>
-                    <p:sldTgt/>
-                  </p:tgtEl>
-                </p:cond>
-              </p:nextCondLst>
-            </p:seq>
-          </p:childTnLst>
-        </p:cTn>
-      </p:par>
-    </p:tnLst>
-  </p:timing>
-</p:sld>
-</file>
-
-<file path=ppt/slides/slide25.xml><?xml version="1.0" encoding="utf-8"?>
-<p:sld xmlns:a="http://schemas.openxmlformats.org/drawingml/2006/main" xmlns:r="http://schemas.openxmlformats.org/officeDocument/2006/relationships" xmlns:p="http://schemas.openxmlformats.org/presentationml/2006/main">
-  <p:cSld>
-    <p:spTree>
-      <p:nvGrpSpPr>
-        <p:cNvPr id="1" name=""/>
-        <p:cNvGrpSpPr/>
-        <p:nvPr/>
-      </p:nvGrpSpPr>
-      <p:grpSpPr>
-        <a:xfrm>
-          <a:off x="0" y="0"/>
-          <a:ext cx="0" cy="0"/>
-          <a:chOff x="0" y="0"/>
-          <a:chExt cx="0" cy="0"/>
-        </a:xfrm>
-      </p:grpSpPr>
       <p:grpSp>
         <p:nvGrpSpPr>
           <p:cNvPr id="2" name="Group 1"/>
@@ -25342,7 +22967,7 @@
 </p:sld>
 </file>
 
-<file path=ppt/slides/slide26.xml><?xml version="1.0" encoding="utf-8"?>
+<file path=ppt/slides/slide23.xml><?xml version="1.0" encoding="utf-8"?>
 <p:sld xmlns:a="http://schemas.openxmlformats.org/drawingml/2006/main" xmlns:r="http://schemas.openxmlformats.org/officeDocument/2006/relationships" xmlns:p="http://schemas.openxmlformats.org/presentationml/2006/main">
   <p:cSld>
     <p:spTree>
@@ -25885,7 +23510,7 @@
             <a:fld id="{2BF067CD-8E6B-4360-9AA8-C5DF2A48A6D1}" type="slidenum">
               <a:rPr lang="en-US" noProof="0" smtClean="0"/>
               <a:pPr/>
-              <a:t>26</a:t>
+              <a:t>23</a:t>
             </a:fld>
             <a:endParaRPr lang="en-US" noProof="0" dirty="0"/>
           </a:p>
@@ -26253,7 +23878,7 @@
 </p:sld>
 </file>
 
-<file path=ppt/slides/slide27.xml><?xml version="1.0" encoding="utf-8"?>
+<file path=ppt/slides/slide24.xml><?xml version="1.0" encoding="utf-8"?>
 <p:sld xmlns:a="http://schemas.openxmlformats.org/drawingml/2006/main" xmlns:r="http://schemas.openxmlformats.org/officeDocument/2006/relationships" xmlns:p="http://schemas.openxmlformats.org/presentationml/2006/main">
   <p:cSld>
     <p:spTree>
@@ -26387,7 +24012,7 @@
 </p:sld>
 </file>
 
-<file path=ppt/slides/slide28.xml><?xml version="1.0" encoding="utf-8"?>
+<file path=ppt/slides/slide25.xml><?xml version="1.0" encoding="utf-8"?>
 <p:sld xmlns:a="http://schemas.openxmlformats.org/drawingml/2006/main" xmlns:r="http://schemas.openxmlformats.org/officeDocument/2006/relationships" xmlns:p="http://schemas.openxmlformats.org/presentationml/2006/main">
   <p:cSld>
     <p:spTree>
@@ -27080,7 +24705,7 @@
             <a:fld id="{2BF067CD-8E6B-4360-9AA8-C5DF2A48A6D1}" type="slidenum">
               <a:rPr lang="en-US" smtClean="0"/>
               <a:pPr/>
-              <a:t>28</a:t>
+              <a:t>25</a:t>
             </a:fld>
             <a:endParaRPr lang="en-US" dirty="0"/>
           </a:p>
@@ -27414,7 +25039,7 @@
 </p:sld>
 </file>
 
-<file path=ppt/slides/slide29.xml><?xml version="1.0" encoding="utf-8"?>
+<file path=ppt/slides/slide26.xml><?xml version="1.0" encoding="utf-8"?>
 <p:sld xmlns:a="http://schemas.openxmlformats.org/drawingml/2006/main" xmlns:r="http://schemas.openxmlformats.org/officeDocument/2006/relationships" xmlns:p="http://schemas.openxmlformats.org/presentationml/2006/main">
   <p:cSld>
     <p:spTree>
@@ -27818,7 +25443,7 @@
             <a:fld id="{2BF067CD-8E6B-4360-9AA8-C5DF2A48A6D1}" type="slidenum">
               <a:rPr lang="en-US" smtClean="0"/>
               <a:pPr/>
-              <a:t>29</a:t>
+              <a:t>26</a:t>
             </a:fld>
             <a:endParaRPr lang="en-US" dirty="0"/>
           </a:p>
@@ -28304,97 +25929,7 @@
 </p:sld>
 </file>
 
-<file path=ppt/slides/slide3.xml><?xml version="1.0" encoding="utf-8"?>
-<p:sld xmlns:a="http://schemas.openxmlformats.org/drawingml/2006/main" xmlns:r="http://schemas.openxmlformats.org/officeDocument/2006/relationships" xmlns:p="http://schemas.openxmlformats.org/presentationml/2006/main">
-  <p:cSld>
-    <p:spTree>
-      <p:nvGrpSpPr>
-        <p:cNvPr id="1" name=""/>
-        <p:cNvGrpSpPr/>
-        <p:nvPr/>
-      </p:nvGrpSpPr>
-      <p:grpSpPr>
-        <a:xfrm>
-          <a:off x="0" y="0"/>
-          <a:ext cx="0" cy="0"/>
-          <a:chOff x="0" y="0"/>
-          <a:chExt cx="0" cy="0"/>
-        </a:xfrm>
-      </p:grpSpPr>
-      <p:sp>
-        <p:nvSpPr>
-          <p:cNvPr id="3" name="Заглавие 2">
-            <a:extLst>
-              <a:ext uri="{FF2B5EF4-FFF2-40B4-BE49-F238E27FC236}">
-                <a16:creationId xmlns:a16="http://schemas.microsoft.com/office/drawing/2014/main" id="{40FEC155-AFE6-4CAD-9AF6-AC97422739E4}"/>
-              </a:ext>
-            </a:extLst>
-          </p:cNvPr>
-          <p:cNvSpPr>
-            <a:spLocks noGrp="1"/>
-          </p:cNvSpPr>
-          <p:nvPr>
-            <p:ph type="title" sz="quarter" idx="10"/>
-          </p:nvPr>
-        </p:nvSpPr>
-        <p:spPr/>
-        <p:txBody>
-          <a:bodyPr/>
-          <a:lstStyle/>
-          <a:p>
-            <a:r>
-              <a:rPr lang="bg-BG" dirty="0"/>
-              <a:t>Какво е метод?</a:t>
-            </a:r>
-          </a:p>
-        </p:txBody>
-      </p:sp>
-      <p:pic>
-        <p:nvPicPr>
-          <p:cNvPr id="8" name="Picture 7"/>
-          <p:cNvPicPr>
-            <a:picLocks noChangeAspect="1"/>
-          </p:cNvPicPr>
-          <p:nvPr/>
-        </p:nvPicPr>
-        <p:blipFill>
-          <a:blip r:embed="rId3"/>
-          <a:stretch>
-            <a:fillRect/>
-          </a:stretch>
-        </p:blipFill>
-        <p:spPr>
-          <a:xfrm>
-            <a:off x="4843102" y="1524496"/>
-            <a:ext cx="2505799" cy="2296314"/>
-          </a:xfrm>
-          <a:prstGeom prst="rect">
-            <a:avLst/>
-          </a:prstGeom>
-        </p:spPr>
-      </p:pic>
-    </p:spTree>
-    <p:extLst>
-      <p:ext uri="{BB962C8B-B14F-4D97-AF65-F5344CB8AC3E}">
-        <p14:creationId xmlns:p14="http://schemas.microsoft.com/office/powerpoint/2010/main" val="3431890975"/>
-      </p:ext>
-    </p:extLst>
-  </p:cSld>
-  <p:clrMapOvr>
-    <a:masterClrMapping/>
-  </p:clrMapOvr>
-  <mc:AlternateContent xmlns:mc="http://schemas.openxmlformats.org/markup-compatibility/2006" xmlns:p14="http://schemas.microsoft.com/office/powerpoint/2010/main">
-    <mc:Choice Requires="p14">
-      <p:transition spd="slow" p14:dur="2000" advClick="0" advTm="5000"/>
-    </mc:Choice>
-    <mc:Fallback xmlns="">
-      <p:transition spd="slow" advClick="0" advTm="5000"/>
-    </mc:Fallback>
-  </mc:AlternateContent>
-</p:sld>
-</file>
-
-<file path=ppt/slides/slide30.xml><?xml version="1.0" encoding="utf-8"?>
+<file path=ppt/slides/slide27.xml><?xml version="1.0" encoding="utf-8"?>
 <p:sld xmlns:a="http://schemas.openxmlformats.org/drawingml/2006/main" xmlns:r="http://schemas.openxmlformats.org/officeDocument/2006/relationships" xmlns:p="http://schemas.openxmlformats.org/presentationml/2006/main">
   <p:cSld>
     <p:spTree>
@@ -29100,7 +26635,7 @@
             <a:fld id="{2BF067CD-8E6B-4360-9AA8-C5DF2A48A6D1}" type="slidenum">
               <a:rPr lang="en-US" noProof="0" smtClean="0"/>
               <a:pPr/>
-              <a:t>30</a:t>
+              <a:t>27</a:t>
             </a:fld>
             <a:endParaRPr lang="en-US" noProof="0" dirty="0"/>
           </a:p>
@@ -29355,7 +26890,7 @@
 </p:sld>
 </file>
 
-<file path=ppt/slides/slide31.xml><?xml version="1.0" encoding="utf-8"?>
+<file path=ppt/slides/slide28.xml><?xml version="1.0" encoding="utf-8"?>
 <p:sld xmlns:a="http://schemas.openxmlformats.org/drawingml/2006/main" xmlns:r="http://schemas.openxmlformats.org/officeDocument/2006/relationships" xmlns:p="http://schemas.openxmlformats.org/presentationml/2006/main">
   <p:cSld>
     <p:spTree>
@@ -30355,7 +27890,7 @@
             <a:fld id="{2BF067CD-8E6B-4360-9AA8-C5DF2A48A6D1}" type="slidenum">
               <a:rPr lang="en-US" noProof="0" smtClean="0"/>
               <a:pPr/>
-              <a:t>31</a:t>
+              <a:t>28</a:t>
             </a:fld>
             <a:endParaRPr lang="en-US" noProof="0" dirty="0"/>
           </a:p>
@@ -30552,7 +28087,7 @@
 </p:sld>
 </file>
 
-<file path=ppt/slides/slide32.xml><?xml version="1.0" encoding="utf-8"?>
+<file path=ppt/slides/slide29.xml><?xml version="1.0" encoding="utf-8"?>
 <p:sld xmlns:a="http://schemas.openxmlformats.org/drawingml/2006/main" xmlns:r="http://schemas.openxmlformats.org/officeDocument/2006/relationships" xmlns:p="http://schemas.openxmlformats.org/presentationml/2006/main">
   <p:cSld>
     <p:spTree>
@@ -31409,7 +28944,7 @@
             <a:fld id="{2BF067CD-8E6B-4360-9AA8-C5DF2A48A6D1}" type="slidenum">
               <a:rPr lang="en-US" noProof="0" smtClean="0"/>
               <a:pPr/>
-              <a:t>32</a:t>
+              <a:t>29</a:t>
             </a:fld>
             <a:endParaRPr lang="en-US" noProof="0" dirty="0"/>
           </a:p>
@@ -31662,7 +29197,97 @@
 </p:sld>
 </file>
 
-<file path=ppt/slides/slide33.xml><?xml version="1.0" encoding="utf-8"?>
+<file path=ppt/slides/slide3.xml><?xml version="1.0" encoding="utf-8"?>
+<p:sld xmlns:a="http://schemas.openxmlformats.org/drawingml/2006/main" xmlns:r="http://schemas.openxmlformats.org/officeDocument/2006/relationships" xmlns:p="http://schemas.openxmlformats.org/presentationml/2006/main">
+  <p:cSld>
+    <p:spTree>
+      <p:nvGrpSpPr>
+        <p:cNvPr id="1" name=""/>
+        <p:cNvGrpSpPr/>
+        <p:nvPr/>
+      </p:nvGrpSpPr>
+      <p:grpSpPr>
+        <a:xfrm>
+          <a:off x="0" y="0"/>
+          <a:ext cx="0" cy="0"/>
+          <a:chOff x="0" y="0"/>
+          <a:chExt cx="0" cy="0"/>
+        </a:xfrm>
+      </p:grpSpPr>
+      <p:sp>
+        <p:nvSpPr>
+          <p:cNvPr id="3" name="Заглавие 2">
+            <a:extLst>
+              <a:ext uri="{FF2B5EF4-FFF2-40B4-BE49-F238E27FC236}">
+                <a16:creationId xmlns:a16="http://schemas.microsoft.com/office/drawing/2014/main" id="{40FEC155-AFE6-4CAD-9AF6-AC97422739E4}"/>
+              </a:ext>
+            </a:extLst>
+          </p:cNvPr>
+          <p:cNvSpPr>
+            <a:spLocks noGrp="1"/>
+          </p:cNvSpPr>
+          <p:nvPr>
+            <p:ph type="title" sz="quarter" idx="10"/>
+          </p:nvPr>
+        </p:nvSpPr>
+        <p:spPr/>
+        <p:txBody>
+          <a:bodyPr/>
+          <a:lstStyle/>
+          <a:p>
+            <a:r>
+              <a:rPr lang="bg-BG" dirty="0"/>
+              <a:t>Какво е метод?</a:t>
+            </a:r>
+          </a:p>
+        </p:txBody>
+      </p:sp>
+      <p:pic>
+        <p:nvPicPr>
+          <p:cNvPr id="8" name="Picture 7"/>
+          <p:cNvPicPr>
+            <a:picLocks noChangeAspect="1"/>
+          </p:cNvPicPr>
+          <p:nvPr/>
+        </p:nvPicPr>
+        <p:blipFill>
+          <a:blip r:embed="rId3"/>
+          <a:stretch>
+            <a:fillRect/>
+          </a:stretch>
+        </p:blipFill>
+        <p:spPr>
+          <a:xfrm>
+            <a:off x="4843102" y="1524496"/>
+            <a:ext cx="2505799" cy="2296314"/>
+          </a:xfrm>
+          <a:prstGeom prst="rect">
+            <a:avLst/>
+          </a:prstGeom>
+        </p:spPr>
+      </p:pic>
+    </p:spTree>
+    <p:extLst>
+      <p:ext uri="{BB962C8B-B14F-4D97-AF65-F5344CB8AC3E}">
+        <p14:creationId xmlns:p14="http://schemas.microsoft.com/office/powerpoint/2010/main" val="3431890975"/>
+      </p:ext>
+    </p:extLst>
+  </p:cSld>
+  <p:clrMapOvr>
+    <a:masterClrMapping/>
+  </p:clrMapOvr>
+  <mc:AlternateContent xmlns:mc="http://schemas.openxmlformats.org/markup-compatibility/2006" xmlns:p14="http://schemas.microsoft.com/office/powerpoint/2010/main">
+    <mc:Choice Requires="p14">
+      <p:transition spd="slow" p14:dur="2000" advClick="0" advTm="5000"/>
+    </mc:Choice>
+    <mc:Fallback xmlns="">
+      <p:transition spd="slow" advClick="0" advTm="5000"/>
+    </mc:Fallback>
+  </mc:AlternateContent>
+</p:sld>
+</file>
+
+<file path=ppt/slides/slide30.xml><?xml version="1.0" encoding="utf-8"?>
 <p:sld xmlns:a="http://schemas.openxmlformats.org/drawingml/2006/main" xmlns:r="http://schemas.openxmlformats.org/officeDocument/2006/relationships" xmlns:p="http://schemas.openxmlformats.org/presentationml/2006/main">
   <p:cSld>
     <p:spTree>
@@ -31741,7 +29366,7 @@
 </p:sld>
 </file>
 
-<file path=ppt/slides/slide34.xml><?xml version="1.0" encoding="utf-8"?>
+<file path=ppt/slides/slide31.xml><?xml version="1.0" encoding="utf-8"?>
 <p:sld xmlns:a="http://schemas.openxmlformats.org/drawingml/2006/main" xmlns:r="http://schemas.openxmlformats.org/officeDocument/2006/relationships" xmlns:p="http://schemas.openxmlformats.org/presentationml/2006/main">
   <p:cSld>
     <p:spTree>
@@ -32005,7 +29630,7 @@
             <a:fld id="{2BF067CD-8E6B-4360-9AA8-C5DF2A48A6D1}" type="slidenum">
               <a:rPr lang="en-US" noProof="0" smtClean="0"/>
               <a:pPr/>
-              <a:t>34</a:t>
+              <a:t>31</a:t>
             </a:fld>
             <a:endParaRPr lang="en-US" noProof="0" dirty="0"/>
           </a:p>

--- a/Courses/Software-Sciences/Module-1-OOP-New/05.1-Methods-Basics/05.1-Methods-Basics.pptx
+++ b/Courses/Software-Sciences/Module-1-OOP-New/05.1-Methods-Basics/05.1-Methods-Basics.pptx
@@ -5,10 +5,10 @@
     <p:sldMasterId id="2147483675" r:id="rId1"/>
   </p:sldMasterIdLst>
   <p:notesMasterIdLst>
-    <p:notesMasterId r:id="rId33"/>
+    <p:notesMasterId r:id="rId36"/>
   </p:notesMasterIdLst>
   <p:handoutMasterIdLst>
-    <p:handoutMasterId r:id="rId34"/>
+    <p:handoutMasterId r:id="rId37"/>
   </p:handoutMasterIdLst>
   <p:sldIdLst>
     <p:sldId id="528" r:id="rId2"/>
@@ -24,24 +24,27 @@
     <p:sldId id="475" r:id="rId12"/>
     <p:sldId id="476" r:id="rId13"/>
     <p:sldId id="477" r:id="rId14"/>
-    <p:sldId id="549" r:id="rId15"/>
-    <p:sldId id="550" r:id="rId16"/>
-    <p:sldId id="585" r:id="rId17"/>
-    <p:sldId id="586" r:id="rId18"/>
-    <p:sldId id="486" r:id="rId19"/>
-    <p:sldId id="488" r:id="rId20"/>
-    <p:sldId id="492" r:id="rId21"/>
-    <p:sldId id="548" r:id="rId22"/>
-    <p:sldId id="500" r:id="rId23"/>
-    <p:sldId id="501" r:id="rId24"/>
-    <p:sldId id="509" r:id="rId25"/>
-    <p:sldId id="510" r:id="rId26"/>
-    <p:sldId id="511" r:id="rId27"/>
-    <p:sldId id="512" r:id="rId28"/>
-    <p:sldId id="589" r:id="rId29"/>
-    <p:sldId id="534" r:id="rId30"/>
-    <p:sldId id="401" r:id="rId31"/>
-    <p:sldId id="587" r:id="rId32"/>
+    <p:sldId id="590" r:id="rId15"/>
+    <p:sldId id="591" r:id="rId16"/>
+    <p:sldId id="592" r:id="rId17"/>
+    <p:sldId id="549" r:id="rId18"/>
+    <p:sldId id="550" r:id="rId19"/>
+    <p:sldId id="585" r:id="rId20"/>
+    <p:sldId id="586" r:id="rId21"/>
+    <p:sldId id="486" r:id="rId22"/>
+    <p:sldId id="488" r:id="rId23"/>
+    <p:sldId id="492" r:id="rId24"/>
+    <p:sldId id="548" r:id="rId25"/>
+    <p:sldId id="500" r:id="rId26"/>
+    <p:sldId id="501" r:id="rId27"/>
+    <p:sldId id="509" r:id="rId28"/>
+    <p:sldId id="510" r:id="rId29"/>
+    <p:sldId id="511" r:id="rId30"/>
+    <p:sldId id="512" r:id="rId31"/>
+    <p:sldId id="589" r:id="rId32"/>
+    <p:sldId id="534" r:id="rId33"/>
+    <p:sldId id="401" r:id="rId34"/>
+    <p:sldId id="587" r:id="rId35"/>
   </p:sldIdLst>
   <p:sldSz cx="12192000" cy="6858000"/>
   <p:notesSz cx="6858000" cy="9144000"/>
@@ -170,6 +173,9 @@
             <p14:sldId id="475"/>
             <p14:sldId id="476"/>
             <p14:sldId id="477"/>
+            <p14:sldId id="590"/>
+            <p14:sldId id="591"/>
+            <p14:sldId id="592"/>
             <p14:sldId id="549"/>
             <p14:sldId id="550"/>
             <p14:sldId id="585"/>
@@ -323,7 +329,7 @@
           <a:p>
             <a:fld id="{4E087215-0C8F-4762-A664-737A353EC9A4}" type="datetimeFigureOut">
               <a:rPr lang="bg-BG" smtClean="0"/>
-              <a:t>25.01.23 г.</a:t>
+              <a:t>7.02.23 г.</a:t>
             </a:fld>
             <a:endParaRPr lang="bg-BG"/>
           </a:p>
@@ -514,7 +520,7 @@
           <a:p>
             <a:fld id="{72D84649-876A-46C9-8472-14CB09C070D8}" type="datetimeFigureOut">
               <a:rPr lang="en-US" smtClean="0"/>
-              <a:t>1/25/23</a:t>
+              <a:t>2/7/23</a:t>
             </a:fld>
             <a:endParaRPr lang="en-US"/>
           </a:p>
@@ -980,18 +986,18 @@
           <a:bodyPr/>
           <a:lstStyle/>
           <a:p>
-            <a:endParaRPr lang="bg-BG" dirty="0"/>
+            <a:endParaRPr lang="en-BG" dirty="0"/>
           </a:p>
         </p:txBody>
       </p:sp>
       <p:sp>
         <p:nvSpPr>
-          <p:cNvPr id="5" name="Slide Number Placeholder 4"/>
+          <p:cNvPr id="4" name="Slide Number Placeholder 3"/>
           <p:cNvSpPr>
             <a:spLocks noGrp="1"/>
           </p:cNvSpPr>
           <p:nvPr>
-            <p:ph type="sldNum" sz="quarter" idx="11"/>
+            <p:ph type="sldNum" sz="quarter" idx="5"/>
           </p:nvPr>
         </p:nvSpPr>
         <p:spPr/>
@@ -999,10 +1005,9 @@
           <a:bodyPr/>
           <a:lstStyle/>
           <a:p>
-            <a:fld id="{3EBA5BD7-F043-4D1B-AA17-CD412FC534DE}" type="slidenum">
+            <a:fld id="{2BF067CD-8E6B-4360-9AA8-C5DF2A48A6D1}" type="slidenum">
               <a:rPr lang="en-US" smtClean="0"/>
-              <a:pPr/>
-              <a:t>19</a:t>
+              <a:t>16</a:t>
             </a:fld>
             <a:endParaRPr lang="en-US" dirty="0"/>
           </a:p>
@@ -1010,13 +1015,7 @@
       </p:sp>
       <p:sp>
         <p:nvSpPr>
-          <p:cNvPr id="6" name="Footer Placeholder 7">
-            <a:extLst>
-              <a:ext uri="{FF2B5EF4-FFF2-40B4-BE49-F238E27FC236}">
-                <a16:creationId xmlns:a16="http://schemas.microsoft.com/office/drawing/2014/main" id="{388FF6BE-11E4-4601-B83F-E9A192316441}"/>
-              </a:ext>
-            </a:extLst>
-          </p:cNvPr>
+          <p:cNvPr id="5" name="Footer Placeholder 4"/>
           <p:cNvSpPr>
             <a:spLocks noGrp="1"/>
           </p:cNvSpPr>
@@ -1024,44 +1023,33 @@
             <p:ph type="ftr" sz="quarter" idx="4"/>
           </p:nvPr>
         </p:nvSpPr>
-        <p:spPr>
-          <a:xfrm>
-            <a:off x="-1" y="8847000"/>
-            <a:ext cx="6488999" cy="297000"/>
-          </a:xfrm>
-          <a:prstGeom prst="rect">
-            <a:avLst/>
-          </a:prstGeom>
-        </p:spPr>
+        <p:spPr/>
         <p:txBody>
-          <a:bodyPr vert="horz" lIns="91440" tIns="45720" rIns="91440" bIns="45720" rtlCol="0" anchor="b"/>
-          <a:lstStyle>
-            <a:lvl1pPr algn="l">
-              <a:defRPr sz="1100"/>
-            </a:lvl1pPr>
-          </a:lstStyle>
-          <a:p>
-            <a:r>
-              <a:rPr lang="en-US" dirty="0"/>
+          <a:bodyPr/>
+          <a:lstStyle/>
+          <a:p>
+            <a:r>
+              <a:rPr lang="en-US"/>
               <a:t>© SoftUni – </a:t>
             </a:r>
             <a:r>
-              <a:rPr lang="en-US" u="sng" dirty="0">
+              <a:rPr lang="en-US" u="sng">
                 <a:hlinkClick r:id="rId3"/>
               </a:rPr>
               <a:t>https://softuni.org</a:t>
             </a:r>
             <a:r>
-              <a:rPr lang="en-US" dirty="0"/>
+              <a:rPr lang="en-US"/>
               <a:t>. Copyrighted document. Unauthorized copy or reproduction is not permitted.</a:t>
             </a:r>
+            <a:endParaRPr lang="en-US" dirty="0"/>
           </a:p>
         </p:txBody>
       </p:sp>
     </p:spTree>
     <p:extLst>
       <p:ext uri="{BB962C8B-B14F-4D97-AF65-F5344CB8AC3E}">
-        <p14:creationId xmlns:p14="http://schemas.microsoft.com/office/powerpoint/2010/main" val="59018965"/>
+        <p14:creationId xmlns:p14="http://schemas.microsoft.com/office/powerpoint/2010/main" val="2822119957"/>
       </p:ext>
     </p:extLst>
   </p:cSld>
@@ -1090,21 +1078,76 @@
       </p:grpSpPr>
       <p:sp>
         <p:nvSpPr>
-          <p:cNvPr id="2" name="Slide Image Placeholder 1"/>
+          <p:cNvPr id="4" name="Rectangle 2"/>
           <p:cNvSpPr>
-            <a:spLocks noGrp="1" noRot="1" noChangeAspect="1"/>
+            <a:spLocks noGrp="1" noChangeArrowheads="1"/>
+          </p:cNvSpPr>
+          <p:nvPr>
+            <p:ph type="hdr" sz="quarter"/>
+          </p:nvPr>
+        </p:nvSpPr>
+        <p:spPr>
+          <a:ln/>
+        </p:spPr>
+        <p:txBody>
+          <a:bodyPr/>
+          <a:lstStyle/>
+          <a:p>
+            <a:r>
+              <a:rPr lang="en-US" dirty="0"/>
+              <a:t>*</a:t>
+            </a:r>
+          </a:p>
+        </p:txBody>
+      </p:sp>
+      <p:sp>
+        <p:nvSpPr>
+          <p:cNvPr id="6" name="Rectangle 7"/>
+          <p:cNvSpPr>
+            <a:spLocks noGrp="1" noChangeArrowheads="1"/>
+          </p:cNvSpPr>
+          <p:nvPr>
+            <p:ph type="sldNum" sz="quarter" idx="5"/>
+          </p:nvPr>
+        </p:nvSpPr>
+        <p:spPr>
+          <a:ln/>
+        </p:spPr>
+        <p:txBody>
+          <a:bodyPr/>
+          <a:lstStyle/>
+          <a:p>
+            <a:fld id="{68CA3FD5-FD3F-4C79-A80B-E275BA2DB07B}" type="slidenum">
+              <a:rPr lang="en-US"/>
+              <a:pPr/>
+              <a:t>21</a:t>
+            </a:fld>
+            <a:r>
+              <a:rPr lang="en-US" dirty="0"/>
+              <a:t>##</a:t>
+            </a:r>
+          </a:p>
+        </p:txBody>
+      </p:sp>
+      <p:sp>
+        <p:nvSpPr>
+          <p:cNvPr id="530434" name="Rectangle 2"/>
+          <p:cNvSpPr>
+            <a:spLocks noGrp="1" noRot="1" noChangeAspect="1" noChangeArrowheads="1" noTextEdit="1"/>
           </p:cNvSpPr>
           <p:nvPr>
             <p:ph type="sldImg"/>
           </p:nvPr>
         </p:nvSpPr>
-        <p:spPr/>
+        <p:spPr>
+          <a:ln/>
+        </p:spPr>
       </p:sp>
       <p:sp>
         <p:nvSpPr>
-          <p:cNvPr id="3" name="Notes Placeholder 2"/>
+          <p:cNvPr id="530435" name="Rectangle 3"/>
           <p:cNvSpPr>
-            <a:spLocks noGrp="1"/>
+            <a:spLocks noGrp="1" noChangeArrowheads="1"/>
           </p:cNvSpPr>
           <p:nvPr>
             <p:ph type="body" idx="1"/>
@@ -1115,40 +1158,16 @@
           <a:bodyPr/>
           <a:lstStyle/>
           <a:p>
-            <a:endParaRPr lang="en-US" dirty="0"/>
+            <a:endParaRPr lang="bg-BG"/>
           </a:p>
         </p:txBody>
       </p:sp>
       <p:sp>
         <p:nvSpPr>
-          <p:cNvPr id="4" name="Slide Number Placeholder 3"/>
-          <p:cNvSpPr>
-            <a:spLocks noGrp="1"/>
-          </p:cNvSpPr>
-          <p:nvPr>
-            <p:ph type="sldNum" sz="quarter" idx="10"/>
-          </p:nvPr>
-        </p:nvSpPr>
-        <p:spPr/>
-        <p:txBody>
-          <a:bodyPr/>
-          <a:lstStyle/>
-          <a:p>
-            <a:fld id="{3EBA5BD7-F043-4D1B-AA17-CD412FC534DE}" type="slidenum">
-              <a:rPr lang="en-US" smtClean="0"/>
-              <a:pPr/>
-              <a:t>22</a:t>
-            </a:fld>
-            <a:endParaRPr lang="en-US" dirty="0"/>
-          </a:p>
-        </p:txBody>
-      </p:sp>
-      <p:sp>
-        <p:nvSpPr>
-          <p:cNvPr id="6" name="Footer Placeholder 7">
+          <p:cNvPr id="7" name="Footer Placeholder 7">
             <a:extLst>
               <a:ext uri="{FF2B5EF4-FFF2-40B4-BE49-F238E27FC236}">
-                <a16:creationId xmlns:a16="http://schemas.microsoft.com/office/drawing/2014/main" id="{8E445F89-DD57-43B2-A54A-42D0135BB6A4}"/>
+                <a16:creationId xmlns:a16="http://schemas.microsoft.com/office/drawing/2014/main" id="{E586BAB7-1B2E-4109-BCF5-DF7D37350848}"/>
               </a:ext>
             </a:extLst>
           </p:cNvPr>
@@ -1196,7 +1215,7 @@
     </p:spTree>
     <p:extLst>
       <p:ext uri="{BB962C8B-B14F-4D97-AF65-F5344CB8AC3E}">
-        <p14:creationId xmlns:p14="http://schemas.microsoft.com/office/powerpoint/2010/main" val="589510640"/>
+        <p14:creationId xmlns:p14="http://schemas.microsoft.com/office/powerpoint/2010/main" val="3251890765"/>
       </p:ext>
     </p:extLst>
   </p:cSld>
@@ -1250,18 +1269,18 @@
           <a:bodyPr/>
           <a:lstStyle/>
           <a:p>
-            <a:endParaRPr lang="en-BG" dirty="0"/>
+            <a:endParaRPr lang="bg-BG" dirty="0"/>
           </a:p>
         </p:txBody>
       </p:sp>
       <p:sp>
         <p:nvSpPr>
-          <p:cNvPr id="4" name="Slide Number Placeholder 3"/>
+          <p:cNvPr id="5" name="Slide Number Placeholder 4"/>
           <p:cNvSpPr>
             <a:spLocks noGrp="1"/>
           </p:cNvSpPr>
           <p:nvPr>
-            <p:ph type="sldNum" sz="quarter" idx="5"/>
+            <p:ph type="sldNum" sz="quarter" idx="11"/>
           </p:nvPr>
         </p:nvSpPr>
         <p:spPr/>
@@ -1269,9 +1288,10 @@
           <a:bodyPr/>
           <a:lstStyle/>
           <a:p>
-            <a:fld id="{2BF067CD-8E6B-4360-9AA8-C5DF2A48A6D1}" type="slidenum">
+            <a:fld id="{3EBA5BD7-F043-4D1B-AA17-CD412FC534DE}" type="slidenum">
               <a:rPr lang="en-US" smtClean="0"/>
-              <a:t>23</a:t>
+              <a:pPr/>
+              <a:t>22</a:t>
             </a:fld>
             <a:endParaRPr lang="en-US" dirty="0"/>
           </a:p>
@@ -1279,7 +1299,13 @@
       </p:sp>
       <p:sp>
         <p:nvSpPr>
-          <p:cNvPr id="5" name="Footer Placeholder 4"/>
+          <p:cNvPr id="6" name="Footer Placeholder 7">
+            <a:extLst>
+              <a:ext uri="{FF2B5EF4-FFF2-40B4-BE49-F238E27FC236}">
+                <a16:creationId xmlns:a16="http://schemas.microsoft.com/office/drawing/2014/main" id="{388FF6BE-11E4-4601-B83F-E9A192316441}"/>
+              </a:ext>
+            </a:extLst>
+          </p:cNvPr>
           <p:cNvSpPr>
             <a:spLocks noGrp="1"/>
           </p:cNvSpPr>
@@ -1287,33 +1313,44 @@
             <p:ph type="ftr" sz="quarter" idx="4"/>
           </p:nvPr>
         </p:nvSpPr>
-        <p:spPr/>
+        <p:spPr>
+          <a:xfrm>
+            <a:off x="-1" y="8847000"/>
+            <a:ext cx="6488999" cy="297000"/>
+          </a:xfrm>
+          <a:prstGeom prst="rect">
+            <a:avLst/>
+          </a:prstGeom>
+        </p:spPr>
         <p:txBody>
-          <a:bodyPr/>
-          <a:lstStyle/>
-          <a:p>
-            <a:r>
-              <a:rPr lang="en-US"/>
+          <a:bodyPr vert="horz" lIns="91440" tIns="45720" rIns="91440" bIns="45720" rtlCol="0" anchor="b"/>
+          <a:lstStyle>
+            <a:lvl1pPr algn="l">
+              <a:defRPr sz="1100"/>
+            </a:lvl1pPr>
+          </a:lstStyle>
+          <a:p>
+            <a:r>
+              <a:rPr lang="en-US" dirty="0"/>
               <a:t>© SoftUni – </a:t>
             </a:r>
             <a:r>
-              <a:rPr lang="en-US" u="sng">
+              <a:rPr lang="en-US" u="sng" dirty="0">
                 <a:hlinkClick r:id="rId3"/>
               </a:rPr>
               <a:t>https://softuni.org</a:t>
             </a:r>
             <a:r>
-              <a:rPr lang="en-US"/>
+              <a:rPr lang="en-US" dirty="0"/>
               <a:t>. Copyrighted document. Unauthorized copy or reproduction is not permitted.</a:t>
             </a:r>
-            <a:endParaRPr lang="en-US" dirty="0"/>
           </a:p>
         </p:txBody>
       </p:sp>
     </p:spTree>
     <p:extLst>
       <p:ext uri="{BB962C8B-B14F-4D97-AF65-F5344CB8AC3E}">
-        <p14:creationId xmlns:p14="http://schemas.microsoft.com/office/powerpoint/2010/main" val="2477764310"/>
+        <p14:creationId xmlns:p14="http://schemas.microsoft.com/office/powerpoint/2010/main" val="59018965"/>
       </p:ext>
     </p:extLst>
   </p:cSld>
@@ -1367,18 +1404,18 @@
           <a:bodyPr/>
           <a:lstStyle/>
           <a:p>
-            <a:endParaRPr lang="en-US"/>
+            <a:endParaRPr lang="en-BG" dirty="0"/>
           </a:p>
         </p:txBody>
       </p:sp>
       <p:sp>
         <p:nvSpPr>
-          <p:cNvPr id="5" name="Slide Number Placeholder 4"/>
+          <p:cNvPr id="4" name="Slide Number Placeholder 3"/>
           <p:cNvSpPr>
             <a:spLocks noGrp="1"/>
           </p:cNvSpPr>
           <p:nvPr>
-            <p:ph type="sldNum" sz="quarter" idx="11"/>
+            <p:ph type="sldNum" sz="quarter" idx="5"/>
           </p:nvPr>
         </p:nvSpPr>
         <p:spPr/>
@@ -1386,10 +1423,9 @@
           <a:bodyPr/>
           <a:lstStyle/>
           <a:p>
-            <a:fld id="{3EBA5BD7-F043-4D1B-AA17-CD412FC534DE}" type="slidenum">
+            <a:fld id="{2BF067CD-8E6B-4360-9AA8-C5DF2A48A6D1}" type="slidenum">
               <a:rPr lang="en-US" smtClean="0"/>
-              <a:pPr/>
-              <a:t>29</a:t>
+              <a:t>24</a:t>
             </a:fld>
             <a:endParaRPr lang="en-US" dirty="0"/>
           </a:p>
@@ -1397,13 +1433,7 @@
       </p:sp>
       <p:sp>
         <p:nvSpPr>
-          <p:cNvPr id="6" name="Footer Placeholder 7">
-            <a:extLst>
-              <a:ext uri="{FF2B5EF4-FFF2-40B4-BE49-F238E27FC236}">
-                <a16:creationId xmlns:a16="http://schemas.microsoft.com/office/drawing/2014/main" id="{C0C85935-F63A-4E6E-9391-BCDD465ED4D5}"/>
-              </a:ext>
-            </a:extLst>
-          </p:cNvPr>
+          <p:cNvPr id="5" name="Footer Placeholder 4"/>
           <p:cNvSpPr>
             <a:spLocks noGrp="1"/>
           </p:cNvSpPr>
@@ -1411,44 +1441,33 @@
             <p:ph type="ftr" sz="quarter" idx="4"/>
           </p:nvPr>
         </p:nvSpPr>
-        <p:spPr>
-          <a:xfrm>
-            <a:off x="-1" y="8847000"/>
-            <a:ext cx="6488999" cy="297000"/>
-          </a:xfrm>
-          <a:prstGeom prst="rect">
-            <a:avLst/>
-          </a:prstGeom>
-        </p:spPr>
+        <p:spPr/>
         <p:txBody>
-          <a:bodyPr vert="horz" lIns="91440" tIns="45720" rIns="91440" bIns="45720" rtlCol="0" anchor="b"/>
-          <a:lstStyle>
-            <a:lvl1pPr algn="l">
-              <a:defRPr sz="1100"/>
-            </a:lvl1pPr>
-          </a:lstStyle>
-          <a:p>
-            <a:r>
-              <a:rPr lang="en-US" dirty="0"/>
+          <a:bodyPr/>
+          <a:lstStyle/>
+          <a:p>
+            <a:r>
+              <a:rPr lang="en-US"/>
               <a:t>© SoftUni – </a:t>
             </a:r>
             <a:r>
-              <a:rPr lang="en-US" u="sng" dirty="0">
+              <a:rPr lang="en-US" u="sng">
                 <a:hlinkClick r:id="rId3"/>
               </a:rPr>
               <a:t>https://softuni.org</a:t>
             </a:r>
             <a:r>
-              <a:rPr lang="en-US" dirty="0"/>
+              <a:rPr lang="en-US"/>
               <a:t>. Copyrighted document. Unauthorized copy or reproduction is not permitted.</a:t>
             </a:r>
+            <a:endParaRPr lang="en-US" dirty="0"/>
           </a:p>
         </p:txBody>
       </p:sp>
     </p:spTree>
     <p:extLst>
       <p:ext uri="{BB962C8B-B14F-4D97-AF65-F5344CB8AC3E}">
-        <p14:creationId xmlns:p14="http://schemas.microsoft.com/office/powerpoint/2010/main" val="462755717"/>
+        <p14:creationId xmlns:p14="http://schemas.microsoft.com/office/powerpoint/2010/main" val="2194995287"/>
       </p:ext>
     </p:extLst>
   </p:cSld>
@@ -1502,135 +1521,29 @@
           <a:bodyPr/>
           <a:lstStyle/>
           <a:p>
-            <a:endParaRPr lang="en-US"/>
+            <a:endParaRPr lang="en-US" dirty="0"/>
           </a:p>
         </p:txBody>
       </p:sp>
       <p:sp>
         <p:nvSpPr>
-          <p:cNvPr id="7" name="Slide Number Placeholder 5">
-            <a:extLst>
-              <a:ext uri="{FF2B5EF4-FFF2-40B4-BE49-F238E27FC236}">
-                <a16:creationId xmlns:a16="http://schemas.microsoft.com/office/drawing/2014/main" id="{5049B984-F964-47FF-8179-0A3007CE21CD}"/>
-              </a:ext>
-            </a:extLst>
-          </p:cNvPr>
-          <p:cNvSpPr txBox="1">
-            <a:spLocks/>
+          <p:cNvPr id="4" name="Slide Number Placeholder 3"/>
+          <p:cNvSpPr>
+            <a:spLocks noGrp="1"/>
           </p:cNvSpPr>
-          <p:nvPr/>
+          <p:nvPr>
+            <p:ph type="sldNum" sz="quarter" idx="10"/>
+          </p:nvPr>
         </p:nvSpPr>
-        <p:spPr>
-          <a:xfrm>
-            <a:off x="6488999" y="8847000"/>
-            <a:ext cx="367414" cy="297000"/>
-          </a:xfrm>
-          <a:prstGeom prst="rect">
-            <a:avLst/>
-          </a:prstGeom>
-        </p:spPr>
+        <p:spPr/>
         <p:txBody>
-          <a:bodyPr vert="horz" lIns="91440" tIns="45720" rIns="91440" bIns="45720" rtlCol="0" anchor="b"/>
-          <a:lstStyle>
-            <a:defPPr>
-              <a:defRPr lang="en-US"/>
-            </a:defPPr>
-            <a:lvl1pPr marL="0" algn="r" defTabSz="914400" rtl="0" eaLnBrk="1" latinLnBrk="0" hangingPunct="1">
-              <a:defRPr sz="1200" kern="1200">
-                <a:solidFill>
-                  <a:schemeClr val="tx1"/>
-                </a:solidFill>
-                <a:latin typeface="+mn-lt"/>
-                <a:ea typeface="+mn-ea"/>
-                <a:cs typeface="+mn-cs"/>
-              </a:defRPr>
-            </a:lvl1pPr>
-            <a:lvl2pPr marL="457200" algn="l" defTabSz="914400" rtl="0" eaLnBrk="1" latinLnBrk="0" hangingPunct="1">
-              <a:defRPr sz="1800" kern="1200">
-                <a:solidFill>
-                  <a:schemeClr val="tx1"/>
-                </a:solidFill>
-                <a:latin typeface="+mn-lt"/>
-                <a:ea typeface="+mn-ea"/>
-                <a:cs typeface="+mn-cs"/>
-              </a:defRPr>
-            </a:lvl2pPr>
-            <a:lvl3pPr marL="914400" algn="l" defTabSz="914400" rtl="0" eaLnBrk="1" latinLnBrk="0" hangingPunct="1">
-              <a:defRPr sz="1800" kern="1200">
-                <a:solidFill>
-                  <a:schemeClr val="tx1"/>
-                </a:solidFill>
-                <a:latin typeface="+mn-lt"/>
-                <a:ea typeface="+mn-ea"/>
-                <a:cs typeface="+mn-cs"/>
-              </a:defRPr>
-            </a:lvl3pPr>
-            <a:lvl4pPr marL="1371600" algn="l" defTabSz="914400" rtl="0" eaLnBrk="1" latinLnBrk="0" hangingPunct="1">
-              <a:defRPr sz="1800" kern="1200">
-                <a:solidFill>
-                  <a:schemeClr val="tx1"/>
-                </a:solidFill>
-                <a:latin typeface="+mn-lt"/>
-                <a:ea typeface="+mn-ea"/>
-                <a:cs typeface="+mn-cs"/>
-              </a:defRPr>
-            </a:lvl4pPr>
-            <a:lvl5pPr marL="1828800" algn="l" defTabSz="914400" rtl="0" eaLnBrk="1" latinLnBrk="0" hangingPunct="1">
-              <a:defRPr sz="1800" kern="1200">
-                <a:solidFill>
-                  <a:schemeClr val="tx1"/>
-                </a:solidFill>
-                <a:latin typeface="+mn-lt"/>
-                <a:ea typeface="+mn-ea"/>
-                <a:cs typeface="+mn-cs"/>
-              </a:defRPr>
-            </a:lvl5pPr>
-            <a:lvl6pPr marL="2286000" algn="l" defTabSz="914400" rtl="0" eaLnBrk="1" latinLnBrk="0" hangingPunct="1">
-              <a:defRPr sz="1800" kern="1200">
-                <a:solidFill>
-                  <a:schemeClr val="tx1"/>
-                </a:solidFill>
-                <a:latin typeface="+mn-lt"/>
-                <a:ea typeface="+mn-ea"/>
-                <a:cs typeface="+mn-cs"/>
-              </a:defRPr>
-            </a:lvl6pPr>
-            <a:lvl7pPr marL="2743200" algn="l" defTabSz="914400" rtl="0" eaLnBrk="1" latinLnBrk="0" hangingPunct="1">
-              <a:defRPr sz="1800" kern="1200">
-                <a:solidFill>
-                  <a:schemeClr val="tx1"/>
-                </a:solidFill>
-                <a:latin typeface="+mn-lt"/>
-                <a:ea typeface="+mn-ea"/>
-                <a:cs typeface="+mn-cs"/>
-              </a:defRPr>
-            </a:lvl7pPr>
-            <a:lvl8pPr marL="3200400" algn="l" defTabSz="914400" rtl="0" eaLnBrk="1" latinLnBrk="0" hangingPunct="1">
-              <a:defRPr sz="1800" kern="1200">
-                <a:solidFill>
-                  <a:schemeClr val="tx1"/>
-                </a:solidFill>
-                <a:latin typeface="+mn-lt"/>
-                <a:ea typeface="+mn-ea"/>
-                <a:cs typeface="+mn-cs"/>
-              </a:defRPr>
-            </a:lvl8pPr>
-            <a:lvl9pPr marL="3657600" algn="l" defTabSz="914400" rtl="0" eaLnBrk="1" latinLnBrk="0" hangingPunct="1">
-              <a:defRPr sz="1800" kern="1200">
-                <a:solidFill>
-                  <a:schemeClr val="tx1"/>
-                </a:solidFill>
-                <a:latin typeface="+mn-lt"/>
-                <a:ea typeface="+mn-ea"/>
-                <a:cs typeface="+mn-cs"/>
-              </a:defRPr>
-            </a:lvl9pPr>
-          </a:lstStyle>
+          <a:bodyPr/>
+          <a:lstStyle/>
           <a:p>
             <a:fld id="{3EBA5BD7-F043-4D1B-AA17-CD412FC534DE}" type="slidenum">
               <a:rPr lang="en-US" smtClean="0"/>
               <a:pPr/>
-              <a:t>30</a:t>
+              <a:t>25</a:t>
             </a:fld>
             <a:endParaRPr lang="en-US" dirty="0"/>
           </a:p>
@@ -1641,7 +1554,7 @@
           <p:cNvPr id="6" name="Footer Placeholder 7">
             <a:extLst>
               <a:ext uri="{FF2B5EF4-FFF2-40B4-BE49-F238E27FC236}">
-                <a16:creationId xmlns:a16="http://schemas.microsoft.com/office/drawing/2014/main" id="{CC48D5AA-1678-4D9E-8564-7EC2BD56C583}"/>
+                <a16:creationId xmlns:a16="http://schemas.microsoft.com/office/drawing/2014/main" id="{8E445F89-DD57-43B2-A54A-42D0135BB6A4}"/>
               </a:ext>
             </a:extLst>
           </p:cNvPr>
@@ -1689,7 +1602,7 @@
     </p:spTree>
     <p:extLst>
       <p:ext uri="{BB962C8B-B14F-4D97-AF65-F5344CB8AC3E}">
-        <p14:creationId xmlns:p14="http://schemas.microsoft.com/office/powerpoint/2010/main" val="3183977983"/>
+        <p14:creationId xmlns:p14="http://schemas.microsoft.com/office/powerpoint/2010/main" val="589510640"/>
       </p:ext>
     </p:extLst>
   </p:cSld>
@@ -1743,6 +1656,499 @@
           <a:bodyPr/>
           <a:lstStyle/>
           <a:p>
+            <a:endParaRPr lang="en-BG" dirty="0"/>
+          </a:p>
+        </p:txBody>
+      </p:sp>
+      <p:sp>
+        <p:nvSpPr>
+          <p:cNvPr id="4" name="Slide Number Placeholder 3"/>
+          <p:cNvSpPr>
+            <a:spLocks noGrp="1"/>
+          </p:cNvSpPr>
+          <p:nvPr>
+            <p:ph type="sldNum" sz="quarter" idx="5"/>
+          </p:nvPr>
+        </p:nvSpPr>
+        <p:spPr/>
+        <p:txBody>
+          <a:bodyPr/>
+          <a:lstStyle/>
+          <a:p>
+            <a:fld id="{2BF067CD-8E6B-4360-9AA8-C5DF2A48A6D1}" type="slidenum">
+              <a:rPr lang="en-US" smtClean="0"/>
+              <a:t>26</a:t>
+            </a:fld>
+            <a:endParaRPr lang="en-US" dirty="0"/>
+          </a:p>
+        </p:txBody>
+      </p:sp>
+      <p:sp>
+        <p:nvSpPr>
+          <p:cNvPr id="5" name="Footer Placeholder 4"/>
+          <p:cNvSpPr>
+            <a:spLocks noGrp="1"/>
+          </p:cNvSpPr>
+          <p:nvPr>
+            <p:ph type="ftr" sz="quarter" idx="4"/>
+          </p:nvPr>
+        </p:nvSpPr>
+        <p:spPr/>
+        <p:txBody>
+          <a:bodyPr/>
+          <a:lstStyle/>
+          <a:p>
+            <a:r>
+              <a:rPr lang="en-US"/>
+              <a:t>© SoftUni – </a:t>
+            </a:r>
+            <a:r>
+              <a:rPr lang="en-US" u="sng">
+                <a:hlinkClick r:id="rId3"/>
+              </a:rPr>
+              <a:t>https://softuni.org</a:t>
+            </a:r>
+            <a:r>
+              <a:rPr lang="en-US"/>
+              <a:t>. Copyrighted document. Unauthorized copy or reproduction is not permitted.</a:t>
+            </a:r>
+            <a:endParaRPr lang="en-US" dirty="0"/>
+          </a:p>
+        </p:txBody>
+      </p:sp>
+    </p:spTree>
+    <p:extLst>
+      <p:ext uri="{BB962C8B-B14F-4D97-AF65-F5344CB8AC3E}">
+        <p14:creationId xmlns:p14="http://schemas.microsoft.com/office/powerpoint/2010/main" val="2477764310"/>
+      </p:ext>
+    </p:extLst>
+  </p:cSld>
+  <p:clrMapOvr>
+    <a:masterClrMapping/>
+  </p:clrMapOvr>
+</p:notes>
+</file>
+
+<file path=ppt/notesSlides/notesSlide16.xml><?xml version="1.0" encoding="utf-8"?>
+<p:notes xmlns:a="http://schemas.openxmlformats.org/drawingml/2006/main" xmlns:r="http://schemas.openxmlformats.org/officeDocument/2006/relationships" xmlns:p="http://schemas.openxmlformats.org/presentationml/2006/main">
+  <p:cSld>
+    <p:spTree>
+      <p:nvGrpSpPr>
+        <p:cNvPr id="1" name=""/>
+        <p:cNvGrpSpPr/>
+        <p:nvPr/>
+      </p:nvGrpSpPr>
+      <p:grpSpPr>
+        <a:xfrm>
+          <a:off x="0" y="0"/>
+          <a:ext cx="0" cy="0"/>
+          <a:chOff x="0" y="0"/>
+          <a:chExt cx="0" cy="0"/>
+        </a:xfrm>
+      </p:grpSpPr>
+      <p:sp>
+        <p:nvSpPr>
+          <p:cNvPr id="2" name="Slide Image Placeholder 1"/>
+          <p:cNvSpPr>
+            <a:spLocks noGrp="1" noRot="1" noChangeAspect="1"/>
+          </p:cNvSpPr>
+          <p:nvPr>
+            <p:ph type="sldImg"/>
+          </p:nvPr>
+        </p:nvSpPr>
+        <p:spPr/>
+      </p:sp>
+      <p:sp>
+        <p:nvSpPr>
+          <p:cNvPr id="3" name="Notes Placeholder 2"/>
+          <p:cNvSpPr>
+            <a:spLocks noGrp="1"/>
+          </p:cNvSpPr>
+          <p:nvPr>
+            <p:ph type="body" idx="1"/>
+          </p:nvPr>
+        </p:nvSpPr>
+        <p:spPr/>
+        <p:txBody>
+          <a:bodyPr/>
+          <a:lstStyle/>
+          <a:p>
+            <a:endParaRPr lang="en-US"/>
+          </a:p>
+        </p:txBody>
+      </p:sp>
+      <p:sp>
+        <p:nvSpPr>
+          <p:cNvPr id="5" name="Slide Number Placeholder 4"/>
+          <p:cNvSpPr>
+            <a:spLocks noGrp="1"/>
+          </p:cNvSpPr>
+          <p:nvPr>
+            <p:ph type="sldNum" sz="quarter" idx="11"/>
+          </p:nvPr>
+        </p:nvSpPr>
+        <p:spPr/>
+        <p:txBody>
+          <a:bodyPr/>
+          <a:lstStyle/>
+          <a:p>
+            <a:fld id="{3EBA5BD7-F043-4D1B-AA17-CD412FC534DE}" type="slidenum">
+              <a:rPr lang="en-US" smtClean="0"/>
+              <a:pPr/>
+              <a:t>32</a:t>
+            </a:fld>
+            <a:endParaRPr lang="en-US" dirty="0"/>
+          </a:p>
+        </p:txBody>
+      </p:sp>
+      <p:sp>
+        <p:nvSpPr>
+          <p:cNvPr id="6" name="Footer Placeholder 7">
+            <a:extLst>
+              <a:ext uri="{FF2B5EF4-FFF2-40B4-BE49-F238E27FC236}">
+                <a16:creationId xmlns:a16="http://schemas.microsoft.com/office/drawing/2014/main" id="{C0C85935-F63A-4E6E-9391-BCDD465ED4D5}"/>
+              </a:ext>
+            </a:extLst>
+          </p:cNvPr>
+          <p:cNvSpPr>
+            <a:spLocks noGrp="1"/>
+          </p:cNvSpPr>
+          <p:nvPr>
+            <p:ph type="ftr" sz="quarter" idx="4"/>
+          </p:nvPr>
+        </p:nvSpPr>
+        <p:spPr>
+          <a:xfrm>
+            <a:off x="-1" y="8847000"/>
+            <a:ext cx="6488999" cy="297000"/>
+          </a:xfrm>
+          <a:prstGeom prst="rect">
+            <a:avLst/>
+          </a:prstGeom>
+        </p:spPr>
+        <p:txBody>
+          <a:bodyPr vert="horz" lIns="91440" tIns="45720" rIns="91440" bIns="45720" rtlCol="0" anchor="b"/>
+          <a:lstStyle>
+            <a:lvl1pPr algn="l">
+              <a:defRPr sz="1100"/>
+            </a:lvl1pPr>
+          </a:lstStyle>
+          <a:p>
+            <a:r>
+              <a:rPr lang="en-US" dirty="0"/>
+              <a:t>© SoftUni – </a:t>
+            </a:r>
+            <a:r>
+              <a:rPr lang="en-US" u="sng" dirty="0">
+                <a:hlinkClick r:id="rId3"/>
+              </a:rPr>
+              <a:t>https://softuni.org</a:t>
+            </a:r>
+            <a:r>
+              <a:rPr lang="en-US" dirty="0"/>
+              <a:t>. Copyrighted document. Unauthorized copy or reproduction is not permitted.</a:t>
+            </a:r>
+          </a:p>
+        </p:txBody>
+      </p:sp>
+    </p:spTree>
+    <p:extLst>
+      <p:ext uri="{BB962C8B-B14F-4D97-AF65-F5344CB8AC3E}">
+        <p14:creationId xmlns:p14="http://schemas.microsoft.com/office/powerpoint/2010/main" val="462755717"/>
+      </p:ext>
+    </p:extLst>
+  </p:cSld>
+  <p:clrMapOvr>
+    <a:masterClrMapping/>
+  </p:clrMapOvr>
+</p:notes>
+</file>
+
+<file path=ppt/notesSlides/notesSlide17.xml><?xml version="1.0" encoding="utf-8"?>
+<p:notes xmlns:a="http://schemas.openxmlformats.org/drawingml/2006/main" xmlns:r="http://schemas.openxmlformats.org/officeDocument/2006/relationships" xmlns:p="http://schemas.openxmlformats.org/presentationml/2006/main">
+  <p:cSld>
+    <p:spTree>
+      <p:nvGrpSpPr>
+        <p:cNvPr id="1" name=""/>
+        <p:cNvGrpSpPr/>
+        <p:nvPr/>
+      </p:nvGrpSpPr>
+      <p:grpSpPr>
+        <a:xfrm>
+          <a:off x="0" y="0"/>
+          <a:ext cx="0" cy="0"/>
+          <a:chOff x="0" y="0"/>
+          <a:chExt cx="0" cy="0"/>
+        </a:xfrm>
+      </p:grpSpPr>
+      <p:sp>
+        <p:nvSpPr>
+          <p:cNvPr id="2" name="Slide Image Placeholder 1"/>
+          <p:cNvSpPr>
+            <a:spLocks noGrp="1" noRot="1" noChangeAspect="1"/>
+          </p:cNvSpPr>
+          <p:nvPr>
+            <p:ph type="sldImg"/>
+          </p:nvPr>
+        </p:nvSpPr>
+        <p:spPr/>
+      </p:sp>
+      <p:sp>
+        <p:nvSpPr>
+          <p:cNvPr id="3" name="Notes Placeholder 2"/>
+          <p:cNvSpPr>
+            <a:spLocks noGrp="1"/>
+          </p:cNvSpPr>
+          <p:nvPr>
+            <p:ph type="body" idx="1"/>
+          </p:nvPr>
+        </p:nvSpPr>
+        <p:spPr/>
+        <p:txBody>
+          <a:bodyPr/>
+          <a:lstStyle/>
+          <a:p>
+            <a:endParaRPr lang="en-US"/>
+          </a:p>
+        </p:txBody>
+      </p:sp>
+      <p:sp>
+        <p:nvSpPr>
+          <p:cNvPr id="7" name="Slide Number Placeholder 5">
+            <a:extLst>
+              <a:ext uri="{FF2B5EF4-FFF2-40B4-BE49-F238E27FC236}">
+                <a16:creationId xmlns:a16="http://schemas.microsoft.com/office/drawing/2014/main" id="{5049B984-F964-47FF-8179-0A3007CE21CD}"/>
+              </a:ext>
+            </a:extLst>
+          </p:cNvPr>
+          <p:cNvSpPr txBox="1">
+            <a:spLocks/>
+          </p:cNvSpPr>
+          <p:nvPr/>
+        </p:nvSpPr>
+        <p:spPr>
+          <a:xfrm>
+            <a:off x="6488999" y="8847000"/>
+            <a:ext cx="367414" cy="297000"/>
+          </a:xfrm>
+          <a:prstGeom prst="rect">
+            <a:avLst/>
+          </a:prstGeom>
+        </p:spPr>
+        <p:txBody>
+          <a:bodyPr vert="horz" lIns="91440" tIns="45720" rIns="91440" bIns="45720" rtlCol="0" anchor="b"/>
+          <a:lstStyle>
+            <a:defPPr>
+              <a:defRPr lang="en-US"/>
+            </a:defPPr>
+            <a:lvl1pPr marL="0" algn="r" defTabSz="914400" rtl="0" eaLnBrk="1" latinLnBrk="0" hangingPunct="1">
+              <a:defRPr sz="1200" kern="1200">
+                <a:solidFill>
+                  <a:schemeClr val="tx1"/>
+                </a:solidFill>
+                <a:latin typeface="+mn-lt"/>
+                <a:ea typeface="+mn-ea"/>
+                <a:cs typeface="+mn-cs"/>
+              </a:defRPr>
+            </a:lvl1pPr>
+            <a:lvl2pPr marL="457200" algn="l" defTabSz="914400" rtl="0" eaLnBrk="1" latinLnBrk="0" hangingPunct="1">
+              <a:defRPr sz="1800" kern="1200">
+                <a:solidFill>
+                  <a:schemeClr val="tx1"/>
+                </a:solidFill>
+                <a:latin typeface="+mn-lt"/>
+                <a:ea typeface="+mn-ea"/>
+                <a:cs typeface="+mn-cs"/>
+              </a:defRPr>
+            </a:lvl2pPr>
+            <a:lvl3pPr marL="914400" algn="l" defTabSz="914400" rtl="0" eaLnBrk="1" latinLnBrk="0" hangingPunct="1">
+              <a:defRPr sz="1800" kern="1200">
+                <a:solidFill>
+                  <a:schemeClr val="tx1"/>
+                </a:solidFill>
+                <a:latin typeface="+mn-lt"/>
+                <a:ea typeface="+mn-ea"/>
+                <a:cs typeface="+mn-cs"/>
+              </a:defRPr>
+            </a:lvl3pPr>
+            <a:lvl4pPr marL="1371600" algn="l" defTabSz="914400" rtl="0" eaLnBrk="1" latinLnBrk="0" hangingPunct="1">
+              <a:defRPr sz="1800" kern="1200">
+                <a:solidFill>
+                  <a:schemeClr val="tx1"/>
+                </a:solidFill>
+                <a:latin typeface="+mn-lt"/>
+                <a:ea typeface="+mn-ea"/>
+                <a:cs typeface="+mn-cs"/>
+              </a:defRPr>
+            </a:lvl4pPr>
+            <a:lvl5pPr marL="1828800" algn="l" defTabSz="914400" rtl="0" eaLnBrk="1" latinLnBrk="0" hangingPunct="1">
+              <a:defRPr sz="1800" kern="1200">
+                <a:solidFill>
+                  <a:schemeClr val="tx1"/>
+                </a:solidFill>
+                <a:latin typeface="+mn-lt"/>
+                <a:ea typeface="+mn-ea"/>
+                <a:cs typeface="+mn-cs"/>
+              </a:defRPr>
+            </a:lvl5pPr>
+            <a:lvl6pPr marL="2286000" algn="l" defTabSz="914400" rtl="0" eaLnBrk="1" latinLnBrk="0" hangingPunct="1">
+              <a:defRPr sz="1800" kern="1200">
+                <a:solidFill>
+                  <a:schemeClr val="tx1"/>
+                </a:solidFill>
+                <a:latin typeface="+mn-lt"/>
+                <a:ea typeface="+mn-ea"/>
+                <a:cs typeface="+mn-cs"/>
+              </a:defRPr>
+            </a:lvl6pPr>
+            <a:lvl7pPr marL="2743200" algn="l" defTabSz="914400" rtl="0" eaLnBrk="1" latinLnBrk="0" hangingPunct="1">
+              <a:defRPr sz="1800" kern="1200">
+                <a:solidFill>
+                  <a:schemeClr val="tx1"/>
+                </a:solidFill>
+                <a:latin typeface="+mn-lt"/>
+                <a:ea typeface="+mn-ea"/>
+                <a:cs typeface="+mn-cs"/>
+              </a:defRPr>
+            </a:lvl7pPr>
+            <a:lvl8pPr marL="3200400" algn="l" defTabSz="914400" rtl="0" eaLnBrk="1" latinLnBrk="0" hangingPunct="1">
+              <a:defRPr sz="1800" kern="1200">
+                <a:solidFill>
+                  <a:schemeClr val="tx1"/>
+                </a:solidFill>
+                <a:latin typeface="+mn-lt"/>
+                <a:ea typeface="+mn-ea"/>
+                <a:cs typeface="+mn-cs"/>
+              </a:defRPr>
+            </a:lvl8pPr>
+            <a:lvl9pPr marL="3657600" algn="l" defTabSz="914400" rtl="0" eaLnBrk="1" latinLnBrk="0" hangingPunct="1">
+              <a:defRPr sz="1800" kern="1200">
+                <a:solidFill>
+                  <a:schemeClr val="tx1"/>
+                </a:solidFill>
+                <a:latin typeface="+mn-lt"/>
+                <a:ea typeface="+mn-ea"/>
+                <a:cs typeface="+mn-cs"/>
+              </a:defRPr>
+            </a:lvl9pPr>
+          </a:lstStyle>
+          <a:p>
+            <a:fld id="{3EBA5BD7-F043-4D1B-AA17-CD412FC534DE}" type="slidenum">
+              <a:rPr lang="en-US" smtClean="0"/>
+              <a:pPr/>
+              <a:t>33</a:t>
+            </a:fld>
+            <a:endParaRPr lang="en-US" dirty="0"/>
+          </a:p>
+        </p:txBody>
+      </p:sp>
+      <p:sp>
+        <p:nvSpPr>
+          <p:cNvPr id="6" name="Footer Placeholder 7">
+            <a:extLst>
+              <a:ext uri="{FF2B5EF4-FFF2-40B4-BE49-F238E27FC236}">
+                <a16:creationId xmlns:a16="http://schemas.microsoft.com/office/drawing/2014/main" id="{CC48D5AA-1678-4D9E-8564-7EC2BD56C583}"/>
+              </a:ext>
+            </a:extLst>
+          </p:cNvPr>
+          <p:cNvSpPr>
+            <a:spLocks noGrp="1"/>
+          </p:cNvSpPr>
+          <p:nvPr>
+            <p:ph type="ftr" sz="quarter" idx="4"/>
+          </p:nvPr>
+        </p:nvSpPr>
+        <p:spPr>
+          <a:xfrm>
+            <a:off x="-1" y="8847000"/>
+            <a:ext cx="6488999" cy="297000"/>
+          </a:xfrm>
+          <a:prstGeom prst="rect">
+            <a:avLst/>
+          </a:prstGeom>
+        </p:spPr>
+        <p:txBody>
+          <a:bodyPr vert="horz" lIns="91440" tIns="45720" rIns="91440" bIns="45720" rtlCol="0" anchor="b"/>
+          <a:lstStyle>
+            <a:lvl1pPr algn="l">
+              <a:defRPr sz="1100"/>
+            </a:lvl1pPr>
+          </a:lstStyle>
+          <a:p>
+            <a:r>
+              <a:rPr lang="en-US" dirty="0"/>
+              <a:t>© SoftUni – </a:t>
+            </a:r>
+            <a:r>
+              <a:rPr lang="en-US" u="sng" dirty="0">
+                <a:hlinkClick r:id="rId3"/>
+              </a:rPr>
+              <a:t>https://softuni.org</a:t>
+            </a:r>
+            <a:r>
+              <a:rPr lang="en-US" dirty="0"/>
+              <a:t>. Copyrighted document. Unauthorized copy or reproduction is not permitted.</a:t>
+            </a:r>
+          </a:p>
+        </p:txBody>
+      </p:sp>
+    </p:spTree>
+    <p:extLst>
+      <p:ext uri="{BB962C8B-B14F-4D97-AF65-F5344CB8AC3E}">
+        <p14:creationId xmlns:p14="http://schemas.microsoft.com/office/powerpoint/2010/main" val="3183977983"/>
+      </p:ext>
+    </p:extLst>
+  </p:cSld>
+  <p:clrMapOvr>
+    <a:masterClrMapping/>
+  </p:clrMapOvr>
+</p:notes>
+</file>
+
+<file path=ppt/notesSlides/notesSlide18.xml><?xml version="1.0" encoding="utf-8"?>
+<p:notes xmlns:a="http://schemas.openxmlformats.org/drawingml/2006/main" xmlns:r="http://schemas.openxmlformats.org/officeDocument/2006/relationships" xmlns:p="http://schemas.openxmlformats.org/presentationml/2006/main">
+  <p:cSld>
+    <p:spTree>
+      <p:nvGrpSpPr>
+        <p:cNvPr id="1" name=""/>
+        <p:cNvGrpSpPr/>
+        <p:nvPr/>
+      </p:nvGrpSpPr>
+      <p:grpSpPr>
+        <a:xfrm>
+          <a:off x="0" y="0"/>
+          <a:ext cx="0" cy="0"/>
+          <a:chOff x="0" y="0"/>
+          <a:chExt cx="0" cy="0"/>
+        </a:xfrm>
+      </p:grpSpPr>
+      <p:sp>
+        <p:nvSpPr>
+          <p:cNvPr id="2" name="Slide Image Placeholder 1"/>
+          <p:cNvSpPr>
+            <a:spLocks noGrp="1" noRot="1" noChangeAspect="1"/>
+          </p:cNvSpPr>
+          <p:nvPr>
+            <p:ph type="sldImg"/>
+          </p:nvPr>
+        </p:nvSpPr>
+        <p:spPr/>
+      </p:sp>
+      <p:sp>
+        <p:nvSpPr>
+          <p:cNvPr id="3" name="Notes Placeholder 2"/>
+          <p:cNvSpPr>
+            <a:spLocks noGrp="1"/>
+          </p:cNvSpPr>
+          <p:nvPr>
+            <p:ph type="body" idx="1"/>
+          </p:nvPr>
+        </p:nvSpPr>
+        <p:spPr/>
+        <p:txBody>
+          <a:bodyPr/>
+          <a:lstStyle/>
+          <a:p>
             <a:endParaRPr lang="en-US"/>
           </a:p>
         </p:txBody>
@@ -1871,7 +2277,7 @@
             <a:fld id="{3EBA5BD7-F043-4D1B-AA17-CD412FC534DE}" type="slidenum">
               <a:rPr lang="en-US" smtClean="0"/>
               <a:pPr/>
-              <a:t>31</a:t>
+              <a:t>34</a:t>
             </a:fld>
             <a:endParaRPr lang="en-US" dirty="0"/>
           </a:p>
@@ -2921,76 +3327,21 @@
       </p:grpSpPr>
       <p:sp>
         <p:nvSpPr>
-          <p:cNvPr id="4" name="Rectangle 2"/>
+          <p:cNvPr id="2" name="Slide Image Placeholder 1"/>
           <p:cNvSpPr>
-            <a:spLocks noGrp="1" noChangeArrowheads="1"/>
-          </p:cNvSpPr>
-          <p:nvPr>
-            <p:ph type="hdr" sz="quarter"/>
-          </p:nvPr>
-        </p:nvSpPr>
-        <p:spPr>
-          <a:ln/>
-        </p:spPr>
-        <p:txBody>
-          <a:bodyPr/>
-          <a:lstStyle/>
-          <a:p>
-            <a:r>
-              <a:rPr lang="en-US" dirty="0"/>
-              <a:t>*</a:t>
-            </a:r>
-          </a:p>
-        </p:txBody>
-      </p:sp>
-      <p:sp>
-        <p:nvSpPr>
-          <p:cNvPr id="6" name="Rectangle 7"/>
-          <p:cNvSpPr>
-            <a:spLocks noGrp="1" noChangeArrowheads="1"/>
-          </p:cNvSpPr>
-          <p:nvPr>
-            <p:ph type="sldNum" sz="quarter" idx="5"/>
-          </p:nvPr>
-        </p:nvSpPr>
-        <p:spPr>
-          <a:ln/>
-        </p:spPr>
-        <p:txBody>
-          <a:bodyPr/>
-          <a:lstStyle/>
-          <a:p>
-            <a:fld id="{68CA3FD5-FD3F-4C79-A80B-E275BA2DB07B}" type="slidenum">
-              <a:rPr lang="en-US"/>
-              <a:pPr/>
-              <a:t>18</a:t>
-            </a:fld>
-            <a:r>
-              <a:rPr lang="en-US" dirty="0"/>
-              <a:t>##</a:t>
-            </a:r>
-          </a:p>
-        </p:txBody>
-      </p:sp>
-      <p:sp>
-        <p:nvSpPr>
-          <p:cNvPr id="530434" name="Rectangle 2"/>
-          <p:cNvSpPr>
-            <a:spLocks noGrp="1" noRot="1" noChangeAspect="1" noChangeArrowheads="1" noTextEdit="1"/>
+            <a:spLocks noGrp="1" noRot="1" noChangeAspect="1"/>
           </p:cNvSpPr>
           <p:nvPr>
             <p:ph type="sldImg"/>
           </p:nvPr>
         </p:nvSpPr>
-        <p:spPr>
-          <a:ln/>
-        </p:spPr>
+        <p:spPr/>
       </p:sp>
       <p:sp>
         <p:nvSpPr>
-          <p:cNvPr id="530435" name="Rectangle 3"/>
+          <p:cNvPr id="3" name="Notes Placeholder 2"/>
           <p:cNvSpPr>
-            <a:spLocks noGrp="1" noChangeArrowheads="1"/>
+            <a:spLocks noGrp="1"/>
           </p:cNvSpPr>
           <p:nvPr>
             <p:ph type="body" idx="1"/>
@@ -3001,19 +3352,36 @@
           <a:bodyPr/>
           <a:lstStyle/>
           <a:p>
-            <a:endParaRPr lang="bg-BG"/>
+            <a:endParaRPr lang="en-BG" dirty="0"/>
           </a:p>
         </p:txBody>
       </p:sp>
       <p:sp>
         <p:nvSpPr>
-          <p:cNvPr id="7" name="Footer Placeholder 7">
-            <a:extLst>
-              <a:ext uri="{FF2B5EF4-FFF2-40B4-BE49-F238E27FC236}">
-                <a16:creationId xmlns:a16="http://schemas.microsoft.com/office/drawing/2014/main" id="{E586BAB7-1B2E-4109-BCF5-DF7D37350848}"/>
-              </a:ext>
-            </a:extLst>
-          </p:cNvPr>
+          <p:cNvPr id="4" name="Slide Number Placeholder 3"/>
+          <p:cNvSpPr>
+            <a:spLocks noGrp="1"/>
+          </p:cNvSpPr>
+          <p:nvPr>
+            <p:ph type="sldNum" sz="quarter" idx="5"/>
+          </p:nvPr>
+        </p:nvSpPr>
+        <p:spPr/>
+        <p:txBody>
+          <a:bodyPr/>
+          <a:lstStyle/>
+          <a:p>
+            <a:fld id="{2BF067CD-8E6B-4360-9AA8-C5DF2A48A6D1}" type="slidenum">
+              <a:rPr lang="en-US" smtClean="0"/>
+              <a:t>15</a:t>
+            </a:fld>
+            <a:endParaRPr lang="en-US" dirty="0"/>
+          </a:p>
+        </p:txBody>
+      </p:sp>
+      <p:sp>
+        <p:nvSpPr>
+          <p:cNvPr id="5" name="Footer Placeholder 4"/>
           <p:cNvSpPr>
             <a:spLocks noGrp="1"/>
           </p:cNvSpPr>
@@ -3021,44 +3389,33 @@
             <p:ph type="ftr" sz="quarter" idx="4"/>
           </p:nvPr>
         </p:nvSpPr>
-        <p:spPr>
-          <a:xfrm>
-            <a:off x="-1" y="8847000"/>
-            <a:ext cx="6488999" cy="297000"/>
-          </a:xfrm>
-          <a:prstGeom prst="rect">
-            <a:avLst/>
-          </a:prstGeom>
-        </p:spPr>
+        <p:spPr/>
         <p:txBody>
-          <a:bodyPr vert="horz" lIns="91440" tIns="45720" rIns="91440" bIns="45720" rtlCol="0" anchor="b"/>
-          <a:lstStyle>
-            <a:lvl1pPr algn="l">
-              <a:defRPr sz="1100"/>
-            </a:lvl1pPr>
-          </a:lstStyle>
-          <a:p>
-            <a:r>
-              <a:rPr lang="en-US" dirty="0"/>
+          <a:bodyPr/>
+          <a:lstStyle/>
+          <a:p>
+            <a:r>
+              <a:rPr lang="en-US"/>
               <a:t>© SoftUni – </a:t>
             </a:r>
             <a:r>
-              <a:rPr lang="en-US" u="sng" dirty="0">
+              <a:rPr lang="en-US" u="sng">
                 <a:hlinkClick r:id="rId3"/>
               </a:rPr>
               <a:t>https://softuni.org</a:t>
             </a:r>
             <a:r>
-              <a:rPr lang="en-US" dirty="0"/>
+              <a:rPr lang="en-US"/>
               <a:t>. Copyrighted document. Unauthorized copy or reproduction is not permitted.</a:t>
             </a:r>
+            <a:endParaRPr lang="en-US" dirty="0"/>
           </a:p>
         </p:txBody>
       </p:sp>
     </p:spTree>
     <p:extLst>
       <p:ext uri="{BB962C8B-B14F-4D97-AF65-F5344CB8AC3E}">
-        <p14:creationId xmlns:p14="http://schemas.microsoft.com/office/powerpoint/2010/main" val="3251890765"/>
+        <p14:creationId xmlns:p14="http://schemas.microsoft.com/office/powerpoint/2010/main" val="1265458634"/>
       </p:ext>
     </p:extLst>
   </p:cSld>
@@ -14827,6 +15184,2253 @@
       </p:grpSpPr>
       <p:sp>
         <p:nvSpPr>
+          <p:cNvPr id="2" name="Slide Number Placeholder 1">
+            <a:extLst>
+              <a:ext uri="{FF2B5EF4-FFF2-40B4-BE49-F238E27FC236}">
+                <a16:creationId xmlns:a16="http://schemas.microsoft.com/office/drawing/2014/main" id="{FC67DDE0-6A7A-FE92-418A-739CCF729752}"/>
+              </a:ext>
+            </a:extLst>
+          </p:cNvPr>
+          <p:cNvSpPr>
+            <a:spLocks noGrp="1"/>
+          </p:cNvSpPr>
+          <p:nvPr>
+            <p:ph type="sldNum" sz="quarter" idx="5"/>
+          </p:nvPr>
+        </p:nvSpPr>
+        <p:spPr/>
+        <p:txBody>
+          <a:bodyPr/>
+          <a:lstStyle/>
+          <a:p>
+            <a:fld id="{2BF067CD-8E6B-4360-9AA8-C5DF2A48A6D1}" type="slidenum">
+              <a:rPr lang="en-US" noProof="0" smtClean="0"/>
+              <a:pPr/>
+              <a:t>14</a:t>
+            </a:fld>
+            <a:endParaRPr lang="en-US" noProof="0" dirty="0"/>
+          </a:p>
+        </p:txBody>
+      </p:sp>
+      <p:sp>
+        <p:nvSpPr>
+          <p:cNvPr id="3" name="Text Placeholder 2">
+            <a:extLst>
+              <a:ext uri="{FF2B5EF4-FFF2-40B4-BE49-F238E27FC236}">
+                <a16:creationId xmlns:a16="http://schemas.microsoft.com/office/drawing/2014/main" id="{B887A6CD-0CA5-8F19-B079-BFED15E2CA46}"/>
+              </a:ext>
+            </a:extLst>
+          </p:cNvPr>
+          <p:cNvSpPr>
+            <a:spLocks noGrp="1"/>
+          </p:cNvSpPr>
+          <p:nvPr>
+            <p:ph type="body" sz="quarter" idx="10"/>
+          </p:nvPr>
+        </p:nvSpPr>
+        <p:spPr/>
+        <p:txBody>
+          <a:bodyPr/>
+          <a:lstStyle/>
+          <a:p>
+            <a:r>
+              <a:rPr lang="bg-BG" dirty="0"/>
+              <a:t>Напишете метод, който получава </a:t>
+            </a:r>
+            <a:r>
+              <a:rPr lang="bg-BG" b="1" dirty="0">
+                <a:solidFill>
+                  <a:schemeClr val="bg1"/>
+                </a:solidFill>
+              </a:rPr>
+              <a:t>две цели числа </a:t>
+            </a:r>
+            <a:r>
+              <a:rPr lang="bg-BG" dirty="0"/>
+              <a:t>и отпечатва </a:t>
+            </a:r>
+            <a:r>
+              <a:rPr lang="bg-BG" b="1" dirty="0">
+                <a:solidFill>
+                  <a:schemeClr val="bg1"/>
+                </a:solidFill>
+              </a:rPr>
+              <a:t>по-голямото</a:t>
+            </a:r>
+            <a:r>
+              <a:rPr lang="bg-BG" b="1" dirty="0"/>
+              <a:t> </a:t>
+            </a:r>
+            <a:r>
+              <a:rPr lang="bg-BG" dirty="0"/>
+              <a:t>от тях</a:t>
+            </a:r>
+            <a:endParaRPr lang="en-BG" dirty="0"/>
+          </a:p>
+        </p:txBody>
+      </p:sp>
+      <p:sp>
+        <p:nvSpPr>
+          <p:cNvPr id="4" name="Title 3">
+            <a:extLst>
+              <a:ext uri="{FF2B5EF4-FFF2-40B4-BE49-F238E27FC236}">
+                <a16:creationId xmlns:a16="http://schemas.microsoft.com/office/drawing/2014/main" id="{3F26D294-2B21-EAE2-EFFF-DF5CD72637D5}"/>
+              </a:ext>
+            </a:extLst>
+          </p:cNvPr>
+          <p:cNvSpPr>
+            <a:spLocks noGrp="1"/>
+          </p:cNvSpPr>
+          <p:nvPr>
+            <p:ph type="title"/>
+          </p:nvPr>
+        </p:nvSpPr>
+        <p:spPr/>
+        <p:txBody>
+          <a:bodyPr/>
+          <a:lstStyle/>
+          <a:p>
+            <a:r>
+              <a:rPr lang="bg-BG" dirty="0"/>
+              <a:t>Задача: По-голямо число</a:t>
+            </a:r>
+            <a:endParaRPr lang="en-BG" dirty="0"/>
+          </a:p>
+        </p:txBody>
+      </p:sp>
+      <p:sp>
+        <p:nvSpPr>
+          <p:cNvPr id="5" name="Rectangle 4">
+            <a:extLst>
+              <a:ext uri="{FF2B5EF4-FFF2-40B4-BE49-F238E27FC236}">
+                <a16:creationId xmlns:a16="http://schemas.microsoft.com/office/drawing/2014/main" id="{E1BE729E-5954-27D6-5F8F-484C696CF839}"/>
+              </a:ext>
+            </a:extLst>
+          </p:cNvPr>
+          <p:cNvSpPr>
+            <a:spLocks noChangeArrowheads="1"/>
+          </p:cNvSpPr>
+          <p:nvPr/>
+        </p:nvSpPr>
+        <p:spPr bwMode="auto">
+          <a:xfrm>
+            <a:off x="4126598" y="3079367"/>
+            <a:ext cx="900000" cy="1076937"/>
+          </a:xfrm>
+          <a:prstGeom prst="rect">
+            <a:avLst/>
+          </a:prstGeom>
+          <a:solidFill>
+            <a:schemeClr val="accent5">
+              <a:lumMod val="40000"/>
+              <a:lumOff val="60000"/>
+              <a:alpha val="20000"/>
+            </a:schemeClr>
+          </a:solidFill>
+          <a:ln w="12700">
+            <a:solidFill>
+              <a:schemeClr val="accent5">
+                <a:lumMod val="60000"/>
+                <a:lumOff val="40000"/>
+              </a:schemeClr>
+            </a:solidFill>
+          </a:ln>
+        </p:spPr>
+        <p:txBody>
+          <a:bodyPr wrap="square">
+            <a:spAutoFit/>
+          </a:bodyPr>
+          <a:lstStyle/>
+          <a:p>
+            <a:pPr algn="ctr" eaLnBrk="0" hangingPunct="0">
+              <a:buClr>
+                <a:schemeClr val="accent5">
+                  <a:lumMod val="40000"/>
+                  <a:lumOff val="60000"/>
+                </a:schemeClr>
+              </a:buClr>
+              <a:buSzPct val="70000"/>
+            </a:pPr>
+            <a:r>
+              <a:rPr lang="bg-BG" sz="3199" b="1" noProof="1">
+                <a:latin typeface="Consolas" panose="020B0609020204030204" pitchFamily="49" charset="0"/>
+              </a:rPr>
+              <a:t>2</a:t>
+            </a:r>
+            <a:endParaRPr lang="it-IT" sz="3199" b="1" noProof="1">
+              <a:latin typeface="Consolas" panose="020B0609020204030204" pitchFamily="49" charset="0"/>
+            </a:endParaRPr>
+          </a:p>
+          <a:p>
+            <a:pPr algn="ctr" eaLnBrk="0" hangingPunct="0">
+              <a:buClr>
+                <a:schemeClr val="accent5">
+                  <a:lumMod val="40000"/>
+                  <a:lumOff val="60000"/>
+                </a:schemeClr>
+              </a:buClr>
+              <a:buSzPct val="70000"/>
+            </a:pPr>
+            <a:r>
+              <a:rPr lang="bg-BG" sz="3199" b="1" noProof="1">
+                <a:latin typeface="Consolas" panose="020B0609020204030204" pitchFamily="49" charset="0"/>
+              </a:rPr>
+              <a:t>16</a:t>
+            </a:r>
+            <a:endParaRPr lang="it-IT" sz="3199" b="1" noProof="1">
+              <a:latin typeface="Consolas" panose="020B0609020204030204" pitchFamily="49" charset="0"/>
+            </a:endParaRPr>
+          </a:p>
+        </p:txBody>
+      </p:sp>
+      <p:sp>
+        <p:nvSpPr>
+          <p:cNvPr id="6" name="Rectangle 5">
+            <a:extLst>
+              <a:ext uri="{FF2B5EF4-FFF2-40B4-BE49-F238E27FC236}">
+                <a16:creationId xmlns:a16="http://schemas.microsoft.com/office/drawing/2014/main" id="{A3BA20FC-7157-D80D-EEB5-194067888A56}"/>
+              </a:ext>
+            </a:extLst>
+          </p:cNvPr>
+          <p:cNvSpPr>
+            <a:spLocks noChangeArrowheads="1"/>
+          </p:cNvSpPr>
+          <p:nvPr/>
+        </p:nvSpPr>
+        <p:spPr bwMode="auto">
+          <a:xfrm>
+            <a:off x="6183922" y="3325523"/>
+            <a:ext cx="1246256" cy="584623"/>
+          </a:xfrm>
+          <a:prstGeom prst="rect">
+            <a:avLst/>
+          </a:prstGeom>
+          <a:solidFill>
+            <a:schemeClr val="accent5">
+              <a:lumMod val="40000"/>
+              <a:lumOff val="60000"/>
+              <a:alpha val="20000"/>
+            </a:schemeClr>
+          </a:solidFill>
+          <a:ln w="12700">
+            <a:solidFill>
+              <a:schemeClr val="accent5">
+                <a:lumMod val="60000"/>
+                <a:lumOff val="40000"/>
+              </a:schemeClr>
+            </a:solidFill>
+          </a:ln>
+        </p:spPr>
+        <p:txBody>
+          <a:bodyPr wrap="square">
+            <a:spAutoFit/>
+          </a:bodyPr>
+          <a:lstStyle/>
+          <a:p>
+            <a:pPr algn="ctr" eaLnBrk="0" hangingPunct="0">
+              <a:buClr>
+                <a:schemeClr val="accent5">
+                  <a:lumMod val="40000"/>
+                  <a:lumOff val="60000"/>
+                </a:schemeClr>
+              </a:buClr>
+              <a:buSzPct val="70000"/>
+            </a:pPr>
+            <a:r>
+              <a:rPr lang="en-GB" sz="3199" b="1" noProof="1">
+                <a:latin typeface="Consolas" panose="020B0609020204030204" pitchFamily="49" charset="0"/>
+              </a:rPr>
+              <a:t>1</a:t>
+            </a:r>
+            <a:r>
+              <a:rPr lang="bg-BG" sz="3199" b="1" noProof="1">
+                <a:latin typeface="Consolas" panose="020B0609020204030204" pitchFamily="49" charset="0"/>
+              </a:rPr>
+              <a:t>6</a:t>
+            </a:r>
+            <a:endParaRPr lang="it-IT" sz="3199" b="1" noProof="1">
+              <a:latin typeface="Consolas" panose="020B0609020204030204" pitchFamily="49" charset="0"/>
+            </a:endParaRPr>
+          </a:p>
+        </p:txBody>
+      </p:sp>
+      <p:sp>
+        <p:nvSpPr>
+          <p:cNvPr id="10" name="Right Arrow 9">
+            <a:extLst>
+              <a:ext uri="{FF2B5EF4-FFF2-40B4-BE49-F238E27FC236}">
+                <a16:creationId xmlns:a16="http://schemas.microsoft.com/office/drawing/2014/main" id="{82641683-10CB-F606-737D-072C2EEBCF9F}"/>
+              </a:ext>
+            </a:extLst>
+          </p:cNvPr>
+          <p:cNvSpPr/>
+          <p:nvPr/>
+        </p:nvSpPr>
+        <p:spPr>
+          <a:xfrm flipV="1">
+            <a:off x="5374133" y="3425011"/>
+            <a:ext cx="496215" cy="385646"/>
+          </a:xfrm>
+          <a:prstGeom prst="rightArrow">
+            <a:avLst/>
+          </a:prstGeom>
+          <a:solidFill>
+            <a:schemeClr val="dk2">
+              <a:alpha val="80000"/>
+            </a:schemeClr>
+          </a:solidFill>
+          <a:ln w="19050">
+            <a:solidFill>
+              <a:schemeClr val="tx1">
+                <a:lumMod val="75000"/>
+                <a:alpha val="80000"/>
+              </a:schemeClr>
+            </a:solidFill>
+          </a:ln>
+          <a:effectLst/>
+        </p:spPr>
+        <p:style>
+          <a:lnRef idx="2">
+            <a:schemeClr val="accent1">
+              <a:shade val="50000"/>
+            </a:schemeClr>
+          </a:lnRef>
+          <a:fillRef idx="1001">
+            <a:schemeClr val="dk2"/>
+          </a:fillRef>
+          <a:effectRef idx="0">
+            <a:schemeClr val="accent1"/>
+          </a:effectRef>
+          <a:fontRef idx="minor">
+            <a:schemeClr val="lt1"/>
+          </a:fontRef>
+        </p:style>
+        <p:txBody>
+          <a:bodyPr rot="0" spcFirstLastPara="0" vertOverflow="overflow" horzOverflow="overflow" vert="horz" wrap="square" lIns="91416" tIns="45708" rIns="91416" bIns="45708" numCol="1" spcCol="0" rtlCol="0" fromWordArt="0" anchor="ctr" anchorCtr="0" forceAA="0" compatLnSpc="1">
+            <a:prstTxWarp prst="textNoShape">
+              <a:avLst/>
+            </a:prstTxWarp>
+            <a:noAutofit/>
+          </a:bodyPr>
+          <a:lstStyle/>
+          <a:p>
+            <a:pPr algn="ctr"/>
+            <a:endParaRPr lang="en-US" sz="2799" b="1">
+              <a:solidFill>
+                <a:srgbClr val="FFFFFF"/>
+              </a:solidFill>
+              <a:effectLst>
+                <a:outerShdw blurRad="38100" dist="38100" dir="2700000" algn="tl">
+                  <a:srgbClr val="000000">
+                    <a:alpha val="43137"/>
+                  </a:srgbClr>
+                </a:outerShdw>
+              </a:effectLst>
+            </a:endParaRPr>
+          </a:p>
+        </p:txBody>
+      </p:sp>
+      <p:sp>
+        <p:nvSpPr>
+          <p:cNvPr id="11" name="Rectangle 10">
+            <a:extLst>
+              <a:ext uri="{FF2B5EF4-FFF2-40B4-BE49-F238E27FC236}">
+                <a16:creationId xmlns:a16="http://schemas.microsoft.com/office/drawing/2014/main" id="{EB4229DB-99B5-7672-F6EA-B73AACE526DB}"/>
+              </a:ext>
+            </a:extLst>
+          </p:cNvPr>
+          <p:cNvSpPr>
+            <a:spLocks noChangeArrowheads="1"/>
+          </p:cNvSpPr>
+          <p:nvPr/>
+        </p:nvSpPr>
+        <p:spPr bwMode="auto">
+          <a:xfrm>
+            <a:off x="4131643" y="4831094"/>
+            <a:ext cx="900000" cy="1076961"/>
+          </a:xfrm>
+          <a:prstGeom prst="rect">
+            <a:avLst/>
+          </a:prstGeom>
+          <a:solidFill>
+            <a:schemeClr val="accent5">
+              <a:lumMod val="40000"/>
+              <a:lumOff val="60000"/>
+              <a:alpha val="20000"/>
+            </a:schemeClr>
+          </a:solidFill>
+          <a:ln w="12700">
+            <a:solidFill>
+              <a:schemeClr val="accent5">
+                <a:lumMod val="60000"/>
+                <a:lumOff val="40000"/>
+              </a:schemeClr>
+            </a:solidFill>
+          </a:ln>
+        </p:spPr>
+        <p:txBody>
+          <a:bodyPr wrap="square">
+            <a:spAutoFit/>
+          </a:bodyPr>
+          <a:lstStyle/>
+          <a:p>
+            <a:pPr algn="ctr" eaLnBrk="0" hangingPunct="0">
+              <a:buClr>
+                <a:schemeClr val="accent5">
+                  <a:lumMod val="40000"/>
+                  <a:lumOff val="60000"/>
+                </a:schemeClr>
+              </a:buClr>
+              <a:buSzPct val="70000"/>
+            </a:pPr>
+            <a:r>
+              <a:rPr lang="bg-BG" sz="3199" b="1" noProof="1">
+                <a:latin typeface="Consolas" panose="020B0609020204030204" pitchFamily="49" charset="0"/>
+              </a:rPr>
+              <a:t>-5</a:t>
+            </a:r>
+            <a:endParaRPr lang="it-IT" sz="3199" b="1" noProof="1">
+              <a:latin typeface="Consolas" panose="020B0609020204030204" pitchFamily="49" charset="0"/>
+            </a:endParaRPr>
+          </a:p>
+          <a:p>
+            <a:pPr algn="ctr" eaLnBrk="0" hangingPunct="0">
+              <a:buClr>
+                <a:schemeClr val="accent5">
+                  <a:lumMod val="40000"/>
+                  <a:lumOff val="60000"/>
+                </a:schemeClr>
+              </a:buClr>
+              <a:buSzPct val="70000"/>
+            </a:pPr>
+            <a:r>
+              <a:rPr lang="bg-BG" sz="3199" b="1" noProof="1">
+                <a:latin typeface="Consolas" panose="020B0609020204030204" pitchFamily="49" charset="0"/>
+              </a:rPr>
+              <a:t>-10</a:t>
+            </a:r>
+            <a:endParaRPr lang="it-IT" sz="3199" b="1" noProof="1">
+              <a:latin typeface="Consolas" panose="020B0609020204030204" pitchFamily="49" charset="0"/>
+            </a:endParaRPr>
+          </a:p>
+        </p:txBody>
+      </p:sp>
+      <p:sp>
+        <p:nvSpPr>
+          <p:cNvPr id="12" name="Rectangle 11">
+            <a:extLst>
+              <a:ext uri="{FF2B5EF4-FFF2-40B4-BE49-F238E27FC236}">
+                <a16:creationId xmlns:a16="http://schemas.microsoft.com/office/drawing/2014/main" id="{C80780C8-5193-240C-EE87-A242191FCA85}"/>
+              </a:ext>
+            </a:extLst>
+          </p:cNvPr>
+          <p:cNvSpPr>
+            <a:spLocks noChangeArrowheads="1"/>
+          </p:cNvSpPr>
+          <p:nvPr/>
+        </p:nvSpPr>
+        <p:spPr bwMode="auto">
+          <a:xfrm>
+            <a:off x="6183922" y="5129511"/>
+            <a:ext cx="1246256" cy="584623"/>
+          </a:xfrm>
+          <a:prstGeom prst="rect">
+            <a:avLst/>
+          </a:prstGeom>
+          <a:solidFill>
+            <a:schemeClr val="accent5">
+              <a:lumMod val="40000"/>
+              <a:lumOff val="60000"/>
+              <a:alpha val="20000"/>
+            </a:schemeClr>
+          </a:solidFill>
+          <a:ln w="12700">
+            <a:solidFill>
+              <a:schemeClr val="accent5">
+                <a:lumMod val="60000"/>
+                <a:lumOff val="40000"/>
+              </a:schemeClr>
+            </a:solidFill>
+          </a:ln>
+        </p:spPr>
+        <p:txBody>
+          <a:bodyPr wrap="square">
+            <a:spAutoFit/>
+          </a:bodyPr>
+          <a:lstStyle/>
+          <a:p>
+            <a:pPr algn="ctr" eaLnBrk="0" hangingPunct="0">
+              <a:buClr>
+                <a:schemeClr val="accent5">
+                  <a:lumMod val="40000"/>
+                  <a:lumOff val="60000"/>
+                </a:schemeClr>
+              </a:buClr>
+              <a:buSzPct val="70000"/>
+            </a:pPr>
+            <a:r>
+              <a:rPr lang="bg-BG" sz="3199" b="1" noProof="1">
+                <a:latin typeface="Consolas" panose="020B0609020204030204" pitchFamily="49" charset="0"/>
+              </a:rPr>
+              <a:t>-5</a:t>
+            </a:r>
+            <a:endParaRPr lang="it-IT" sz="3199" b="1" noProof="1">
+              <a:latin typeface="Consolas" panose="020B0609020204030204" pitchFamily="49" charset="0"/>
+            </a:endParaRPr>
+          </a:p>
+        </p:txBody>
+      </p:sp>
+      <p:sp>
+        <p:nvSpPr>
+          <p:cNvPr id="16" name="Right Arrow 14">
+            <a:extLst>
+              <a:ext uri="{FF2B5EF4-FFF2-40B4-BE49-F238E27FC236}">
+                <a16:creationId xmlns:a16="http://schemas.microsoft.com/office/drawing/2014/main" id="{C5260847-5710-631C-8517-53C547C3E2DF}"/>
+              </a:ext>
+            </a:extLst>
+          </p:cNvPr>
+          <p:cNvSpPr/>
+          <p:nvPr/>
+        </p:nvSpPr>
+        <p:spPr>
+          <a:xfrm flipV="1">
+            <a:off x="5374133" y="5229000"/>
+            <a:ext cx="496215" cy="385646"/>
+          </a:xfrm>
+          <a:prstGeom prst="rightArrow">
+            <a:avLst/>
+          </a:prstGeom>
+          <a:solidFill>
+            <a:schemeClr val="dk2">
+              <a:alpha val="80000"/>
+            </a:schemeClr>
+          </a:solidFill>
+          <a:ln w="19050">
+            <a:solidFill>
+              <a:schemeClr val="tx1">
+                <a:lumMod val="75000"/>
+                <a:alpha val="80000"/>
+              </a:schemeClr>
+            </a:solidFill>
+          </a:ln>
+          <a:effectLst/>
+        </p:spPr>
+        <p:style>
+          <a:lnRef idx="2">
+            <a:schemeClr val="accent1">
+              <a:shade val="50000"/>
+            </a:schemeClr>
+          </a:lnRef>
+          <a:fillRef idx="1001">
+            <a:schemeClr val="dk2"/>
+          </a:fillRef>
+          <a:effectRef idx="0">
+            <a:schemeClr val="accent1"/>
+          </a:effectRef>
+          <a:fontRef idx="minor">
+            <a:schemeClr val="lt1"/>
+          </a:fontRef>
+        </p:style>
+        <p:txBody>
+          <a:bodyPr rot="0" spcFirstLastPara="0" vertOverflow="overflow" horzOverflow="overflow" vert="horz" wrap="square" lIns="91416" tIns="45708" rIns="91416" bIns="45708" numCol="1" spcCol="0" rtlCol="0" fromWordArt="0" anchor="ctr" anchorCtr="0" forceAA="0" compatLnSpc="1">
+            <a:prstTxWarp prst="textNoShape">
+              <a:avLst/>
+            </a:prstTxWarp>
+            <a:noAutofit/>
+          </a:bodyPr>
+          <a:lstStyle/>
+          <a:p>
+            <a:pPr algn="ctr"/>
+            <a:endParaRPr lang="en-US" sz="2799" b="1">
+              <a:solidFill>
+                <a:srgbClr val="FFFFFF"/>
+              </a:solidFill>
+              <a:effectLst>
+                <a:outerShdw blurRad="38100" dist="38100" dir="2700000" algn="tl">
+                  <a:srgbClr val="000000">
+                    <a:alpha val="43137"/>
+                  </a:srgbClr>
+                </a:outerShdw>
+              </a:effectLst>
+            </a:endParaRPr>
+          </a:p>
+        </p:txBody>
+      </p:sp>
+    </p:spTree>
+    <p:extLst>
+      <p:ext uri="{BB962C8B-B14F-4D97-AF65-F5344CB8AC3E}">
+        <p14:creationId xmlns:p14="http://schemas.microsoft.com/office/powerpoint/2010/main" val="2704424817"/>
+      </p:ext>
+    </p:extLst>
+  </p:cSld>
+  <p:clrMapOvr>
+    <a:masterClrMapping/>
+  </p:clrMapOvr>
+  <mc:AlternateContent xmlns:mc="http://schemas.openxmlformats.org/markup-compatibility/2006" xmlns:p14="http://schemas.microsoft.com/office/powerpoint/2010/main">
+    <mc:Choice Requires="p14">
+      <p:transition spd="slow" p14:dur="2000" advClick="0" advTm="5000"/>
+    </mc:Choice>
+    <mc:Fallback xmlns="">
+      <p:transition spd="slow" advClick="0" advTm="5000"/>
+    </mc:Fallback>
+  </mc:AlternateContent>
+  <p:timing>
+    <p:tnLst>
+      <p:par>
+        <p:cTn id="1" dur="indefinite" restart="never" nodeType="tmRoot">
+          <p:childTnLst>
+            <p:seq concurrent="1" nextAc="seek">
+              <p:cTn id="2" dur="indefinite" nodeType="mainSeq">
+                <p:childTnLst>
+                  <p:par>
+                    <p:cTn id="3" fill="hold">
+                      <p:stCondLst>
+                        <p:cond delay="indefinite"/>
+                      </p:stCondLst>
+                      <p:childTnLst>
+                        <p:par>
+                          <p:cTn id="4" fill="hold">
+                            <p:stCondLst>
+                              <p:cond delay="0"/>
+                            </p:stCondLst>
+                            <p:childTnLst>
+                              <p:par>
+                                <p:cTn id="5" presetID="1" presetClass="entr" presetSubtype="0" fill="hold" grpId="0" nodeType="clickEffect">
+                                  <p:stCondLst>
+                                    <p:cond delay="0"/>
+                                  </p:stCondLst>
+                                  <p:childTnLst>
+                                    <p:set>
+                                      <p:cBhvr>
+                                        <p:cTn id="6" dur="1" fill="hold">
+                                          <p:stCondLst>
+                                            <p:cond delay="0"/>
+                                          </p:stCondLst>
+                                        </p:cTn>
+                                        <p:tgtEl>
+                                          <p:spTgt spid="11"/>
+                                        </p:tgtEl>
+                                        <p:attrNameLst>
+                                          <p:attrName>style.visibility</p:attrName>
+                                        </p:attrNameLst>
+                                      </p:cBhvr>
+                                      <p:to>
+                                        <p:strVal val="visible"/>
+                                      </p:to>
+                                    </p:set>
+                                  </p:childTnLst>
+                                </p:cTn>
+                              </p:par>
+                              <p:par>
+                                <p:cTn id="7" presetID="1" presetClass="entr" presetSubtype="0" fill="hold" grpId="0" nodeType="withEffect">
+                                  <p:stCondLst>
+                                    <p:cond delay="0"/>
+                                  </p:stCondLst>
+                                  <p:childTnLst>
+                                    <p:set>
+                                      <p:cBhvr>
+                                        <p:cTn id="8" dur="1" fill="hold">
+                                          <p:stCondLst>
+                                            <p:cond delay="0"/>
+                                          </p:stCondLst>
+                                        </p:cTn>
+                                        <p:tgtEl>
+                                          <p:spTgt spid="12"/>
+                                        </p:tgtEl>
+                                        <p:attrNameLst>
+                                          <p:attrName>style.visibility</p:attrName>
+                                        </p:attrNameLst>
+                                      </p:cBhvr>
+                                      <p:to>
+                                        <p:strVal val="visible"/>
+                                      </p:to>
+                                    </p:set>
+                                  </p:childTnLst>
+                                </p:cTn>
+                              </p:par>
+                              <p:par>
+                                <p:cTn id="9" presetID="1" presetClass="entr" presetSubtype="0" fill="hold" grpId="0" nodeType="withEffect">
+                                  <p:stCondLst>
+                                    <p:cond delay="0"/>
+                                  </p:stCondLst>
+                                  <p:childTnLst>
+                                    <p:set>
+                                      <p:cBhvr>
+                                        <p:cTn id="10" dur="1" fill="hold">
+                                          <p:stCondLst>
+                                            <p:cond delay="0"/>
+                                          </p:stCondLst>
+                                        </p:cTn>
+                                        <p:tgtEl>
+                                          <p:spTgt spid="16"/>
+                                        </p:tgtEl>
+                                        <p:attrNameLst>
+                                          <p:attrName>style.visibility</p:attrName>
+                                        </p:attrNameLst>
+                                      </p:cBhvr>
+                                      <p:to>
+                                        <p:strVal val="visible"/>
+                                      </p:to>
+                                    </p:set>
+                                  </p:childTnLst>
+                                </p:cTn>
+                              </p:par>
+                            </p:childTnLst>
+                          </p:cTn>
+                        </p:par>
+                      </p:childTnLst>
+                    </p:cTn>
+                  </p:par>
+                </p:childTnLst>
+              </p:cTn>
+              <p:prevCondLst>
+                <p:cond evt="onPrev" delay="0">
+                  <p:tgtEl>
+                    <p:sldTgt/>
+                  </p:tgtEl>
+                </p:cond>
+              </p:prevCondLst>
+              <p:nextCondLst>
+                <p:cond evt="onNext" delay="0">
+                  <p:tgtEl>
+                    <p:sldTgt/>
+                  </p:tgtEl>
+                </p:cond>
+              </p:nextCondLst>
+            </p:seq>
+          </p:childTnLst>
+        </p:cTn>
+      </p:par>
+    </p:tnLst>
+    <p:bldLst>
+      <p:bldP spid="11" grpId="0" animBg="1"/>
+      <p:bldP spid="12" grpId="0" animBg="1"/>
+      <p:bldP spid="16" grpId="0" animBg="1"/>
+    </p:bldLst>
+  </p:timing>
+</p:sld>
+</file>
+
+<file path=ppt/slides/slide15.xml><?xml version="1.0" encoding="utf-8"?>
+<p:sld xmlns:a="http://schemas.openxmlformats.org/drawingml/2006/main" xmlns:r="http://schemas.openxmlformats.org/officeDocument/2006/relationships" xmlns:p="http://schemas.openxmlformats.org/presentationml/2006/main">
+  <p:cSld>
+    <p:spTree>
+      <p:nvGrpSpPr>
+        <p:cNvPr id="1" name=""/>
+        <p:cNvGrpSpPr/>
+        <p:nvPr/>
+      </p:nvGrpSpPr>
+      <p:grpSpPr>
+        <a:xfrm>
+          <a:off x="0" y="0"/>
+          <a:ext cx="0" cy="0"/>
+          <a:chOff x="0" y="0"/>
+          <a:chExt cx="0" cy="0"/>
+        </a:xfrm>
+      </p:grpSpPr>
+      <p:sp>
+        <p:nvSpPr>
+          <p:cNvPr id="3" name="Title 2"/>
+          <p:cNvSpPr>
+            <a:spLocks noGrp="1"/>
+          </p:cNvSpPr>
+          <p:nvPr>
+            <p:ph type="title"/>
+          </p:nvPr>
+        </p:nvSpPr>
+        <p:spPr/>
+        <p:txBody>
+          <a:bodyPr/>
+          <a:lstStyle/>
+          <a:p>
+            <a:r>
+              <a:rPr lang="bg-BG" dirty="0"/>
+              <a:t>Решение</a:t>
+            </a:r>
+            <a:r>
+              <a:rPr lang="en-US" dirty="0"/>
+              <a:t>: </a:t>
+            </a:r>
+            <a:r>
+              <a:rPr lang="bg-BG" dirty="0"/>
+              <a:t>По-голямо число</a:t>
+            </a:r>
+            <a:r>
+              <a:rPr lang="en-US" dirty="0"/>
+              <a:t> (1)</a:t>
+            </a:r>
+            <a:endParaRPr lang="bg-BG" dirty="0"/>
+          </a:p>
+        </p:txBody>
+      </p:sp>
+      <p:sp>
+        <p:nvSpPr>
+          <p:cNvPr id="11" name="Text Placeholder 5">
+            <a:extLst>
+              <a:ext uri="{FF2B5EF4-FFF2-40B4-BE49-F238E27FC236}">
+                <a16:creationId xmlns:a16="http://schemas.microsoft.com/office/drawing/2014/main" id="{4FECEF86-D9E4-4EF6-98C8-D721D32AF0A3}"/>
+              </a:ext>
+            </a:extLst>
+          </p:cNvPr>
+          <p:cNvSpPr txBox="1">
+            <a:spLocks/>
+          </p:cNvSpPr>
+          <p:nvPr/>
+        </p:nvSpPr>
+        <p:spPr>
+          <a:xfrm>
+            <a:off x="971691" y="1359000"/>
+            <a:ext cx="10248617" cy="4619314"/>
+          </a:xfrm>
+          <a:prstGeom prst="rect">
+            <a:avLst/>
+          </a:prstGeom>
+          <a:solidFill>
+            <a:srgbClr val="F4F5F7">
+              <a:lumMod val="75000"/>
+              <a:alpha val="15000"/>
+            </a:srgbClr>
+          </a:solidFill>
+          <a:ln w="12700">
+            <a:solidFill>
+              <a:srgbClr val="234465">
+                <a:lumMod val="50000"/>
+              </a:srgbClr>
+            </a:solidFill>
+          </a:ln>
+        </p:spPr>
+        <p:txBody>
+          <a:bodyPr vert="horz" wrap="square" lIns="144000" tIns="108000" rIns="144000" bIns="108000" rtlCol="0">
+            <a:spAutoFit/>
+          </a:bodyPr>
+          <a:lstStyle>
+            <a:lvl1pPr marL="360363" indent="-360363" algn="l" defTabSz="1218438" rtl="0" eaLnBrk="1" latinLnBrk="0" hangingPunct="1">
+              <a:lnSpc>
+                <a:spcPct val="110000"/>
+              </a:lnSpc>
+              <a:spcBef>
+                <a:spcPts val="0"/>
+              </a:spcBef>
+              <a:spcAft>
+                <a:spcPts val="0"/>
+              </a:spcAft>
+              <a:buFont typeface="Wingdings" panose="05000000000000000000" pitchFamily="2" charset="2"/>
+              <a:buNone/>
+              <a:defRPr lang="en-US" sz="2800" b="1" kern="1200" smtClean="0">
+                <a:solidFill>
+                  <a:schemeClr val="tx1"/>
+                </a:solidFill>
+                <a:latin typeface="Consolas" pitchFamily="49" charset="0"/>
+                <a:ea typeface="+mn-ea"/>
+                <a:cs typeface="+mn-cs"/>
+              </a:defRPr>
+            </a:lvl1pPr>
+            <a:lvl2pPr marL="803275" indent="-360363" algn="l" defTabSz="1218438" rtl="0" eaLnBrk="1" latinLnBrk="0" hangingPunct="1">
+              <a:lnSpc>
+                <a:spcPct val="105000"/>
+              </a:lnSpc>
+              <a:spcBef>
+                <a:spcPts val="600"/>
+              </a:spcBef>
+              <a:spcAft>
+                <a:spcPts val="600"/>
+              </a:spcAft>
+              <a:buFont typeface="Wingdings" panose="05000000000000000000" pitchFamily="2" charset="2"/>
+              <a:buChar char="§"/>
+              <a:defRPr lang="en-US" sz="3198" kern="1200" smtClean="0">
+                <a:solidFill>
+                  <a:schemeClr val="tx1"/>
+                </a:solidFill>
+                <a:latin typeface="+mn-lt"/>
+                <a:ea typeface="+mn-ea"/>
+                <a:cs typeface="+mn-cs"/>
+              </a:defRPr>
+            </a:lvl2pPr>
+            <a:lvl3pPr marL="1255713" indent="-360363" algn="l" defTabSz="1218438" rtl="0" eaLnBrk="1" latinLnBrk="0" hangingPunct="1">
+              <a:lnSpc>
+                <a:spcPct val="105000"/>
+              </a:lnSpc>
+              <a:spcBef>
+                <a:spcPts val="600"/>
+              </a:spcBef>
+              <a:spcAft>
+                <a:spcPts val="600"/>
+              </a:spcAft>
+              <a:buFont typeface="Wingdings" panose="05000000000000000000" pitchFamily="2" charset="2"/>
+              <a:buChar char="§"/>
+              <a:defRPr lang="en-US" sz="2998" kern="1200" smtClean="0">
+                <a:solidFill>
+                  <a:schemeClr val="tx1"/>
+                </a:solidFill>
+                <a:latin typeface="+mn-lt"/>
+                <a:ea typeface="+mn-ea"/>
+                <a:cs typeface="+mn-cs"/>
+              </a:defRPr>
+            </a:lvl3pPr>
+            <a:lvl4pPr marL="1700213" indent="-352425" algn="l" defTabSz="1218438" rtl="0" eaLnBrk="1" latinLnBrk="0" hangingPunct="1">
+              <a:lnSpc>
+                <a:spcPct val="105000"/>
+              </a:lnSpc>
+              <a:spcBef>
+                <a:spcPts val="600"/>
+              </a:spcBef>
+              <a:spcAft>
+                <a:spcPts val="600"/>
+              </a:spcAft>
+              <a:buFont typeface="Wingdings" panose="05000000000000000000" pitchFamily="2" charset="2"/>
+              <a:buChar char="§"/>
+              <a:defRPr lang="en-US" sz="2798" kern="1200" smtClean="0">
+                <a:solidFill>
+                  <a:schemeClr val="tx1"/>
+                </a:solidFill>
+                <a:latin typeface="+mn-lt"/>
+                <a:ea typeface="+mn-ea"/>
+                <a:cs typeface="+mn-cs"/>
+              </a:defRPr>
+            </a:lvl4pPr>
+            <a:lvl5pPr marL="2058988" indent="-266700" algn="l" defTabSz="1218438" rtl="0" eaLnBrk="1" latinLnBrk="0" hangingPunct="1">
+              <a:lnSpc>
+                <a:spcPct val="105000"/>
+              </a:lnSpc>
+              <a:spcBef>
+                <a:spcPts val="600"/>
+              </a:spcBef>
+              <a:spcAft>
+                <a:spcPts val="600"/>
+              </a:spcAft>
+              <a:buFont typeface="Wingdings" panose="05000000000000000000" pitchFamily="2" charset="2"/>
+              <a:buChar char="§"/>
+              <a:defRPr lang="en-US" sz="2598" kern="1200">
+                <a:solidFill>
+                  <a:schemeClr val="tx1"/>
+                </a:solidFill>
+                <a:latin typeface="+mn-lt"/>
+                <a:ea typeface="+mn-ea"/>
+                <a:cs typeface="+mn-cs"/>
+              </a:defRPr>
+            </a:lvl5pPr>
+            <a:lvl6pPr marL="3350704" indent="-304610" algn="l" defTabSz="1218438" rtl="0" eaLnBrk="1" latinLnBrk="1" hangingPunct="1">
+              <a:spcBef>
+                <a:spcPct val="20000"/>
+              </a:spcBef>
+              <a:buFont typeface="Arial" pitchFamily="34" charset="0"/>
+              <a:buChar char="•"/>
+              <a:defRPr sz="2665" kern="1200">
+                <a:solidFill>
+                  <a:schemeClr val="tx1"/>
+                </a:solidFill>
+                <a:latin typeface="+mn-lt"/>
+                <a:ea typeface="+mn-ea"/>
+                <a:cs typeface="+mn-cs"/>
+              </a:defRPr>
+            </a:lvl6pPr>
+            <a:lvl7pPr marL="3959924" indent="-304610" algn="l" defTabSz="1218438" rtl="0" eaLnBrk="1" latinLnBrk="1" hangingPunct="1">
+              <a:spcBef>
+                <a:spcPct val="20000"/>
+              </a:spcBef>
+              <a:buFont typeface="Arial" pitchFamily="34" charset="0"/>
+              <a:buChar char="•"/>
+              <a:defRPr sz="2665" kern="1200">
+                <a:solidFill>
+                  <a:schemeClr val="tx1"/>
+                </a:solidFill>
+                <a:latin typeface="+mn-lt"/>
+                <a:ea typeface="+mn-ea"/>
+                <a:cs typeface="+mn-cs"/>
+              </a:defRPr>
+            </a:lvl7pPr>
+            <a:lvl8pPr marL="4569143" indent="-304610" algn="l" defTabSz="1218438" rtl="0" eaLnBrk="1" latinLnBrk="1" hangingPunct="1">
+              <a:spcBef>
+                <a:spcPct val="20000"/>
+              </a:spcBef>
+              <a:buFont typeface="Arial" pitchFamily="34" charset="0"/>
+              <a:buChar char="•"/>
+              <a:defRPr sz="2665" kern="1200">
+                <a:solidFill>
+                  <a:schemeClr val="tx1"/>
+                </a:solidFill>
+                <a:latin typeface="+mn-lt"/>
+                <a:ea typeface="+mn-ea"/>
+                <a:cs typeface="+mn-cs"/>
+              </a:defRPr>
+            </a:lvl8pPr>
+            <a:lvl9pPr marL="5178362" indent="-304610" algn="l" defTabSz="1218438" rtl="0" eaLnBrk="1" latinLnBrk="1" hangingPunct="1">
+              <a:spcBef>
+                <a:spcPct val="20000"/>
+              </a:spcBef>
+              <a:buFont typeface="Arial" pitchFamily="34" charset="0"/>
+              <a:buChar char="•"/>
+              <a:defRPr sz="2665" kern="1200">
+                <a:solidFill>
+                  <a:schemeClr val="tx1"/>
+                </a:solidFill>
+                <a:latin typeface="+mn-lt"/>
+                <a:ea typeface="+mn-ea"/>
+                <a:cs typeface="+mn-cs"/>
+              </a:defRPr>
+            </a:lvl9pPr>
+          </a:lstStyle>
+          <a:p>
+            <a:pPr>
+              <a:lnSpc>
+                <a:spcPct val="100000"/>
+              </a:lnSpc>
+              <a:defRPr/>
+            </a:pPr>
+            <a:r>
+              <a:rPr lang="en-US" sz="2600" noProof="1"/>
+              <a:t>private static void </a:t>
+            </a:r>
+            <a:r>
+              <a:rPr lang="en-US" sz="2600" noProof="1">
+                <a:solidFill>
+                  <a:schemeClr val="bg1"/>
+                </a:solidFill>
+              </a:rPr>
+              <a:t>GetMax</a:t>
+            </a:r>
+            <a:r>
+              <a:rPr lang="en-US" sz="2600" noProof="1"/>
+              <a:t>(int firstInt, int secondInt)</a:t>
+            </a:r>
+          </a:p>
+          <a:p>
+            <a:pPr>
+              <a:lnSpc>
+                <a:spcPct val="100000"/>
+              </a:lnSpc>
+              <a:defRPr/>
+            </a:pPr>
+            <a:r>
+              <a:rPr lang="en-US" sz="2600" noProof="1"/>
+              <a:t>{</a:t>
+            </a:r>
+          </a:p>
+          <a:p>
+            <a:pPr>
+              <a:lnSpc>
+                <a:spcPct val="100000"/>
+              </a:lnSpc>
+              <a:defRPr/>
+            </a:pPr>
+            <a:r>
+              <a:rPr lang="en-US" sz="2600" noProof="1"/>
+              <a:t>	if (</a:t>
+            </a:r>
+            <a:r>
+              <a:rPr lang="en-US" sz="2600" noProof="1">
+                <a:solidFill>
+                  <a:schemeClr val="bg1"/>
+                </a:solidFill>
+              </a:rPr>
+              <a:t>firstInt &gt; secondInt</a:t>
+            </a:r>
+            <a:r>
+              <a:rPr lang="en-US" sz="2600" noProof="1"/>
+              <a:t>)</a:t>
+            </a:r>
+            <a:endParaRPr lang="bg-BG" sz="2600" noProof="1"/>
+          </a:p>
+          <a:p>
+            <a:pPr>
+              <a:lnSpc>
+                <a:spcPct val="100000"/>
+              </a:lnSpc>
+              <a:defRPr/>
+            </a:pPr>
+            <a:r>
+              <a:rPr lang="en-US" sz="2600" noProof="1"/>
+              <a:t>	{</a:t>
+            </a:r>
+          </a:p>
+          <a:p>
+            <a:pPr>
+              <a:lnSpc>
+                <a:spcPct val="100000"/>
+              </a:lnSpc>
+              <a:defRPr/>
+            </a:pPr>
+            <a:r>
+              <a:rPr lang="en-US" sz="2600" noProof="1"/>
+              <a:t>		Console.WriteLine(</a:t>
+            </a:r>
+            <a:r>
+              <a:rPr lang="en-US" sz="2600" noProof="1">
+                <a:solidFill>
+                  <a:schemeClr val="bg1"/>
+                </a:solidFill>
+              </a:rPr>
+              <a:t>firstInt</a:t>
+            </a:r>
+            <a:r>
+              <a:rPr lang="en-US" sz="2600" noProof="1"/>
+              <a:t>);</a:t>
+            </a:r>
+          </a:p>
+          <a:p>
+            <a:pPr>
+              <a:lnSpc>
+                <a:spcPct val="100000"/>
+              </a:lnSpc>
+              <a:defRPr/>
+            </a:pPr>
+            <a:r>
+              <a:rPr lang="en-US" sz="2600" noProof="1"/>
+              <a:t>	}</a:t>
+            </a:r>
+          </a:p>
+          <a:p>
+            <a:pPr>
+              <a:lnSpc>
+                <a:spcPct val="100000"/>
+              </a:lnSpc>
+              <a:defRPr/>
+            </a:pPr>
+            <a:r>
+              <a:rPr lang="en-US" sz="2600" noProof="1"/>
+              <a:t>	else</a:t>
+            </a:r>
+          </a:p>
+          <a:p>
+            <a:pPr>
+              <a:lnSpc>
+                <a:spcPct val="100000"/>
+              </a:lnSpc>
+              <a:defRPr/>
+            </a:pPr>
+            <a:r>
+              <a:rPr lang="en-US" sz="2600" noProof="1"/>
+              <a:t>	{</a:t>
+            </a:r>
+          </a:p>
+          <a:p>
+            <a:pPr>
+              <a:lnSpc>
+                <a:spcPct val="100000"/>
+              </a:lnSpc>
+              <a:defRPr/>
+            </a:pPr>
+            <a:r>
+              <a:rPr lang="en-US" sz="2600" noProof="1"/>
+              <a:t>		Console.WriteLine(</a:t>
+            </a:r>
+            <a:r>
+              <a:rPr lang="en-US" sz="2600" noProof="1">
+                <a:solidFill>
+                  <a:schemeClr val="bg1"/>
+                </a:solidFill>
+              </a:rPr>
+              <a:t>secondInt</a:t>
+            </a:r>
+            <a:r>
+              <a:rPr lang="en-US" sz="2600" noProof="1"/>
+              <a:t>);</a:t>
+            </a:r>
+          </a:p>
+          <a:p>
+            <a:pPr>
+              <a:lnSpc>
+                <a:spcPct val="100000"/>
+              </a:lnSpc>
+              <a:defRPr/>
+            </a:pPr>
+            <a:r>
+              <a:rPr lang="en-US" sz="2600" noProof="1"/>
+              <a:t>	}</a:t>
+            </a:r>
+          </a:p>
+          <a:p>
+            <a:pPr>
+              <a:lnSpc>
+                <a:spcPct val="100000"/>
+              </a:lnSpc>
+              <a:defRPr/>
+            </a:pPr>
+            <a:r>
+              <a:rPr lang="en-US" sz="2600" noProof="1"/>
+              <a:t>}</a:t>
+            </a:r>
+          </a:p>
+        </p:txBody>
+      </p:sp>
+      <p:sp>
+        <p:nvSpPr>
+          <p:cNvPr id="6" name="Slide Number">
+            <a:extLst>
+              <a:ext uri="{FF2B5EF4-FFF2-40B4-BE49-F238E27FC236}">
+                <a16:creationId xmlns:a16="http://schemas.microsoft.com/office/drawing/2014/main" id="{C04E9A96-1735-4890-B2A4-7E08711A6AF6}"/>
+              </a:ext>
+            </a:extLst>
+          </p:cNvPr>
+          <p:cNvSpPr>
+            <a:spLocks noGrp="1"/>
+          </p:cNvSpPr>
+          <p:nvPr>
+            <p:ph type="sldNum" sz="quarter" idx="5"/>
+          </p:nvPr>
+        </p:nvSpPr>
+        <p:spPr>
+          <a:xfrm>
+            <a:off x="11753030" y="6507000"/>
+            <a:ext cx="367414" cy="297000"/>
+          </a:xfrm>
+          <a:prstGeom prst="rect">
+            <a:avLst/>
+          </a:prstGeom>
+        </p:spPr>
+        <p:txBody>
+          <a:bodyPr vert="horz" lIns="91440" tIns="45720" rIns="91440" bIns="45720" rtlCol="0" anchor="b"/>
+          <a:lstStyle>
+            <a:lvl1pPr algn="r">
+              <a:defRPr sz="1000"/>
+            </a:lvl1pPr>
+          </a:lstStyle>
+          <a:p>
+            <a:fld id="{2BF067CD-8E6B-4360-9AA8-C5DF2A48A6D1}" type="slidenum">
+              <a:rPr lang="en-US" noProof="0" smtClean="0"/>
+              <a:pPr/>
+              <a:t>15</a:t>
+            </a:fld>
+            <a:endParaRPr lang="en-US" noProof="0" dirty="0"/>
+          </a:p>
+        </p:txBody>
+      </p:sp>
+      <p:sp>
+        <p:nvSpPr>
+          <p:cNvPr id="2" name="Rounded Rectangle 1">
+            <a:extLst>
+              <a:ext uri="{FF2B5EF4-FFF2-40B4-BE49-F238E27FC236}">
+                <a16:creationId xmlns:a16="http://schemas.microsoft.com/office/drawing/2014/main" id="{4C34EDC5-5979-2101-9D01-C992CF14BEB3}"/>
+              </a:ext>
+            </a:extLst>
+          </p:cNvPr>
+          <p:cNvSpPr/>
+          <p:nvPr/>
+        </p:nvSpPr>
+        <p:spPr bwMode="auto">
+          <a:xfrm>
+            <a:off x="6366000" y="5351253"/>
+            <a:ext cx="4854308" cy="1215000"/>
+          </a:xfrm>
+          <a:prstGeom prst="roundRect">
+            <a:avLst/>
+          </a:prstGeom>
+          <a:solidFill>
+            <a:schemeClr val="tx2">
+              <a:alpha val="80000"/>
+            </a:schemeClr>
+          </a:solidFill>
+          <a:ln w="19050">
+            <a:solidFill>
+              <a:schemeClr val="tx1">
+                <a:lumMod val="75000"/>
+                <a:alpha val="80000"/>
+              </a:schemeClr>
+            </a:solidFill>
+          </a:ln>
+          <a:effectLst/>
+        </p:spPr>
+        <p:style>
+          <a:lnRef idx="2">
+            <a:schemeClr val="accent1">
+              <a:shade val="50000"/>
+            </a:schemeClr>
+          </a:lnRef>
+          <a:fillRef idx="1001">
+            <a:schemeClr val="dk2"/>
+          </a:fillRef>
+          <a:effectRef idx="0">
+            <a:schemeClr val="accent1"/>
+          </a:effectRef>
+          <a:fontRef idx="minor">
+            <a:schemeClr val="lt1"/>
+          </a:fontRef>
+        </p:style>
+        <p:txBody>
+          <a:bodyPr rot="0" spcFirstLastPara="0" vertOverflow="overflow" horzOverflow="overflow" vert="horz" wrap="square" lIns="91440" tIns="45720" rIns="91440" bIns="45720" numCol="1" spcCol="0" rtlCol="0" fromWordArt="0" anchor="ctr" anchorCtr="0" forceAA="0" compatLnSpc="1">
+            <a:prstTxWarp prst="textNoShape">
+              <a:avLst/>
+            </a:prstTxWarp>
+            <a:noAutofit/>
+          </a:bodyPr>
+          <a:lstStyle/>
+          <a:p>
+            <a:pPr algn="ctr"/>
+            <a:r>
+              <a:rPr lang="bg-BG" sz="2800" b="1" dirty="0">
+                <a:solidFill>
+                  <a:srgbClr val="FFFFFF"/>
+                </a:solidFill>
+                <a:effectLst>
+                  <a:outerShdw blurRad="38100" dist="38100" dir="2700000" algn="tl">
+                    <a:srgbClr val="000000">
+                      <a:alpha val="43137"/>
+                    </a:srgbClr>
+                  </a:outerShdw>
+                </a:effectLst>
+              </a:rPr>
+              <a:t>Решението продължава на следващия слайд</a:t>
+            </a:r>
+            <a:endParaRPr lang="en-BG" sz="2800" b="1" dirty="0">
+              <a:solidFill>
+                <a:srgbClr val="FFFFFF"/>
+              </a:solidFill>
+              <a:effectLst>
+                <a:outerShdw blurRad="38100" dist="38100" dir="2700000" algn="tl">
+                  <a:srgbClr val="000000">
+                    <a:alpha val="43137"/>
+                  </a:srgbClr>
+                </a:outerShdw>
+              </a:effectLst>
+            </a:endParaRPr>
+          </a:p>
+        </p:txBody>
+      </p:sp>
+    </p:spTree>
+    <p:extLst>
+      <p:ext uri="{BB962C8B-B14F-4D97-AF65-F5344CB8AC3E}">
+        <p14:creationId xmlns:p14="http://schemas.microsoft.com/office/powerpoint/2010/main" val="629418716"/>
+      </p:ext>
+    </p:extLst>
+  </p:cSld>
+  <p:clrMapOvr>
+    <a:masterClrMapping/>
+  </p:clrMapOvr>
+  <mc:AlternateContent xmlns:mc="http://schemas.openxmlformats.org/markup-compatibility/2006" xmlns:p14="http://schemas.microsoft.com/office/powerpoint/2010/main">
+    <mc:Choice Requires="p14">
+      <p:transition spd="slow" p14:dur="2000" advClick="0" advTm="5000"/>
+    </mc:Choice>
+    <mc:Fallback xmlns="">
+      <p:transition spd="slow" advClick="0" advTm="5000"/>
+    </mc:Fallback>
+  </mc:AlternateContent>
+  <p:timing>
+    <p:tnLst>
+      <p:par>
+        <p:cTn id="1" dur="indefinite" restart="never" nodeType="tmRoot">
+          <p:childTnLst>
+            <p:seq concurrent="1" nextAc="seek">
+              <p:cTn id="2" dur="indefinite" nodeType="mainSeq">
+                <p:childTnLst>
+                  <p:par>
+                    <p:cTn id="3" fill="hold">
+                      <p:stCondLst>
+                        <p:cond delay="indefinite"/>
+                      </p:stCondLst>
+                      <p:childTnLst>
+                        <p:par>
+                          <p:cTn id="4" fill="hold">
+                            <p:stCondLst>
+                              <p:cond delay="0"/>
+                            </p:stCondLst>
+                            <p:childTnLst>
+                              <p:par>
+                                <p:cTn id="5" presetID="1" presetClass="entr" presetSubtype="0" fill="hold" nodeType="clickEffect">
+                                  <p:stCondLst>
+                                    <p:cond delay="0"/>
+                                  </p:stCondLst>
+                                  <p:childTnLst>
+                                    <p:set>
+                                      <p:cBhvr>
+                                        <p:cTn id="6" dur="1" fill="hold">
+                                          <p:stCondLst>
+                                            <p:cond delay="0"/>
+                                          </p:stCondLst>
+                                        </p:cTn>
+                                        <p:tgtEl>
+                                          <p:spTgt spid="11">
+                                            <p:txEl>
+                                              <p:pRg st="2" end="2"/>
+                                            </p:txEl>
+                                          </p:spTgt>
+                                        </p:tgtEl>
+                                        <p:attrNameLst>
+                                          <p:attrName>style.visibility</p:attrName>
+                                        </p:attrNameLst>
+                                      </p:cBhvr>
+                                      <p:to>
+                                        <p:strVal val="visible"/>
+                                      </p:to>
+                                    </p:set>
+                                  </p:childTnLst>
+                                </p:cTn>
+                              </p:par>
+                              <p:par>
+                                <p:cTn id="7" presetID="1" presetClass="entr" presetSubtype="0" fill="hold" nodeType="withEffect">
+                                  <p:stCondLst>
+                                    <p:cond delay="0"/>
+                                  </p:stCondLst>
+                                  <p:childTnLst>
+                                    <p:set>
+                                      <p:cBhvr>
+                                        <p:cTn id="8" dur="1" fill="hold">
+                                          <p:stCondLst>
+                                            <p:cond delay="0"/>
+                                          </p:stCondLst>
+                                        </p:cTn>
+                                        <p:tgtEl>
+                                          <p:spTgt spid="11">
+                                            <p:txEl>
+                                              <p:pRg st="3" end="3"/>
+                                            </p:txEl>
+                                          </p:spTgt>
+                                        </p:tgtEl>
+                                        <p:attrNameLst>
+                                          <p:attrName>style.visibility</p:attrName>
+                                        </p:attrNameLst>
+                                      </p:cBhvr>
+                                      <p:to>
+                                        <p:strVal val="visible"/>
+                                      </p:to>
+                                    </p:set>
+                                  </p:childTnLst>
+                                </p:cTn>
+                              </p:par>
+                              <p:par>
+                                <p:cTn id="9" presetID="1" presetClass="entr" presetSubtype="0" fill="hold" nodeType="withEffect">
+                                  <p:stCondLst>
+                                    <p:cond delay="0"/>
+                                  </p:stCondLst>
+                                  <p:childTnLst>
+                                    <p:set>
+                                      <p:cBhvr>
+                                        <p:cTn id="10" dur="1" fill="hold">
+                                          <p:stCondLst>
+                                            <p:cond delay="0"/>
+                                          </p:stCondLst>
+                                        </p:cTn>
+                                        <p:tgtEl>
+                                          <p:spTgt spid="11">
+                                            <p:txEl>
+                                              <p:pRg st="4" end="4"/>
+                                            </p:txEl>
+                                          </p:spTgt>
+                                        </p:tgtEl>
+                                        <p:attrNameLst>
+                                          <p:attrName>style.visibility</p:attrName>
+                                        </p:attrNameLst>
+                                      </p:cBhvr>
+                                      <p:to>
+                                        <p:strVal val="visible"/>
+                                      </p:to>
+                                    </p:set>
+                                  </p:childTnLst>
+                                </p:cTn>
+                              </p:par>
+                              <p:par>
+                                <p:cTn id="11" presetID="1" presetClass="entr" presetSubtype="0" fill="hold" nodeType="withEffect">
+                                  <p:stCondLst>
+                                    <p:cond delay="0"/>
+                                  </p:stCondLst>
+                                  <p:childTnLst>
+                                    <p:set>
+                                      <p:cBhvr>
+                                        <p:cTn id="12" dur="1" fill="hold">
+                                          <p:stCondLst>
+                                            <p:cond delay="0"/>
+                                          </p:stCondLst>
+                                        </p:cTn>
+                                        <p:tgtEl>
+                                          <p:spTgt spid="11">
+                                            <p:txEl>
+                                              <p:pRg st="5" end="5"/>
+                                            </p:txEl>
+                                          </p:spTgt>
+                                        </p:tgtEl>
+                                        <p:attrNameLst>
+                                          <p:attrName>style.visibility</p:attrName>
+                                        </p:attrNameLst>
+                                      </p:cBhvr>
+                                      <p:to>
+                                        <p:strVal val="visible"/>
+                                      </p:to>
+                                    </p:set>
+                                  </p:childTnLst>
+                                </p:cTn>
+                              </p:par>
+                            </p:childTnLst>
+                          </p:cTn>
+                        </p:par>
+                      </p:childTnLst>
+                    </p:cTn>
+                  </p:par>
+                  <p:par>
+                    <p:cTn id="13" fill="hold">
+                      <p:stCondLst>
+                        <p:cond delay="indefinite"/>
+                      </p:stCondLst>
+                      <p:childTnLst>
+                        <p:par>
+                          <p:cTn id="14" fill="hold">
+                            <p:stCondLst>
+                              <p:cond delay="0"/>
+                            </p:stCondLst>
+                            <p:childTnLst>
+                              <p:par>
+                                <p:cTn id="15" presetID="1" presetClass="entr" presetSubtype="0" fill="hold" nodeType="clickEffect">
+                                  <p:stCondLst>
+                                    <p:cond delay="0"/>
+                                  </p:stCondLst>
+                                  <p:childTnLst>
+                                    <p:set>
+                                      <p:cBhvr>
+                                        <p:cTn id="16" dur="1" fill="hold">
+                                          <p:stCondLst>
+                                            <p:cond delay="0"/>
+                                          </p:stCondLst>
+                                        </p:cTn>
+                                        <p:tgtEl>
+                                          <p:spTgt spid="11">
+                                            <p:txEl>
+                                              <p:pRg st="6" end="6"/>
+                                            </p:txEl>
+                                          </p:spTgt>
+                                        </p:tgtEl>
+                                        <p:attrNameLst>
+                                          <p:attrName>style.visibility</p:attrName>
+                                        </p:attrNameLst>
+                                      </p:cBhvr>
+                                      <p:to>
+                                        <p:strVal val="visible"/>
+                                      </p:to>
+                                    </p:set>
+                                  </p:childTnLst>
+                                </p:cTn>
+                              </p:par>
+                              <p:par>
+                                <p:cTn id="17" presetID="1" presetClass="entr" presetSubtype="0" fill="hold" nodeType="withEffect">
+                                  <p:stCondLst>
+                                    <p:cond delay="0"/>
+                                  </p:stCondLst>
+                                  <p:childTnLst>
+                                    <p:set>
+                                      <p:cBhvr>
+                                        <p:cTn id="18" dur="1" fill="hold">
+                                          <p:stCondLst>
+                                            <p:cond delay="0"/>
+                                          </p:stCondLst>
+                                        </p:cTn>
+                                        <p:tgtEl>
+                                          <p:spTgt spid="11">
+                                            <p:txEl>
+                                              <p:pRg st="7" end="7"/>
+                                            </p:txEl>
+                                          </p:spTgt>
+                                        </p:tgtEl>
+                                        <p:attrNameLst>
+                                          <p:attrName>style.visibility</p:attrName>
+                                        </p:attrNameLst>
+                                      </p:cBhvr>
+                                      <p:to>
+                                        <p:strVal val="visible"/>
+                                      </p:to>
+                                    </p:set>
+                                  </p:childTnLst>
+                                </p:cTn>
+                              </p:par>
+                              <p:par>
+                                <p:cTn id="19" presetID="1" presetClass="entr" presetSubtype="0" fill="hold" nodeType="withEffect">
+                                  <p:stCondLst>
+                                    <p:cond delay="0"/>
+                                  </p:stCondLst>
+                                  <p:childTnLst>
+                                    <p:set>
+                                      <p:cBhvr>
+                                        <p:cTn id="20" dur="1" fill="hold">
+                                          <p:stCondLst>
+                                            <p:cond delay="0"/>
+                                          </p:stCondLst>
+                                        </p:cTn>
+                                        <p:tgtEl>
+                                          <p:spTgt spid="11">
+                                            <p:txEl>
+                                              <p:pRg st="8" end="8"/>
+                                            </p:txEl>
+                                          </p:spTgt>
+                                        </p:tgtEl>
+                                        <p:attrNameLst>
+                                          <p:attrName>style.visibility</p:attrName>
+                                        </p:attrNameLst>
+                                      </p:cBhvr>
+                                      <p:to>
+                                        <p:strVal val="visible"/>
+                                      </p:to>
+                                    </p:set>
+                                  </p:childTnLst>
+                                </p:cTn>
+                              </p:par>
+                              <p:par>
+                                <p:cTn id="21" presetID="1" presetClass="entr" presetSubtype="0" fill="hold" nodeType="withEffect">
+                                  <p:stCondLst>
+                                    <p:cond delay="0"/>
+                                  </p:stCondLst>
+                                  <p:childTnLst>
+                                    <p:set>
+                                      <p:cBhvr>
+                                        <p:cTn id="22" dur="1" fill="hold">
+                                          <p:stCondLst>
+                                            <p:cond delay="0"/>
+                                          </p:stCondLst>
+                                        </p:cTn>
+                                        <p:tgtEl>
+                                          <p:spTgt spid="11">
+                                            <p:txEl>
+                                              <p:pRg st="9" end="9"/>
+                                            </p:txEl>
+                                          </p:spTgt>
+                                        </p:tgtEl>
+                                        <p:attrNameLst>
+                                          <p:attrName>style.visibility</p:attrName>
+                                        </p:attrNameLst>
+                                      </p:cBhvr>
+                                      <p:to>
+                                        <p:strVal val="visible"/>
+                                      </p:to>
+                                    </p:set>
+                                  </p:childTnLst>
+                                </p:cTn>
+                              </p:par>
+                            </p:childTnLst>
+                          </p:cTn>
+                        </p:par>
+                      </p:childTnLst>
+                    </p:cTn>
+                  </p:par>
+                  <p:par>
+                    <p:cTn id="23" fill="hold">
+                      <p:stCondLst>
+                        <p:cond delay="indefinite"/>
+                      </p:stCondLst>
+                      <p:childTnLst>
+                        <p:par>
+                          <p:cTn id="24" fill="hold">
+                            <p:stCondLst>
+                              <p:cond delay="0"/>
+                            </p:stCondLst>
+                            <p:childTnLst>
+                              <p:par>
+                                <p:cTn id="25" presetID="1" presetClass="entr" presetSubtype="0" fill="hold" grpId="0" nodeType="clickEffect">
+                                  <p:stCondLst>
+                                    <p:cond delay="0"/>
+                                  </p:stCondLst>
+                                  <p:childTnLst>
+                                    <p:set>
+                                      <p:cBhvr>
+                                        <p:cTn id="26" dur="1" fill="hold">
+                                          <p:stCondLst>
+                                            <p:cond delay="0"/>
+                                          </p:stCondLst>
+                                        </p:cTn>
+                                        <p:tgtEl>
+                                          <p:spTgt spid="2"/>
+                                        </p:tgtEl>
+                                        <p:attrNameLst>
+                                          <p:attrName>style.visibility</p:attrName>
+                                        </p:attrNameLst>
+                                      </p:cBhvr>
+                                      <p:to>
+                                        <p:strVal val="visible"/>
+                                      </p:to>
+                                    </p:set>
+                                  </p:childTnLst>
+                                </p:cTn>
+                              </p:par>
+                            </p:childTnLst>
+                          </p:cTn>
+                        </p:par>
+                      </p:childTnLst>
+                    </p:cTn>
+                  </p:par>
+                </p:childTnLst>
+              </p:cTn>
+              <p:prevCondLst>
+                <p:cond evt="onPrev" delay="0">
+                  <p:tgtEl>
+                    <p:sldTgt/>
+                  </p:tgtEl>
+                </p:cond>
+              </p:prevCondLst>
+              <p:nextCondLst>
+                <p:cond evt="onNext" delay="0">
+                  <p:tgtEl>
+                    <p:sldTgt/>
+                  </p:tgtEl>
+                </p:cond>
+              </p:nextCondLst>
+            </p:seq>
+          </p:childTnLst>
+        </p:cTn>
+      </p:par>
+    </p:tnLst>
+    <p:bldLst>
+      <p:bldP spid="2" grpId="0" animBg="1"/>
+    </p:bldLst>
+  </p:timing>
+</p:sld>
+</file>
+
+<file path=ppt/slides/slide16.xml><?xml version="1.0" encoding="utf-8"?>
+<p:sld xmlns:a="http://schemas.openxmlformats.org/drawingml/2006/main" xmlns:r="http://schemas.openxmlformats.org/officeDocument/2006/relationships" xmlns:p="http://schemas.openxmlformats.org/presentationml/2006/main">
+  <p:cSld>
+    <p:spTree>
+      <p:nvGrpSpPr>
+        <p:cNvPr id="1" name=""/>
+        <p:cNvGrpSpPr/>
+        <p:nvPr/>
+      </p:nvGrpSpPr>
+      <p:grpSpPr>
+        <a:xfrm>
+          <a:off x="0" y="0"/>
+          <a:ext cx="0" cy="0"/>
+          <a:chOff x="0" y="0"/>
+          <a:chExt cx="0" cy="0"/>
+        </a:xfrm>
+      </p:grpSpPr>
+      <p:sp>
+        <p:nvSpPr>
+          <p:cNvPr id="3" name="Title 2"/>
+          <p:cNvSpPr>
+            <a:spLocks noGrp="1"/>
+          </p:cNvSpPr>
+          <p:nvPr>
+            <p:ph type="title"/>
+          </p:nvPr>
+        </p:nvSpPr>
+        <p:spPr/>
+        <p:txBody>
+          <a:bodyPr/>
+          <a:lstStyle/>
+          <a:p>
+            <a:r>
+              <a:rPr lang="bg-BG" dirty="0"/>
+              <a:t>Решение</a:t>
+            </a:r>
+            <a:r>
+              <a:rPr lang="en-US" dirty="0"/>
+              <a:t>: </a:t>
+            </a:r>
+            <a:r>
+              <a:rPr lang="bg-BG" dirty="0"/>
+              <a:t>По-голямо число</a:t>
+            </a:r>
+            <a:r>
+              <a:rPr lang="en-US" dirty="0"/>
+              <a:t> (2)</a:t>
+            </a:r>
+            <a:endParaRPr lang="bg-BG" dirty="0"/>
+          </a:p>
+        </p:txBody>
+      </p:sp>
+      <p:sp>
+        <p:nvSpPr>
+          <p:cNvPr id="9" name="TextBox 8">
+            <a:extLst>
+              <a:ext uri="{FF2B5EF4-FFF2-40B4-BE49-F238E27FC236}">
+                <a16:creationId xmlns:a16="http://schemas.microsoft.com/office/drawing/2014/main" id="{D5AEE50B-63E5-4AB4-B917-0719B5F6FD0A}"/>
+              </a:ext>
+            </a:extLst>
+          </p:cNvPr>
+          <p:cNvSpPr txBox="1"/>
+          <p:nvPr/>
+        </p:nvSpPr>
+        <p:spPr>
+          <a:xfrm>
+            <a:off x="801479" y="6247670"/>
+            <a:ext cx="10589042" cy="400006"/>
+          </a:xfrm>
+          <a:prstGeom prst="rect">
+            <a:avLst/>
+          </a:prstGeom>
+          <a:noFill/>
+        </p:spPr>
+        <p:txBody>
+          <a:bodyPr wrap="square" rtlCol="0">
+            <a:spAutoFit/>
+          </a:bodyPr>
+          <a:lstStyle/>
+          <a:p>
+            <a:pPr algn="ctr"/>
+            <a:r>
+              <a:rPr lang="bg-BG" sz="1999" dirty="0"/>
+              <a:t>Проверете решението си тук</a:t>
+            </a:r>
+            <a:r>
+              <a:rPr lang="en-US" sz="1999" dirty="0"/>
+              <a:t>: </a:t>
+            </a:r>
+            <a:r>
+              <a:rPr lang="en-US" sz="1999" dirty="0">
+                <a:hlinkClick r:id="rId3"/>
+              </a:rPr>
+              <a:t>https://judge.softuni.org/Contests/Practice/Index/3901#0</a:t>
+            </a:r>
+            <a:endParaRPr lang="en-US" sz="1999" dirty="0"/>
+          </a:p>
+        </p:txBody>
+      </p:sp>
+      <p:sp>
+        <p:nvSpPr>
+          <p:cNvPr id="11" name="Text Placeholder 5">
+            <a:extLst>
+              <a:ext uri="{FF2B5EF4-FFF2-40B4-BE49-F238E27FC236}">
+                <a16:creationId xmlns:a16="http://schemas.microsoft.com/office/drawing/2014/main" id="{4FECEF86-D9E4-4EF6-98C8-D721D32AF0A3}"/>
+              </a:ext>
+            </a:extLst>
+          </p:cNvPr>
+          <p:cNvSpPr txBox="1">
+            <a:spLocks/>
+          </p:cNvSpPr>
+          <p:nvPr/>
+        </p:nvSpPr>
+        <p:spPr>
+          <a:xfrm>
+            <a:off x="1429431" y="1764000"/>
+            <a:ext cx="9333138" cy="3018876"/>
+          </a:xfrm>
+          <a:prstGeom prst="rect">
+            <a:avLst/>
+          </a:prstGeom>
+          <a:solidFill>
+            <a:srgbClr val="F4F5F7">
+              <a:lumMod val="75000"/>
+              <a:alpha val="15000"/>
+            </a:srgbClr>
+          </a:solidFill>
+          <a:ln w="12700">
+            <a:solidFill>
+              <a:srgbClr val="234465">
+                <a:lumMod val="50000"/>
+              </a:srgbClr>
+            </a:solidFill>
+          </a:ln>
+        </p:spPr>
+        <p:txBody>
+          <a:bodyPr vert="horz" wrap="square" lIns="144000" tIns="108000" rIns="144000" bIns="108000" rtlCol="0">
+            <a:spAutoFit/>
+          </a:bodyPr>
+          <a:lstStyle>
+            <a:lvl1pPr marL="360363" indent="-360363" algn="l" defTabSz="1218438" rtl="0" eaLnBrk="1" latinLnBrk="0" hangingPunct="1">
+              <a:lnSpc>
+                <a:spcPct val="110000"/>
+              </a:lnSpc>
+              <a:spcBef>
+                <a:spcPts val="0"/>
+              </a:spcBef>
+              <a:spcAft>
+                <a:spcPts val="0"/>
+              </a:spcAft>
+              <a:buFont typeface="Wingdings" panose="05000000000000000000" pitchFamily="2" charset="2"/>
+              <a:buNone/>
+              <a:defRPr lang="en-US" sz="2800" b="1" kern="1200" smtClean="0">
+                <a:solidFill>
+                  <a:schemeClr val="tx1"/>
+                </a:solidFill>
+                <a:latin typeface="Consolas" pitchFamily="49" charset="0"/>
+                <a:ea typeface="+mn-ea"/>
+                <a:cs typeface="+mn-cs"/>
+              </a:defRPr>
+            </a:lvl1pPr>
+            <a:lvl2pPr marL="803275" indent="-360363" algn="l" defTabSz="1218438" rtl="0" eaLnBrk="1" latinLnBrk="0" hangingPunct="1">
+              <a:lnSpc>
+                <a:spcPct val="105000"/>
+              </a:lnSpc>
+              <a:spcBef>
+                <a:spcPts val="600"/>
+              </a:spcBef>
+              <a:spcAft>
+                <a:spcPts val="600"/>
+              </a:spcAft>
+              <a:buFont typeface="Wingdings" panose="05000000000000000000" pitchFamily="2" charset="2"/>
+              <a:buChar char="§"/>
+              <a:defRPr lang="en-US" sz="3198" kern="1200" smtClean="0">
+                <a:solidFill>
+                  <a:schemeClr val="tx1"/>
+                </a:solidFill>
+                <a:latin typeface="+mn-lt"/>
+                <a:ea typeface="+mn-ea"/>
+                <a:cs typeface="+mn-cs"/>
+              </a:defRPr>
+            </a:lvl2pPr>
+            <a:lvl3pPr marL="1255713" indent="-360363" algn="l" defTabSz="1218438" rtl="0" eaLnBrk="1" latinLnBrk="0" hangingPunct="1">
+              <a:lnSpc>
+                <a:spcPct val="105000"/>
+              </a:lnSpc>
+              <a:spcBef>
+                <a:spcPts val="600"/>
+              </a:spcBef>
+              <a:spcAft>
+                <a:spcPts val="600"/>
+              </a:spcAft>
+              <a:buFont typeface="Wingdings" panose="05000000000000000000" pitchFamily="2" charset="2"/>
+              <a:buChar char="§"/>
+              <a:defRPr lang="en-US" sz="2998" kern="1200" smtClean="0">
+                <a:solidFill>
+                  <a:schemeClr val="tx1"/>
+                </a:solidFill>
+                <a:latin typeface="+mn-lt"/>
+                <a:ea typeface="+mn-ea"/>
+                <a:cs typeface="+mn-cs"/>
+              </a:defRPr>
+            </a:lvl3pPr>
+            <a:lvl4pPr marL="1700213" indent="-352425" algn="l" defTabSz="1218438" rtl="0" eaLnBrk="1" latinLnBrk="0" hangingPunct="1">
+              <a:lnSpc>
+                <a:spcPct val="105000"/>
+              </a:lnSpc>
+              <a:spcBef>
+                <a:spcPts val="600"/>
+              </a:spcBef>
+              <a:spcAft>
+                <a:spcPts val="600"/>
+              </a:spcAft>
+              <a:buFont typeface="Wingdings" panose="05000000000000000000" pitchFamily="2" charset="2"/>
+              <a:buChar char="§"/>
+              <a:defRPr lang="en-US" sz="2798" kern="1200" smtClean="0">
+                <a:solidFill>
+                  <a:schemeClr val="tx1"/>
+                </a:solidFill>
+                <a:latin typeface="+mn-lt"/>
+                <a:ea typeface="+mn-ea"/>
+                <a:cs typeface="+mn-cs"/>
+              </a:defRPr>
+            </a:lvl4pPr>
+            <a:lvl5pPr marL="2058988" indent="-266700" algn="l" defTabSz="1218438" rtl="0" eaLnBrk="1" latinLnBrk="0" hangingPunct="1">
+              <a:lnSpc>
+                <a:spcPct val="105000"/>
+              </a:lnSpc>
+              <a:spcBef>
+                <a:spcPts val="600"/>
+              </a:spcBef>
+              <a:spcAft>
+                <a:spcPts val="600"/>
+              </a:spcAft>
+              <a:buFont typeface="Wingdings" panose="05000000000000000000" pitchFamily="2" charset="2"/>
+              <a:buChar char="§"/>
+              <a:defRPr lang="en-US" sz="2598" kern="1200">
+                <a:solidFill>
+                  <a:schemeClr val="tx1"/>
+                </a:solidFill>
+                <a:latin typeface="+mn-lt"/>
+                <a:ea typeface="+mn-ea"/>
+                <a:cs typeface="+mn-cs"/>
+              </a:defRPr>
+            </a:lvl5pPr>
+            <a:lvl6pPr marL="3350704" indent="-304610" algn="l" defTabSz="1218438" rtl="0" eaLnBrk="1" latinLnBrk="1" hangingPunct="1">
+              <a:spcBef>
+                <a:spcPct val="20000"/>
+              </a:spcBef>
+              <a:buFont typeface="Arial" pitchFamily="34" charset="0"/>
+              <a:buChar char="•"/>
+              <a:defRPr sz="2665" kern="1200">
+                <a:solidFill>
+                  <a:schemeClr val="tx1"/>
+                </a:solidFill>
+                <a:latin typeface="+mn-lt"/>
+                <a:ea typeface="+mn-ea"/>
+                <a:cs typeface="+mn-cs"/>
+              </a:defRPr>
+            </a:lvl6pPr>
+            <a:lvl7pPr marL="3959924" indent="-304610" algn="l" defTabSz="1218438" rtl="0" eaLnBrk="1" latinLnBrk="1" hangingPunct="1">
+              <a:spcBef>
+                <a:spcPct val="20000"/>
+              </a:spcBef>
+              <a:buFont typeface="Arial" pitchFamily="34" charset="0"/>
+              <a:buChar char="•"/>
+              <a:defRPr sz="2665" kern="1200">
+                <a:solidFill>
+                  <a:schemeClr val="tx1"/>
+                </a:solidFill>
+                <a:latin typeface="+mn-lt"/>
+                <a:ea typeface="+mn-ea"/>
+                <a:cs typeface="+mn-cs"/>
+              </a:defRPr>
+            </a:lvl7pPr>
+            <a:lvl8pPr marL="4569143" indent="-304610" algn="l" defTabSz="1218438" rtl="0" eaLnBrk="1" latinLnBrk="1" hangingPunct="1">
+              <a:spcBef>
+                <a:spcPct val="20000"/>
+              </a:spcBef>
+              <a:buFont typeface="Arial" pitchFamily="34" charset="0"/>
+              <a:buChar char="•"/>
+              <a:defRPr sz="2665" kern="1200">
+                <a:solidFill>
+                  <a:schemeClr val="tx1"/>
+                </a:solidFill>
+                <a:latin typeface="+mn-lt"/>
+                <a:ea typeface="+mn-ea"/>
+                <a:cs typeface="+mn-cs"/>
+              </a:defRPr>
+            </a:lvl8pPr>
+            <a:lvl9pPr marL="5178362" indent="-304610" algn="l" defTabSz="1218438" rtl="0" eaLnBrk="1" latinLnBrk="1" hangingPunct="1">
+              <a:spcBef>
+                <a:spcPct val="20000"/>
+              </a:spcBef>
+              <a:buFont typeface="Arial" pitchFamily="34" charset="0"/>
+              <a:buChar char="•"/>
+              <a:defRPr sz="2665" kern="1200">
+                <a:solidFill>
+                  <a:schemeClr val="tx1"/>
+                </a:solidFill>
+                <a:latin typeface="+mn-lt"/>
+                <a:ea typeface="+mn-ea"/>
+                <a:cs typeface="+mn-cs"/>
+              </a:defRPr>
+            </a:lvl9pPr>
+          </a:lstStyle>
+          <a:p>
+            <a:pPr>
+              <a:lnSpc>
+                <a:spcPct val="100000"/>
+              </a:lnSpc>
+              <a:defRPr/>
+            </a:pPr>
+            <a:r>
+              <a:rPr lang="en-US" sz="2600" noProof="1"/>
+              <a:t>static void Main()</a:t>
+            </a:r>
+          </a:p>
+          <a:p>
+            <a:pPr>
+              <a:lnSpc>
+                <a:spcPct val="100000"/>
+              </a:lnSpc>
+              <a:defRPr/>
+            </a:pPr>
+            <a:r>
+              <a:rPr lang="en-US" sz="2600" noProof="1"/>
+              <a:t>{</a:t>
+            </a:r>
+          </a:p>
+          <a:p>
+            <a:pPr>
+              <a:lnSpc>
+                <a:spcPct val="100000"/>
+              </a:lnSpc>
+              <a:defRPr/>
+            </a:pPr>
+            <a:r>
+              <a:rPr lang="en-US" sz="2600" noProof="1"/>
+              <a:t>	int firstInt = int.Parse(Console.ReadLine());</a:t>
+            </a:r>
+          </a:p>
+          <a:p>
+            <a:pPr>
+              <a:lnSpc>
+                <a:spcPct val="100000"/>
+              </a:lnSpc>
+              <a:defRPr/>
+            </a:pPr>
+            <a:r>
+              <a:rPr lang="en-US" sz="2600" noProof="1"/>
+              <a:t>	int secondInt = int.Parse(Console.ReadLine());</a:t>
+            </a:r>
+          </a:p>
+          <a:p>
+            <a:pPr>
+              <a:lnSpc>
+                <a:spcPct val="100000"/>
+              </a:lnSpc>
+              <a:defRPr/>
+            </a:pPr>
+            <a:endParaRPr lang="en-US" sz="2600" noProof="1"/>
+          </a:p>
+          <a:p>
+            <a:pPr>
+              <a:lnSpc>
+                <a:spcPct val="100000"/>
+              </a:lnSpc>
+              <a:defRPr/>
+            </a:pPr>
+            <a:r>
+              <a:rPr lang="en-US" sz="2600" noProof="1"/>
+              <a:t>	</a:t>
+            </a:r>
+            <a:r>
+              <a:rPr lang="en-US" sz="2600" noProof="1">
+                <a:solidFill>
+                  <a:schemeClr val="bg1"/>
+                </a:solidFill>
+              </a:rPr>
+              <a:t>GetMax</a:t>
+            </a:r>
+            <a:r>
+              <a:rPr lang="en-US" sz="2600" noProof="1"/>
+              <a:t>(firstInt, secondInt);</a:t>
+            </a:r>
+          </a:p>
+          <a:p>
+            <a:pPr>
+              <a:lnSpc>
+                <a:spcPct val="100000"/>
+              </a:lnSpc>
+              <a:defRPr/>
+            </a:pPr>
+            <a:r>
+              <a:rPr lang="en-US" sz="2600" noProof="1"/>
+              <a:t>}</a:t>
+            </a:r>
+          </a:p>
+        </p:txBody>
+      </p:sp>
+      <p:sp>
+        <p:nvSpPr>
+          <p:cNvPr id="6" name="Slide Number">
+            <a:extLst>
+              <a:ext uri="{FF2B5EF4-FFF2-40B4-BE49-F238E27FC236}">
+                <a16:creationId xmlns:a16="http://schemas.microsoft.com/office/drawing/2014/main" id="{C04E9A96-1735-4890-B2A4-7E08711A6AF6}"/>
+              </a:ext>
+            </a:extLst>
+          </p:cNvPr>
+          <p:cNvSpPr>
+            <a:spLocks noGrp="1"/>
+          </p:cNvSpPr>
+          <p:nvPr>
+            <p:ph type="sldNum" sz="quarter" idx="5"/>
+          </p:nvPr>
+        </p:nvSpPr>
+        <p:spPr>
+          <a:xfrm>
+            <a:off x="11753030" y="6507000"/>
+            <a:ext cx="367414" cy="297000"/>
+          </a:xfrm>
+          <a:prstGeom prst="rect">
+            <a:avLst/>
+          </a:prstGeom>
+        </p:spPr>
+        <p:txBody>
+          <a:bodyPr vert="horz" lIns="91440" tIns="45720" rIns="91440" bIns="45720" rtlCol="0" anchor="b"/>
+          <a:lstStyle>
+            <a:lvl1pPr algn="r">
+              <a:defRPr sz="1000"/>
+            </a:lvl1pPr>
+          </a:lstStyle>
+          <a:p>
+            <a:fld id="{2BF067CD-8E6B-4360-9AA8-C5DF2A48A6D1}" type="slidenum">
+              <a:rPr lang="en-US" noProof="0" smtClean="0"/>
+              <a:pPr/>
+              <a:t>16</a:t>
+            </a:fld>
+            <a:endParaRPr lang="en-US" noProof="0" dirty="0"/>
+          </a:p>
+        </p:txBody>
+      </p:sp>
+    </p:spTree>
+    <p:extLst>
+      <p:ext uri="{BB962C8B-B14F-4D97-AF65-F5344CB8AC3E}">
+        <p14:creationId xmlns:p14="http://schemas.microsoft.com/office/powerpoint/2010/main" val="1300272843"/>
+      </p:ext>
+    </p:extLst>
+  </p:cSld>
+  <p:clrMapOvr>
+    <a:masterClrMapping/>
+  </p:clrMapOvr>
+  <mc:AlternateContent xmlns:mc="http://schemas.openxmlformats.org/markup-compatibility/2006">
+    <mc:Choice xmlns:p14="http://schemas.microsoft.com/office/powerpoint/2010/main" Requires="p14">
+      <p:transition spd="slow" p14:dur="2000" advClick="0" advTm="5000"/>
+    </mc:Choice>
+    <mc:Fallback>
+      <p:transition spd="slow" advClick="0" advTm="5000"/>
+    </mc:Fallback>
+  </mc:AlternateContent>
+  <p:timing>
+    <p:tnLst>
+      <p:par>
+        <p:cTn id="1" dur="indefinite" restart="never" nodeType="tmRoot">
+          <p:childTnLst>
+            <p:seq concurrent="1" nextAc="seek">
+              <p:cTn id="2" dur="indefinite" nodeType="mainSeq">
+                <p:childTnLst>
+                  <p:par>
+                    <p:cTn id="3" fill="hold">
+                      <p:stCondLst>
+                        <p:cond delay="indefinite"/>
+                      </p:stCondLst>
+                      <p:childTnLst>
+                        <p:par>
+                          <p:cTn id="4" fill="hold">
+                            <p:stCondLst>
+                              <p:cond delay="0"/>
+                            </p:stCondLst>
+                            <p:childTnLst>
+                              <p:par>
+                                <p:cTn id="5" presetID="1" presetClass="entr" presetSubtype="0" fill="hold" nodeType="clickEffect">
+                                  <p:stCondLst>
+                                    <p:cond delay="0"/>
+                                  </p:stCondLst>
+                                  <p:childTnLst>
+                                    <p:set>
+                                      <p:cBhvr>
+                                        <p:cTn id="6" dur="1" fill="hold">
+                                          <p:stCondLst>
+                                            <p:cond delay="0"/>
+                                          </p:stCondLst>
+                                        </p:cTn>
+                                        <p:tgtEl>
+                                          <p:spTgt spid="11">
+                                            <p:txEl>
+                                              <p:pRg st="5" end="5"/>
+                                            </p:txEl>
+                                          </p:spTgt>
+                                        </p:tgtEl>
+                                        <p:attrNameLst>
+                                          <p:attrName>style.visibility</p:attrName>
+                                        </p:attrNameLst>
+                                      </p:cBhvr>
+                                      <p:to>
+                                        <p:strVal val="visible"/>
+                                      </p:to>
+                                    </p:set>
+                                  </p:childTnLst>
+                                </p:cTn>
+                              </p:par>
+                            </p:childTnLst>
+                          </p:cTn>
+                        </p:par>
+                      </p:childTnLst>
+                    </p:cTn>
+                  </p:par>
+                </p:childTnLst>
+              </p:cTn>
+              <p:prevCondLst>
+                <p:cond evt="onPrev" delay="0">
+                  <p:tgtEl>
+                    <p:sldTgt/>
+                  </p:tgtEl>
+                </p:cond>
+              </p:prevCondLst>
+              <p:nextCondLst>
+                <p:cond evt="onNext" delay="0">
+                  <p:tgtEl>
+                    <p:sldTgt/>
+                  </p:tgtEl>
+                </p:cond>
+              </p:nextCondLst>
+            </p:seq>
+          </p:childTnLst>
+        </p:cTn>
+      </p:par>
+    </p:tnLst>
+  </p:timing>
+</p:sld>
+</file>
+
+<file path=ppt/slides/slide17.xml><?xml version="1.0" encoding="utf-8"?>
+<p:sld xmlns:a="http://schemas.openxmlformats.org/drawingml/2006/main" xmlns:r="http://schemas.openxmlformats.org/officeDocument/2006/relationships" xmlns:p="http://schemas.openxmlformats.org/presentationml/2006/main">
+  <p:cSld>
+    <p:spTree>
+      <p:nvGrpSpPr>
+        <p:cNvPr id="1" name=""/>
+        <p:cNvGrpSpPr/>
+        <p:nvPr/>
+      </p:nvGrpSpPr>
+      <p:grpSpPr>
+        <a:xfrm>
+          <a:off x="0" y="0"/>
+          <a:ext cx="0" cy="0"/>
+          <a:chOff x="0" y="0"/>
+          <a:chExt cx="0" cy="0"/>
+        </a:xfrm>
+      </p:grpSpPr>
+      <p:sp>
+        <p:nvSpPr>
           <p:cNvPr id="2" name="Text Placeholder 1"/>
           <p:cNvSpPr>
             <a:spLocks noGrp="1"/>
@@ -15557,7 +18161,7 @@
             <a:fld id="{2BF067CD-8E6B-4360-9AA8-C5DF2A48A6D1}" type="slidenum">
               <a:rPr lang="en-US" noProof="0" smtClean="0"/>
               <a:pPr/>
-              <a:t>14</a:t>
+              <a:t>17</a:t>
             </a:fld>
             <a:endParaRPr lang="en-US" noProof="0" dirty="0"/>
           </a:p>
@@ -16059,7 +18663,7 @@
 </p:sld>
 </file>
 
-<file path=ppt/slides/slide15.xml><?xml version="1.0" encoding="utf-8"?>
+<file path=ppt/slides/slide18.xml><?xml version="1.0" encoding="utf-8"?>
 <p:sld xmlns:a="http://schemas.openxmlformats.org/drawingml/2006/main" xmlns:r="http://schemas.openxmlformats.org/officeDocument/2006/relationships" xmlns:p="http://schemas.openxmlformats.org/presentationml/2006/main">
   <p:cSld>
     <p:spTree>
@@ -16147,7 +18751,7 @@
               <a:rPr lang="en-US" sz="1999" dirty="0">
                 <a:hlinkClick r:id="rId2"/>
               </a:rPr>
-              <a:t>https://judge.softuni.bg/Contests/Practice/Index/3160#0</a:t>
+              <a:t>https://judge.softuni.org/Contests/Practice/Index/3901#1</a:t>
             </a:r>
             <a:endParaRPr lang="en-US" sz="1999" dirty="0"/>
           </a:p>
@@ -16596,7 +19200,7 @@
             <a:fld id="{2BF067CD-8E6B-4360-9AA8-C5DF2A48A6D1}" type="slidenum">
               <a:rPr lang="en-US" noProof="0" smtClean="0"/>
               <a:pPr/>
-              <a:t>15</a:t>
+              <a:t>18</a:t>
             </a:fld>
             <a:endParaRPr lang="en-US" noProof="0" dirty="0"/>
           </a:p>
@@ -16991,7 +19595,7 @@
 </p:sld>
 </file>
 
-<file path=ppt/slides/slide16.xml><?xml version="1.0" encoding="utf-8"?>
+<file path=ppt/slides/slide19.xml><?xml version="1.0" encoding="utf-8"?>
 <p:sld xmlns:a="http://schemas.openxmlformats.org/drawingml/2006/main" xmlns:r="http://schemas.openxmlformats.org/officeDocument/2006/relationships" xmlns:p="http://schemas.openxmlformats.org/presentationml/2006/main">
   <p:cSld>
     <p:spTree>
@@ -17135,7 +19739,7 @@
         </p:nvSpPr>
         <p:spPr bwMode="auto">
           <a:xfrm>
-            <a:off x="2547184" y="2748404"/>
+            <a:off x="2547186" y="3119956"/>
             <a:ext cx="914162" cy="523084"/>
           </a:xfrm>
           <a:prstGeom prst="rect">
@@ -17191,7 +19795,7 @@
         </p:nvSpPr>
         <p:spPr bwMode="auto">
           <a:xfrm>
-            <a:off x="4521000" y="2748864"/>
+            <a:off x="4521002" y="3120416"/>
             <a:ext cx="5484972" cy="523084"/>
           </a:xfrm>
           <a:prstGeom prst="rect">
@@ -17245,7 +19849,7 @@
         </p:nvSpPr>
         <p:spPr>
           <a:xfrm>
-            <a:off x="3762633" y="2819496"/>
+            <a:off x="3762635" y="3191048"/>
             <a:ext cx="457081" cy="380901"/>
           </a:xfrm>
           <a:prstGeom prst="rightArrow">
@@ -17317,7 +19921,7 @@
         </p:nvSpPr>
         <p:spPr bwMode="auto">
           <a:xfrm>
-            <a:off x="2547184" y="3919557"/>
+            <a:off x="2547186" y="4291109"/>
             <a:ext cx="914162" cy="523084"/>
           </a:xfrm>
           <a:prstGeom prst="rect">
@@ -17373,7 +19977,7 @@
         </p:nvSpPr>
         <p:spPr bwMode="auto">
           <a:xfrm>
-            <a:off x="4520998" y="5127448"/>
+            <a:off x="4521000" y="5499000"/>
             <a:ext cx="5484973" cy="523084"/>
           </a:xfrm>
           <a:prstGeom prst="rect">
@@ -17427,7 +20031,7 @@
         </p:nvSpPr>
         <p:spPr>
           <a:xfrm>
-            <a:off x="3762633" y="5146632"/>
+            <a:off x="3762635" y="5518184"/>
             <a:ext cx="457081" cy="380901"/>
           </a:xfrm>
           <a:prstGeom prst="rightArrow">
@@ -17499,7 +20103,7 @@
         </p:nvSpPr>
         <p:spPr bwMode="auto">
           <a:xfrm>
-            <a:off x="2547184" y="5075539"/>
+            <a:off x="2547186" y="5447091"/>
             <a:ext cx="914162" cy="523084"/>
           </a:xfrm>
           <a:prstGeom prst="rect">
@@ -17553,7 +20157,7 @@
         </p:nvSpPr>
         <p:spPr>
           <a:xfrm>
-            <a:off x="3762633" y="3990649"/>
+            <a:off x="3762635" y="4362201"/>
             <a:ext cx="457081" cy="380901"/>
           </a:xfrm>
           <a:prstGeom prst="rightArrow">
@@ -17625,7 +20229,7 @@
         </p:nvSpPr>
         <p:spPr bwMode="auto">
           <a:xfrm>
-            <a:off x="4545780" y="3990648"/>
+            <a:off x="4545782" y="4362200"/>
             <a:ext cx="5460190" cy="523084"/>
           </a:xfrm>
           <a:prstGeom prst="rect">
@@ -17707,7 +20311,7 @@
             <a:fld id="{2BF067CD-8E6B-4360-9AA8-C5DF2A48A6D1}" type="slidenum">
               <a:rPr lang="en-US" noProof="0" smtClean="0"/>
               <a:pPr/>
-              <a:t>16</a:t>
+              <a:t>19</a:t>
             </a:fld>
             <a:endParaRPr lang="en-US" noProof="0" dirty="0"/>
           </a:p>
@@ -17734,7 +20338,574 @@
 </p:sld>
 </file>
 
-<file path=ppt/slides/slide17.xml><?xml version="1.0" encoding="utf-8"?>
+<file path=ppt/slides/slide2.xml><?xml version="1.0" encoding="utf-8"?>
+<p:sld xmlns:a="http://schemas.openxmlformats.org/drawingml/2006/main" xmlns:r="http://schemas.openxmlformats.org/officeDocument/2006/relationships" xmlns:p="http://schemas.openxmlformats.org/presentationml/2006/main">
+  <p:cSld>
+    <p:spTree>
+      <p:nvGrpSpPr>
+        <p:cNvPr id="1" name=""/>
+        <p:cNvGrpSpPr/>
+        <p:nvPr/>
+      </p:nvGrpSpPr>
+      <p:grpSpPr>
+        <a:xfrm>
+          <a:off x="0" y="0"/>
+          <a:ext cx="0" cy="0"/>
+          <a:chOff x="0" y="0"/>
+          <a:chExt cx="0" cy="0"/>
+        </a:xfrm>
+      </p:grpSpPr>
+      <p:sp>
+        <p:nvSpPr>
+          <p:cNvPr id="3" name="Content Placeholder 2">
+            <a:extLst>
+              <a:ext uri="{FF2B5EF4-FFF2-40B4-BE49-F238E27FC236}">
+                <a16:creationId xmlns:a16="http://schemas.microsoft.com/office/drawing/2014/main" id="{ACAA566F-0E0E-4BF9-A3B0-6F01080380A3}"/>
+              </a:ext>
+            </a:extLst>
+          </p:cNvPr>
+          <p:cNvSpPr>
+            <a:spLocks noGrp="1"/>
+          </p:cNvSpPr>
+          <p:nvPr>
+            <p:ph type="body" sz="quarter" idx="13"/>
+          </p:nvPr>
+        </p:nvSpPr>
+        <p:spPr/>
+        <p:txBody>
+          <a:bodyPr>
+            <a:noAutofit/>
+          </a:bodyPr>
+          <a:lstStyle/>
+          <a:p>
+            <a:pPr>
+              <a:buClr>
+                <a:schemeClr val="tx1"/>
+              </a:buClr>
+            </a:pPr>
+            <a:r>
+              <a:rPr lang="bg-BG" sz="3200" dirty="0"/>
+              <a:t>Какво е метод?</a:t>
+            </a:r>
+            <a:endParaRPr lang="en-US" sz="3200" dirty="0"/>
+          </a:p>
+          <a:p>
+            <a:pPr>
+              <a:buClr>
+                <a:schemeClr val="tx1"/>
+              </a:buClr>
+            </a:pPr>
+            <a:r>
+              <a:rPr lang="bg-BG" sz="3200" dirty="0"/>
+              <a:t>Деклариране и извикване на методи</a:t>
+            </a:r>
+          </a:p>
+          <a:p>
+            <a:pPr>
+              <a:buClr>
+                <a:schemeClr val="tx1"/>
+              </a:buClr>
+            </a:pPr>
+            <a:r>
+              <a:rPr lang="bg-BG" sz="3200" dirty="0"/>
+              <a:t>Методи с параметри</a:t>
+            </a:r>
+            <a:endParaRPr lang="en-GB" sz="3200" dirty="0"/>
+          </a:p>
+          <a:p>
+            <a:pPr>
+              <a:buClr>
+                <a:schemeClr val="tx1"/>
+              </a:buClr>
+            </a:pPr>
+            <a:r>
+              <a:rPr lang="bg-BG" sz="3200" dirty="0"/>
+              <a:t>Връщане на стойности от методи</a:t>
+            </a:r>
+            <a:endParaRPr lang="en-GB" sz="3200" dirty="0"/>
+          </a:p>
+          <a:p>
+            <a:pPr>
+              <a:buClr>
+                <a:schemeClr val="tx1"/>
+              </a:buClr>
+            </a:pPr>
+            <a:r>
+              <a:rPr lang="bg-BG" sz="3200" dirty="0"/>
+              <a:t>Ред на изпълнение в програмата</a:t>
+            </a:r>
+            <a:endParaRPr lang="en-US" sz="3200" dirty="0"/>
+          </a:p>
+          <a:p>
+            <a:pPr>
+              <a:buClr>
+                <a:schemeClr val="tx1"/>
+              </a:buClr>
+            </a:pPr>
+            <a:r>
+              <a:rPr lang="bg-BG" sz="3200" dirty="0"/>
+              <a:t>Именуване и утвърдени практики</a:t>
+            </a:r>
+            <a:endParaRPr lang="en-US" sz="3200" dirty="0"/>
+          </a:p>
+        </p:txBody>
+      </p:sp>
+      <p:sp>
+        <p:nvSpPr>
+          <p:cNvPr id="4" name="Title 3">
+            <a:extLst>
+              <a:ext uri="{FF2B5EF4-FFF2-40B4-BE49-F238E27FC236}">
+                <a16:creationId xmlns:a16="http://schemas.microsoft.com/office/drawing/2014/main" id="{DC603285-689A-4E41-8F77-BD9FEA5C433A}"/>
+              </a:ext>
+            </a:extLst>
+          </p:cNvPr>
+          <p:cNvSpPr>
+            <a:spLocks noGrp="1"/>
+          </p:cNvSpPr>
+          <p:nvPr>
+            <p:ph type="title"/>
+          </p:nvPr>
+        </p:nvSpPr>
+        <p:spPr/>
+        <p:txBody>
+          <a:bodyPr/>
+          <a:lstStyle/>
+          <a:p>
+            <a:r>
+              <a:rPr lang="bg-BG" dirty="0"/>
+              <a:t>Съдържание</a:t>
+            </a:r>
+            <a:endParaRPr lang="en-US" dirty="0"/>
+          </a:p>
+        </p:txBody>
+      </p:sp>
+      <p:sp>
+        <p:nvSpPr>
+          <p:cNvPr id="5" name="Slide Number">
+            <a:extLst>
+              <a:ext uri="{FF2B5EF4-FFF2-40B4-BE49-F238E27FC236}">
+                <a16:creationId xmlns:a16="http://schemas.microsoft.com/office/drawing/2014/main" id="{332F67DE-7BFE-440C-9919-F2D9FE6DC9A8}"/>
+              </a:ext>
+            </a:extLst>
+          </p:cNvPr>
+          <p:cNvSpPr txBox="1">
+            <a:spLocks/>
+          </p:cNvSpPr>
+          <p:nvPr/>
+        </p:nvSpPr>
+        <p:spPr>
+          <a:xfrm>
+            <a:off x="11753030" y="6507000"/>
+            <a:ext cx="367414" cy="297000"/>
+          </a:xfrm>
+          <a:prstGeom prst="rect">
+            <a:avLst/>
+          </a:prstGeom>
+        </p:spPr>
+        <p:txBody>
+          <a:bodyPr vert="horz" lIns="91440" tIns="45720" rIns="91440" bIns="45720" rtlCol="0" anchor="b"/>
+          <a:lstStyle>
+            <a:defPPr>
+              <a:defRPr lang="en-US"/>
+            </a:defPPr>
+            <a:lvl1pPr marL="0" algn="r" defTabSz="914400" rtl="0" eaLnBrk="1" latinLnBrk="0" hangingPunct="1">
+              <a:defRPr sz="1000" kern="1200">
+                <a:solidFill>
+                  <a:schemeClr val="tx1"/>
+                </a:solidFill>
+                <a:latin typeface="+mn-lt"/>
+                <a:ea typeface="+mn-ea"/>
+                <a:cs typeface="+mn-cs"/>
+              </a:defRPr>
+            </a:lvl1pPr>
+            <a:lvl2pPr marL="457200" algn="l" defTabSz="914400" rtl="0" eaLnBrk="1" latinLnBrk="0" hangingPunct="1">
+              <a:defRPr sz="1800" kern="1200">
+                <a:solidFill>
+                  <a:schemeClr val="tx1"/>
+                </a:solidFill>
+                <a:latin typeface="+mn-lt"/>
+                <a:ea typeface="+mn-ea"/>
+                <a:cs typeface="+mn-cs"/>
+              </a:defRPr>
+            </a:lvl2pPr>
+            <a:lvl3pPr marL="914400" algn="l" defTabSz="914400" rtl="0" eaLnBrk="1" latinLnBrk="0" hangingPunct="1">
+              <a:defRPr sz="1800" kern="1200">
+                <a:solidFill>
+                  <a:schemeClr val="tx1"/>
+                </a:solidFill>
+                <a:latin typeface="+mn-lt"/>
+                <a:ea typeface="+mn-ea"/>
+                <a:cs typeface="+mn-cs"/>
+              </a:defRPr>
+            </a:lvl3pPr>
+            <a:lvl4pPr marL="1371600" algn="l" defTabSz="914400" rtl="0" eaLnBrk="1" latinLnBrk="0" hangingPunct="1">
+              <a:defRPr sz="1800" kern="1200">
+                <a:solidFill>
+                  <a:schemeClr val="tx1"/>
+                </a:solidFill>
+                <a:latin typeface="+mn-lt"/>
+                <a:ea typeface="+mn-ea"/>
+                <a:cs typeface="+mn-cs"/>
+              </a:defRPr>
+            </a:lvl4pPr>
+            <a:lvl5pPr marL="1828800" algn="l" defTabSz="914400" rtl="0" eaLnBrk="1" latinLnBrk="0" hangingPunct="1">
+              <a:defRPr sz="1800" kern="1200">
+                <a:solidFill>
+                  <a:schemeClr val="tx1"/>
+                </a:solidFill>
+                <a:latin typeface="+mn-lt"/>
+                <a:ea typeface="+mn-ea"/>
+                <a:cs typeface="+mn-cs"/>
+              </a:defRPr>
+            </a:lvl5pPr>
+            <a:lvl6pPr marL="2286000" algn="l" defTabSz="914400" rtl="0" eaLnBrk="1" latinLnBrk="0" hangingPunct="1">
+              <a:defRPr sz="1800" kern="1200">
+                <a:solidFill>
+                  <a:schemeClr val="tx1"/>
+                </a:solidFill>
+                <a:latin typeface="+mn-lt"/>
+                <a:ea typeface="+mn-ea"/>
+                <a:cs typeface="+mn-cs"/>
+              </a:defRPr>
+            </a:lvl6pPr>
+            <a:lvl7pPr marL="2743200" algn="l" defTabSz="914400" rtl="0" eaLnBrk="1" latinLnBrk="0" hangingPunct="1">
+              <a:defRPr sz="1800" kern="1200">
+                <a:solidFill>
+                  <a:schemeClr val="tx1"/>
+                </a:solidFill>
+                <a:latin typeface="+mn-lt"/>
+                <a:ea typeface="+mn-ea"/>
+                <a:cs typeface="+mn-cs"/>
+              </a:defRPr>
+            </a:lvl7pPr>
+            <a:lvl8pPr marL="3200400" algn="l" defTabSz="914400" rtl="0" eaLnBrk="1" latinLnBrk="0" hangingPunct="1">
+              <a:defRPr sz="1800" kern="1200">
+                <a:solidFill>
+                  <a:schemeClr val="tx1"/>
+                </a:solidFill>
+                <a:latin typeface="+mn-lt"/>
+                <a:ea typeface="+mn-ea"/>
+                <a:cs typeface="+mn-cs"/>
+              </a:defRPr>
+            </a:lvl8pPr>
+            <a:lvl9pPr marL="3657600" algn="l" defTabSz="914400" rtl="0" eaLnBrk="1" latinLnBrk="0" hangingPunct="1">
+              <a:defRPr sz="1800" kern="1200">
+                <a:solidFill>
+                  <a:schemeClr val="tx1"/>
+                </a:solidFill>
+                <a:latin typeface="+mn-lt"/>
+                <a:ea typeface="+mn-ea"/>
+                <a:cs typeface="+mn-cs"/>
+              </a:defRPr>
+            </a:lvl9pPr>
+          </a:lstStyle>
+          <a:p>
+            <a:fld id="{2BF067CD-8E6B-4360-9AA8-C5DF2A48A6D1}" type="slidenum">
+              <a:rPr lang="en-US" smtClean="0"/>
+              <a:pPr/>
+              <a:t>2</a:t>
+            </a:fld>
+            <a:endParaRPr lang="en-US" dirty="0"/>
+          </a:p>
+        </p:txBody>
+      </p:sp>
+    </p:spTree>
+    <p:extLst>
+      <p:ext uri="{BB962C8B-B14F-4D97-AF65-F5344CB8AC3E}">
+        <p14:creationId xmlns:p14="http://schemas.microsoft.com/office/powerpoint/2010/main" val="4149011240"/>
+      </p:ext>
+    </p:extLst>
+  </p:cSld>
+  <p:clrMapOvr>
+    <a:masterClrMapping/>
+  </p:clrMapOvr>
+  <mc:AlternateContent xmlns:mc="http://schemas.openxmlformats.org/markup-compatibility/2006" xmlns:p14="http://schemas.microsoft.com/office/powerpoint/2010/main">
+    <mc:Choice Requires="p14">
+      <p:transition spd="slow" p14:dur="2000" advClick="0" advTm="5000"/>
+    </mc:Choice>
+    <mc:Fallback xmlns="">
+      <p:transition spd="slow" advClick="0" advTm="5000"/>
+    </mc:Fallback>
+  </mc:AlternateContent>
+  <p:timing>
+    <p:tnLst>
+      <p:par>
+        <p:cTn id="1" dur="indefinite" restart="never" nodeType="tmRoot">
+          <p:childTnLst>
+            <p:seq concurrent="1" nextAc="seek">
+              <p:cTn id="2" dur="indefinite" nodeType="mainSeq">
+                <p:childTnLst>
+                  <p:par>
+                    <p:cTn id="3" fill="hold">
+                      <p:stCondLst>
+                        <p:cond delay="indefinite"/>
+                      </p:stCondLst>
+                      <p:childTnLst>
+                        <p:par>
+                          <p:cTn id="4" fill="hold">
+                            <p:stCondLst>
+                              <p:cond delay="0"/>
+                            </p:stCondLst>
+                            <p:childTnLst>
+                              <p:par>
+                                <p:cTn id="5" presetID="1" presetClass="entr" presetSubtype="0" fill="hold" nodeType="clickEffect">
+                                  <p:stCondLst>
+                                    <p:cond delay="0"/>
+                                  </p:stCondLst>
+                                  <p:childTnLst>
+                                    <p:set>
+                                      <p:cBhvr>
+                                        <p:cTn id="6" dur="1" fill="hold">
+                                          <p:stCondLst>
+                                            <p:cond delay="0"/>
+                                          </p:stCondLst>
+                                        </p:cTn>
+                                        <p:tgtEl>
+                                          <p:spTgt spid="3">
+                                            <p:txEl>
+                                              <p:pRg st="1" end="1"/>
+                                            </p:txEl>
+                                          </p:spTgt>
+                                        </p:tgtEl>
+                                        <p:attrNameLst>
+                                          <p:attrName>style.visibility</p:attrName>
+                                        </p:attrNameLst>
+                                      </p:cBhvr>
+                                      <p:to>
+                                        <p:strVal val="visible"/>
+                                      </p:to>
+                                    </p:set>
+                                  </p:childTnLst>
+                                </p:cTn>
+                              </p:par>
+                            </p:childTnLst>
+                          </p:cTn>
+                        </p:par>
+                      </p:childTnLst>
+                    </p:cTn>
+                  </p:par>
+                  <p:par>
+                    <p:cTn id="7" fill="hold">
+                      <p:stCondLst>
+                        <p:cond delay="indefinite"/>
+                      </p:stCondLst>
+                      <p:childTnLst>
+                        <p:par>
+                          <p:cTn id="8" fill="hold">
+                            <p:stCondLst>
+                              <p:cond delay="0"/>
+                            </p:stCondLst>
+                            <p:childTnLst>
+                              <p:par>
+                                <p:cTn id="9" presetID="1" presetClass="entr" presetSubtype="0" fill="hold" nodeType="clickEffect">
+                                  <p:stCondLst>
+                                    <p:cond delay="0"/>
+                                  </p:stCondLst>
+                                  <p:childTnLst>
+                                    <p:set>
+                                      <p:cBhvr>
+                                        <p:cTn id="10" dur="1" fill="hold">
+                                          <p:stCondLst>
+                                            <p:cond delay="0"/>
+                                          </p:stCondLst>
+                                        </p:cTn>
+                                        <p:tgtEl>
+                                          <p:spTgt spid="3">
+                                            <p:txEl>
+                                              <p:pRg st="2" end="2"/>
+                                            </p:txEl>
+                                          </p:spTgt>
+                                        </p:tgtEl>
+                                        <p:attrNameLst>
+                                          <p:attrName>style.visibility</p:attrName>
+                                        </p:attrNameLst>
+                                      </p:cBhvr>
+                                      <p:to>
+                                        <p:strVal val="visible"/>
+                                      </p:to>
+                                    </p:set>
+                                  </p:childTnLst>
+                                </p:cTn>
+                              </p:par>
+                            </p:childTnLst>
+                          </p:cTn>
+                        </p:par>
+                      </p:childTnLst>
+                    </p:cTn>
+                  </p:par>
+                  <p:par>
+                    <p:cTn id="11" fill="hold">
+                      <p:stCondLst>
+                        <p:cond delay="indefinite"/>
+                      </p:stCondLst>
+                      <p:childTnLst>
+                        <p:par>
+                          <p:cTn id="12" fill="hold">
+                            <p:stCondLst>
+                              <p:cond delay="0"/>
+                            </p:stCondLst>
+                            <p:childTnLst>
+                              <p:par>
+                                <p:cTn id="13" presetID="1" presetClass="entr" presetSubtype="0" fill="hold" nodeType="clickEffect">
+                                  <p:stCondLst>
+                                    <p:cond delay="0"/>
+                                  </p:stCondLst>
+                                  <p:childTnLst>
+                                    <p:set>
+                                      <p:cBhvr>
+                                        <p:cTn id="14" dur="1" fill="hold">
+                                          <p:stCondLst>
+                                            <p:cond delay="0"/>
+                                          </p:stCondLst>
+                                        </p:cTn>
+                                        <p:tgtEl>
+                                          <p:spTgt spid="3">
+                                            <p:txEl>
+                                              <p:pRg st="3" end="3"/>
+                                            </p:txEl>
+                                          </p:spTgt>
+                                        </p:tgtEl>
+                                        <p:attrNameLst>
+                                          <p:attrName>style.visibility</p:attrName>
+                                        </p:attrNameLst>
+                                      </p:cBhvr>
+                                      <p:to>
+                                        <p:strVal val="visible"/>
+                                      </p:to>
+                                    </p:set>
+                                  </p:childTnLst>
+                                </p:cTn>
+                              </p:par>
+                            </p:childTnLst>
+                          </p:cTn>
+                        </p:par>
+                      </p:childTnLst>
+                    </p:cTn>
+                  </p:par>
+                  <p:par>
+                    <p:cTn id="15" fill="hold">
+                      <p:stCondLst>
+                        <p:cond delay="indefinite"/>
+                      </p:stCondLst>
+                      <p:childTnLst>
+                        <p:par>
+                          <p:cTn id="16" fill="hold">
+                            <p:stCondLst>
+                              <p:cond delay="0"/>
+                            </p:stCondLst>
+                            <p:childTnLst>
+                              <p:par>
+                                <p:cTn id="17" presetID="1" presetClass="entr" presetSubtype="0" fill="hold" nodeType="clickEffect">
+                                  <p:stCondLst>
+                                    <p:cond delay="0"/>
+                                  </p:stCondLst>
+                                  <p:childTnLst>
+                                    <p:set>
+                                      <p:cBhvr>
+                                        <p:cTn id="18" dur="1" fill="hold">
+                                          <p:stCondLst>
+                                            <p:cond delay="0"/>
+                                          </p:stCondLst>
+                                        </p:cTn>
+                                        <p:tgtEl>
+                                          <p:spTgt spid="3">
+                                            <p:txEl>
+                                              <p:pRg st="4" end="4"/>
+                                            </p:txEl>
+                                          </p:spTgt>
+                                        </p:tgtEl>
+                                        <p:attrNameLst>
+                                          <p:attrName>style.visibility</p:attrName>
+                                        </p:attrNameLst>
+                                      </p:cBhvr>
+                                      <p:to>
+                                        <p:strVal val="visible"/>
+                                      </p:to>
+                                    </p:set>
+                                  </p:childTnLst>
+                                </p:cTn>
+                              </p:par>
+                            </p:childTnLst>
+                          </p:cTn>
+                        </p:par>
+                      </p:childTnLst>
+                    </p:cTn>
+                  </p:par>
+                  <p:par>
+                    <p:cTn id="19" fill="hold">
+                      <p:stCondLst>
+                        <p:cond delay="indefinite"/>
+                      </p:stCondLst>
+                      <p:childTnLst>
+                        <p:par>
+                          <p:cTn id="20" fill="hold">
+                            <p:stCondLst>
+                              <p:cond delay="0"/>
+                            </p:stCondLst>
+                            <p:childTnLst>
+                              <p:par>
+                                <p:cTn id="21" presetID="1" presetClass="entr" presetSubtype="0" fill="hold" nodeType="clickEffect">
+                                  <p:stCondLst>
+                                    <p:cond delay="0"/>
+                                  </p:stCondLst>
+                                  <p:childTnLst>
+                                    <p:set>
+                                      <p:cBhvr>
+                                        <p:cTn id="22" dur="1" fill="hold">
+                                          <p:stCondLst>
+                                            <p:cond delay="0"/>
+                                          </p:stCondLst>
+                                        </p:cTn>
+                                        <p:tgtEl>
+                                          <p:spTgt spid="3">
+                                            <p:txEl>
+                                              <p:pRg st="5" end="5"/>
+                                            </p:txEl>
+                                          </p:spTgt>
+                                        </p:tgtEl>
+                                        <p:attrNameLst>
+                                          <p:attrName>style.visibility</p:attrName>
+                                        </p:attrNameLst>
+                                      </p:cBhvr>
+                                      <p:to>
+                                        <p:strVal val="visible"/>
+                                      </p:to>
+                                    </p:set>
+                                  </p:childTnLst>
+                                </p:cTn>
+                              </p:par>
+                            </p:childTnLst>
+                          </p:cTn>
+                        </p:par>
+                      </p:childTnLst>
+                    </p:cTn>
+                  </p:par>
+                </p:childTnLst>
+              </p:cTn>
+              <p:prevCondLst>
+                <p:cond evt="onPrev" delay="0">
+                  <p:tgtEl>
+                    <p:sldTgt/>
+                  </p:tgtEl>
+                </p:cond>
+              </p:prevCondLst>
+              <p:nextCondLst>
+                <p:cond evt="onNext" delay="0">
+                  <p:tgtEl>
+                    <p:sldTgt/>
+                  </p:tgtEl>
+                </p:cond>
+              </p:nextCondLst>
+            </p:seq>
+          </p:childTnLst>
+        </p:cTn>
+      </p:par>
+    </p:tnLst>
+  </p:timing>
+</p:sld>
+</file>
+
+<file path=ppt/slides/slide20.xml><?xml version="1.0" encoding="utf-8"?>
 <p:sld xmlns:a="http://schemas.openxmlformats.org/drawingml/2006/main" xmlns:r="http://schemas.openxmlformats.org/officeDocument/2006/relationships" xmlns:p="http://schemas.openxmlformats.org/presentationml/2006/main">
   <p:cSld>
     <p:spTree>
@@ -18249,7 +21420,7 @@
               <a:rPr lang="en-US" sz="1999" dirty="0">
                 <a:hlinkClick r:id="rId2"/>
               </a:rPr>
-              <a:t>https://judge.softuni.bg/Contests/Practice/Index/3160#1</a:t>
+              <a:t>https://judge.softuni.org/Contests/Practice/Index/3901#2</a:t>
             </a:r>
             <a:endParaRPr lang="en-US" sz="1999" dirty="0"/>
           </a:p>
@@ -18291,7 +21462,7 @@
             <a:fld id="{2BF067CD-8E6B-4360-9AA8-C5DF2A48A6D1}" type="slidenum">
               <a:rPr lang="en-US" noProof="0" smtClean="0"/>
               <a:pPr/>
-              <a:t>17</a:t>
+              <a:t>20</a:t>
             </a:fld>
             <a:endParaRPr lang="en-US" noProof="0" dirty="0"/>
           </a:p>
@@ -18588,7 +21759,7 @@
 </p:sld>
 </file>
 
-<file path=ppt/slides/slide18.xml><?xml version="1.0" encoding="utf-8"?>
+<file path=ppt/slides/slide21.xml><?xml version="1.0" encoding="utf-8"?>
 <p:sld xmlns:a="http://schemas.openxmlformats.org/drawingml/2006/main" xmlns:r="http://schemas.openxmlformats.org/officeDocument/2006/relationships" xmlns:p="http://schemas.openxmlformats.org/presentationml/2006/main">
   <p:cSld>
     <p:spTree>
@@ -18685,6 +21856,45 @@
       </p:sp>
       <p:sp>
         <p:nvSpPr>
+          <p:cNvPr id="4" name="Subtitle 3">
+            <a:extLst>
+              <a:ext uri="{FF2B5EF4-FFF2-40B4-BE49-F238E27FC236}">
+                <a16:creationId xmlns:a16="http://schemas.microsoft.com/office/drawing/2014/main" id="{0012FF2D-27BC-68BF-0299-CEFD6918341E}"/>
+              </a:ext>
+            </a:extLst>
+          </p:cNvPr>
+          <p:cNvSpPr>
+            <a:spLocks noGrp="1"/>
+          </p:cNvSpPr>
+          <p:nvPr>
+            <p:ph type="subTitle" sz="quarter" idx="11"/>
+          </p:nvPr>
+        </p:nvSpPr>
+        <p:spPr/>
+        <p:txBody>
+          <a:bodyPr/>
+          <a:lstStyle/>
+          <a:p>
+            <a:r>
+              <a:rPr lang="bg-BG" dirty="0"/>
+              <a:t>Ключовата дума </a:t>
+            </a:r>
+            <a:r>
+              <a:rPr lang="en-US" dirty="0">
+                <a:latin typeface="Calibri" panose="020F0502020204030204" pitchFamily="34" charset="0"/>
+                <a:cs typeface="Calibri" panose="020F0502020204030204" pitchFamily="34" charset="0"/>
+              </a:rPr>
+              <a:t>return</a:t>
+            </a:r>
+            <a:endParaRPr lang="en-BG" dirty="0">
+              <a:latin typeface="Calibri" panose="020F0502020204030204" pitchFamily="34" charset="0"/>
+              <a:cs typeface="Calibri" panose="020F0502020204030204" pitchFamily="34" charset="0"/>
+            </a:endParaRPr>
+          </a:p>
+        </p:txBody>
+      </p:sp>
+      <p:sp>
+        <p:nvSpPr>
           <p:cNvPr id="5" name="Title 4">
             <a:extLst>
               <a:ext uri="{FF2B5EF4-FFF2-40B4-BE49-F238E27FC236}">
@@ -18726,7 +21936,7 @@
 </p:sld>
 </file>
 
-<file path=ppt/slides/slide19.xml><?xml version="1.0" encoding="utf-8"?>
+<file path=ppt/slides/slide22.xml><?xml version="1.0" encoding="utf-8"?>
 <p:sld xmlns:a="http://schemas.openxmlformats.org/drawingml/2006/main" xmlns:r="http://schemas.openxmlformats.org/officeDocument/2006/relationships" xmlns:p="http://schemas.openxmlformats.org/presentationml/2006/main">
   <p:cSld>
     <p:spTree>
@@ -19430,7 +22640,7 @@
             <a:fld id="{2BF067CD-8E6B-4360-9AA8-C5DF2A48A6D1}" type="slidenum">
               <a:rPr lang="en-US" smtClean="0"/>
               <a:pPr/>
-              <a:t>19</a:t>
+              <a:t>22</a:t>
             </a:fld>
             <a:endParaRPr lang="en-US" dirty="0"/>
           </a:p>
@@ -19901,574 +23111,7 @@
 </p:sld>
 </file>
 
-<file path=ppt/slides/slide2.xml><?xml version="1.0" encoding="utf-8"?>
-<p:sld xmlns:a="http://schemas.openxmlformats.org/drawingml/2006/main" xmlns:r="http://schemas.openxmlformats.org/officeDocument/2006/relationships" xmlns:p="http://schemas.openxmlformats.org/presentationml/2006/main">
-  <p:cSld>
-    <p:spTree>
-      <p:nvGrpSpPr>
-        <p:cNvPr id="1" name=""/>
-        <p:cNvGrpSpPr/>
-        <p:nvPr/>
-      </p:nvGrpSpPr>
-      <p:grpSpPr>
-        <a:xfrm>
-          <a:off x="0" y="0"/>
-          <a:ext cx="0" cy="0"/>
-          <a:chOff x="0" y="0"/>
-          <a:chExt cx="0" cy="0"/>
-        </a:xfrm>
-      </p:grpSpPr>
-      <p:sp>
-        <p:nvSpPr>
-          <p:cNvPr id="3" name="Content Placeholder 2">
-            <a:extLst>
-              <a:ext uri="{FF2B5EF4-FFF2-40B4-BE49-F238E27FC236}">
-                <a16:creationId xmlns:a16="http://schemas.microsoft.com/office/drawing/2014/main" id="{ACAA566F-0E0E-4BF9-A3B0-6F01080380A3}"/>
-              </a:ext>
-            </a:extLst>
-          </p:cNvPr>
-          <p:cNvSpPr>
-            <a:spLocks noGrp="1"/>
-          </p:cNvSpPr>
-          <p:nvPr>
-            <p:ph type="body" sz="quarter" idx="13"/>
-          </p:nvPr>
-        </p:nvSpPr>
-        <p:spPr/>
-        <p:txBody>
-          <a:bodyPr>
-            <a:noAutofit/>
-          </a:bodyPr>
-          <a:lstStyle/>
-          <a:p>
-            <a:pPr>
-              <a:buClr>
-                <a:schemeClr val="tx1"/>
-              </a:buClr>
-            </a:pPr>
-            <a:r>
-              <a:rPr lang="bg-BG" sz="3200" dirty="0"/>
-              <a:t>Какво е метод?</a:t>
-            </a:r>
-            <a:endParaRPr lang="en-US" sz="3200" dirty="0"/>
-          </a:p>
-          <a:p>
-            <a:pPr>
-              <a:buClr>
-                <a:schemeClr val="tx1"/>
-              </a:buClr>
-            </a:pPr>
-            <a:r>
-              <a:rPr lang="bg-BG" sz="3200" dirty="0"/>
-              <a:t>Деклариране и извикване на методи</a:t>
-            </a:r>
-          </a:p>
-          <a:p>
-            <a:pPr>
-              <a:buClr>
-                <a:schemeClr val="tx1"/>
-              </a:buClr>
-            </a:pPr>
-            <a:r>
-              <a:rPr lang="bg-BG" sz="3200" dirty="0"/>
-              <a:t>Методи с параметри</a:t>
-            </a:r>
-            <a:endParaRPr lang="en-GB" sz="3200" dirty="0"/>
-          </a:p>
-          <a:p>
-            <a:pPr>
-              <a:buClr>
-                <a:schemeClr val="tx1"/>
-              </a:buClr>
-            </a:pPr>
-            <a:r>
-              <a:rPr lang="bg-BG" sz="3200" dirty="0"/>
-              <a:t>Връщане на стойности от методи</a:t>
-            </a:r>
-            <a:endParaRPr lang="en-GB" sz="3200" dirty="0"/>
-          </a:p>
-          <a:p>
-            <a:pPr>
-              <a:buClr>
-                <a:schemeClr val="tx1"/>
-              </a:buClr>
-            </a:pPr>
-            <a:r>
-              <a:rPr lang="bg-BG" sz="3200" dirty="0"/>
-              <a:t>Ред на изпълнение в програмата</a:t>
-            </a:r>
-            <a:endParaRPr lang="en-US" sz="3200" dirty="0"/>
-          </a:p>
-          <a:p>
-            <a:pPr>
-              <a:buClr>
-                <a:schemeClr val="tx1"/>
-              </a:buClr>
-            </a:pPr>
-            <a:r>
-              <a:rPr lang="bg-BG" sz="3200" dirty="0"/>
-              <a:t>Именуване и най-добри практики</a:t>
-            </a:r>
-            <a:endParaRPr lang="en-US" sz="3200" dirty="0"/>
-          </a:p>
-        </p:txBody>
-      </p:sp>
-      <p:sp>
-        <p:nvSpPr>
-          <p:cNvPr id="4" name="Title 3">
-            <a:extLst>
-              <a:ext uri="{FF2B5EF4-FFF2-40B4-BE49-F238E27FC236}">
-                <a16:creationId xmlns:a16="http://schemas.microsoft.com/office/drawing/2014/main" id="{DC603285-689A-4E41-8F77-BD9FEA5C433A}"/>
-              </a:ext>
-            </a:extLst>
-          </p:cNvPr>
-          <p:cNvSpPr>
-            <a:spLocks noGrp="1"/>
-          </p:cNvSpPr>
-          <p:nvPr>
-            <p:ph type="title"/>
-          </p:nvPr>
-        </p:nvSpPr>
-        <p:spPr/>
-        <p:txBody>
-          <a:bodyPr/>
-          <a:lstStyle/>
-          <a:p>
-            <a:r>
-              <a:rPr lang="bg-BG" dirty="0"/>
-              <a:t>Съдържание</a:t>
-            </a:r>
-            <a:endParaRPr lang="en-US" dirty="0"/>
-          </a:p>
-        </p:txBody>
-      </p:sp>
-      <p:sp>
-        <p:nvSpPr>
-          <p:cNvPr id="5" name="Slide Number">
-            <a:extLst>
-              <a:ext uri="{FF2B5EF4-FFF2-40B4-BE49-F238E27FC236}">
-                <a16:creationId xmlns:a16="http://schemas.microsoft.com/office/drawing/2014/main" id="{332F67DE-7BFE-440C-9919-F2D9FE6DC9A8}"/>
-              </a:ext>
-            </a:extLst>
-          </p:cNvPr>
-          <p:cNvSpPr txBox="1">
-            <a:spLocks/>
-          </p:cNvSpPr>
-          <p:nvPr/>
-        </p:nvSpPr>
-        <p:spPr>
-          <a:xfrm>
-            <a:off x="11753030" y="6507000"/>
-            <a:ext cx="367414" cy="297000"/>
-          </a:xfrm>
-          <a:prstGeom prst="rect">
-            <a:avLst/>
-          </a:prstGeom>
-        </p:spPr>
-        <p:txBody>
-          <a:bodyPr vert="horz" lIns="91440" tIns="45720" rIns="91440" bIns="45720" rtlCol="0" anchor="b"/>
-          <a:lstStyle>
-            <a:defPPr>
-              <a:defRPr lang="en-US"/>
-            </a:defPPr>
-            <a:lvl1pPr marL="0" algn="r" defTabSz="914400" rtl="0" eaLnBrk="1" latinLnBrk="0" hangingPunct="1">
-              <a:defRPr sz="1000" kern="1200">
-                <a:solidFill>
-                  <a:schemeClr val="tx1"/>
-                </a:solidFill>
-                <a:latin typeface="+mn-lt"/>
-                <a:ea typeface="+mn-ea"/>
-                <a:cs typeface="+mn-cs"/>
-              </a:defRPr>
-            </a:lvl1pPr>
-            <a:lvl2pPr marL="457200" algn="l" defTabSz="914400" rtl="0" eaLnBrk="1" latinLnBrk="0" hangingPunct="1">
-              <a:defRPr sz="1800" kern="1200">
-                <a:solidFill>
-                  <a:schemeClr val="tx1"/>
-                </a:solidFill>
-                <a:latin typeface="+mn-lt"/>
-                <a:ea typeface="+mn-ea"/>
-                <a:cs typeface="+mn-cs"/>
-              </a:defRPr>
-            </a:lvl2pPr>
-            <a:lvl3pPr marL="914400" algn="l" defTabSz="914400" rtl="0" eaLnBrk="1" latinLnBrk="0" hangingPunct="1">
-              <a:defRPr sz="1800" kern="1200">
-                <a:solidFill>
-                  <a:schemeClr val="tx1"/>
-                </a:solidFill>
-                <a:latin typeface="+mn-lt"/>
-                <a:ea typeface="+mn-ea"/>
-                <a:cs typeface="+mn-cs"/>
-              </a:defRPr>
-            </a:lvl3pPr>
-            <a:lvl4pPr marL="1371600" algn="l" defTabSz="914400" rtl="0" eaLnBrk="1" latinLnBrk="0" hangingPunct="1">
-              <a:defRPr sz="1800" kern="1200">
-                <a:solidFill>
-                  <a:schemeClr val="tx1"/>
-                </a:solidFill>
-                <a:latin typeface="+mn-lt"/>
-                <a:ea typeface="+mn-ea"/>
-                <a:cs typeface="+mn-cs"/>
-              </a:defRPr>
-            </a:lvl4pPr>
-            <a:lvl5pPr marL="1828800" algn="l" defTabSz="914400" rtl="0" eaLnBrk="1" latinLnBrk="0" hangingPunct="1">
-              <a:defRPr sz="1800" kern="1200">
-                <a:solidFill>
-                  <a:schemeClr val="tx1"/>
-                </a:solidFill>
-                <a:latin typeface="+mn-lt"/>
-                <a:ea typeface="+mn-ea"/>
-                <a:cs typeface="+mn-cs"/>
-              </a:defRPr>
-            </a:lvl5pPr>
-            <a:lvl6pPr marL="2286000" algn="l" defTabSz="914400" rtl="0" eaLnBrk="1" latinLnBrk="0" hangingPunct="1">
-              <a:defRPr sz="1800" kern="1200">
-                <a:solidFill>
-                  <a:schemeClr val="tx1"/>
-                </a:solidFill>
-                <a:latin typeface="+mn-lt"/>
-                <a:ea typeface="+mn-ea"/>
-                <a:cs typeface="+mn-cs"/>
-              </a:defRPr>
-            </a:lvl6pPr>
-            <a:lvl7pPr marL="2743200" algn="l" defTabSz="914400" rtl="0" eaLnBrk="1" latinLnBrk="0" hangingPunct="1">
-              <a:defRPr sz="1800" kern="1200">
-                <a:solidFill>
-                  <a:schemeClr val="tx1"/>
-                </a:solidFill>
-                <a:latin typeface="+mn-lt"/>
-                <a:ea typeface="+mn-ea"/>
-                <a:cs typeface="+mn-cs"/>
-              </a:defRPr>
-            </a:lvl7pPr>
-            <a:lvl8pPr marL="3200400" algn="l" defTabSz="914400" rtl="0" eaLnBrk="1" latinLnBrk="0" hangingPunct="1">
-              <a:defRPr sz="1800" kern="1200">
-                <a:solidFill>
-                  <a:schemeClr val="tx1"/>
-                </a:solidFill>
-                <a:latin typeface="+mn-lt"/>
-                <a:ea typeface="+mn-ea"/>
-                <a:cs typeface="+mn-cs"/>
-              </a:defRPr>
-            </a:lvl8pPr>
-            <a:lvl9pPr marL="3657600" algn="l" defTabSz="914400" rtl="0" eaLnBrk="1" latinLnBrk="0" hangingPunct="1">
-              <a:defRPr sz="1800" kern="1200">
-                <a:solidFill>
-                  <a:schemeClr val="tx1"/>
-                </a:solidFill>
-                <a:latin typeface="+mn-lt"/>
-                <a:ea typeface="+mn-ea"/>
-                <a:cs typeface="+mn-cs"/>
-              </a:defRPr>
-            </a:lvl9pPr>
-          </a:lstStyle>
-          <a:p>
-            <a:fld id="{2BF067CD-8E6B-4360-9AA8-C5DF2A48A6D1}" type="slidenum">
-              <a:rPr lang="en-US" smtClean="0"/>
-              <a:pPr/>
-              <a:t>2</a:t>
-            </a:fld>
-            <a:endParaRPr lang="en-US" dirty="0"/>
-          </a:p>
-        </p:txBody>
-      </p:sp>
-    </p:spTree>
-    <p:extLst>
-      <p:ext uri="{BB962C8B-B14F-4D97-AF65-F5344CB8AC3E}">
-        <p14:creationId xmlns:p14="http://schemas.microsoft.com/office/powerpoint/2010/main" val="4149011240"/>
-      </p:ext>
-    </p:extLst>
-  </p:cSld>
-  <p:clrMapOvr>
-    <a:masterClrMapping/>
-  </p:clrMapOvr>
-  <mc:AlternateContent xmlns:mc="http://schemas.openxmlformats.org/markup-compatibility/2006" xmlns:p14="http://schemas.microsoft.com/office/powerpoint/2010/main">
-    <mc:Choice Requires="p14">
-      <p:transition spd="slow" p14:dur="2000" advClick="0" advTm="5000"/>
-    </mc:Choice>
-    <mc:Fallback xmlns="">
-      <p:transition spd="slow" advClick="0" advTm="5000"/>
-    </mc:Fallback>
-  </mc:AlternateContent>
-  <p:timing>
-    <p:tnLst>
-      <p:par>
-        <p:cTn id="1" dur="indefinite" restart="never" nodeType="tmRoot">
-          <p:childTnLst>
-            <p:seq concurrent="1" nextAc="seek">
-              <p:cTn id="2" dur="indefinite" nodeType="mainSeq">
-                <p:childTnLst>
-                  <p:par>
-                    <p:cTn id="3" fill="hold">
-                      <p:stCondLst>
-                        <p:cond delay="indefinite"/>
-                      </p:stCondLst>
-                      <p:childTnLst>
-                        <p:par>
-                          <p:cTn id="4" fill="hold">
-                            <p:stCondLst>
-                              <p:cond delay="0"/>
-                            </p:stCondLst>
-                            <p:childTnLst>
-                              <p:par>
-                                <p:cTn id="5" presetID="1" presetClass="entr" presetSubtype="0" fill="hold" nodeType="clickEffect">
-                                  <p:stCondLst>
-                                    <p:cond delay="0"/>
-                                  </p:stCondLst>
-                                  <p:childTnLst>
-                                    <p:set>
-                                      <p:cBhvr>
-                                        <p:cTn id="6" dur="1" fill="hold">
-                                          <p:stCondLst>
-                                            <p:cond delay="0"/>
-                                          </p:stCondLst>
-                                        </p:cTn>
-                                        <p:tgtEl>
-                                          <p:spTgt spid="3">
-                                            <p:txEl>
-                                              <p:pRg st="1" end="1"/>
-                                            </p:txEl>
-                                          </p:spTgt>
-                                        </p:tgtEl>
-                                        <p:attrNameLst>
-                                          <p:attrName>style.visibility</p:attrName>
-                                        </p:attrNameLst>
-                                      </p:cBhvr>
-                                      <p:to>
-                                        <p:strVal val="visible"/>
-                                      </p:to>
-                                    </p:set>
-                                  </p:childTnLst>
-                                </p:cTn>
-                              </p:par>
-                            </p:childTnLst>
-                          </p:cTn>
-                        </p:par>
-                      </p:childTnLst>
-                    </p:cTn>
-                  </p:par>
-                  <p:par>
-                    <p:cTn id="7" fill="hold">
-                      <p:stCondLst>
-                        <p:cond delay="indefinite"/>
-                      </p:stCondLst>
-                      <p:childTnLst>
-                        <p:par>
-                          <p:cTn id="8" fill="hold">
-                            <p:stCondLst>
-                              <p:cond delay="0"/>
-                            </p:stCondLst>
-                            <p:childTnLst>
-                              <p:par>
-                                <p:cTn id="9" presetID="1" presetClass="entr" presetSubtype="0" fill="hold" nodeType="clickEffect">
-                                  <p:stCondLst>
-                                    <p:cond delay="0"/>
-                                  </p:stCondLst>
-                                  <p:childTnLst>
-                                    <p:set>
-                                      <p:cBhvr>
-                                        <p:cTn id="10" dur="1" fill="hold">
-                                          <p:stCondLst>
-                                            <p:cond delay="0"/>
-                                          </p:stCondLst>
-                                        </p:cTn>
-                                        <p:tgtEl>
-                                          <p:spTgt spid="3">
-                                            <p:txEl>
-                                              <p:pRg st="2" end="2"/>
-                                            </p:txEl>
-                                          </p:spTgt>
-                                        </p:tgtEl>
-                                        <p:attrNameLst>
-                                          <p:attrName>style.visibility</p:attrName>
-                                        </p:attrNameLst>
-                                      </p:cBhvr>
-                                      <p:to>
-                                        <p:strVal val="visible"/>
-                                      </p:to>
-                                    </p:set>
-                                  </p:childTnLst>
-                                </p:cTn>
-                              </p:par>
-                            </p:childTnLst>
-                          </p:cTn>
-                        </p:par>
-                      </p:childTnLst>
-                    </p:cTn>
-                  </p:par>
-                  <p:par>
-                    <p:cTn id="11" fill="hold">
-                      <p:stCondLst>
-                        <p:cond delay="indefinite"/>
-                      </p:stCondLst>
-                      <p:childTnLst>
-                        <p:par>
-                          <p:cTn id="12" fill="hold">
-                            <p:stCondLst>
-                              <p:cond delay="0"/>
-                            </p:stCondLst>
-                            <p:childTnLst>
-                              <p:par>
-                                <p:cTn id="13" presetID="1" presetClass="entr" presetSubtype="0" fill="hold" nodeType="clickEffect">
-                                  <p:stCondLst>
-                                    <p:cond delay="0"/>
-                                  </p:stCondLst>
-                                  <p:childTnLst>
-                                    <p:set>
-                                      <p:cBhvr>
-                                        <p:cTn id="14" dur="1" fill="hold">
-                                          <p:stCondLst>
-                                            <p:cond delay="0"/>
-                                          </p:stCondLst>
-                                        </p:cTn>
-                                        <p:tgtEl>
-                                          <p:spTgt spid="3">
-                                            <p:txEl>
-                                              <p:pRg st="3" end="3"/>
-                                            </p:txEl>
-                                          </p:spTgt>
-                                        </p:tgtEl>
-                                        <p:attrNameLst>
-                                          <p:attrName>style.visibility</p:attrName>
-                                        </p:attrNameLst>
-                                      </p:cBhvr>
-                                      <p:to>
-                                        <p:strVal val="visible"/>
-                                      </p:to>
-                                    </p:set>
-                                  </p:childTnLst>
-                                </p:cTn>
-                              </p:par>
-                            </p:childTnLst>
-                          </p:cTn>
-                        </p:par>
-                      </p:childTnLst>
-                    </p:cTn>
-                  </p:par>
-                  <p:par>
-                    <p:cTn id="15" fill="hold">
-                      <p:stCondLst>
-                        <p:cond delay="indefinite"/>
-                      </p:stCondLst>
-                      <p:childTnLst>
-                        <p:par>
-                          <p:cTn id="16" fill="hold">
-                            <p:stCondLst>
-                              <p:cond delay="0"/>
-                            </p:stCondLst>
-                            <p:childTnLst>
-                              <p:par>
-                                <p:cTn id="17" presetID="1" presetClass="entr" presetSubtype="0" fill="hold" nodeType="clickEffect">
-                                  <p:stCondLst>
-                                    <p:cond delay="0"/>
-                                  </p:stCondLst>
-                                  <p:childTnLst>
-                                    <p:set>
-                                      <p:cBhvr>
-                                        <p:cTn id="18" dur="1" fill="hold">
-                                          <p:stCondLst>
-                                            <p:cond delay="0"/>
-                                          </p:stCondLst>
-                                        </p:cTn>
-                                        <p:tgtEl>
-                                          <p:spTgt spid="3">
-                                            <p:txEl>
-                                              <p:pRg st="4" end="4"/>
-                                            </p:txEl>
-                                          </p:spTgt>
-                                        </p:tgtEl>
-                                        <p:attrNameLst>
-                                          <p:attrName>style.visibility</p:attrName>
-                                        </p:attrNameLst>
-                                      </p:cBhvr>
-                                      <p:to>
-                                        <p:strVal val="visible"/>
-                                      </p:to>
-                                    </p:set>
-                                  </p:childTnLst>
-                                </p:cTn>
-                              </p:par>
-                            </p:childTnLst>
-                          </p:cTn>
-                        </p:par>
-                      </p:childTnLst>
-                    </p:cTn>
-                  </p:par>
-                  <p:par>
-                    <p:cTn id="19" fill="hold">
-                      <p:stCondLst>
-                        <p:cond delay="indefinite"/>
-                      </p:stCondLst>
-                      <p:childTnLst>
-                        <p:par>
-                          <p:cTn id="20" fill="hold">
-                            <p:stCondLst>
-                              <p:cond delay="0"/>
-                            </p:stCondLst>
-                            <p:childTnLst>
-                              <p:par>
-                                <p:cTn id="21" presetID="1" presetClass="entr" presetSubtype="0" fill="hold" nodeType="clickEffect">
-                                  <p:stCondLst>
-                                    <p:cond delay="0"/>
-                                  </p:stCondLst>
-                                  <p:childTnLst>
-                                    <p:set>
-                                      <p:cBhvr>
-                                        <p:cTn id="22" dur="1" fill="hold">
-                                          <p:stCondLst>
-                                            <p:cond delay="0"/>
-                                          </p:stCondLst>
-                                        </p:cTn>
-                                        <p:tgtEl>
-                                          <p:spTgt spid="3">
-                                            <p:txEl>
-                                              <p:pRg st="5" end="5"/>
-                                            </p:txEl>
-                                          </p:spTgt>
-                                        </p:tgtEl>
-                                        <p:attrNameLst>
-                                          <p:attrName>style.visibility</p:attrName>
-                                        </p:attrNameLst>
-                                      </p:cBhvr>
-                                      <p:to>
-                                        <p:strVal val="visible"/>
-                                      </p:to>
-                                    </p:set>
-                                  </p:childTnLst>
-                                </p:cTn>
-                              </p:par>
-                            </p:childTnLst>
-                          </p:cTn>
-                        </p:par>
-                      </p:childTnLst>
-                    </p:cTn>
-                  </p:par>
-                </p:childTnLst>
-              </p:cTn>
-              <p:prevCondLst>
-                <p:cond evt="onPrev" delay="0">
-                  <p:tgtEl>
-                    <p:sldTgt/>
-                  </p:tgtEl>
-                </p:cond>
-              </p:prevCondLst>
-              <p:nextCondLst>
-                <p:cond evt="onNext" delay="0">
-                  <p:tgtEl>
-                    <p:sldTgt/>
-                  </p:tgtEl>
-                </p:cond>
-              </p:nextCondLst>
-            </p:seq>
-          </p:childTnLst>
-        </p:cTn>
-      </p:par>
-    </p:tnLst>
-  </p:timing>
-</p:sld>
-</file>
-
-<file path=ppt/slides/slide20.xml><?xml version="1.0" encoding="utf-8"?>
+<file path=ppt/slides/slide23.xml><?xml version="1.0" encoding="utf-8"?>
 <p:sld xmlns:a="http://schemas.openxmlformats.org/drawingml/2006/main" xmlns:r="http://schemas.openxmlformats.org/officeDocument/2006/relationships" xmlns:p="http://schemas.openxmlformats.org/presentationml/2006/main">
   <p:cSld>
     <p:spTree>
@@ -20540,7 +23183,10 @@
               </a:rPr>
               <a:t> ширина</a:t>
             </a:r>
-            <a:endParaRPr lang="bg-BG" dirty="0"/>
+            <a:r>
+              <a:rPr lang="bg-BG" dirty="0"/>
+              <a:t>:</a:t>
+            </a:r>
           </a:p>
         </p:txBody>
       </p:sp>
@@ -20575,901 +23221,880 @@
           </a:p>
         </p:txBody>
       </p:sp>
-      <p:grpSp>
-        <p:nvGrpSpPr>
-          <p:cNvPr id="2" name="Group 1">
+      <p:sp>
+        <p:nvSpPr>
+          <p:cNvPr id="9" name="Rectangle 8">
             <a:extLst>
               <a:ext uri="{FF2B5EF4-FFF2-40B4-BE49-F238E27FC236}">
-                <a16:creationId xmlns:a16="http://schemas.microsoft.com/office/drawing/2014/main" id="{1F1188D4-FF46-A0D3-E03D-E18A8DBD7403}"/>
+                <a16:creationId xmlns:a16="http://schemas.microsoft.com/office/drawing/2014/main" id="{8BE948D6-42C3-4447-8FC2-55BCA526CCC8}"/>
               </a:ext>
             </a:extLst>
           </p:cNvPr>
-          <p:cNvGrpSpPr/>
+          <p:cNvSpPr>
+            <a:spLocks noChangeArrowheads="1"/>
+          </p:cNvSpPr>
           <p:nvPr/>
-        </p:nvGrpSpPr>
-        <p:grpSpPr>
+        </p:nvSpPr>
+        <p:spPr bwMode="auto">
           <a:xfrm>
-            <a:off x="2793824" y="2774651"/>
-            <a:ext cx="6894687" cy="2736668"/>
-            <a:chOff x="2793824" y="2774651"/>
-            <a:chExt cx="6894687" cy="2736668"/>
+            <a:off x="2800984" y="3059539"/>
+            <a:ext cx="672032" cy="1076937"/>
           </a:xfrm>
-        </p:grpSpPr>
-        <p:sp>
-          <p:nvSpPr>
-            <p:cNvPr id="9" name="Rectangle 8">
-              <a:extLst>
-                <a:ext uri="{FF2B5EF4-FFF2-40B4-BE49-F238E27FC236}">
-                  <a16:creationId xmlns:a16="http://schemas.microsoft.com/office/drawing/2014/main" id="{8BE948D6-42C3-4447-8FC2-55BCA526CCC8}"/>
-                </a:ext>
-              </a:extLst>
-            </p:cNvPr>
-            <p:cNvSpPr>
-              <a:spLocks noChangeArrowheads="1"/>
-            </p:cNvSpPr>
-            <p:nvPr/>
-          </p:nvSpPr>
-          <p:spPr bwMode="auto">
-            <a:xfrm>
-              <a:off x="2793825" y="2774651"/>
-              <a:ext cx="672032" cy="1076937"/>
-            </a:xfrm>
-            <a:prstGeom prst="rect">
-              <a:avLst/>
-            </a:prstGeom>
+          <a:prstGeom prst="rect">
+            <a:avLst/>
+          </a:prstGeom>
+          <a:solidFill>
+            <a:schemeClr val="accent5">
+              <a:lumMod val="40000"/>
+              <a:lumOff val="60000"/>
+              <a:alpha val="20000"/>
+            </a:schemeClr>
+          </a:solidFill>
+          <a:ln w="12700">
             <a:solidFill>
               <a:schemeClr val="accent5">
-                <a:lumMod val="40000"/>
-                <a:lumOff val="60000"/>
-                <a:alpha val="20000"/>
+                <a:lumMod val="60000"/>
+                <a:lumOff val="40000"/>
               </a:schemeClr>
             </a:solidFill>
-            <a:ln w="12700">
-              <a:solidFill>
+          </a:ln>
+        </p:spPr>
+        <p:txBody>
+          <a:bodyPr wrap="square">
+            <a:spAutoFit/>
+          </a:bodyPr>
+          <a:lstStyle/>
+          <a:p>
+            <a:pPr algn="ctr" eaLnBrk="0" hangingPunct="0">
+              <a:buClr>
                 <a:schemeClr val="accent5">
-                  <a:lumMod val="60000"/>
-                  <a:lumOff val="40000"/>
+                  <a:lumMod val="40000"/>
+                  <a:lumOff val="60000"/>
                 </a:schemeClr>
-              </a:solidFill>
-            </a:ln>
-          </p:spPr>
-          <p:txBody>
-            <a:bodyPr wrap="square">
-              <a:spAutoFit/>
-            </a:bodyPr>
-            <a:lstStyle/>
-            <a:p>
-              <a:pPr algn="ctr" eaLnBrk="0" hangingPunct="0">
-                <a:buClr>
-                  <a:schemeClr val="accent5">
-                    <a:lumMod val="40000"/>
-                    <a:lumOff val="60000"/>
-                  </a:schemeClr>
-                </a:buClr>
-                <a:buSzPct val="70000"/>
-              </a:pPr>
-              <a:r>
-                <a:rPr lang="it-IT" sz="3199" b="1" noProof="1">
-                  <a:latin typeface="Consolas" panose="020B0609020204030204" pitchFamily="49" charset="0"/>
-                </a:rPr>
-                <a:t>3</a:t>
-              </a:r>
-            </a:p>
-            <a:p>
-              <a:pPr algn="ctr" eaLnBrk="0" hangingPunct="0">
-                <a:buClr>
-                  <a:schemeClr val="accent5">
-                    <a:lumMod val="40000"/>
-                    <a:lumOff val="60000"/>
-                  </a:schemeClr>
-                </a:buClr>
-                <a:buSzPct val="70000"/>
-              </a:pPr>
-              <a:r>
-                <a:rPr lang="it-IT" sz="3199" b="1" noProof="1">
-                  <a:latin typeface="Consolas" panose="020B0609020204030204" pitchFamily="49" charset="0"/>
-                </a:rPr>
-                <a:t>4</a:t>
-              </a:r>
-            </a:p>
-          </p:txBody>
-        </p:sp>
-        <p:sp>
-          <p:nvSpPr>
-            <p:cNvPr id="11" name="Rectangle 10">
-              <a:extLst>
-                <a:ext uri="{FF2B5EF4-FFF2-40B4-BE49-F238E27FC236}">
-                  <a16:creationId xmlns:a16="http://schemas.microsoft.com/office/drawing/2014/main" id="{92362A31-5F40-431D-B4B7-51175EEE543B}"/>
-                </a:ext>
-              </a:extLst>
-            </p:cNvPr>
-            <p:cNvSpPr>
-              <a:spLocks noChangeArrowheads="1"/>
-            </p:cNvSpPr>
-            <p:nvPr/>
-          </p:nvSpPr>
-          <p:spPr bwMode="auto">
-            <a:xfrm>
-              <a:off x="4623180" y="3051296"/>
-              <a:ext cx="1246256" cy="584623"/>
-            </a:xfrm>
-            <a:prstGeom prst="rect">
-              <a:avLst/>
-            </a:prstGeom>
+              </a:buClr>
+              <a:buSzPct val="70000"/>
+            </a:pPr>
+            <a:r>
+              <a:rPr lang="it-IT" sz="3199" b="1" noProof="1">
+                <a:latin typeface="Consolas" panose="020B0609020204030204" pitchFamily="49" charset="0"/>
+              </a:rPr>
+              <a:t>3</a:t>
+            </a:r>
+          </a:p>
+          <a:p>
+            <a:pPr algn="ctr" eaLnBrk="0" hangingPunct="0">
+              <a:buClr>
+                <a:schemeClr val="accent5">
+                  <a:lumMod val="40000"/>
+                  <a:lumOff val="60000"/>
+                </a:schemeClr>
+              </a:buClr>
+              <a:buSzPct val="70000"/>
+            </a:pPr>
+            <a:r>
+              <a:rPr lang="it-IT" sz="3199" b="1" noProof="1">
+                <a:latin typeface="Consolas" panose="020B0609020204030204" pitchFamily="49" charset="0"/>
+              </a:rPr>
+              <a:t>4</a:t>
+            </a:r>
+          </a:p>
+        </p:txBody>
+      </p:sp>
+      <p:sp>
+        <p:nvSpPr>
+          <p:cNvPr id="11" name="Rectangle 10">
+            <a:extLst>
+              <a:ext uri="{FF2B5EF4-FFF2-40B4-BE49-F238E27FC236}">
+                <a16:creationId xmlns:a16="http://schemas.microsoft.com/office/drawing/2014/main" id="{92362A31-5F40-431D-B4B7-51175EEE543B}"/>
+              </a:ext>
+            </a:extLst>
+          </p:cNvPr>
+          <p:cNvSpPr>
+            <a:spLocks noChangeArrowheads="1"/>
+          </p:cNvSpPr>
+          <p:nvPr/>
+        </p:nvSpPr>
+        <p:spPr bwMode="auto">
+          <a:xfrm>
+            <a:off x="4630340" y="3305695"/>
+            <a:ext cx="1246256" cy="584623"/>
+          </a:xfrm>
+          <a:prstGeom prst="rect">
+            <a:avLst/>
+          </a:prstGeom>
+          <a:solidFill>
+            <a:schemeClr val="accent5">
+              <a:lumMod val="40000"/>
+              <a:lumOff val="60000"/>
+              <a:alpha val="20000"/>
+            </a:schemeClr>
+          </a:solidFill>
+          <a:ln w="12700">
             <a:solidFill>
               <a:schemeClr val="accent5">
-                <a:lumMod val="40000"/>
-                <a:lumOff val="60000"/>
-                <a:alpha val="20000"/>
+                <a:lumMod val="60000"/>
+                <a:lumOff val="40000"/>
               </a:schemeClr>
             </a:solidFill>
-            <a:ln w="12700">
-              <a:solidFill>
+          </a:ln>
+        </p:spPr>
+        <p:txBody>
+          <a:bodyPr wrap="square">
+            <a:spAutoFit/>
+          </a:bodyPr>
+          <a:lstStyle/>
+          <a:p>
+            <a:pPr algn="ctr" eaLnBrk="0" hangingPunct="0">
+              <a:buClr>
                 <a:schemeClr val="accent5">
-                  <a:lumMod val="60000"/>
-                  <a:lumOff val="40000"/>
+                  <a:lumMod val="40000"/>
+                  <a:lumOff val="60000"/>
                 </a:schemeClr>
-              </a:solidFill>
-            </a:ln>
-          </p:spPr>
-          <p:txBody>
-            <a:bodyPr wrap="square">
-              <a:spAutoFit/>
-            </a:bodyPr>
-            <a:lstStyle/>
-            <a:p>
-              <a:pPr algn="ctr" eaLnBrk="0" hangingPunct="0">
-                <a:buClr>
-                  <a:schemeClr val="accent5">
-                    <a:lumMod val="40000"/>
-                    <a:lumOff val="60000"/>
-                  </a:schemeClr>
-                </a:buClr>
-                <a:buSzPct val="70000"/>
-              </a:pPr>
-              <a:r>
-                <a:rPr lang="en-GB" sz="3199" b="1" noProof="1">
-                  <a:latin typeface="Consolas" panose="020B0609020204030204" pitchFamily="49" charset="0"/>
-                </a:rPr>
-                <a:t>12</a:t>
-              </a:r>
-              <a:endParaRPr lang="it-IT" sz="3199" b="1" noProof="1">
+              </a:buClr>
+              <a:buSzPct val="70000"/>
+            </a:pPr>
+            <a:r>
+              <a:rPr lang="en-GB" sz="3199" b="1" noProof="1">
                 <a:latin typeface="Consolas" panose="020B0609020204030204" pitchFamily="49" charset="0"/>
-              </a:endParaRPr>
-            </a:p>
-          </p:txBody>
-        </p:sp>
-        <p:sp>
-          <p:nvSpPr>
-            <p:cNvPr id="12" name="Rectangle 11">
-              <a:extLst>
-                <a:ext uri="{FF2B5EF4-FFF2-40B4-BE49-F238E27FC236}">
-                  <a16:creationId xmlns:a16="http://schemas.microsoft.com/office/drawing/2014/main" id="{41F4524D-D92D-4B11-9E95-3DF692E099EE}"/>
-                </a:ext>
-              </a:extLst>
-            </p:cNvPr>
-            <p:cNvSpPr>
-              <a:spLocks noChangeArrowheads="1"/>
-            </p:cNvSpPr>
-            <p:nvPr/>
-          </p:nvSpPr>
-          <p:spPr bwMode="auto">
-            <a:xfrm>
-              <a:off x="2793824" y="4323685"/>
-              <a:ext cx="672032" cy="1076937"/>
-            </a:xfrm>
-            <a:prstGeom prst="rect">
-              <a:avLst/>
-            </a:prstGeom>
+              </a:rPr>
+              <a:t>12</a:t>
+            </a:r>
+            <a:endParaRPr lang="it-IT" sz="3199" b="1" noProof="1">
+              <a:latin typeface="Consolas" panose="020B0609020204030204" pitchFamily="49" charset="0"/>
+            </a:endParaRPr>
+          </a:p>
+        </p:txBody>
+      </p:sp>
+      <p:sp>
+        <p:nvSpPr>
+          <p:cNvPr id="12" name="Rectangle 11">
+            <a:extLst>
+              <a:ext uri="{FF2B5EF4-FFF2-40B4-BE49-F238E27FC236}">
+                <a16:creationId xmlns:a16="http://schemas.microsoft.com/office/drawing/2014/main" id="{41F4524D-D92D-4B11-9E95-3DF692E099EE}"/>
+              </a:ext>
+            </a:extLst>
+          </p:cNvPr>
+          <p:cNvSpPr>
+            <a:spLocks noChangeArrowheads="1"/>
+          </p:cNvSpPr>
+          <p:nvPr/>
+        </p:nvSpPr>
+        <p:spPr bwMode="auto">
+          <a:xfrm>
+            <a:off x="2800984" y="4981000"/>
+            <a:ext cx="672032" cy="1076937"/>
+          </a:xfrm>
+          <a:prstGeom prst="rect">
+            <a:avLst/>
+          </a:prstGeom>
+          <a:solidFill>
+            <a:schemeClr val="accent5">
+              <a:lumMod val="40000"/>
+              <a:lumOff val="60000"/>
+              <a:alpha val="20000"/>
+            </a:schemeClr>
+          </a:solidFill>
+          <a:ln w="12700">
             <a:solidFill>
               <a:schemeClr val="accent5">
-                <a:lumMod val="40000"/>
-                <a:lumOff val="60000"/>
-                <a:alpha val="20000"/>
+                <a:lumMod val="60000"/>
+                <a:lumOff val="40000"/>
               </a:schemeClr>
             </a:solidFill>
-            <a:ln w="12700">
-              <a:solidFill>
+          </a:ln>
+        </p:spPr>
+        <p:txBody>
+          <a:bodyPr wrap="square">
+            <a:spAutoFit/>
+          </a:bodyPr>
+          <a:lstStyle/>
+          <a:p>
+            <a:pPr algn="ctr" eaLnBrk="0" hangingPunct="0">
+              <a:buClr>
                 <a:schemeClr val="accent5">
-                  <a:lumMod val="60000"/>
-                  <a:lumOff val="40000"/>
+                  <a:lumMod val="40000"/>
+                  <a:lumOff val="60000"/>
                 </a:schemeClr>
-              </a:solidFill>
-            </a:ln>
-          </p:spPr>
-          <p:txBody>
-            <a:bodyPr wrap="square">
-              <a:spAutoFit/>
-            </a:bodyPr>
-            <a:lstStyle/>
-            <a:p>
-              <a:pPr algn="ctr" eaLnBrk="0" hangingPunct="0">
-                <a:buClr>
-                  <a:schemeClr val="accent5">
-                    <a:lumMod val="40000"/>
-                    <a:lumOff val="60000"/>
-                  </a:schemeClr>
-                </a:buClr>
-                <a:buSzPct val="70000"/>
-              </a:pPr>
-              <a:r>
-                <a:rPr lang="it-IT" sz="3199" b="1" noProof="1">
-                  <a:latin typeface="Consolas" panose="020B0609020204030204" pitchFamily="49" charset="0"/>
-                </a:rPr>
-                <a:t>5</a:t>
-              </a:r>
-            </a:p>
-            <a:p>
-              <a:pPr algn="ctr" eaLnBrk="0" hangingPunct="0">
-                <a:buClr>
-                  <a:schemeClr val="accent5">
-                    <a:lumMod val="40000"/>
-                    <a:lumOff val="60000"/>
-                  </a:schemeClr>
-                </a:buClr>
-                <a:buSzPct val="70000"/>
-              </a:pPr>
-              <a:r>
-                <a:rPr lang="it-IT" sz="3199" b="1" noProof="1">
-                  <a:latin typeface="Consolas" panose="020B0609020204030204" pitchFamily="49" charset="0"/>
-                </a:rPr>
-                <a:t>10</a:t>
-              </a:r>
-            </a:p>
-          </p:txBody>
-        </p:sp>
-        <p:sp>
-          <p:nvSpPr>
-            <p:cNvPr id="13" name="Right Arrow 14">
-              <a:extLst>
-                <a:ext uri="{FF2B5EF4-FFF2-40B4-BE49-F238E27FC236}">
-                  <a16:creationId xmlns:a16="http://schemas.microsoft.com/office/drawing/2014/main" id="{78273AC2-D375-47B5-88FD-7988BC3E468D}"/>
-                </a:ext>
-              </a:extLst>
-            </p:cNvPr>
-            <p:cNvSpPr/>
-            <p:nvPr/>
-          </p:nvSpPr>
-          <p:spPr>
-            <a:xfrm flipV="1">
-              <a:off x="3796411" y="4624719"/>
-              <a:ext cx="496215" cy="385646"/>
-            </a:xfrm>
-            <a:prstGeom prst="rightArrow">
-              <a:avLst/>
-            </a:prstGeom>
+              </a:buClr>
+              <a:buSzPct val="70000"/>
+            </a:pPr>
+            <a:r>
+              <a:rPr lang="it-IT" sz="3199" b="1" noProof="1">
+                <a:latin typeface="Consolas" panose="020B0609020204030204" pitchFamily="49" charset="0"/>
+              </a:rPr>
+              <a:t>5</a:t>
+            </a:r>
+          </a:p>
+          <a:p>
+            <a:pPr algn="ctr" eaLnBrk="0" hangingPunct="0">
+              <a:buClr>
+                <a:schemeClr val="accent5">
+                  <a:lumMod val="40000"/>
+                  <a:lumOff val="60000"/>
+                </a:schemeClr>
+              </a:buClr>
+              <a:buSzPct val="70000"/>
+            </a:pPr>
+            <a:r>
+              <a:rPr lang="it-IT" sz="3199" b="1" noProof="1">
+                <a:latin typeface="Consolas" panose="020B0609020204030204" pitchFamily="49" charset="0"/>
+              </a:rPr>
+              <a:t>10</a:t>
+            </a:r>
+          </a:p>
+        </p:txBody>
+      </p:sp>
+      <p:sp>
+        <p:nvSpPr>
+          <p:cNvPr id="13" name="Right Arrow 14">
+            <a:extLst>
+              <a:ext uri="{FF2B5EF4-FFF2-40B4-BE49-F238E27FC236}">
+                <a16:creationId xmlns:a16="http://schemas.microsoft.com/office/drawing/2014/main" id="{78273AC2-D375-47B5-88FD-7988BC3E468D}"/>
+              </a:ext>
+            </a:extLst>
+          </p:cNvPr>
+          <p:cNvSpPr/>
+          <p:nvPr/>
+        </p:nvSpPr>
+        <p:spPr>
+          <a:xfrm flipV="1">
+            <a:off x="3815189" y="5293246"/>
+            <a:ext cx="496215" cy="385646"/>
+          </a:xfrm>
+          <a:prstGeom prst="rightArrow">
+            <a:avLst/>
+          </a:prstGeom>
+          <a:solidFill>
+            <a:schemeClr val="dk2">
+              <a:alpha val="80000"/>
+            </a:schemeClr>
+          </a:solidFill>
+          <a:ln w="19050">
             <a:solidFill>
-              <a:schemeClr val="dk2">
+              <a:schemeClr val="tx1">
+                <a:lumMod val="75000"/>
                 <a:alpha val="80000"/>
               </a:schemeClr>
             </a:solidFill>
-            <a:ln w="19050">
+          </a:ln>
+          <a:effectLst/>
+        </p:spPr>
+        <p:style>
+          <a:lnRef idx="2">
+            <a:schemeClr val="accent1">
+              <a:shade val="50000"/>
+            </a:schemeClr>
+          </a:lnRef>
+          <a:fillRef idx="1001">
+            <a:schemeClr val="dk2"/>
+          </a:fillRef>
+          <a:effectRef idx="0">
+            <a:schemeClr val="accent1"/>
+          </a:effectRef>
+          <a:fontRef idx="minor">
+            <a:schemeClr val="lt1"/>
+          </a:fontRef>
+        </p:style>
+        <p:txBody>
+          <a:bodyPr rot="0" spcFirstLastPara="0" vertOverflow="overflow" horzOverflow="overflow" vert="horz" wrap="square" lIns="91416" tIns="45708" rIns="91416" bIns="45708" numCol="1" spcCol="0" rtlCol="0" fromWordArt="0" anchor="ctr" anchorCtr="0" forceAA="0" compatLnSpc="1">
+            <a:prstTxWarp prst="textNoShape">
+              <a:avLst/>
+            </a:prstTxWarp>
+            <a:noAutofit/>
+          </a:bodyPr>
+          <a:lstStyle/>
+          <a:p>
+            <a:pPr algn="ctr"/>
+            <a:endParaRPr lang="en-US" sz="2799" b="1">
               <a:solidFill>
-                <a:schemeClr val="tx1">
-                  <a:lumMod val="75000"/>
-                  <a:alpha val="80000"/>
-                </a:schemeClr>
+                <a:srgbClr val="FFFFFF"/>
               </a:solidFill>
-            </a:ln>
-            <a:effectLst/>
-          </p:spPr>
-          <p:style>
-            <a:lnRef idx="2">
-              <a:schemeClr val="accent1">
-                <a:shade val="50000"/>
-              </a:schemeClr>
-            </a:lnRef>
-            <a:fillRef idx="1001">
-              <a:schemeClr val="dk2"/>
-            </a:fillRef>
-            <a:effectRef idx="0">
-              <a:schemeClr val="accent1"/>
-            </a:effectRef>
-            <a:fontRef idx="minor">
-              <a:schemeClr val="lt1"/>
-            </a:fontRef>
-          </p:style>
-          <p:txBody>
-            <a:bodyPr rot="0" spcFirstLastPara="0" vertOverflow="overflow" horzOverflow="overflow" vert="horz" wrap="square" lIns="91416" tIns="45708" rIns="91416" bIns="45708" numCol="1" spcCol="0" rtlCol="0" fromWordArt="0" anchor="ctr" anchorCtr="0" forceAA="0" compatLnSpc="1">
-              <a:prstTxWarp prst="textNoShape">
-                <a:avLst/>
-              </a:prstTxWarp>
-              <a:noAutofit/>
-            </a:bodyPr>
-            <a:lstStyle/>
-            <a:p>
-              <a:pPr algn="ctr"/>
-              <a:endParaRPr lang="en-US" sz="2799" b="1">
-                <a:solidFill>
-                  <a:srgbClr val="FFFFFF"/>
-                </a:solidFill>
-                <a:effectLst>
-                  <a:outerShdw blurRad="38100" dist="38100" dir="2700000" algn="tl">
-                    <a:srgbClr val="000000">
-                      <a:alpha val="43137"/>
-                    </a:srgbClr>
-                  </a:outerShdw>
-                </a:effectLst>
-              </a:endParaRPr>
-            </a:p>
-          </p:txBody>
-        </p:sp>
-        <p:sp>
-          <p:nvSpPr>
-            <p:cNvPr id="14" name="Rectangle 13">
-              <a:extLst>
-                <a:ext uri="{FF2B5EF4-FFF2-40B4-BE49-F238E27FC236}">
-                  <a16:creationId xmlns:a16="http://schemas.microsoft.com/office/drawing/2014/main" id="{A166E673-B46E-4055-8829-58904C81C524}"/>
-                </a:ext>
-              </a:extLst>
-            </p:cNvPr>
-            <p:cNvSpPr>
-              <a:spLocks noChangeArrowheads="1"/>
-            </p:cNvSpPr>
-            <p:nvPr/>
-          </p:nvSpPr>
-          <p:spPr bwMode="auto">
-            <a:xfrm>
-              <a:off x="4623180" y="4525234"/>
-              <a:ext cx="1246256" cy="584623"/>
-            </a:xfrm>
-            <a:prstGeom prst="rect">
-              <a:avLst/>
-            </a:prstGeom>
+              <a:effectLst>
+                <a:outerShdw blurRad="38100" dist="38100" dir="2700000" algn="tl">
+                  <a:srgbClr val="000000">
+                    <a:alpha val="43137"/>
+                  </a:srgbClr>
+                </a:outerShdw>
+              </a:effectLst>
+            </a:endParaRPr>
+          </a:p>
+        </p:txBody>
+      </p:sp>
+      <p:sp>
+        <p:nvSpPr>
+          <p:cNvPr id="14" name="Rectangle 13">
+            <a:extLst>
+              <a:ext uri="{FF2B5EF4-FFF2-40B4-BE49-F238E27FC236}">
+                <a16:creationId xmlns:a16="http://schemas.microsoft.com/office/drawing/2014/main" id="{A166E673-B46E-4055-8829-58904C81C524}"/>
+              </a:ext>
+            </a:extLst>
+          </p:cNvPr>
+          <p:cNvSpPr>
+            <a:spLocks noChangeArrowheads="1"/>
+          </p:cNvSpPr>
+          <p:nvPr/>
+        </p:nvSpPr>
+        <p:spPr bwMode="auto">
+          <a:xfrm>
+            <a:off x="4630341" y="5193754"/>
+            <a:ext cx="1246256" cy="584623"/>
+          </a:xfrm>
+          <a:prstGeom prst="rect">
+            <a:avLst/>
+          </a:prstGeom>
+          <a:solidFill>
+            <a:schemeClr val="accent5">
+              <a:lumMod val="40000"/>
+              <a:lumOff val="60000"/>
+              <a:alpha val="20000"/>
+            </a:schemeClr>
+          </a:solidFill>
+          <a:ln w="12700">
             <a:solidFill>
               <a:schemeClr val="accent5">
-                <a:lumMod val="40000"/>
-                <a:lumOff val="60000"/>
-                <a:alpha val="20000"/>
+                <a:lumMod val="60000"/>
+                <a:lumOff val="40000"/>
               </a:schemeClr>
             </a:solidFill>
-            <a:ln w="12700">
-              <a:solidFill>
+          </a:ln>
+        </p:spPr>
+        <p:txBody>
+          <a:bodyPr wrap="square">
+            <a:spAutoFit/>
+          </a:bodyPr>
+          <a:lstStyle/>
+          <a:p>
+            <a:pPr algn="ctr" eaLnBrk="0" hangingPunct="0">
+              <a:buClr>
                 <a:schemeClr val="accent5">
-                  <a:lumMod val="60000"/>
-                  <a:lumOff val="40000"/>
+                  <a:lumMod val="40000"/>
+                  <a:lumOff val="60000"/>
                 </a:schemeClr>
-              </a:solidFill>
-            </a:ln>
-          </p:spPr>
-          <p:txBody>
-            <a:bodyPr wrap="square">
-              <a:spAutoFit/>
-            </a:bodyPr>
-            <a:lstStyle/>
-            <a:p>
-              <a:pPr algn="ctr" eaLnBrk="0" hangingPunct="0">
-                <a:buClr>
-                  <a:schemeClr val="accent5">
-                    <a:lumMod val="40000"/>
-                    <a:lumOff val="60000"/>
-                  </a:schemeClr>
-                </a:buClr>
-                <a:buSzPct val="70000"/>
-              </a:pPr>
-              <a:r>
-                <a:rPr lang="it-IT" sz="3199" b="1" noProof="1">
-                  <a:latin typeface="Consolas" panose="020B0609020204030204" pitchFamily="49" charset="0"/>
-                </a:rPr>
-                <a:t>50</a:t>
-              </a:r>
-            </a:p>
-          </p:txBody>
-        </p:sp>
-        <p:sp>
-          <p:nvSpPr>
-            <p:cNvPr id="15" name="Right Arrow 14">
-              <a:extLst>
-                <a:ext uri="{FF2B5EF4-FFF2-40B4-BE49-F238E27FC236}">
-                  <a16:creationId xmlns:a16="http://schemas.microsoft.com/office/drawing/2014/main" id="{D634171F-5415-4C3C-B065-E7868E428F3A}"/>
-                </a:ext>
-              </a:extLst>
-            </p:cNvPr>
-            <p:cNvSpPr/>
-            <p:nvPr/>
-          </p:nvSpPr>
-          <p:spPr>
-            <a:xfrm flipV="1">
-              <a:off x="3796411" y="3184553"/>
-              <a:ext cx="496215" cy="385646"/>
-            </a:xfrm>
-            <a:prstGeom prst="rightArrow">
-              <a:avLst/>
-            </a:prstGeom>
+              </a:buClr>
+              <a:buSzPct val="70000"/>
+            </a:pPr>
+            <a:r>
+              <a:rPr lang="it-IT" sz="3199" b="1" noProof="1">
+                <a:latin typeface="Consolas" panose="020B0609020204030204" pitchFamily="49" charset="0"/>
+              </a:rPr>
+              <a:t>50</a:t>
+            </a:r>
+          </a:p>
+        </p:txBody>
+      </p:sp>
+      <p:sp>
+        <p:nvSpPr>
+          <p:cNvPr id="15" name="Right Arrow 14">
+            <a:extLst>
+              <a:ext uri="{FF2B5EF4-FFF2-40B4-BE49-F238E27FC236}">
+                <a16:creationId xmlns:a16="http://schemas.microsoft.com/office/drawing/2014/main" id="{D634171F-5415-4C3C-B065-E7868E428F3A}"/>
+              </a:ext>
+            </a:extLst>
+          </p:cNvPr>
+          <p:cNvSpPr/>
+          <p:nvPr/>
+        </p:nvSpPr>
+        <p:spPr>
+          <a:xfrm flipV="1">
+            <a:off x="3803570" y="3436944"/>
+            <a:ext cx="496215" cy="385646"/>
+          </a:xfrm>
+          <a:prstGeom prst="rightArrow">
+            <a:avLst/>
+          </a:prstGeom>
+          <a:solidFill>
+            <a:schemeClr val="dk2">
+              <a:alpha val="80000"/>
+            </a:schemeClr>
+          </a:solidFill>
+          <a:ln w="19050">
             <a:solidFill>
-              <a:schemeClr val="dk2">
+              <a:schemeClr val="tx1">
+                <a:lumMod val="75000"/>
                 <a:alpha val="80000"/>
               </a:schemeClr>
             </a:solidFill>
-            <a:ln w="19050">
+          </a:ln>
+          <a:effectLst/>
+        </p:spPr>
+        <p:style>
+          <a:lnRef idx="2">
+            <a:schemeClr val="accent1">
+              <a:shade val="50000"/>
+            </a:schemeClr>
+          </a:lnRef>
+          <a:fillRef idx="1001">
+            <a:schemeClr val="dk2"/>
+          </a:fillRef>
+          <a:effectRef idx="0">
+            <a:schemeClr val="accent1"/>
+          </a:effectRef>
+          <a:fontRef idx="minor">
+            <a:schemeClr val="lt1"/>
+          </a:fontRef>
+        </p:style>
+        <p:txBody>
+          <a:bodyPr rot="0" spcFirstLastPara="0" vertOverflow="overflow" horzOverflow="overflow" vert="horz" wrap="square" lIns="91416" tIns="45708" rIns="91416" bIns="45708" numCol="1" spcCol="0" rtlCol="0" fromWordArt="0" anchor="ctr" anchorCtr="0" forceAA="0" compatLnSpc="1">
+            <a:prstTxWarp prst="textNoShape">
+              <a:avLst/>
+            </a:prstTxWarp>
+            <a:noAutofit/>
+          </a:bodyPr>
+          <a:lstStyle/>
+          <a:p>
+            <a:pPr algn="ctr"/>
+            <a:endParaRPr lang="en-US" sz="2799" b="1">
               <a:solidFill>
-                <a:schemeClr val="tx1">
-                  <a:lumMod val="75000"/>
-                  <a:alpha val="80000"/>
-                </a:schemeClr>
+                <a:srgbClr val="FFFFFF"/>
               </a:solidFill>
-            </a:ln>
-            <a:effectLst/>
-          </p:spPr>
-          <p:style>
-            <a:lnRef idx="2">
-              <a:schemeClr val="accent1">
-                <a:shade val="50000"/>
-              </a:schemeClr>
-            </a:lnRef>
-            <a:fillRef idx="1001">
-              <a:schemeClr val="dk2"/>
-            </a:fillRef>
-            <a:effectRef idx="0">
-              <a:schemeClr val="accent1"/>
-            </a:effectRef>
-            <a:fontRef idx="minor">
-              <a:schemeClr val="lt1"/>
-            </a:fontRef>
-          </p:style>
-          <p:txBody>
-            <a:bodyPr rot="0" spcFirstLastPara="0" vertOverflow="overflow" horzOverflow="overflow" vert="horz" wrap="square" lIns="91416" tIns="45708" rIns="91416" bIns="45708" numCol="1" spcCol="0" rtlCol="0" fromWordArt="0" anchor="ctr" anchorCtr="0" forceAA="0" compatLnSpc="1">
-              <a:prstTxWarp prst="textNoShape">
-                <a:avLst/>
-              </a:prstTxWarp>
-              <a:noAutofit/>
-            </a:bodyPr>
-            <a:lstStyle/>
-            <a:p>
-              <a:pPr algn="ctr"/>
-              <a:endParaRPr lang="en-US" sz="2799" b="1">
-                <a:solidFill>
-                  <a:srgbClr val="FFFFFF"/>
-                </a:solidFill>
-                <a:effectLst>
-                  <a:outerShdw blurRad="38100" dist="38100" dir="2700000" algn="tl">
-                    <a:srgbClr val="000000">
-                      <a:alpha val="43137"/>
-                    </a:srgbClr>
-                  </a:outerShdw>
-                </a:effectLst>
-              </a:endParaRPr>
-            </a:p>
-          </p:txBody>
-        </p:sp>
-        <p:sp>
-          <p:nvSpPr>
-            <p:cNvPr id="16" name="Rectangle 15">
-              <a:extLst>
-                <a:ext uri="{FF2B5EF4-FFF2-40B4-BE49-F238E27FC236}">
-                  <a16:creationId xmlns:a16="http://schemas.microsoft.com/office/drawing/2014/main" id="{24A3377B-FEF0-41C6-9289-6CA4FE3C8511}"/>
-                </a:ext>
-              </a:extLst>
-            </p:cNvPr>
-            <p:cNvSpPr>
-              <a:spLocks noChangeArrowheads="1"/>
-            </p:cNvSpPr>
-            <p:nvPr/>
-          </p:nvSpPr>
-          <p:spPr bwMode="auto">
-            <a:xfrm>
-              <a:off x="6612899" y="2885348"/>
-              <a:ext cx="672032" cy="1076937"/>
-            </a:xfrm>
-            <a:prstGeom prst="rect">
-              <a:avLst/>
-            </a:prstGeom>
+              <a:effectLst>
+                <a:outerShdw blurRad="38100" dist="38100" dir="2700000" algn="tl">
+                  <a:srgbClr val="000000">
+                    <a:alpha val="43137"/>
+                  </a:srgbClr>
+                </a:outerShdw>
+              </a:effectLst>
+            </a:endParaRPr>
+          </a:p>
+        </p:txBody>
+      </p:sp>
+      <p:sp>
+        <p:nvSpPr>
+          <p:cNvPr id="16" name="Rectangle 15">
+            <a:extLst>
+              <a:ext uri="{FF2B5EF4-FFF2-40B4-BE49-F238E27FC236}">
+                <a16:creationId xmlns:a16="http://schemas.microsoft.com/office/drawing/2014/main" id="{24A3377B-FEF0-41C6-9289-6CA4FE3C8511}"/>
+              </a:ext>
+            </a:extLst>
+          </p:cNvPr>
+          <p:cNvSpPr>
+            <a:spLocks noChangeArrowheads="1"/>
+          </p:cNvSpPr>
+          <p:nvPr/>
+        </p:nvSpPr>
+        <p:spPr bwMode="auto">
+          <a:xfrm>
+            <a:off x="6620058" y="3059537"/>
+            <a:ext cx="672032" cy="1076937"/>
+          </a:xfrm>
+          <a:prstGeom prst="rect">
+            <a:avLst/>
+          </a:prstGeom>
+          <a:solidFill>
+            <a:schemeClr val="accent5">
+              <a:lumMod val="40000"/>
+              <a:lumOff val="60000"/>
+              <a:alpha val="20000"/>
+            </a:schemeClr>
+          </a:solidFill>
+          <a:ln w="12700">
             <a:solidFill>
               <a:schemeClr val="accent5">
-                <a:lumMod val="40000"/>
-                <a:lumOff val="60000"/>
-                <a:alpha val="20000"/>
+                <a:lumMod val="60000"/>
+                <a:lumOff val="40000"/>
               </a:schemeClr>
             </a:solidFill>
-            <a:ln w="12700">
-              <a:solidFill>
+          </a:ln>
+        </p:spPr>
+        <p:txBody>
+          <a:bodyPr wrap="square">
+            <a:spAutoFit/>
+          </a:bodyPr>
+          <a:lstStyle/>
+          <a:p>
+            <a:pPr algn="ctr" eaLnBrk="0" hangingPunct="0">
+              <a:buClr>
                 <a:schemeClr val="accent5">
-                  <a:lumMod val="60000"/>
-                  <a:lumOff val="40000"/>
+                  <a:lumMod val="40000"/>
+                  <a:lumOff val="60000"/>
                 </a:schemeClr>
-              </a:solidFill>
-            </a:ln>
-          </p:spPr>
-          <p:txBody>
-            <a:bodyPr wrap="square">
-              <a:spAutoFit/>
-            </a:bodyPr>
-            <a:lstStyle/>
-            <a:p>
-              <a:pPr algn="ctr" eaLnBrk="0" hangingPunct="0">
-                <a:buClr>
-                  <a:schemeClr val="accent5">
-                    <a:lumMod val="40000"/>
-                    <a:lumOff val="60000"/>
-                  </a:schemeClr>
-                </a:buClr>
-                <a:buSzPct val="70000"/>
-              </a:pPr>
-              <a:r>
-                <a:rPr lang="it-IT" sz="3199" b="1" noProof="1">
-                  <a:latin typeface="Consolas" panose="020B0609020204030204" pitchFamily="49" charset="0"/>
-                </a:rPr>
-                <a:t>6</a:t>
-              </a:r>
-            </a:p>
-            <a:p>
-              <a:pPr algn="ctr" eaLnBrk="0" hangingPunct="0">
-                <a:buClr>
-                  <a:schemeClr val="accent5">
-                    <a:lumMod val="40000"/>
-                    <a:lumOff val="60000"/>
-                  </a:schemeClr>
-                </a:buClr>
-                <a:buSzPct val="70000"/>
-              </a:pPr>
-              <a:r>
-                <a:rPr lang="it-IT" sz="3199" b="1" noProof="1">
-                  <a:latin typeface="Consolas" panose="020B0609020204030204" pitchFamily="49" charset="0"/>
-                </a:rPr>
-                <a:t>8</a:t>
-              </a:r>
-            </a:p>
-          </p:txBody>
-        </p:sp>
-        <p:sp>
-          <p:nvSpPr>
-            <p:cNvPr id="17" name="Rectangle 16">
-              <a:extLst>
-                <a:ext uri="{FF2B5EF4-FFF2-40B4-BE49-F238E27FC236}">
-                  <a16:creationId xmlns:a16="http://schemas.microsoft.com/office/drawing/2014/main" id="{E14ADDD8-96C5-490F-AEA8-B0B1D4893E75}"/>
-                </a:ext>
-              </a:extLst>
-            </p:cNvPr>
-            <p:cNvSpPr>
-              <a:spLocks noChangeArrowheads="1"/>
-            </p:cNvSpPr>
-            <p:nvPr/>
-          </p:nvSpPr>
-          <p:spPr bwMode="auto">
-            <a:xfrm>
-              <a:off x="8442255" y="3161993"/>
-              <a:ext cx="1246256" cy="584623"/>
-            </a:xfrm>
-            <a:prstGeom prst="rect">
-              <a:avLst/>
-            </a:prstGeom>
+              </a:buClr>
+              <a:buSzPct val="70000"/>
+            </a:pPr>
+            <a:r>
+              <a:rPr lang="it-IT" sz="3199" b="1" noProof="1">
+                <a:latin typeface="Consolas" panose="020B0609020204030204" pitchFamily="49" charset="0"/>
+              </a:rPr>
+              <a:t>6</a:t>
+            </a:r>
+          </a:p>
+          <a:p>
+            <a:pPr algn="ctr" eaLnBrk="0" hangingPunct="0">
+              <a:buClr>
+                <a:schemeClr val="accent5">
+                  <a:lumMod val="40000"/>
+                  <a:lumOff val="60000"/>
+                </a:schemeClr>
+              </a:buClr>
+              <a:buSzPct val="70000"/>
+            </a:pPr>
+            <a:r>
+              <a:rPr lang="it-IT" sz="3199" b="1" noProof="1">
+                <a:latin typeface="Consolas" panose="020B0609020204030204" pitchFamily="49" charset="0"/>
+              </a:rPr>
+              <a:t>8</a:t>
+            </a:r>
+          </a:p>
+        </p:txBody>
+      </p:sp>
+      <p:sp>
+        <p:nvSpPr>
+          <p:cNvPr id="17" name="Rectangle 16">
+            <a:extLst>
+              <a:ext uri="{FF2B5EF4-FFF2-40B4-BE49-F238E27FC236}">
+                <a16:creationId xmlns:a16="http://schemas.microsoft.com/office/drawing/2014/main" id="{E14ADDD8-96C5-490F-AEA8-B0B1D4893E75}"/>
+              </a:ext>
+            </a:extLst>
+          </p:cNvPr>
+          <p:cNvSpPr>
+            <a:spLocks noChangeArrowheads="1"/>
+          </p:cNvSpPr>
+          <p:nvPr/>
+        </p:nvSpPr>
+        <p:spPr bwMode="auto">
+          <a:xfrm>
+            <a:off x="8449415" y="3305695"/>
+            <a:ext cx="1246256" cy="584623"/>
+          </a:xfrm>
+          <a:prstGeom prst="rect">
+            <a:avLst/>
+          </a:prstGeom>
+          <a:solidFill>
+            <a:schemeClr val="accent5">
+              <a:lumMod val="40000"/>
+              <a:lumOff val="60000"/>
+              <a:alpha val="20000"/>
+            </a:schemeClr>
+          </a:solidFill>
+          <a:ln w="12700">
             <a:solidFill>
               <a:schemeClr val="accent5">
-                <a:lumMod val="40000"/>
-                <a:lumOff val="60000"/>
-                <a:alpha val="20000"/>
+                <a:lumMod val="60000"/>
+                <a:lumOff val="40000"/>
               </a:schemeClr>
             </a:solidFill>
-            <a:ln w="12700">
-              <a:solidFill>
+          </a:ln>
+        </p:spPr>
+        <p:txBody>
+          <a:bodyPr wrap="square">
+            <a:spAutoFit/>
+          </a:bodyPr>
+          <a:lstStyle/>
+          <a:p>
+            <a:pPr algn="ctr" eaLnBrk="0" hangingPunct="0">
+              <a:buClr>
                 <a:schemeClr val="accent5">
-                  <a:lumMod val="60000"/>
-                  <a:lumOff val="40000"/>
+                  <a:lumMod val="40000"/>
+                  <a:lumOff val="60000"/>
                 </a:schemeClr>
-              </a:solidFill>
-            </a:ln>
-          </p:spPr>
-          <p:txBody>
-            <a:bodyPr wrap="square">
-              <a:spAutoFit/>
-            </a:bodyPr>
-            <a:lstStyle/>
-            <a:p>
-              <a:pPr algn="ctr" eaLnBrk="0" hangingPunct="0">
-                <a:buClr>
-                  <a:schemeClr val="accent5">
-                    <a:lumMod val="40000"/>
-                    <a:lumOff val="60000"/>
-                  </a:schemeClr>
-                </a:buClr>
-                <a:buSzPct val="70000"/>
-              </a:pPr>
-              <a:r>
-                <a:rPr lang="en-GB" sz="3199" b="1" noProof="1">
-                  <a:latin typeface="Consolas" panose="020B0609020204030204" pitchFamily="49" charset="0"/>
-                </a:rPr>
-                <a:t>48</a:t>
-              </a:r>
-              <a:endParaRPr lang="it-IT" sz="3199" b="1" noProof="1">
+              </a:buClr>
+              <a:buSzPct val="70000"/>
+            </a:pPr>
+            <a:r>
+              <a:rPr lang="en-GB" sz="3199" b="1" noProof="1">
                 <a:latin typeface="Consolas" panose="020B0609020204030204" pitchFamily="49" charset="0"/>
-              </a:endParaRPr>
-            </a:p>
-          </p:txBody>
-        </p:sp>
-        <p:sp>
-          <p:nvSpPr>
-            <p:cNvPr id="18" name="Rectangle 17">
-              <a:extLst>
-                <a:ext uri="{FF2B5EF4-FFF2-40B4-BE49-F238E27FC236}">
-                  <a16:creationId xmlns:a16="http://schemas.microsoft.com/office/drawing/2014/main" id="{4889EC55-6884-4991-AB07-0D82EB86B0EC}"/>
-                </a:ext>
-              </a:extLst>
-            </p:cNvPr>
-            <p:cNvSpPr>
-              <a:spLocks noChangeArrowheads="1"/>
-            </p:cNvSpPr>
-            <p:nvPr/>
-          </p:nvSpPr>
-          <p:spPr bwMode="auto">
-            <a:xfrm>
-              <a:off x="6612898" y="4434382"/>
-              <a:ext cx="672032" cy="1076937"/>
-            </a:xfrm>
-            <a:prstGeom prst="rect">
-              <a:avLst/>
-            </a:prstGeom>
+              </a:rPr>
+              <a:t>48</a:t>
+            </a:r>
+            <a:endParaRPr lang="it-IT" sz="3199" b="1" noProof="1">
+              <a:latin typeface="Consolas" panose="020B0609020204030204" pitchFamily="49" charset="0"/>
+            </a:endParaRPr>
+          </a:p>
+        </p:txBody>
+      </p:sp>
+      <p:sp>
+        <p:nvSpPr>
+          <p:cNvPr id="18" name="Rectangle 17">
+            <a:extLst>
+              <a:ext uri="{FF2B5EF4-FFF2-40B4-BE49-F238E27FC236}">
+                <a16:creationId xmlns:a16="http://schemas.microsoft.com/office/drawing/2014/main" id="{4889EC55-6884-4991-AB07-0D82EB86B0EC}"/>
+              </a:ext>
+            </a:extLst>
+          </p:cNvPr>
+          <p:cNvSpPr>
+            <a:spLocks noChangeArrowheads="1"/>
+          </p:cNvSpPr>
+          <p:nvPr/>
+        </p:nvSpPr>
+        <p:spPr bwMode="auto">
+          <a:xfrm>
+            <a:off x="6620058" y="4980999"/>
+            <a:ext cx="672032" cy="1076937"/>
+          </a:xfrm>
+          <a:prstGeom prst="rect">
+            <a:avLst/>
+          </a:prstGeom>
+          <a:solidFill>
+            <a:schemeClr val="accent5">
+              <a:lumMod val="40000"/>
+              <a:lumOff val="60000"/>
+              <a:alpha val="20000"/>
+            </a:schemeClr>
+          </a:solidFill>
+          <a:ln w="12700">
             <a:solidFill>
               <a:schemeClr val="accent5">
-                <a:lumMod val="40000"/>
-                <a:lumOff val="60000"/>
-                <a:alpha val="20000"/>
+                <a:lumMod val="60000"/>
+                <a:lumOff val="40000"/>
               </a:schemeClr>
             </a:solidFill>
-            <a:ln w="12700">
-              <a:solidFill>
+          </a:ln>
+        </p:spPr>
+        <p:txBody>
+          <a:bodyPr wrap="square">
+            <a:spAutoFit/>
+          </a:bodyPr>
+          <a:lstStyle/>
+          <a:p>
+            <a:pPr algn="ctr" eaLnBrk="0" hangingPunct="0">
+              <a:buClr>
                 <a:schemeClr val="accent5">
-                  <a:lumMod val="60000"/>
-                  <a:lumOff val="40000"/>
+                  <a:lumMod val="40000"/>
+                  <a:lumOff val="60000"/>
                 </a:schemeClr>
-              </a:solidFill>
-            </a:ln>
-          </p:spPr>
-          <p:txBody>
-            <a:bodyPr wrap="square">
-              <a:spAutoFit/>
-            </a:bodyPr>
-            <a:lstStyle/>
-            <a:p>
-              <a:pPr algn="ctr" eaLnBrk="0" hangingPunct="0">
-                <a:buClr>
-                  <a:schemeClr val="accent5">
-                    <a:lumMod val="40000"/>
-                    <a:lumOff val="60000"/>
-                  </a:schemeClr>
-                </a:buClr>
-                <a:buSzPct val="70000"/>
-              </a:pPr>
-              <a:r>
-                <a:rPr lang="it-IT" sz="3199" b="1" noProof="1">
-                  <a:latin typeface="Consolas" panose="020B0609020204030204" pitchFamily="49" charset="0"/>
-                </a:rPr>
-                <a:t>7</a:t>
-              </a:r>
-            </a:p>
-            <a:p>
-              <a:pPr algn="ctr" eaLnBrk="0" hangingPunct="0">
-                <a:buClr>
-                  <a:schemeClr val="accent5">
-                    <a:lumMod val="40000"/>
-                    <a:lumOff val="60000"/>
-                  </a:schemeClr>
-                </a:buClr>
-                <a:buSzPct val="70000"/>
-              </a:pPr>
-              <a:r>
-                <a:rPr lang="it-IT" sz="3199" b="1" noProof="1">
-                  <a:latin typeface="Consolas" panose="020B0609020204030204" pitchFamily="49" charset="0"/>
-                </a:rPr>
-                <a:t>8</a:t>
-              </a:r>
-            </a:p>
-          </p:txBody>
-        </p:sp>
-        <p:sp>
-          <p:nvSpPr>
-            <p:cNvPr id="19" name="Right Arrow 14">
-              <a:extLst>
-                <a:ext uri="{FF2B5EF4-FFF2-40B4-BE49-F238E27FC236}">
-                  <a16:creationId xmlns:a16="http://schemas.microsoft.com/office/drawing/2014/main" id="{37577219-85D8-42A5-99C1-932A8F5C8105}"/>
-                </a:ext>
-              </a:extLst>
-            </p:cNvPr>
-            <p:cNvSpPr/>
-            <p:nvPr/>
-          </p:nvSpPr>
-          <p:spPr>
-            <a:xfrm flipV="1">
-              <a:off x="7615485" y="4735416"/>
-              <a:ext cx="496215" cy="385646"/>
-            </a:xfrm>
-            <a:prstGeom prst="rightArrow">
-              <a:avLst/>
-            </a:prstGeom>
+              </a:buClr>
+              <a:buSzPct val="70000"/>
+            </a:pPr>
+            <a:r>
+              <a:rPr lang="it-IT" sz="3199" b="1" noProof="1">
+                <a:latin typeface="Consolas" panose="020B0609020204030204" pitchFamily="49" charset="0"/>
+              </a:rPr>
+              <a:t>7</a:t>
+            </a:r>
+          </a:p>
+          <a:p>
+            <a:pPr algn="ctr" eaLnBrk="0" hangingPunct="0">
+              <a:buClr>
+                <a:schemeClr val="accent5">
+                  <a:lumMod val="40000"/>
+                  <a:lumOff val="60000"/>
+                </a:schemeClr>
+              </a:buClr>
+              <a:buSzPct val="70000"/>
+            </a:pPr>
+            <a:r>
+              <a:rPr lang="it-IT" sz="3199" b="1" noProof="1">
+                <a:latin typeface="Consolas" panose="020B0609020204030204" pitchFamily="49" charset="0"/>
+              </a:rPr>
+              <a:t>8</a:t>
+            </a:r>
+          </a:p>
+        </p:txBody>
+      </p:sp>
+      <p:sp>
+        <p:nvSpPr>
+          <p:cNvPr id="19" name="Right Arrow 14">
+            <a:extLst>
+              <a:ext uri="{FF2B5EF4-FFF2-40B4-BE49-F238E27FC236}">
+                <a16:creationId xmlns:a16="http://schemas.microsoft.com/office/drawing/2014/main" id="{37577219-85D8-42A5-99C1-932A8F5C8105}"/>
+              </a:ext>
+            </a:extLst>
+          </p:cNvPr>
+          <p:cNvSpPr/>
+          <p:nvPr/>
+        </p:nvSpPr>
+        <p:spPr>
+          <a:xfrm flipV="1">
+            <a:off x="7622645" y="5392731"/>
+            <a:ext cx="496215" cy="385646"/>
+          </a:xfrm>
+          <a:prstGeom prst="rightArrow">
+            <a:avLst/>
+          </a:prstGeom>
+          <a:solidFill>
+            <a:schemeClr val="dk2">
+              <a:alpha val="80000"/>
+            </a:schemeClr>
+          </a:solidFill>
+          <a:ln w="19050">
             <a:solidFill>
-              <a:schemeClr val="dk2">
+              <a:schemeClr val="tx1">
+                <a:lumMod val="75000"/>
                 <a:alpha val="80000"/>
               </a:schemeClr>
             </a:solidFill>
-            <a:ln w="19050">
+          </a:ln>
+          <a:effectLst/>
+        </p:spPr>
+        <p:style>
+          <a:lnRef idx="2">
+            <a:schemeClr val="accent1">
+              <a:shade val="50000"/>
+            </a:schemeClr>
+          </a:lnRef>
+          <a:fillRef idx="1001">
+            <a:schemeClr val="dk2"/>
+          </a:fillRef>
+          <a:effectRef idx="0">
+            <a:schemeClr val="accent1"/>
+          </a:effectRef>
+          <a:fontRef idx="minor">
+            <a:schemeClr val="lt1"/>
+          </a:fontRef>
+        </p:style>
+        <p:txBody>
+          <a:bodyPr rot="0" spcFirstLastPara="0" vertOverflow="overflow" horzOverflow="overflow" vert="horz" wrap="square" lIns="91416" tIns="45708" rIns="91416" bIns="45708" numCol="1" spcCol="0" rtlCol="0" fromWordArt="0" anchor="ctr" anchorCtr="0" forceAA="0" compatLnSpc="1">
+            <a:prstTxWarp prst="textNoShape">
+              <a:avLst/>
+            </a:prstTxWarp>
+            <a:noAutofit/>
+          </a:bodyPr>
+          <a:lstStyle/>
+          <a:p>
+            <a:pPr algn="ctr"/>
+            <a:endParaRPr lang="en-US" sz="2799" b="1">
               <a:solidFill>
-                <a:schemeClr val="tx1">
-                  <a:lumMod val="75000"/>
-                  <a:alpha val="80000"/>
-                </a:schemeClr>
+                <a:srgbClr val="FFFFFF"/>
               </a:solidFill>
-            </a:ln>
-            <a:effectLst/>
-          </p:spPr>
-          <p:style>
-            <a:lnRef idx="2">
-              <a:schemeClr val="accent1">
-                <a:shade val="50000"/>
-              </a:schemeClr>
-            </a:lnRef>
-            <a:fillRef idx="1001">
-              <a:schemeClr val="dk2"/>
-            </a:fillRef>
-            <a:effectRef idx="0">
-              <a:schemeClr val="accent1"/>
-            </a:effectRef>
-            <a:fontRef idx="minor">
-              <a:schemeClr val="lt1"/>
-            </a:fontRef>
-          </p:style>
-          <p:txBody>
-            <a:bodyPr rot="0" spcFirstLastPara="0" vertOverflow="overflow" horzOverflow="overflow" vert="horz" wrap="square" lIns="91416" tIns="45708" rIns="91416" bIns="45708" numCol="1" spcCol="0" rtlCol="0" fromWordArt="0" anchor="ctr" anchorCtr="0" forceAA="0" compatLnSpc="1">
-              <a:prstTxWarp prst="textNoShape">
-                <a:avLst/>
-              </a:prstTxWarp>
-              <a:noAutofit/>
-            </a:bodyPr>
-            <a:lstStyle/>
-            <a:p>
-              <a:pPr algn="ctr"/>
-              <a:endParaRPr lang="en-US" sz="2799" b="1">
-                <a:solidFill>
-                  <a:srgbClr val="FFFFFF"/>
-                </a:solidFill>
-                <a:effectLst>
-                  <a:outerShdw blurRad="38100" dist="38100" dir="2700000" algn="tl">
-                    <a:srgbClr val="000000">
-                      <a:alpha val="43137"/>
-                    </a:srgbClr>
-                  </a:outerShdw>
-                </a:effectLst>
-              </a:endParaRPr>
-            </a:p>
-          </p:txBody>
-        </p:sp>
-        <p:sp>
-          <p:nvSpPr>
-            <p:cNvPr id="20" name="Rectangle 19">
-              <a:extLst>
-                <a:ext uri="{FF2B5EF4-FFF2-40B4-BE49-F238E27FC236}">
-                  <a16:creationId xmlns:a16="http://schemas.microsoft.com/office/drawing/2014/main" id="{C3BB558D-FBA1-44A9-86FC-F21D18136472}"/>
-                </a:ext>
-              </a:extLst>
-            </p:cNvPr>
-            <p:cNvSpPr>
-              <a:spLocks noChangeArrowheads="1"/>
-            </p:cNvSpPr>
-            <p:nvPr/>
-          </p:nvSpPr>
-          <p:spPr bwMode="auto">
-            <a:xfrm>
-              <a:off x="8442255" y="4635931"/>
-              <a:ext cx="1246256" cy="584623"/>
-            </a:xfrm>
-            <a:prstGeom prst="rect">
-              <a:avLst/>
-            </a:prstGeom>
+              <a:effectLst>
+                <a:outerShdw blurRad="38100" dist="38100" dir="2700000" algn="tl">
+                  <a:srgbClr val="000000">
+                    <a:alpha val="43137"/>
+                  </a:srgbClr>
+                </a:outerShdw>
+              </a:effectLst>
+            </a:endParaRPr>
+          </a:p>
+        </p:txBody>
+      </p:sp>
+      <p:sp>
+        <p:nvSpPr>
+          <p:cNvPr id="20" name="Rectangle 19">
+            <a:extLst>
+              <a:ext uri="{FF2B5EF4-FFF2-40B4-BE49-F238E27FC236}">
+                <a16:creationId xmlns:a16="http://schemas.microsoft.com/office/drawing/2014/main" id="{C3BB558D-FBA1-44A9-86FC-F21D18136472}"/>
+              </a:ext>
+            </a:extLst>
+          </p:cNvPr>
+          <p:cNvSpPr>
+            <a:spLocks noChangeArrowheads="1"/>
+          </p:cNvSpPr>
+          <p:nvPr/>
+        </p:nvSpPr>
+        <p:spPr bwMode="auto">
+          <a:xfrm>
+            <a:off x="8449415" y="5193753"/>
+            <a:ext cx="1246256" cy="584623"/>
+          </a:xfrm>
+          <a:prstGeom prst="rect">
+            <a:avLst/>
+          </a:prstGeom>
+          <a:solidFill>
+            <a:schemeClr val="accent5">
+              <a:lumMod val="40000"/>
+              <a:lumOff val="60000"/>
+              <a:alpha val="20000"/>
+            </a:schemeClr>
+          </a:solidFill>
+          <a:ln w="12700">
             <a:solidFill>
               <a:schemeClr val="accent5">
-                <a:lumMod val="40000"/>
-                <a:lumOff val="60000"/>
-                <a:alpha val="20000"/>
+                <a:lumMod val="60000"/>
+                <a:lumOff val="40000"/>
               </a:schemeClr>
             </a:solidFill>
-            <a:ln w="12700">
-              <a:solidFill>
+          </a:ln>
+        </p:spPr>
+        <p:txBody>
+          <a:bodyPr wrap="square">
+            <a:spAutoFit/>
+          </a:bodyPr>
+          <a:lstStyle/>
+          <a:p>
+            <a:pPr algn="ctr" eaLnBrk="0" hangingPunct="0">
+              <a:buClr>
                 <a:schemeClr val="accent5">
-                  <a:lumMod val="60000"/>
-                  <a:lumOff val="40000"/>
+                  <a:lumMod val="40000"/>
+                  <a:lumOff val="60000"/>
                 </a:schemeClr>
-              </a:solidFill>
-            </a:ln>
-          </p:spPr>
-          <p:txBody>
-            <a:bodyPr wrap="square">
-              <a:spAutoFit/>
-            </a:bodyPr>
-            <a:lstStyle/>
-            <a:p>
-              <a:pPr algn="ctr" eaLnBrk="0" hangingPunct="0">
-                <a:buClr>
-                  <a:schemeClr val="accent5">
-                    <a:lumMod val="40000"/>
-                    <a:lumOff val="60000"/>
-                  </a:schemeClr>
-                </a:buClr>
-                <a:buSzPct val="70000"/>
-              </a:pPr>
-              <a:r>
-                <a:rPr lang="it-IT" sz="3199" b="1" noProof="1">
-                  <a:latin typeface="Consolas" panose="020B0609020204030204" pitchFamily="49" charset="0"/>
-                </a:rPr>
-                <a:t>56</a:t>
-              </a:r>
-            </a:p>
-          </p:txBody>
-        </p:sp>
-        <p:sp>
-          <p:nvSpPr>
-            <p:cNvPr id="21" name="Right Arrow 14">
-              <a:extLst>
-                <a:ext uri="{FF2B5EF4-FFF2-40B4-BE49-F238E27FC236}">
-                  <a16:creationId xmlns:a16="http://schemas.microsoft.com/office/drawing/2014/main" id="{114A43CB-7D0B-4CF3-95EC-B9F049308488}"/>
-                </a:ext>
-              </a:extLst>
-            </p:cNvPr>
-            <p:cNvSpPr/>
-            <p:nvPr/>
-          </p:nvSpPr>
-          <p:spPr>
-            <a:xfrm flipV="1">
-              <a:off x="7615485" y="3295251"/>
-              <a:ext cx="496215" cy="385646"/>
-            </a:xfrm>
-            <a:prstGeom prst="rightArrow">
-              <a:avLst/>
-            </a:prstGeom>
+              </a:buClr>
+              <a:buSzPct val="70000"/>
+            </a:pPr>
+            <a:r>
+              <a:rPr lang="it-IT" sz="3199" b="1" noProof="1">
+                <a:latin typeface="Consolas" panose="020B0609020204030204" pitchFamily="49" charset="0"/>
+              </a:rPr>
+              <a:t>56</a:t>
+            </a:r>
+          </a:p>
+        </p:txBody>
+      </p:sp>
+      <p:sp>
+        <p:nvSpPr>
+          <p:cNvPr id="21" name="Right Arrow 14">
+            <a:extLst>
+              <a:ext uri="{FF2B5EF4-FFF2-40B4-BE49-F238E27FC236}">
+                <a16:creationId xmlns:a16="http://schemas.microsoft.com/office/drawing/2014/main" id="{114A43CB-7D0B-4CF3-95EC-B9F049308488}"/>
+              </a:ext>
+            </a:extLst>
+          </p:cNvPr>
+          <p:cNvSpPr/>
+          <p:nvPr/>
+        </p:nvSpPr>
+        <p:spPr>
+          <a:xfrm flipV="1">
+            <a:off x="7606564" y="3402539"/>
+            <a:ext cx="496215" cy="385646"/>
+          </a:xfrm>
+          <a:prstGeom prst="rightArrow">
+            <a:avLst/>
+          </a:prstGeom>
+          <a:solidFill>
+            <a:schemeClr val="dk2">
+              <a:alpha val="80000"/>
+            </a:schemeClr>
+          </a:solidFill>
+          <a:ln w="19050">
             <a:solidFill>
-              <a:schemeClr val="dk2">
+              <a:schemeClr val="tx1">
+                <a:lumMod val="75000"/>
                 <a:alpha val="80000"/>
               </a:schemeClr>
             </a:solidFill>
-            <a:ln w="19050">
+          </a:ln>
+          <a:effectLst/>
+        </p:spPr>
+        <p:style>
+          <a:lnRef idx="2">
+            <a:schemeClr val="accent1">
+              <a:shade val="50000"/>
+            </a:schemeClr>
+          </a:lnRef>
+          <a:fillRef idx="1001">
+            <a:schemeClr val="dk2"/>
+          </a:fillRef>
+          <a:effectRef idx="0">
+            <a:schemeClr val="accent1"/>
+          </a:effectRef>
+          <a:fontRef idx="minor">
+            <a:schemeClr val="lt1"/>
+          </a:fontRef>
+        </p:style>
+        <p:txBody>
+          <a:bodyPr rot="0" spcFirstLastPara="0" vertOverflow="overflow" horzOverflow="overflow" vert="horz" wrap="square" lIns="91416" tIns="45708" rIns="91416" bIns="45708" numCol="1" spcCol="0" rtlCol="0" fromWordArt="0" anchor="ctr" anchorCtr="0" forceAA="0" compatLnSpc="1">
+            <a:prstTxWarp prst="textNoShape">
+              <a:avLst/>
+            </a:prstTxWarp>
+            <a:noAutofit/>
+          </a:bodyPr>
+          <a:lstStyle/>
+          <a:p>
+            <a:pPr algn="ctr"/>
+            <a:endParaRPr lang="en-US" sz="2799" b="1">
               <a:solidFill>
-                <a:schemeClr val="tx1">
-                  <a:lumMod val="75000"/>
-                  <a:alpha val="80000"/>
-                </a:schemeClr>
+                <a:srgbClr val="FFFFFF"/>
               </a:solidFill>
-            </a:ln>
-            <a:effectLst/>
-          </p:spPr>
-          <p:style>
-            <a:lnRef idx="2">
-              <a:schemeClr val="accent1">
-                <a:shade val="50000"/>
-              </a:schemeClr>
-            </a:lnRef>
-            <a:fillRef idx="1001">
-              <a:schemeClr val="dk2"/>
-            </a:fillRef>
-            <a:effectRef idx="0">
-              <a:schemeClr val="accent1"/>
-            </a:effectRef>
-            <a:fontRef idx="minor">
-              <a:schemeClr val="lt1"/>
-            </a:fontRef>
-          </p:style>
-          <p:txBody>
-            <a:bodyPr rot="0" spcFirstLastPara="0" vertOverflow="overflow" horzOverflow="overflow" vert="horz" wrap="square" lIns="91416" tIns="45708" rIns="91416" bIns="45708" numCol="1" spcCol="0" rtlCol="0" fromWordArt="0" anchor="ctr" anchorCtr="0" forceAA="0" compatLnSpc="1">
-              <a:prstTxWarp prst="textNoShape">
-                <a:avLst/>
-              </a:prstTxWarp>
-              <a:noAutofit/>
-            </a:bodyPr>
-            <a:lstStyle/>
-            <a:p>
-              <a:pPr algn="ctr"/>
-              <a:endParaRPr lang="en-US" sz="2799" b="1">
-                <a:solidFill>
-                  <a:srgbClr val="FFFFFF"/>
-                </a:solidFill>
-                <a:effectLst>
-                  <a:outerShdw blurRad="38100" dist="38100" dir="2700000" algn="tl">
-                    <a:srgbClr val="000000">
-                      <a:alpha val="43137"/>
-                    </a:srgbClr>
-                  </a:outerShdw>
-                </a:effectLst>
-              </a:endParaRPr>
-            </a:p>
-          </p:txBody>
-        </p:sp>
-      </p:grpSp>
+              <a:effectLst>
+                <a:outerShdw blurRad="38100" dist="38100" dir="2700000" algn="tl">
+                  <a:srgbClr val="000000">
+                    <a:alpha val="43137"/>
+                  </a:srgbClr>
+                </a:outerShdw>
+              </a:effectLst>
+            </a:endParaRPr>
+          </a:p>
+        </p:txBody>
+      </p:sp>
       <p:sp>
         <p:nvSpPr>
           <p:cNvPr id="22" name="Slide Number">
@@ -21506,7 +24131,7 @@
             <a:fld id="{2BF067CD-8E6B-4360-9AA8-C5DF2A48A6D1}" type="slidenum">
               <a:rPr lang="en-US" noProof="0" smtClean="0"/>
               <a:pPr/>
-              <a:t>20</a:t>
+              <a:t>23</a:t>
             </a:fld>
             <a:endParaRPr lang="en-US" noProof="0" dirty="0"/>
           </a:p>
@@ -21551,7 +24176,7 @@
                             </p:stCondLst>
                             <p:childTnLst>
                               <p:par>
-                                <p:cTn id="5" presetID="1" presetClass="entr" presetSubtype="0" fill="hold" nodeType="clickEffect">
+                                <p:cTn id="5" presetID="1" presetClass="entr" presetSubtype="0" fill="hold" grpId="0" nodeType="clickEffect">
                                   <p:stCondLst>
                                     <p:cond delay="0"/>
                                   </p:stCondLst>
@@ -21564,7 +24189,142 @@
                                           </p:stCondLst>
                                         </p:cTn>
                                         <p:tgtEl>
-                                          <p:spTgt spid="2"/>
+                                          <p:spTgt spid="12"/>
+                                        </p:tgtEl>
+                                        <p:attrNameLst>
+                                          <p:attrName>style.visibility</p:attrName>
+                                        </p:attrNameLst>
+                                      </p:cBhvr>
+                                      <p:to>
+                                        <p:strVal val="visible"/>
+                                      </p:to>
+                                    </p:set>
+                                  </p:childTnLst>
+                                </p:cTn>
+                              </p:par>
+                              <p:par>
+                                <p:cTn id="7" presetID="1" presetClass="entr" presetSubtype="0" fill="hold" grpId="0" nodeType="withEffect">
+                                  <p:stCondLst>
+                                    <p:cond delay="0"/>
+                                  </p:stCondLst>
+                                  <p:childTnLst>
+                                    <p:set>
+                                      <p:cBhvr>
+                                        <p:cTn id="8" dur="1" fill="hold">
+                                          <p:stCondLst>
+                                            <p:cond delay="0"/>
+                                          </p:stCondLst>
+                                        </p:cTn>
+                                        <p:tgtEl>
+                                          <p:spTgt spid="13"/>
+                                        </p:tgtEl>
+                                        <p:attrNameLst>
+                                          <p:attrName>style.visibility</p:attrName>
+                                        </p:attrNameLst>
+                                      </p:cBhvr>
+                                      <p:to>
+                                        <p:strVal val="visible"/>
+                                      </p:to>
+                                    </p:set>
+                                  </p:childTnLst>
+                                </p:cTn>
+                              </p:par>
+                              <p:par>
+                                <p:cTn id="9" presetID="1" presetClass="entr" presetSubtype="0" fill="hold" grpId="0" nodeType="withEffect">
+                                  <p:stCondLst>
+                                    <p:cond delay="0"/>
+                                  </p:stCondLst>
+                                  <p:childTnLst>
+                                    <p:set>
+                                      <p:cBhvr>
+                                        <p:cTn id="10" dur="1" fill="hold">
+                                          <p:stCondLst>
+                                            <p:cond delay="0"/>
+                                          </p:stCondLst>
+                                        </p:cTn>
+                                        <p:tgtEl>
+                                          <p:spTgt spid="14"/>
+                                        </p:tgtEl>
+                                        <p:attrNameLst>
+                                          <p:attrName>style.visibility</p:attrName>
+                                        </p:attrNameLst>
+                                      </p:cBhvr>
+                                      <p:to>
+                                        <p:strVal val="visible"/>
+                                      </p:to>
+                                    </p:set>
+                                  </p:childTnLst>
+                                </p:cTn>
+                              </p:par>
+                              <p:par>
+                                <p:cTn id="11" presetID="1" presetClass="entr" presetSubtype="0" fill="hold" grpId="0" nodeType="withEffect">
+                                  <p:stCondLst>
+                                    <p:cond delay="0"/>
+                                  </p:stCondLst>
+                                  <p:childTnLst>
+                                    <p:set>
+                                      <p:cBhvr>
+                                        <p:cTn id="12" dur="1" fill="hold">
+                                          <p:stCondLst>
+                                            <p:cond delay="0"/>
+                                          </p:stCondLst>
+                                        </p:cTn>
+                                        <p:tgtEl>
+                                          <p:spTgt spid="18"/>
+                                        </p:tgtEl>
+                                        <p:attrNameLst>
+                                          <p:attrName>style.visibility</p:attrName>
+                                        </p:attrNameLst>
+                                      </p:cBhvr>
+                                      <p:to>
+                                        <p:strVal val="visible"/>
+                                      </p:to>
+                                    </p:set>
+                                  </p:childTnLst>
+                                </p:cTn>
+                              </p:par>
+                              <p:par>
+                                <p:cTn id="13" presetID="1" presetClass="entr" presetSubtype="0" fill="hold" grpId="0" nodeType="withEffect">
+                                  <p:stCondLst>
+                                    <p:cond delay="0"/>
+                                  </p:stCondLst>
+                                  <p:childTnLst>
+                                    <p:set>
+                                      <p:cBhvr>
+                                        <p:cTn id="14" dur="1" fill="hold">
+                                          <p:stCondLst>
+                                            <p:cond delay="0"/>
+                                          </p:stCondLst>
+                                        </p:cTn>
+                                        <p:tgtEl>
+                                          <p:spTgt spid="19"/>
+                                        </p:tgtEl>
+                                        <p:attrNameLst>
+                                          <p:attrName>style.visibility</p:attrName>
+                                        </p:attrNameLst>
+                                      </p:cBhvr>
+                                      <p:to>
+                                        <p:strVal val="visible"/>
+                                      </p:to>
+                                    </p:set>
+                                  </p:childTnLst>
+                                </p:cTn>
+                              </p:par>
+                              <p:par>
+                                <p:cTn id="15" presetID="1" presetClass="entr" presetSubtype="0" fill="hold" grpId="0" nodeType="withEffect">
+                                  <p:stCondLst>
+                                    <p:cond delay="0"/>
+                                  </p:stCondLst>
+                                  <p:childTnLst>
+                                    <p:set>
+                                      <p:cBhvr>
+                                        <p:cTn id="16" dur="1" fill="hold">
+                                          <p:stCondLst>
+                                            <p:cond delay="0"/>
+                                          </p:stCondLst>
+                                        </p:cTn>
+                                        <p:tgtEl>
+                                          <p:spTgt spid="20"/>
                                         </p:tgtEl>
                                         <p:attrNameLst>
                                           <p:attrName>style.visibility</p:attrName>
@@ -21604,11 +24364,19 @@
         </p:cTn>
       </p:par>
     </p:tnLst>
+    <p:bldLst>
+      <p:bldP spid="12" grpId="0" animBg="1"/>
+      <p:bldP spid="13" grpId="0" animBg="1"/>
+      <p:bldP spid="14" grpId="0" animBg="1"/>
+      <p:bldP spid="18" grpId="0" animBg="1"/>
+      <p:bldP spid="19" grpId="0" animBg="1"/>
+      <p:bldP spid="20" grpId="0" animBg="1"/>
+    </p:bldLst>
   </p:timing>
 </p:sld>
 </file>
 
-<file path=ppt/slides/slide21.xml><?xml version="1.0" encoding="utf-8"?>
+<file path=ppt/slides/slide24.xml><?xml version="1.0" encoding="utf-8"?>
 <p:sld xmlns:a="http://schemas.openxmlformats.org/drawingml/2006/main" xmlns:r="http://schemas.openxmlformats.org/officeDocument/2006/relationships" xmlns:p="http://schemas.openxmlformats.org/presentationml/2006/main">
   <p:cSld>
     <p:spTree>
@@ -22444,9 +25212,9 @@
             </a:r>
             <a:r>
               <a:rPr lang="en-US" sz="1999" dirty="0">
-                <a:hlinkClick r:id="rId2"/>
-              </a:rPr>
-              <a:t>https://judge.softuni.bg/Contests/Practice/Index/3160#4</a:t>
+                <a:hlinkClick r:id="rId3"/>
+              </a:rPr>
+              <a:t>https://judge.softuni.org/Contests/Practice/Index/3901#3</a:t>
             </a:r>
             <a:endParaRPr lang="en-US" sz="1999" dirty="0"/>
           </a:p>
@@ -22488,7 +25256,7 @@
             <a:fld id="{2BF067CD-8E6B-4360-9AA8-C5DF2A48A6D1}" type="slidenum">
               <a:rPr lang="en-US" noProof="0" smtClean="0"/>
               <a:pPr/>
-              <a:t>21</a:t>
+              <a:t>24</a:t>
             </a:fld>
             <a:endParaRPr lang="en-US" noProof="0" dirty="0"/>
           </a:p>
@@ -22789,7 +25557,7 @@
 </p:sld>
 </file>
 
-<file path=ppt/slides/slide22.xml><?xml version="1.0" encoding="utf-8"?>
+<file path=ppt/slides/slide25.xml><?xml version="1.0" encoding="utf-8"?>
 <p:sld xmlns:a="http://schemas.openxmlformats.org/drawingml/2006/main" xmlns:r="http://schemas.openxmlformats.org/officeDocument/2006/relationships" xmlns:p="http://schemas.openxmlformats.org/presentationml/2006/main">
   <p:cSld>
     <p:spTree>
@@ -22967,7 +25735,7 @@
 </p:sld>
 </file>
 
-<file path=ppt/slides/slide23.xml><?xml version="1.0" encoding="utf-8"?>
+<file path=ppt/slides/slide26.xml><?xml version="1.0" encoding="utf-8"?>
 <p:sld xmlns:a="http://schemas.openxmlformats.org/drawingml/2006/main" xmlns:r="http://schemas.openxmlformats.org/officeDocument/2006/relationships" xmlns:p="http://schemas.openxmlformats.org/presentationml/2006/main">
   <p:cSld>
     <p:spTree>
@@ -23510,7 +26278,7 @@
             <a:fld id="{2BF067CD-8E6B-4360-9AA8-C5DF2A48A6D1}" type="slidenum">
               <a:rPr lang="en-US" noProof="0" smtClean="0"/>
               <a:pPr/>
-              <a:t>23</a:t>
+              <a:t>26</a:t>
             </a:fld>
             <a:endParaRPr lang="en-US" noProof="0" dirty="0"/>
           </a:p>
@@ -23619,7 +26387,7 @@
                   <a:srgbClr val="FFFFFF"/>
                 </a:solidFill>
               </a:rPr>
-              <a:t>метода, програмата </a:t>
+              <a:t>метода програмата </a:t>
             </a:r>
             <a:r>
               <a:rPr lang="bg-BG" sz="3000" b="1" dirty="0">
@@ -23878,7 +26646,7 @@
 </p:sld>
 </file>
 
-<file path=ppt/slides/slide24.xml><?xml version="1.0" encoding="utf-8"?>
+<file path=ppt/slides/slide27.xml><?xml version="1.0" encoding="utf-8"?>
 <p:sld xmlns:a="http://schemas.openxmlformats.org/drawingml/2006/main" xmlns:r="http://schemas.openxmlformats.org/officeDocument/2006/relationships" xmlns:p="http://schemas.openxmlformats.org/presentationml/2006/main">
   <p:cSld>
     <p:spTree>
@@ -24012,7 +26780,7 @@
 </p:sld>
 </file>
 
-<file path=ppt/slides/slide25.xml><?xml version="1.0" encoding="utf-8"?>
+<file path=ppt/slides/slide28.xml><?xml version="1.0" encoding="utf-8"?>
 <p:sld xmlns:a="http://schemas.openxmlformats.org/drawingml/2006/main" xmlns:r="http://schemas.openxmlformats.org/officeDocument/2006/relationships" xmlns:p="http://schemas.openxmlformats.org/presentationml/2006/main">
   <p:cSld>
     <p:spTree>
@@ -24290,7 +27058,7 @@
         </p:blipFill>
         <p:spPr bwMode="auto">
           <a:xfrm>
-            <a:off x="2091000" y="5736857"/>
+            <a:off x="2008119" y="5746617"/>
             <a:ext cx="538851" cy="533260"/>
           </a:xfrm>
           <a:prstGeom prst="rect">
@@ -24353,7 +27121,7 @@
           <a:p>
             <a:pPr eaLnBrk="0" hangingPunct="0">
               <a:lnSpc>
-                <a:spcPts val="1999"/>
+                <a:spcPts val="3000"/>
               </a:lnSpc>
               <a:buClr>
                 <a:schemeClr val="accent5">
@@ -24472,8 +27240,11 @@
           <a:p>
             <a:pPr eaLnBrk="0" hangingPunct="0">
               <a:lnSpc>
-                <a:spcPts val="1999"/>
+                <a:spcPts val="3000"/>
               </a:lnSpc>
+              <a:spcBef>
+                <a:spcPts val="400"/>
+              </a:spcBef>
               <a:buClr>
                 <a:schemeClr val="accent5">
                   <a:lumMod val="40000"/>
@@ -24705,7 +27476,7 @@
             <a:fld id="{2BF067CD-8E6B-4360-9AA8-C5DF2A48A6D1}" type="slidenum">
               <a:rPr lang="en-US" smtClean="0"/>
               <a:pPr/>
-              <a:t>25</a:t>
+              <a:t>28</a:t>
             </a:fld>
             <a:endParaRPr lang="en-US" dirty="0"/>
           </a:p>
@@ -25039,7 +27810,7 @@
 </p:sld>
 </file>
 
-<file path=ppt/slides/slide26.xml><?xml version="1.0" encoding="utf-8"?>
+<file path=ppt/slides/slide29.xml><?xml version="1.0" encoding="utf-8"?>
 <p:sld xmlns:a="http://schemas.openxmlformats.org/drawingml/2006/main" xmlns:r="http://schemas.openxmlformats.org/officeDocument/2006/relationships" xmlns:p="http://schemas.openxmlformats.org/presentationml/2006/main">
   <p:cSld>
     <p:spTree>
@@ -25225,7 +27996,7 @@
         </p:nvSpPr>
         <p:spPr bwMode="auto">
           <a:xfrm>
-            <a:off x="2491130" y="4586808"/>
+            <a:off x="3118617" y="4604477"/>
             <a:ext cx="5954765" cy="769881"/>
           </a:xfrm>
           <a:prstGeom prst="rect">
@@ -25443,7 +28214,7 @@
             <a:fld id="{2BF067CD-8E6B-4360-9AA8-C5DF2A48A6D1}" type="slidenum">
               <a:rPr lang="en-US" smtClean="0"/>
               <a:pPr/>
-              <a:t>26</a:t>
+              <a:t>29</a:t>
             </a:fld>
             <a:endParaRPr lang="en-US" dirty="0"/>
           </a:p>
@@ -25478,7 +28249,7 @@
         </p:blipFill>
         <p:spPr bwMode="auto">
           <a:xfrm>
-            <a:off x="1801808" y="4714877"/>
+            <a:off x="2429295" y="4732546"/>
             <a:ext cx="571448" cy="513741"/>
           </a:xfrm>
           <a:prstGeom prst="rect">
@@ -25521,7 +28292,7 @@
         </p:nvSpPr>
         <p:spPr bwMode="auto">
           <a:xfrm>
-            <a:off x="2491130" y="5697012"/>
+            <a:off x="3118617" y="5714681"/>
             <a:ext cx="5954765" cy="769881"/>
           </a:xfrm>
           <a:prstGeom prst="rect">
@@ -25607,7 +28378,7 @@
         </p:blipFill>
         <p:spPr bwMode="auto">
           <a:xfrm>
-            <a:off x="1841476" y="5817352"/>
+            <a:off x="2468963" y="5835021"/>
             <a:ext cx="534748" cy="529200"/>
           </a:xfrm>
           <a:prstGeom prst="rect">
@@ -25929,7 +28700,97 @@
 </p:sld>
 </file>
 
-<file path=ppt/slides/slide27.xml><?xml version="1.0" encoding="utf-8"?>
+<file path=ppt/slides/slide3.xml><?xml version="1.0" encoding="utf-8"?>
+<p:sld xmlns:a="http://schemas.openxmlformats.org/drawingml/2006/main" xmlns:r="http://schemas.openxmlformats.org/officeDocument/2006/relationships" xmlns:p="http://schemas.openxmlformats.org/presentationml/2006/main">
+  <p:cSld>
+    <p:spTree>
+      <p:nvGrpSpPr>
+        <p:cNvPr id="1" name=""/>
+        <p:cNvGrpSpPr/>
+        <p:nvPr/>
+      </p:nvGrpSpPr>
+      <p:grpSpPr>
+        <a:xfrm>
+          <a:off x="0" y="0"/>
+          <a:ext cx="0" cy="0"/>
+          <a:chOff x="0" y="0"/>
+          <a:chExt cx="0" cy="0"/>
+        </a:xfrm>
+      </p:grpSpPr>
+      <p:sp>
+        <p:nvSpPr>
+          <p:cNvPr id="3" name="Заглавие 2">
+            <a:extLst>
+              <a:ext uri="{FF2B5EF4-FFF2-40B4-BE49-F238E27FC236}">
+                <a16:creationId xmlns:a16="http://schemas.microsoft.com/office/drawing/2014/main" id="{40FEC155-AFE6-4CAD-9AF6-AC97422739E4}"/>
+              </a:ext>
+            </a:extLst>
+          </p:cNvPr>
+          <p:cNvSpPr>
+            <a:spLocks noGrp="1"/>
+          </p:cNvSpPr>
+          <p:nvPr>
+            <p:ph type="title" sz="quarter" idx="10"/>
+          </p:nvPr>
+        </p:nvSpPr>
+        <p:spPr/>
+        <p:txBody>
+          <a:bodyPr/>
+          <a:lstStyle/>
+          <a:p>
+            <a:r>
+              <a:rPr lang="bg-BG" dirty="0"/>
+              <a:t>Какво е метод?</a:t>
+            </a:r>
+          </a:p>
+        </p:txBody>
+      </p:sp>
+      <p:pic>
+        <p:nvPicPr>
+          <p:cNvPr id="8" name="Picture 7"/>
+          <p:cNvPicPr>
+            <a:picLocks noChangeAspect="1"/>
+          </p:cNvPicPr>
+          <p:nvPr/>
+        </p:nvPicPr>
+        <p:blipFill>
+          <a:blip r:embed="rId3"/>
+          <a:stretch>
+            <a:fillRect/>
+          </a:stretch>
+        </p:blipFill>
+        <p:spPr>
+          <a:xfrm>
+            <a:off x="4843102" y="1524496"/>
+            <a:ext cx="2505799" cy="2296314"/>
+          </a:xfrm>
+          <a:prstGeom prst="rect">
+            <a:avLst/>
+          </a:prstGeom>
+        </p:spPr>
+      </p:pic>
+    </p:spTree>
+    <p:extLst>
+      <p:ext uri="{BB962C8B-B14F-4D97-AF65-F5344CB8AC3E}">
+        <p14:creationId xmlns:p14="http://schemas.microsoft.com/office/powerpoint/2010/main" val="3431890975"/>
+      </p:ext>
+    </p:extLst>
+  </p:cSld>
+  <p:clrMapOvr>
+    <a:masterClrMapping/>
+  </p:clrMapOvr>
+  <mc:AlternateContent xmlns:mc="http://schemas.openxmlformats.org/markup-compatibility/2006" xmlns:p14="http://schemas.microsoft.com/office/powerpoint/2010/main">
+    <mc:Choice Requires="p14">
+      <p:transition spd="slow" p14:dur="2000" advClick="0" advTm="5000"/>
+    </mc:Choice>
+    <mc:Fallback xmlns="">
+      <p:transition spd="slow" advClick="0" advTm="5000"/>
+    </mc:Fallback>
+  </mc:AlternateContent>
+</p:sld>
+</file>
+
+<file path=ppt/slides/slide30.xml><?xml version="1.0" encoding="utf-8"?>
 <p:sld xmlns:a="http://schemas.openxmlformats.org/drawingml/2006/main" xmlns:r="http://schemas.openxmlformats.org/officeDocument/2006/relationships" xmlns:p="http://schemas.openxmlformats.org/presentationml/2006/main">
   <p:cSld>
     <p:spTree>
@@ -26114,7 +28975,7 @@
           <a:p>
             <a:r>
               <a:rPr lang="bg-BG" dirty="0"/>
-              <a:t>Методи – най-добри практики</a:t>
+              <a:t>Методи – утвърдени практики</a:t>
             </a:r>
           </a:p>
         </p:txBody>
@@ -26635,7 +29496,7 @@
             <a:fld id="{2BF067CD-8E6B-4360-9AA8-C5DF2A48A6D1}" type="slidenum">
               <a:rPr lang="en-US" noProof="0" smtClean="0"/>
               <a:pPr/>
-              <a:t>27</a:t>
+              <a:t>30</a:t>
             </a:fld>
             <a:endParaRPr lang="en-US" noProof="0" dirty="0"/>
           </a:p>
@@ -26890,7 +29751,7 @@
 </p:sld>
 </file>
 
-<file path=ppt/slides/slide28.xml><?xml version="1.0" encoding="utf-8"?>
+<file path=ppt/slides/slide31.xml><?xml version="1.0" encoding="utf-8"?>
 <p:sld xmlns:a="http://schemas.openxmlformats.org/drawingml/2006/main" xmlns:r="http://schemas.openxmlformats.org/officeDocument/2006/relationships" xmlns:p="http://schemas.openxmlformats.org/presentationml/2006/main">
   <p:cSld>
     <p:spTree>
@@ -27890,7 +30751,7 @@
             <a:fld id="{2BF067CD-8E6B-4360-9AA8-C5DF2A48A6D1}" type="slidenum">
               <a:rPr lang="en-US" noProof="0" smtClean="0"/>
               <a:pPr/>
-              <a:t>28</a:t>
+              <a:t>31</a:t>
             </a:fld>
             <a:endParaRPr lang="en-US" noProof="0" dirty="0"/>
           </a:p>
@@ -28087,7 +30948,7 @@
 </p:sld>
 </file>
 
-<file path=ppt/slides/slide29.xml><?xml version="1.0" encoding="utf-8"?>
+<file path=ppt/slides/slide32.xml><?xml version="1.0" encoding="utf-8"?>
 <p:sld xmlns:a="http://schemas.openxmlformats.org/drawingml/2006/main" xmlns:r="http://schemas.openxmlformats.org/officeDocument/2006/relationships" xmlns:p="http://schemas.openxmlformats.org/presentationml/2006/main">
   <p:cSld>
     <p:spTree>
@@ -28944,7 +31805,7 @@
             <a:fld id="{2BF067CD-8E6B-4360-9AA8-C5DF2A48A6D1}" type="slidenum">
               <a:rPr lang="en-US" noProof="0" smtClean="0"/>
               <a:pPr/>
-              <a:t>29</a:t>
+              <a:t>32</a:t>
             </a:fld>
             <a:endParaRPr lang="en-US" noProof="0" dirty="0"/>
           </a:p>
@@ -29197,97 +32058,7 @@
 </p:sld>
 </file>
 
-<file path=ppt/slides/slide3.xml><?xml version="1.0" encoding="utf-8"?>
-<p:sld xmlns:a="http://schemas.openxmlformats.org/drawingml/2006/main" xmlns:r="http://schemas.openxmlformats.org/officeDocument/2006/relationships" xmlns:p="http://schemas.openxmlformats.org/presentationml/2006/main">
-  <p:cSld>
-    <p:spTree>
-      <p:nvGrpSpPr>
-        <p:cNvPr id="1" name=""/>
-        <p:cNvGrpSpPr/>
-        <p:nvPr/>
-      </p:nvGrpSpPr>
-      <p:grpSpPr>
-        <a:xfrm>
-          <a:off x="0" y="0"/>
-          <a:ext cx="0" cy="0"/>
-          <a:chOff x="0" y="0"/>
-          <a:chExt cx="0" cy="0"/>
-        </a:xfrm>
-      </p:grpSpPr>
-      <p:sp>
-        <p:nvSpPr>
-          <p:cNvPr id="3" name="Заглавие 2">
-            <a:extLst>
-              <a:ext uri="{FF2B5EF4-FFF2-40B4-BE49-F238E27FC236}">
-                <a16:creationId xmlns:a16="http://schemas.microsoft.com/office/drawing/2014/main" id="{40FEC155-AFE6-4CAD-9AF6-AC97422739E4}"/>
-              </a:ext>
-            </a:extLst>
-          </p:cNvPr>
-          <p:cNvSpPr>
-            <a:spLocks noGrp="1"/>
-          </p:cNvSpPr>
-          <p:nvPr>
-            <p:ph type="title" sz="quarter" idx="10"/>
-          </p:nvPr>
-        </p:nvSpPr>
-        <p:spPr/>
-        <p:txBody>
-          <a:bodyPr/>
-          <a:lstStyle/>
-          <a:p>
-            <a:r>
-              <a:rPr lang="bg-BG" dirty="0"/>
-              <a:t>Какво е метод?</a:t>
-            </a:r>
-          </a:p>
-        </p:txBody>
-      </p:sp>
-      <p:pic>
-        <p:nvPicPr>
-          <p:cNvPr id="8" name="Picture 7"/>
-          <p:cNvPicPr>
-            <a:picLocks noChangeAspect="1"/>
-          </p:cNvPicPr>
-          <p:nvPr/>
-        </p:nvPicPr>
-        <p:blipFill>
-          <a:blip r:embed="rId3"/>
-          <a:stretch>
-            <a:fillRect/>
-          </a:stretch>
-        </p:blipFill>
-        <p:spPr>
-          <a:xfrm>
-            <a:off x="4843102" y="1524496"/>
-            <a:ext cx="2505799" cy="2296314"/>
-          </a:xfrm>
-          <a:prstGeom prst="rect">
-            <a:avLst/>
-          </a:prstGeom>
-        </p:spPr>
-      </p:pic>
-    </p:spTree>
-    <p:extLst>
-      <p:ext uri="{BB962C8B-B14F-4D97-AF65-F5344CB8AC3E}">
-        <p14:creationId xmlns:p14="http://schemas.microsoft.com/office/powerpoint/2010/main" val="3431890975"/>
-      </p:ext>
-    </p:extLst>
-  </p:cSld>
-  <p:clrMapOvr>
-    <a:masterClrMapping/>
-  </p:clrMapOvr>
-  <mc:AlternateContent xmlns:mc="http://schemas.openxmlformats.org/markup-compatibility/2006" xmlns:p14="http://schemas.microsoft.com/office/powerpoint/2010/main">
-    <mc:Choice Requires="p14">
-      <p:transition spd="slow" p14:dur="2000" advClick="0" advTm="5000"/>
-    </mc:Choice>
-    <mc:Fallback xmlns="">
-      <p:transition spd="slow" advClick="0" advTm="5000"/>
-    </mc:Fallback>
-  </mc:AlternateContent>
-</p:sld>
-</file>
-
-<file path=ppt/slides/slide30.xml><?xml version="1.0" encoding="utf-8"?>
+<file path=ppt/slides/slide33.xml><?xml version="1.0" encoding="utf-8"?>
 <p:sld xmlns:a="http://schemas.openxmlformats.org/drawingml/2006/main" xmlns:r="http://schemas.openxmlformats.org/officeDocument/2006/relationships" xmlns:p="http://schemas.openxmlformats.org/presentationml/2006/main">
   <p:cSld>
     <p:spTree>
@@ -29366,7 +32137,7 @@
 </p:sld>
 </file>
 
-<file path=ppt/slides/slide31.xml><?xml version="1.0" encoding="utf-8"?>
+<file path=ppt/slides/slide34.xml><?xml version="1.0" encoding="utf-8"?>
 <p:sld xmlns:a="http://schemas.openxmlformats.org/drawingml/2006/main" xmlns:r="http://schemas.openxmlformats.org/officeDocument/2006/relationships" xmlns:p="http://schemas.openxmlformats.org/presentationml/2006/main">
   <p:cSld>
     <p:spTree>
@@ -29630,7 +32401,7 @@
             <a:fld id="{2BF067CD-8E6B-4360-9AA8-C5DF2A48A6D1}" type="slidenum">
               <a:rPr lang="en-US" noProof="0" smtClean="0"/>
               <a:pPr/>
-              <a:t>31</a:t>
+              <a:t>34</a:t>
             </a:fld>
             <a:endParaRPr lang="en-US" noProof="0" dirty="0"/>
           </a:p>
@@ -29793,7 +32564,7 @@
                 <a:spcPct val="100000"/>
               </a:lnSpc>
               <a:spcBef>
-                <a:spcPts val="800"/>
+                <a:spcPts val="400"/>
               </a:spcBef>
               <a:buClr>
                 <a:schemeClr val="tx1"/>
@@ -30073,7 +32844,7 @@
         </p:nvSpPr>
         <p:spPr bwMode="auto">
           <a:xfrm>
-            <a:off x="2227008" y="5661265"/>
+            <a:off x="2227008" y="5650245"/>
             <a:ext cx="7237115" cy="994235"/>
           </a:xfrm>
           <a:prstGeom prst="rect">
@@ -32924,7 +35695,7 @@
         </p:nvSpPr>
         <p:spPr>
           <a:xfrm>
-            <a:off x="363054" y="4734000"/>
+            <a:off x="363054" y="5049000"/>
             <a:ext cx="11465891" cy="768084"/>
           </a:xfrm>
         </p:spPr>
@@ -32934,7 +35705,14 @@
           <a:p>
             <a:r>
               <a:rPr lang="bg-BG" dirty="0"/>
-              <a:t>Деклариране и извикване на методи</a:t>
+              <a:t>Деклариране и извикване </a:t>
+            </a:r>
+            <a:br>
+              <a:rPr lang="bg-BG" dirty="0"/>
+            </a:br>
+            <a:r>
+              <a:rPr lang="bg-BG" dirty="0"/>
+              <a:t>на методи</a:t>
             </a:r>
             <a:endParaRPr lang="en-GB" dirty="0"/>
           </a:p>
@@ -33518,7 +36296,7 @@
                   <a:srgbClr val="FFFFFF"/>
                 </a:solidFill>
               </a:rPr>
-              <a:t>, които приема методът</a:t>
+              <a:t>, които методът приема</a:t>
             </a:r>
             <a:endParaRPr lang="bg-BG" sz="2799" b="1" dirty="0">
               <a:solidFill>
@@ -33546,7 +36324,7 @@
           </a:xfrm>
           <a:prstGeom prst="wedgeRoundRectCallout">
             <a:avLst>
-              <a:gd name="adj1" fmla="val -74676"/>
+              <a:gd name="adj1" fmla="val -150129"/>
               <a:gd name="adj2" fmla="val 27140"/>
               <a:gd name="adj3" fmla="val 16667"/>
             </a:avLst>
